--- a/training/RK Circuit Breaker Training.pptx
+++ b/training/RK Circuit Breaker Training.pptx
@@ -5,7 +5,7 @@
     <p:sldMasterId id="2147483660" r:id="rId1"/>
   </p:sldMasterIdLst>
   <p:notesMasterIdLst>
-    <p:notesMasterId r:id="rId22"/>
+    <p:notesMasterId r:id="rId24"/>
   </p:notesMasterIdLst>
   <p:sldIdLst>
     <p:sldId id="257" r:id="rId2"/>
@@ -27,7 +27,9 @@
     <p:sldId id="304" r:id="rId18"/>
     <p:sldId id="301" r:id="rId19"/>
     <p:sldId id="303" r:id="rId20"/>
-    <p:sldId id="297" r:id="rId21"/>
+    <p:sldId id="305" r:id="rId21"/>
+    <p:sldId id="306" r:id="rId22"/>
+    <p:sldId id="297" r:id="rId23"/>
   </p:sldIdLst>
   <p:sldSz cx="9144000" cy="6858000" type="screen4x3"/>
   <p:notesSz cx="6858000" cy="9144000"/>
@@ -216,7 +218,7 @@
           <a:p>
             <a:fld id="{9E0EB355-D322-4E82-8A7D-D6DDD7014CE3}" type="datetimeFigureOut">
               <a:rPr lang="en-SG" smtClean="0"/>
-              <a:t>19/8/2016</a:t>
+              <a:t>20/8/2016</a:t>
             </a:fld>
             <a:endParaRPr lang="en-SG"/>
           </a:p>
@@ -615,7 +617,7 @@
           <a:p>
             <a:fld id="{40295B9D-081F-4060-83BF-2A07A5295613}" type="datetime1">
               <a:rPr lang="en-US" smtClean="0"/>
-              <a:t>8/19/2016</a:t>
+              <a:t>8/20/2016</a:t>
             </a:fld>
             <a:endParaRPr lang="en-US"/>
           </a:p>
@@ -785,7 +787,7 @@
           <a:p>
             <a:fld id="{B540E401-35D4-4528-8948-675FDF340808}" type="datetime1">
               <a:rPr lang="en-US" smtClean="0"/>
-              <a:t>8/19/2016</a:t>
+              <a:t>8/20/2016</a:t>
             </a:fld>
             <a:endParaRPr lang="en-US"/>
           </a:p>
@@ -965,7 +967,7 @@
           <a:p>
             <a:fld id="{2AFFDFFA-B8ED-4F50-A7B9-34492BC8A4A8}" type="datetime1">
               <a:rPr lang="en-US" smtClean="0"/>
-              <a:t>8/19/2016</a:t>
+              <a:t>8/20/2016</a:t>
             </a:fld>
             <a:endParaRPr lang="en-US"/>
           </a:p>
@@ -1135,7 +1137,7 @@
           <a:p>
             <a:fld id="{7A9926DE-CA11-4E1D-BDA6-09BE0C6DF9AE}" type="datetime1">
               <a:rPr lang="en-US" smtClean="0"/>
-              <a:t>8/19/2016</a:t>
+              <a:t>8/20/2016</a:t>
             </a:fld>
             <a:endParaRPr lang="en-US"/>
           </a:p>
@@ -1379,7 +1381,7 @@
           <a:p>
             <a:fld id="{41F80746-F9A4-4D0D-8988-DECD4686D4DF}" type="datetime1">
               <a:rPr lang="en-US" smtClean="0"/>
-              <a:t>8/19/2016</a:t>
+              <a:t>8/20/2016</a:t>
             </a:fld>
             <a:endParaRPr lang="en-US"/>
           </a:p>
@@ -1611,7 +1613,7 @@
           <a:p>
             <a:fld id="{6961628C-4C96-4957-AB13-48279A4233EC}" type="datetime1">
               <a:rPr lang="en-US" smtClean="0"/>
-              <a:t>8/19/2016</a:t>
+              <a:t>8/20/2016</a:t>
             </a:fld>
             <a:endParaRPr lang="en-US"/>
           </a:p>
@@ -1978,7 +1980,7 @@
           <a:p>
             <a:fld id="{254B1566-A34E-4F65-9AA9-B6928D19D3A5}" type="datetime1">
               <a:rPr lang="en-US" smtClean="0"/>
-              <a:t>8/19/2016</a:t>
+              <a:t>8/20/2016</a:t>
             </a:fld>
             <a:endParaRPr lang="en-US"/>
           </a:p>
@@ -2096,7 +2098,7 @@
           <a:p>
             <a:fld id="{C775C75B-E451-4890-9B15-BDD2C2441EB9}" type="datetime1">
               <a:rPr lang="en-US" smtClean="0"/>
-              <a:t>8/19/2016</a:t>
+              <a:t>8/20/2016</a:t>
             </a:fld>
             <a:endParaRPr lang="en-US"/>
           </a:p>
@@ -2191,7 +2193,7 @@
           <a:p>
             <a:fld id="{1AFF0C26-8B6C-4560-B167-2A1130742DBD}" type="datetime1">
               <a:rPr lang="en-US" smtClean="0"/>
-              <a:t>8/19/2016</a:t>
+              <a:t>8/20/2016</a:t>
             </a:fld>
             <a:endParaRPr lang="en-US"/>
           </a:p>
@@ -2468,7 +2470,7 @@
           <a:p>
             <a:fld id="{2BC7445C-7038-4953-ADE1-D0B82FAC0302}" type="datetime1">
               <a:rPr lang="en-US" smtClean="0"/>
-              <a:t>8/19/2016</a:t>
+              <a:t>8/20/2016</a:t>
             </a:fld>
             <a:endParaRPr lang="en-US"/>
           </a:p>
@@ -2725,7 +2727,7 @@
           <a:p>
             <a:fld id="{8AAF5D4C-B416-4C64-A944-AD1B5D13347B}" type="datetime1">
               <a:rPr lang="en-US" smtClean="0"/>
-              <a:t>8/19/2016</a:t>
+              <a:t>8/20/2016</a:t>
             </a:fld>
             <a:endParaRPr lang="en-US"/>
           </a:p>
@@ -2938,7 +2940,7 @@
           <a:p>
             <a:fld id="{48279938-50F5-462B-9F42-9CD24BC63B99}" type="datetime1">
               <a:rPr lang="en-US" smtClean="0"/>
-              <a:t>8/19/2016</a:t>
+              <a:t>8/20/2016</a:t>
             </a:fld>
             <a:endParaRPr lang="en-US"/>
           </a:p>
@@ -3397,8 +3399,8 @@
         </p:nvSpPr>
         <p:spPr>
           <a:xfrm>
-            <a:off x="3890580" y="5979786"/>
-            <a:ext cx="5134739" cy="707886"/>
+            <a:off x="4001951" y="5821821"/>
+            <a:ext cx="5142049" cy="707886"/>
           </a:xfrm>
           <a:prstGeom prst="rect">
             <a:avLst/>
@@ -3411,6 +3413,7 @@
           </a:bodyPr>
           <a:lstStyle/>
           <a:p>
+            <a:pPr algn="r"/>
             <a:r>
               <a:rPr lang="en-SG" sz="1600" dirty="0"/>
               <a:t>By: Yeo Kheng Meng (</a:t>
@@ -3427,20 +3430,22 @@
             </a:r>
           </a:p>
           <a:p>
+            <a:pPr algn="r"/>
             <a:r>
               <a:rPr lang="en-SG" sz="1200" dirty="0">
                 <a:hlinkClick r:id="rId3"/>
               </a:rPr>
-              <a:t>http://yeokhengmeng.com/2016/05/repair-kopitiam-speciality-electrical-tools/</a:t>
+              <a:t>https://github.com/yeokm1/repair-kopitiam-training-and-equipment</a:t>
             </a:r>
             <a:endParaRPr lang="en-SG" sz="1200" dirty="0"/>
           </a:p>
           <a:p>
+            <a:pPr algn="r"/>
             <a:r>
               <a:rPr lang="en-SG" sz="1200" dirty="0">
                 <a:hlinkClick r:id="rId4"/>
               </a:rPr>
-              <a:t>https://github.com/yeokm1/repair-kopitiam-training-and-equipment</a:t>
+              <a:t>http://yeokhengmeng.com/2016/05/repair-kopitiam-speciality-electrical-tools/</a:t>
             </a:r>
             <a:endParaRPr lang="en-SG" sz="1200" dirty="0"/>
           </a:p>
@@ -3577,7 +3582,7 @@
         <p:spPr>
           <a:xfrm>
             <a:off x="4369632" y="1309098"/>
-            <a:ext cx="4601980" cy="2701684"/>
+            <a:ext cx="4470146" cy="2624288"/>
           </a:xfrm>
           <a:prstGeom prst="rect">
             <a:avLst/>
@@ -6646,6 +6651,2133 @@
           <a:chExt cx="0" cy="0"/>
         </a:xfrm>
       </p:grpSpPr>
+      <p:cxnSp>
+        <p:nvCxnSpPr>
+          <p:cNvPr id="15" name="Straight Connector 14"/>
+          <p:cNvCxnSpPr/>
+          <p:nvPr/>
+        </p:nvCxnSpPr>
+        <p:spPr>
+          <a:xfrm>
+            <a:off x="5617151" y="3376474"/>
+            <a:ext cx="0" cy="2539630"/>
+          </a:xfrm>
+          <a:prstGeom prst="line">
+            <a:avLst/>
+          </a:prstGeom>
+          <a:ln w="38100">
+            <a:solidFill>
+              <a:srgbClr val="C00000"/>
+            </a:solidFill>
+          </a:ln>
+        </p:spPr>
+        <p:style>
+          <a:lnRef idx="1">
+            <a:schemeClr val="accent1"/>
+          </a:lnRef>
+          <a:fillRef idx="0">
+            <a:schemeClr val="accent1"/>
+          </a:fillRef>
+          <a:effectRef idx="0">
+            <a:schemeClr val="accent1"/>
+          </a:effectRef>
+          <a:fontRef idx="minor">
+            <a:schemeClr val="tx1"/>
+          </a:fontRef>
+        </p:style>
+      </p:cxnSp>
+      <p:cxnSp>
+        <p:nvCxnSpPr>
+          <p:cNvPr id="20" name="Straight Connector 19"/>
+          <p:cNvCxnSpPr/>
+          <p:nvPr/>
+        </p:nvCxnSpPr>
+        <p:spPr>
+          <a:xfrm>
+            <a:off x="2044828" y="3396387"/>
+            <a:ext cx="0" cy="2539630"/>
+          </a:xfrm>
+          <a:prstGeom prst="line">
+            <a:avLst/>
+          </a:prstGeom>
+          <a:ln w="38100">
+            <a:solidFill>
+              <a:schemeClr val="tx1"/>
+            </a:solidFill>
+          </a:ln>
+        </p:spPr>
+        <p:style>
+          <a:lnRef idx="1">
+            <a:schemeClr val="accent1"/>
+          </a:lnRef>
+          <a:fillRef idx="0">
+            <a:schemeClr val="accent1"/>
+          </a:fillRef>
+          <a:effectRef idx="0">
+            <a:schemeClr val="accent1"/>
+          </a:effectRef>
+          <a:fontRef idx="minor">
+            <a:schemeClr val="tx1"/>
+          </a:fontRef>
+        </p:style>
+      </p:cxnSp>
+      <p:cxnSp>
+        <p:nvCxnSpPr>
+          <p:cNvPr id="23" name="Straight Connector 22"/>
+          <p:cNvCxnSpPr/>
+          <p:nvPr/>
+        </p:nvCxnSpPr>
+        <p:spPr>
+          <a:xfrm>
+            <a:off x="4515925" y="3385324"/>
+            <a:ext cx="0" cy="2539630"/>
+          </a:xfrm>
+          <a:prstGeom prst="line">
+            <a:avLst/>
+          </a:prstGeom>
+          <a:ln w="38100">
+            <a:solidFill>
+              <a:srgbClr val="7030A0"/>
+            </a:solidFill>
+          </a:ln>
+        </p:spPr>
+        <p:style>
+          <a:lnRef idx="1">
+            <a:schemeClr val="accent1"/>
+          </a:lnRef>
+          <a:fillRef idx="0">
+            <a:schemeClr val="accent1"/>
+          </a:fillRef>
+          <a:effectRef idx="0">
+            <a:schemeClr val="accent1"/>
+          </a:effectRef>
+          <a:fontRef idx="minor">
+            <a:schemeClr val="tx1"/>
+          </a:fontRef>
+        </p:style>
+      </p:cxnSp>
+      <p:cxnSp>
+        <p:nvCxnSpPr>
+          <p:cNvPr id="26" name="Straight Connector 25"/>
+          <p:cNvCxnSpPr/>
+          <p:nvPr/>
+        </p:nvCxnSpPr>
+        <p:spPr>
+          <a:xfrm>
+            <a:off x="6396415" y="3396387"/>
+            <a:ext cx="0" cy="2539630"/>
+          </a:xfrm>
+          <a:prstGeom prst="line">
+            <a:avLst/>
+          </a:prstGeom>
+          <a:ln w="38100">
+            <a:solidFill>
+              <a:srgbClr val="FF0000"/>
+            </a:solidFill>
+          </a:ln>
+        </p:spPr>
+        <p:style>
+          <a:lnRef idx="1">
+            <a:schemeClr val="accent1"/>
+          </a:lnRef>
+          <a:fillRef idx="0">
+            <a:schemeClr val="accent1"/>
+          </a:fillRef>
+          <a:effectRef idx="0">
+            <a:schemeClr val="accent1"/>
+          </a:effectRef>
+          <a:fontRef idx="minor">
+            <a:schemeClr val="tx1"/>
+          </a:fontRef>
+        </p:style>
+      </p:cxnSp>
+      <p:sp>
+        <p:nvSpPr>
+          <p:cNvPr id="2" name="Title 1"/>
+          <p:cNvSpPr>
+            <a:spLocks noGrp="1"/>
+          </p:cNvSpPr>
+          <p:nvPr>
+            <p:ph type="title"/>
+          </p:nvPr>
+        </p:nvSpPr>
+        <p:spPr>
+          <a:xfrm>
+            <a:off x="0" y="-7435"/>
+            <a:ext cx="7886700" cy="724019"/>
+          </a:xfrm>
+        </p:spPr>
+        <p:txBody>
+          <a:bodyPr>
+            <a:normAutofit/>
+          </a:bodyPr>
+          <a:lstStyle/>
+          <a:p>
+            <a:r>
+              <a:rPr lang="en-SG" dirty="0"/>
+              <a:t>Bypass B3 MCB switch</a:t>
+            </a:r>
+          </a:p>
+        </p:txBody>
+      </p:sp>
+      <p:sp>
+        <p:nvSpPr>
+          <p:cNvPr id="4" name="Slide Number Placeholder 3"/>
+          <p:cNvSpPr>
+            <a:spLocks noGrp="1"/>
+          </p:cNvSpPr>
+          <p:nvPr>
+            <p:ph type="sldNum" sz="quarter" idx="12"/>
+          </p:nvPr>
+        </p:nvSpPr>
+        <p:spPr/>
+        <p:txBody>
+          <a:bodyPr/>
+          <a:lstStyle/>
+          <a:p>
+            <a:fld id="{68EF4619-F19A-E048-BC08-46ED4E2D9E67}" type="slidenum">
+              <a:rPr lang="en-US" smtClean="0"/>
+              <a:t>20</a:t>
+            </a:fld>
+            <a:endParaRPr lang="en-US"/>
+          </a:p>
+        </p:txBody>
+      </p:sp>
+      <p:pic>
+        <p:nvPicPr>
+          <p:cNvPr id="5" name="Picture 4"/>
+          <p:cNvPicPr>
+            <a:picLocks noChangeAspect="1"/>
+          </p:cNvPicPr>
+          <p:nvPr/>
+        </p:nvPicPr>
+        <p:blipFill rotWithShape="1">
+          <a:blip r:embed="rId2"/>
+          <a:srcRect l="6710" t="29621" r="14218" b="24616"/>
+          <a:stretch/>
+        </p:blipFill>
+        <p:spPr>
+          <a:xfrm>
+            <a:off x="1157405" y="704317"/>
+            <a:ext cx="7095579" cy="2410812"/>
+          </a:xfrm>
+          <a:prstGeom prst="rect">
+            <a:avLst/>
+          </a:prstGeom>
+        </p:spPr>
+      </p:pic>
+      <p:sp>
+        <p:nvSpPr>
+          <p:cNvPr id="6" name="Rectangle 5"/>
+          <p:cNvSpPr/>
+          <p:nvPr/>
+        </p:nvSpPr>
+        <p:spPr>
+          <a:xfrm>
+            <a:off x="2262196" y="605307"/>
+            <a:ext cx="502276" cy="1725769"/>
+          </a:xfrm>
+          <a:prstGeom prst="rect">
+            <a:avLst/>
+          </a:prstGeom>
+          <a:noFill/>
+          <a:ln w="28575" cap="flat" cmpd="sng" algn="ctr">
+            <a:solidFill>
+              <a:srgbClr val="FF0000"/>
+            </a:solidFill>
+            <a:prstDash val="solid"/>
+            <a:round/>
+            <a:headEnd type="none" w="med" len="med"/>
+            <a:tailEnd type="none" w="med" len="med"/>
+          </a:ln>
+        </p:spPr>
+        <p:style>
+          <a:lnRef idx="0">
+            <a:scrgbClr r="0" g="0" b="0"/>
+          </a:lnRef>
+          <a:fillRef idx="0">
+            <a:scrgbClr r="0" g="0" b="0"/>
+          </a:fillRef>
+          <a:effectRef idx="0">
+            <a:scrgbClr r="0" g="0" b="0"/>
+          </a:effectRef>
+          <a:fontRef idx="minor">
+            <a:schemeClr val="dk1"/>
+          </a:fontRef>
+        </p:style>
+        <p:txBody>
+          <a:bodyPr rtlCol="0" anchor="ctr"/>
+          <a:lstStyle/>
+          <a:p>
+            <a:pPr algn="ctr"/>
+            <a:endParaRPr lang="en-SG"/>
+          </a:p>
+        </p:txBody>
+      </p:sp>
+      <p:sp>
+        <p:nvSpPr>
+          <p:cNvPr id="7" name="Rectangle 6"/>
+          <p:cNvSpPr/>
+          <p:nvPr/>
+        </p:nvSpPr>
+        <p:spPr>
+          <a:xfrm>
+            <a:off x="3921877" y="605307"/>
+            <a:ext cx="502276" cy="1725769"/>
+          </a:xfrm>
+          <a:prstGeom prst="rect">
+            <a:avLst/>
+          </a:prstGeom>
+          <a:noFill/>
+          <a:ln w="28575" cap="flat" cmpd="sng" algn="ctr">
+            <a:solidFill>
+              <a:schemeClr val="tx1"/>
+            </a:solidFill>
+            <a:prstDash val="solid"/>
+            <a:round/>
+            <a:headEnd type="none" w="med" len="med"/>
+            <a:tailEnd type="none" w="med" len="med"/>
+          </a:ln>
+        </p:spPr>
+        <p:style>
+          <a:lnRef idx="0">
+            <a:scrgbClr r="0" g="0" b="0"/>
+          </a:lnRef>
+          <a:fillRef idx="0">
+            <a:scrgbClr r="0" g="0" b="0"/>
+          </a:fillRef>
+          <a:effectRef idx="0">
+            <a:scrgbClr r="0" g="0" b="0"/>
+          </a:effectRef>
+          <a:fontRef idx="minor">
+            <a:schemeClr val="accent1"/>
+          </a:fontRef>
+        </p:style>
+        <p:txBody>
+          <a:bodyPr rtlCol="0" anchor="ctr"/>
+          <a:lstStyle/>
+          <a:p>
+            <a:pPr algn="ctr"/>
+            <a:endParaRPr lang="en-SG"/>
+          </a:p>
+        </p:txBody>
+      </p:sp>
+      <p:sp>
+        <p:nvSpPr>
+          <p:cNvPr id="8" name="Arrow: Right 7"/>
+          <p:cNvSpPr/>
+          <p:nvPr/>
+        </p:nvSpPr>
+        <p:spPr>
+          <a:xfrm>
+            <a:off x="5640461" y="3385324"/>
+            <a:ext cx="3041961" cy="489398"/>
+          </a:xfrm>
+          <a:prstGeom prst="rightArrow">
+            <a:avLst/>
+          </a:prstGeom>
+        </p:spPr>
+        <p:style>
+          <a:lnRef idx="2">
+            <a:schemeClr val="accent6">
+              <a:shade val="50000"/>
+            </a:schemeClr>
+          </a:lnRef>
+          <a:fillRef idx="1">
+            <a:schemeClr val="accent6"/>
+          </a:fillRef>
+          <a:effectRef idx="0">
+            <a:schemeClr val="accent6"/>
+          </a:effectRef>
+          <a:fontRef idx="minor">
+            <a:schemeClr val="lt1"/>
+          </a:fontRef>
+        </p:style>
+        <p:txBody>
+          <a:bodyPr rtlCol="0" anchor="ctr"/>
+          <a:lstStyle/>
+          <a:p>
+            <a:pPr algn="ctr"/>
+            <a:r>
+              <a:rPr lang="en-SG" dirty="0"/>
+              <a:t>Blow margin</a:t>
+            </a:r>
+          </a:p>
+        </p:txBody>
+      </p:sp>
+      <p:pic>
+        <p:nvPicPr>
+          <p:cNvPr id="9" name="Picture 4" descr="http://cpc.farnell.com/productimages/standard/en_GB/PL0998107-40.jpg"/>
+          <p:cNvPicPr>
+            <a:picLocks noChangeAspect="1" noChangeArrowheads="1"/>
+          </p:cNvPicPr>
+          <p:nvPr/>
+        </p:nvPicPr>
+        <p:blipFill>
+          <a:blip r:embed="rId3">
+            <a:extLst>
+              <a:ext uri="{28A0092B-C50C-407E-A947-70E740481C1C}">
+                <a14:useLocalDpi xmlns:a14="http://schemas.microsoft.com/office/drawing/2010/main" val="0"/>
+              </a:ext>
+            </a:extLst>
+          </a:blip>
+          <a:srcRect/>
+          <a:stretch>
+            <a:fillRect/>
+          </a:stretch>
+        </p:blipFill>
+        <p:spPr bwMode="auto">
+          <a:xfrm>
+            <a:off x="826875" y="3312306"/>
+            <a:ext cx="1087059" cy="618265"/>
+          </a:xfrm>
+          <a:prstGeom prst="rect">
+            <a:avLst/>
+          </a:prstGeom>
+          <a:noFill/>
+          <a:extLst>
+            <a:ext uri="{909E8E84-426E-40DD-AFC4-6F175D3DCCD1}">
+              <a14:hiddenFill xmlns:a14="http://schemas.microsoft.com/office/drawing/2010/main">
+                <a:solidFill>
+                  <a:srgbClr val="FFFFFF"/>
+                </a:solidFill>
+              </a14:hiddenFill>
+            </a:ext>
+          </a:extLst>
+        </p:spPr>
+      </p:pic>
+      <p:pic>
+        <p:nvPicPr>
+          <p:cNvPr id="11" name="Picture 10"/>
+          <p:cNvPicPr>
+            <a:picLocks noChangeAspect="1"/>
+          </p:cNvPicPr>
+          <p:nvPr/>
+        </p:nvPicPr>
+        <p:blipFill>
+          <a:blip r:embed="rId4"/>
+          <a:stretch>
+            <a:fillRect/>
+          </a:stretch>
+        </p:blipFill>
+        <p:spPr>
+          <a:xfrm>
+            <a:off x="1080362" y="4412127"/>
+            <a:ext cx="534466" cy="1262250"/>
+          </a:xfrm>
+          <a:prstGeom prst="rect">
+            <a:avLst/>
+          </a:prstGeom>
+        </p:spPr>
+      </p:pic>
+      <p:sp>
+        <p:nvSpPr>
+          <p:cNvPr id="13" name="Arrow: Left-Right 12"/>
+          <p:cNvSpPr/>
+          <p:nvPr/>
+        </p:nvSpPr>
+        <p:spPr>
+          <a:xfrm>
+            <a:off x="2051824" y="3396387"/>
+            <a:ext cx="3560013" cy="450104"/>
+          </a:xfrm>
+          <a:prstGeom prst="leftRightArrow">
+            <a:avLst/>
+          </a:prstGeom>
+        </p:spPr>
+        <p:style>
+          <a:lnRef idx="2">
+            <a:schemeClr val="accent2">
+              <a:shade val="50000"/>
+            </a:schemeClr>
+          </a:lnRef>
+          <a:fillRef idx="1">
+            <a:schemeClr val="accent2"/>
+          </a:fillRef>
+          <a:effectRef idx="0">
+            <a:schemeClr val="accent2"/>
+          </a:effectRef>
+          <a:fontRef idx="minor">
+            <a:schemeClr val="lt1"/>
+          </a:fontRef>
+        </p:style>
+        <p:txBody>
+          <a:bodyPr rtlCol="0" anchor="ctr"/>
+          <a:lstStyle/>
+          <a:p>
+            <a:pPr algn="ctr"/>
+            <a:r>
+              <a:rPr lang="en-SG" dirty="0"/>
+              <a:t>No blow margin</a:t>
+            </a:r>
+          </a:p>
+        </p:txBody>
+      </p:sp>
+      <p:sp>
+        <p:nvSpPr>
+          <p:cNvPr id="17" name="Arrow: Left-Right 16"/>
+          <p:cNvSpPr/>
+          <p:nvPr/>
+        </p:nvSpPr>
+        <p:spPr>
+          <a:xfrm>
+            <a:off x="2052144" y="4818200"/>
+            <a:ext cx="2449962" cy="450104"/>
+          </a:xfrm>
+          <a:prstGeom prst="leftRightArrow">
+            <a:avLst/>
+          </a:prstGeom>
+        </p:spPr>
+        <p:style>
+          <a:lnRef idx="2">
+            <a:schemeClr val="accent2">
+              <a:shade val="50000"/>
+            </a:schemeClr>
+          </a:lnRef>
+          <a:fillRef idx="1">
+            <a:schemeClr val="accent2"/>
+          </a:fillRef>
+          <a:effectRef idx="0">
+            <a:schemeClr val="accent2"/>
+          </a:effectRef>
+          <a:fontRef idx="minor">
+            <a:schemeClr val="lt1"/>
+          </a:fontRef>
+        </p:style>
+        <p:txBody>
+          <a:bodyPr rtlCol="0" anchor="ctr"/>
+          <a:lstStyle/>
+          <a:p>
+            <a:pPr algn="ctr"/>
+            <a:r>
+              <a:rPr lang="en-SG" dirty="0"/>
+              <a:t>No blow margin</a:t>
+            </a:r>
+          </a:p>
+        </p:txBody>
+      </p:sp>
+      <p:sp>
+        <p:nvSpPr>
+          <p:cNvPr id="22" name="TextBox 21"/>
+          <p:cNvSpPr txBox="1"/>
+          <p:nvPr/>
+        </p:nvSpPr>
+        <p:spPr>
+          <a:xfrm>
+            <a:off x="1827461" y="3085961"/>
+            <a:ext cx="434734" cy="369332"/>
+          </a:xfrm>
+          <a:prstGeom prst="rect">
+            <a:avLst/>
+          </a:prstGeom>
+          <a:noFill/>
+        </p:spPr>
+        <p:txBody>
+          <a:bodyPr wrap="none" rtlCol="0">
+            <a:spAutoFit/>
+          </a:bodyPr>
+          <a:lstStyle/>
+          <a:p>
+            <a:r>
+              <a:rPr lang="en-SG" dirty="0"/>
+              <a:t>0A</a:t>
+            </a:r>
+          </a:p>
+        </p:txBody>
+      </p:sp>
+      <p:sp>
+        <p:nvSpPr>
+          <p:cNvPr id="24" name="TextBox 23"/>
+          <p:cNvSpPr txBox="1"/>
+          <p:nvPr/>
+        </p:nvSpPr>
+        <p:spPr>
+          <a:xfrm>
+            <a:off x="4298731" y="3091792"/>
+            <a:ext cx="434734" cy="369332"/>
+          </a:xfrm>
+          <a:prstGeom prst="rect">
+            <a:avLst/>
+          </a:prstGeom>
+          <a:noFill/>
+        </p:spPr>
+        <p:txBody>
+          <a:bodyPr wrap="none" rtlCol="0">
+            <a:spAutoFit/>
+          </a:bodyPr>
+          <a:lstStyle/>
+          <a:p>
+            <a:r>
+              <a:rPr lang="en-SG" dirty="0"/>
+              <a:t>9A</a:t>
+            </a:r>
+          </a:p>
+        </p:txBody>
+      </p:sp>
+      <p:sp>
+        <p:nvSpPr>
+          <p:cNvPr id="25" name="Arrow: Left-Right 24"/>
+          <p:cNvSpPr/>
+          <p:nvPr/>
+        </p:nvSpPr>
+        <p:spPr>
+          <a:xfrm>
+            <a:off x="4530411" y="4818200"/>
+            <a:ext cx="1844935" cy="450104"/>
+          </a:xfrm>
+          <a:prstGeom prst="leftRightArrow">
+            <a:avLst/>
+          </a:prstGeom>
+        </p:spPr>
+        <p:style>
+          <a:lnRef idx="2">
+            <a:schemeClr val="accent1">
+              <a:shade val="50000"/>
+            </a:schemeClr>
+          </a:lnRef>
+          <a:fillRef idx="1">
+            <a:schemeClr val="accent1"/>
+          </a:fillRef>
+          <a:effectRef idx="0">
+            <a:schemeClr val="accent1"/>
+          </a:effectRef>
+          <a:fontRef idx="minor">
+            <a:schemeClr val="lt1"/>
+          </a:fontRef>
+        </p:style>
+        <p:txBody>
+          <a:bodyPr rtlCol="0" anchor="ctr"/>
+          <a:lstStyle/>
+          <a:p>
+            <a:pPr algn="ctr"/>
+            <a:r>
+              <a:rPr lang="en-SG" dirty="0"/>
+              <a:t>May blow</a:t>
+            </a:r>
+          </a:p>
+        </p:txBody>
+      </p:sp>
+      <p:sp>
+        <p:nvSpPr>
+          <p:cNvPr id="28" name="TextBox 27"/>
+          <p:cNvSpPr txBox="1"/>
+          <p:nvPr/>
+        </p:nvSpPr>
+        <p:spPr>
+          <a:xfrm>
+            <a:off x="5366727" y="3083366"/>
+            <a:ext cx="551754" cy="369332"/>
+          </a:xfrm>
+          <a:prstGeom prst="rect">
+            <a:avLst/>
+          </a:prstGeom>
+          <a:noFill/>
+        </p:spPr>
+        <p:txBody>
+          <a:bodyPr wrap="none" rtlCol="0">
+            <a:spAutoFit/>
+          </a:bodyPr>
+          <a:lstStyle/>
+          <a:p>
+            <a:r>
+              <a:rPr lang="en-SG" dirty="0"/>
+              <a:t>13A</a:t>
+            </a:r>
+          </a:p>
+        </p:txBody>
+      </p:sp>
+      <p:sp>
+        <p:nvSpPr>
+          <p:cNvPr id="29" name="TextBox 28"/>
+          <p:cNvSpPr txBox="1"/>
+          <p:nvPr/>
+        </p:nvSpPr>
+        <p:spPr>
+          <a:xfrm>
+            <a:off x="6070881" y="3081901"/>
+            <a:ext cx="551754" cy="369332"/>
+          </a:xfrm>
+          <a:prstGeom prst="rect">
+            <a:avLst/>
+          </a:prstGeom>
+          <a:noFill/>
+        </p:spPr>
+        <p:txBody>
+          <a:bodyPr wrap="none" rtlCol="0">
+            <a:spAutoFit/>
+          </a:bodyPr>
+          <a:lstStyle/>
+          <a:p>
+            <a:r>
+              <a:rPr lang="en-SG" dirty="0"/>
+              <a:t>15A</a:t>
+            </a:r>
+          </a:p>
+        </p:txBody>
+      </p:sp>
+      <p:sp>
+        <p:nvSpPr>
+          <p:cNvPr id="31" name="Arrow: Right 30"/>
+          <p:cNvSpPr/>
+          <p:nvPr/>
+        </p:nvSpPr>
+        <p:spPr>
+          <a:xfrm>
+            <a:off x="6417485" y="4798553"/>
+            <a:ext cx="2271376" cy="489398"/>
+          </a:xfrm>
+          <a:prstGeom prst="rightArrow">
+            <a:avLst/>
+          </a:prstGeom>
+          <a:solidFill>
+            <a:srgbClr val="FF0000"/>
+          </a:solidFill>
+          <a:ln>
+            <a:solidFill>
+              <a:srgbClr val="C00000"/>
+            </a:solidFill>
+          </a:ln>
+        </p:spPr>
+        <p:style>
+          <a:lnRef idx="2">
+            <a:schemeClr val="accent6">
+              <a:shade val="50000"/>
+            </a:schemeClr>
+          </a:lnRef>
+          <a:fillRef idx="1">
+            <a:schemeClr val="accent6"/>
+          </a:fillRef>
+          <a:effectRef idx="0">
+            <a:schemeClr val="accent6"/>
+          </a:effectRef>
+          <a:fontRef idx="minor">
+            <a:schemeClr val="lt1"/>
+          </a:fontRef>
+        </p:style>
+        <p:txBody>
+          <a:bodyPr rtlCol="0" anchor="ctr"/>
+          <a:lstStyle/>
+          <a:p>
+            <a:pPr algn="ctr"/>
+            <a:r>
+              <a:rPr lang="en-SG" dirty="0"/>
+              <a:t>Sure blow margin</a:t>
+            </a:r>
+          </a:p>
+        </p:txBody>
+      </p:sp>
+      <p:sp>
+        <p:nvSpPr>
+          <p:cNvPr id="32" name="TextBox 31"/>
+          <p:cNvSpPr txBox="1"/>
+          <p:nvPr/>
+        </p:nvSpPr>
+        <p:spPr>
+          <a:xfrm>
+            <a:off x="10761" y="5990541"/>
+            <a:ext cx="4868192" cy="646331"/>
+          </a:xfrm>
+          <a:prstGeom prst="rect">
+            <a:avLst/>
+          </a:prstGeom>
+          <a:noFill/>
+        </p:spPr>
+        <p:txBody>
+          <a:bodyPr wrap="none" rtlCol="0">
+            <a:spAutoFit/>
+          </a:bodyPr>
+          <a:lstStyle/>
+          <a:p>
+            <a:r>
+              <a:rPr lang="en-SG" dirty="0"/>
+              <a:t>Blowing range of Type B: 3 – 5 times rated current</a:t>
+            </a:r>
+          </a:p>
+          <a:p>
+            <a:r>
+              <a:rPr lang="en-SG" dirty="0"/>
+              <a:t>3A x (3 to 5)= 9A to 13A</a:t>
+            </a:r>
+          </a:p>
+        </p:txBody>
+      </p:sp>
+      <p:sp>
+        <p:nvSpPr>
+          <p:cNvPr id="33" name="Rectangle 32"/>
+          <p:cNvSpPr/>
+          <p:nvPr/>
+        </p:nvSpPr>
+        <p:spPr>
+          <a:xfrm>
+            <a:off x="17650" y="3376474"/>
+            <a:ext cx="617477" cy="646331"/>
+          </a:xfrm>
+          <a:prstGeom prst="rect">
+            <a:avLst/>
+          </a:prstGeom>
+        </p:spPr>
+        <p:txBody>
+          <a:bodyPr wrap="none">
+            <a:spAutoFit/>
+          </a:bodyPr>
+          <a:lstStyle/>
+          <a:p>
+            <a:r>
+              <a:rPr lang="en-SG" dirty="0"/>
+              <a:t>13A</a:t>
+            </a:r>
+          </a:p>
+          <a:p>
+            <a:r>
+              <a:rPr lang="en-SG" dirty="0"/>
+              <a:t>Fuse</a:t>
+            </a:r>
+          </a:p>
+        </p:txBody>
+      </p:sp>
+      <p:sp>
+        <p:nvSpPr>
+          <p:cNvPr id="34" name="Rectangle 33"/>
+          <p:cNvSpPr/>
+          <p:nvPr/>
+        </p:nvSpPr>
+        <p:spPr>
+          <a:xfrm>
+            <a:off x="17650" y="4720086"/>
+            <a:ext cx="933269" cy="646331"/>
+          </a:xfrm>
+          <a:prstGeom prst="rect">
+            <a:avLst/>
+          </a:prstGeom>
+        </p:spPr>
+        <p:txBody>
+          <a:bodyPr wrap="none">
+            <a:spAutoFit/>
+          </a:bodyPr>
+          <a:lstStyle/>
+          <a:p>
+            <a:r>
+              <a:rPr lang="en-SG" dirty="0"/>
+              <a:t>Type B</a:t>
+            </a:r>
+          </a:p>
+          <a:p>
+            <a:r>
+              <a:rPr lang="en-SG" dirty="0"/>
+              <a:t>3A MCB</a:t>
+            </a:r>
+          </a:p>
+        </p:txBody>
+      </p:sp>
+      <p:sp>
+        <p:nvSpPr>
+          <p:cNvPr id="37" name="Rectangle: Rounded Corners 36"/>
+          <p:cNvSpPr/>
+          <p:nvPr/>
+        </p:nvSpPr>
+        <p:spPr>
+          <a:xfrm>
+            <a:off x="5838153" y="467745"/>
+            <a:ext cx="3296993" cy="609957"/>
+          </a:xfrm>
+          <a:prstGeom prst="roundRect">
+            <a:avLst/>
+          </a:prstGeom>
+        </p:spPr>
+        <p:style>
+          <a:lnRef idx="2">
+            <a:schemeClr val="accent4">
+              <a:shade val="50000"/>
+            </a:schemeClr>
+          </a:lnRef>
+          <a:fillRef idx="1">
+            <a:schemeClr val="accent4"/>
+          </a:fillRef>
+          <a:effectRef idx="0">
+            <a:schemeClr val="accent4"/>
+          </a:effectRef>
+          <a:fontRef idx="minor">
+            <a:schemeClr val="lt1"/>
+          </a:fontRef>
+        </p:style>
+        <p:txBody>
+          <a:bodyPr rtlCol="0" anchor="ctr"/>
+          <a:lstStyle/>
+          <a:p>
+            <a:pPr algn="ctr"/>
+            <a:r>
+              <a:rPr lang="en-SG" sz="1400" dirty="0">
+                <a:solidFill>
+                  <a:schemeClr val="tx1"/>
+                </a:solidFill>
+              </a:rPr>
+              <a:t>Temporarily turn on Bypass Switch if you encounter high power appliances </a:t>
+            </a:r>
+          </a:p>
+        </p:txBody>
+      </p:sp>
+      <p:sp>
+        <p:nvSpPr>
+          <p:cNvPr id="38" name="Arrow: Down 37"/>
+          <p:cNvSpPr/>
+          <p:nvPr/>
+        </p:nvSpPr>
+        <p:spPr>
+          <a:xfrm rot="4267772">
+            <a:off x="4986868" y="574168"/>
+            <a:ext cx="288569" cy="1334212"/>
+          </a:xfrm>
+          <a:prstGeom prst="downArrow">
+            <a:avLst/>
+          </a:prstGeom>
+        </p:spPr>
+        <p:style>
+          <a:lnRef idx="2">
+            <a:schemeClr val="accent4">
+              <a:shade val="50000"/>
+            </a:schemeClr>
+          </a:lnRef>
+          <a:fillRef idx="1">
+            <a:schemeClr val="accent4"/>
+          </a:fillRef>
+          <a:effectRef idx="0">
+            <a:schemeClr val="accent4"/>
+          </a:effectRef>
+          <a:fontRef idx="minor">
+            <a:schemeClr val="lt1"/>
+          </a:fontRef>
+        </p:style>
+        <p:txBody>
+          <a:bodyPr rtlCol="0" anchor="ctr"/>
+          <a:lstStyle/>
+          <a:p>
+            <a:pPr algn="ctr"/>
+            <a:endParaRPr lang="en-SG"/>
+          </a:p>
+        </p:txBody>
+      </p:sp>
+      <p:sp>
+        <p:nvSpPr>
+          <p:cNvPr id="39" name="Arrow: Left-Right 38"/>
+          <p:cNvSpPr/>
+          <p:nvPr/>
+        </p:nvSpPr>
+        <p:spPr>
+          <a:xfrm>
+            <a:off x="4536996" y="5449325"/>
+            <a:ext cx="1056846" cy="450104"/>
+          </a:xfrm>
+          <a:prstGeom prst="leftRightArrow">
+            <a:avLst/>
+          </a:prstGeom>
+        </p:spPr>
+        <p:style>
+          <a:lnRef idx="2">
+            <a:schemeClr val="accent3">
+              <a:shade val="50000"/>
+            </a:schemeClr>
+          </a:lnRef>
+          <a:fillRef idx="1">
+            <a:schemeClr val="accent3"/>
+          </a:fillRef>
+          <a:effectRef idx="0">
+            <a:schemeClr val="accent3"/>
+          </a:effectRef>
+          <a:fontRef idx="minor">
+            <a:schemeClr val="lt1"/>
+          </a:fontRef>
+        </p:style>
+        <p:txBody>
+          <a:bodyPr rtlCol="0" anchor="ctr"/>
+          <a:lstStyle/>
+          <a:p>
+            <a:pPr algn="ctr"/>
+            <a:r>
+              <a:rPr lang="en-SG" dirty="0"/>
+              <a:t>How?</a:t>
+            </a:r>
+          </a:p>
+        </p:txBody>
+      </p:sp>
+    </p:spTree>
+    <p:extLst>
+      <p:ext uri="{BB962C8B-B14F-4D97-AF65-F5344CB8AC3E}">
+        <p14:creationId xmlns:p14="http://schemas.microsoft.com/office/powerpoint/2010/main" val="2992302231"/>
+      </p:ext>
+    </p:extLst>
+  </p:cSld>
+  <p:clrMapOvr>
+    <a:masterClrMapping/>
+  </p:clrMapOvr>
+  <p:timing>
+    <p:tnLst>
+      <p:par>
+        <p:cTn id="1" dur="indefinite" restart="never" nodeType="tmRoot">
+          <p:childTnLst>
+            <p:seq concurrent="1" nextAc="seek">
+              <p:cTn id="2" dur="indefinite" nodeType="mainSeq">
+                <p:childTnLst>
+                  <p:par>
+                    <p:cTn id="3" fill="hold">
+                      <p:stCondLst>
+                        <p:cond delay="indefinite"/>
+                      </p:stCondLst>
+                      <p:childTnLst>
+                        <p:par>
+                          <p:cTn id="4" fill="hold">
+                            <p:stCondLst>
+                              <p:cond delay="0"/>
+                            </p:stCondLst>
+                            <p:childTnLst>
+                              <p:par>
+                                <p:cTn id="5" presetID="10" presetClass="entr" presetSubtype="0" fill="hold" nodeType="clickEffect">
+                                  <p:stCondLst>
+                                    <p:cond delay="0"/>
+                                  </p:stCondLst>
+                                  <p:childTnLst>
+                                    <p:set>
+                                      <p:cBhvr>
+                                        <p:cTn id="6" dur="1" fill="hold">
+                                          <p:stCondLst>
+                                            <p:cond delay="0"/>
+                                          </p:stCondLst>
+                                        </p:cTn>
+                                        <p:tgtEl>
+                                          <p:spTgt spid="9"/>
+                                        </p:tgtEl>
+                                        <p:attrNameLst>
+                                          <p:attrName>style.visibility</p:attrName>
+                                        </p:attrNameLst>
+                                      </p:cBhvr>
+                                      <p:to>
+                                        <p:strVal val="visible"/>
+                                      </p:to>
+                                    </p:set>
+                                    <p:animEffect transition="in" filter="fade">
+                                      <p:cBhvr>
+                                        <p:cTn id="7" dur="500"/>
+                                        <p:tgtEl>
+                                          <p:spTgt spid="9"/>
+                                        </p:tgtEl>
+                                      </p:cBhvr>
+                                    </p:animEffect>
+                                  </p:childTnLst>
+                                </p:cTn>
+                              </p:par>
+                              <p:par>
+                                <p:cTn id="8" presetID="10" presetClass="entr" presetSubtype="0" fill="hold" grpId="0" nodeType="withEffect">
+                                  <p:stCondLst>
+                                    <p:cond delay="0"/>
+                                  </p:stCondLst>
+                                  <p:childTnLst>
+                                    <p:set>
+                                      <p:cBhvr>
+                                        <p:cTn id="9" dur="1" fill="hold">
+                                          <p:stCondLst>
+                                            <p:cond delay="0"/>
+                                          </p:stCondLst>
+                                        </p:cTn>
+                                        <p:tgtEl>
+                                          <p:spTgt spid="33"/>
+                                        </p:tgtEl>
+                                        <p:attrNameLst>
+                                          <p:attrName>style.visibility</p:attrName>
+                                        </p:attrNameLst>
+                                      </p:cBhvr>
+                                      <p:to>
+                                        <p:strVal val="visible"/>
+                                      </p:to>
+                                    </p:set>
+                                    <p:animEffect transition="in" filter="fade">
+                                      <p:cBhvr>
+                                        <p:cTn id="10" dur="500"/>
+                                        <p:tgtEl>
+                                          <p:spTgt spid="33"/>
+                                        </p:tgtEl>
+                                      </p:cBhvr>
+                                    </p:animEffect>
+                                  </p:childTnLst>
+                                </p:cTn>
+                              </p:par>
+                            </p:childTnLst>
+                          </p:cTn>
+                        </p:par>
+                      </p:childTnLst>
+                    </p:cTn>
+                  </p:par>
+                  <p:par>
+                    <p:cTn id="11" fill="hold">
+                      <p:stCondLst>
+                        <p:cond delay="indefinite"/>
+                      </p:stCondLst>
+                      <p:childTnLst>
+                        <p:par>
+                          <p:cTn id="12" fill="hold">
+                            <p:stCondLst>
+                              <p:cond delay="0"/>
+                            </p:stCondLst>
+                            <p:childTnLst>
+                              <p:par>
+                                <p:cTn id="13" presetID="10" presetClass="entr" presetSubtype="0" fill="hold" nodeType="clickEffect">
+                                  <p:stCondLst>
+                                    <p:cond delay="0"/>
+                                  </p:stCondLst>
+                                  <p:childTnLst>
+                                    <p:set>
+                                      <p:cBhvr>
+                                        <p:cTn id="14" dur="1" fill="hold">
+                                          <p:stCondLst>
+                                            <p:cond delay="0"/>
+                                          </p:stCondLst>
+                                        </p:cTn>
+                                        <p:tgtEl>
+                                          <p:spTgt spid="20"/>
+                                        </p:tgtEl>
+                                        <p:attrNameLst>
+                                          <p:attrName>style.visibility</p:attrName>
+                                        </p:attrNameLst>
+                                      </p:cBhvr>
+                                      <p:to>
+                                        <p:strVal val="visible"/>
+                                      </p:to>
+                                    </p:set>
+                                    <p:animEffect transition="in" filter="fade">
+                                      <p:cBhvr>
+                                        <p:cTn id="15" dur="500"/>
+                                        <p:tgtEl>
+                                          <p:spTgt spid="20"/>
+                                        </p:tgtEl>
+                                      </p:cBhvr>
+                                    </p:animEffect>
+                                  </p:childTnLst>
+                                </p:cTn>
+                              </p:par>
+                              <p:par>
+                                <p:cTn id="16" presetID="10" presetClass="entr" presetSubtype="0" fill="hold" grpId="0" nodeType="withEffect">
+                                  <p:stCondLst>
+                                    <p:cond delay="0"/>
+                                  </p:stCondLst>
+                                  <p:childTnLst>
+                                    <p:set>
+                                      <p:cBhvr>
+                                        <p:cTn id="17" dur="1" fill="hold">
+                                          <p:stCondLst>
+                                            <p:cond delay="0"/>
+                                          </p:stCondLst>
+                                        </p:cTn>
+                                        <p:tgtEl>
+                                          <p:spTgt spid="13"/>
+                                        </p:tgtEl>
+                                        <p:attrNameLst>
+                                          <p:attrName>style.visibility</p:attrName>
+                                        </p:attrNameLst>
+                                      </p:cBhvr>
+                                      <p:to>
+                                        <p:strVal val="visible"/>
+                                      </p:to>
+                                    </p:set>
+                                    <p:animEffect transition="in" filter="fade">
+                                      <p:cBhvr>
+                                        <p:cTn id="18" dur="500"/>
+                                        <p:tgtEl>
+                                          <p:spTgt spid="13"/>
+                                        </p:tgtEl>
+                                      </p:cBhvr>
+                                    </p:animEffect>
+                                  </p:childTnLst>
+                                </p:cTn>
+                              </p:par>
+                              <p:par>
+                                <p:cTn id="19" presetID="10" presetClass="entr" presetSubtype="0" fill="hold" nodeType="withEffect">
+                                  <p:stCondLst>
+                                    <p:cond delay="0"/>
+                                  </p:stCondLst>
+                                  <p:childTnLst>
+                                    <p:set>
+                                      <p:cBhvr>
+                                        <p:cTn id="20" dur="1" fill="hold">
+                                          <p:stCondLst>
+                                            <p:cond delay="0"/>
+                                          </p:stCondLst>
+                                        </p:cTn>
+                                        <p:tgtEl>
+                                          <p:spTgt spid="15"/>
+                                        </p:tgtEl>
+                                        <p:attrNameLst>
+                                          <p:attrName>style.visibility</p:attrName>
+                                        </p:attrNameLst>
+                                      </p:cBhvr>
+                                      <p:to>
+                                        <p:strVal val="visible"/>
+                                      </p:to>
+                                    </p:set>
+                                    <p:animEffect transition="in" filter="fade">
+                                      <p:cBhvr>
+                                        <p:cTn id="21" dur="500"/>
+                                        <p:tgtEl>
+                                          <p:spTgt spid="15"/>
+                                        </p:tgtEl>
+                                      </p:cBhvr>
+                                    </p:animEffect>
+                                  </p:childTnLst>
+                                </p:cTn>
+                              </p:par>
+                              <p:par>
+                                <p:cTn id="22" presetID="10" presetClass="entr" presetSubtype="0" fill="hold" grpId="0" nodeType="withEffect">
+                                  <p:stCondLst>
+                                    <p:cond delay="0"/>
+                                  </p:stCondLst>
+                                  <p:childTnLst>
+                                    <p:set>
+                                      <p:cBhvr>
+                                        <p:cTn id="23" dur="1" fill="hold">
+                                          <p:stCondLst>
+                                            <p:cond delay="0"/>
+                                          </p:stCondLst>
+                                        </p:cTn>
+                                        <p:tgtEl>
+                                          <p:spTgt spid="22"/>
+                                        </p:tgtEl>
+                                        <p:attrNameLst>
+                                          <p:attrName>style.visibility</p:attrName>
+                                        </p:attrNameLst>
+                                      </p:cBhvr>
+                                      <p:to>
+                                        <p:strVal val="visible"/>
+                                      </p:to>
+                                    </p:set>
+                                    <p:animEffect transition="in" filter="fade">
+                                      <p:cBhvr>
+                                        <p:cTn id="24" dur="500"/>
+                                        <p:tgtEl>
+                                          <p:spTgt spid="22"/>
+                                        </p:tgtEl>
+                                      </p:cBhvr>
+                                    </p:animEffect>
+                                  </p:childTnLst>
+                                </p:cTn>
+                              </p:par>
+                              <p:par>
+                                <p:cTn id="25" presetID="10" presetClass="entr" presetSubtype="0" fill="hold" grpId="0" nodeType="withEffect">
+                                  <p:stCondLst>
+                                    <p:cond delay="0"/>
+                                  </p:stCondLst>
+                                  <p:childTnLst>
+                                    <p:set>
+                                      <p:cBhvr>
+                                        <p:cTn id="26" dur="1" fill="hold">
+                                          <p:stCondLst>
+                                            <p:cond delay="0"/>
+                                          </p:stCondLst>
+                                        </p:cTn>
+                                        <p:tgtEl>
+                                          <p:spTgt spid="28"/>
+                                        </p:tgtEl>
+                                        <p:attrNameLst>
+                                          <p:attrName>style.visibility</p:attrName>
+                                        </p:attrNameLst>
+                                      </p:cBhvr>
+                                      <p:to>
+                                        <p:strVal val="visible"/>
+                                      </p:to>
+                                    </p:set>
+                                    <p:animEffect transition="in" filter="fade">
+                                      <p:cBhvr>
+                                        <p:cTn id="27" dur="500"/>
+                                        <p:tgtEl>
+                                          <p:spTgt spid="28"/>
+                                        </p:tgtEl>
+                                      </p:cBhvr>
+                                    </p:animEffect>
+                                  </p:childTnLst>
+                                </p:cTn>
+                              </p:par>
+                            </p:childTnLst>
+                          </p:cTn>
+                        </p:par>
+                      </p:childTnLst>
+                    </p:cTn>
+                  </p:par>
+                  <p:par>
+                    <p:cTn id="28" fill="hold">
+                      <p:stCondLst>
+                        <p:cond delay="indefinite"/>
+                      </p:stCondLst>
+                      <p:childTnLst>
+                        <p:par>
+                          <p:cTn id="29" fill="hold">
+                            <p:stCondLst>
+                              <p:cond delay="0"/>
+                            </p:stCondLst>
+                            <p:childTnLst>
+                              <p:par>
+                                <p:cTn id="30" presetID="2" presetClass="entr" presetSubtype="8" fill="hold" grpId="0" nodeType="clickEffect">
+                                  <p:stCondLst>
+                                    <p:cond delay="0"/>
+                                  </p:stCondLst>
+                                  <p:childTnLst>
+                                    <p:set>
+                                      <p:cBhvr>
+                                        <p:cTn id="31" dur="1" fill="hold">
+                                          <p:stCondLst>
+                                            <p:cond delay="0"/>
+                                          </p:stCondLst>
+                                        </p:cTn>
+                                        <p:tgtEl>
+                                          <p:spTgt spid="8"/>
+                                        </p:tgtEl>
+                                        <p:attrNameLst>
+                                          <p:attrName>style.visibility</p:attrName>
+                                        </p:attrNameLst>
+                                      </p:cBhvr>
+                                      <p:to>
+                                        <p:strVal val="visible"/>
+                                      </p:to>
+                                    </p:set>
+                                    <p:anim calcmode="lin" valueType="num">
+                                      <p:cBhvr additive="base">
+                                        <p:cTn id="32" dur="500" fill="hold"/>
+                                        <p:tgtEl>
+                                          <p:spTgt spid="8"/>
+                                        </p:tgtEl>
+                                        <p:attrNameLst>
+                                          <p:attrName>ppt_x</p:attrName>
+                                        </p:attrNameLst>
+                                      </p:cBhvr>
+                                      <p:tavLst>
+                                        <p:tav tm="0">
+                                          <p:val>
+                                            <p:strVal val="0-#ppt_w/2"/>
+                                          </p:val>
+                                        </p:tav>
+                                        <p:tav tm="100000">
+                                          <p:val>
+                                            <p:strVal val="#ppt_x"/>
+                                          </p:val>
+                                        </p:tav>
+                                      </p:tavLst>
+                                    </p:anim>
+                                    <p:anim calcmode="lin" valueType="num">
+                                      <p:cBhvr additive="base">
+                                        <p:cTn id="33" dur="500" fill="hold"/>
+                                        <p:tgtEl>
+                                          <p:spTgt spid="8"/>
+                                        </p:tgtEl>
+                                        <p:attrNameLst>
+                                          <p:attrName>ppt_y</p:attrName>
+                                        </p:attrNameLst>
+                                      </p:cBhvr>
+                                      <p:tavLst>
+                                        <p:tav tm="0">
+                                          <p:val>
+                                            <p:strVal val="#ppt_y"/>
+                                          </p:val>
+                                        </p:tav>
+                                        <p:tav tm="100000">
+                                          <p:val>
+                                            <p:strVal val="#ppt_y"/>
+                                          </p:val>
+                                        </p:tav>
+                                      </p:tavLst>
+                                    </p:anim>
+                                  </p:childTnLst>
+                                </p:cTn>
+                              </p:par>
+                            </p:childTnLst>
+                          </p:cTn>
+                        </p:par>
+                      </p:childTnLst>
+                    </p:cTn>
+                  </p:par>
+                  <p:par>
+                    <p:cTn id="34" fill="hold">
+                      <p:stCondLst>
+                        <p:cond delay="indefinite"/>
+                      </p:stCondLst>
+                      <p:childTnLst>
+                        <p:par>
+                          <p:cTn id="35" fill="hold">
+                            <p:stCondLst>
+                              <p:cond delay="0"/>
+                            </p:stCondLst>
+                            <p:childTnLst>
+                              <p:par>
+                                <p:cTn id="36" presetID="10" presetClass="entr" presetSubtype="0" fill="hold" grpId="0" nodeType="clickEffect">
+                                  <p:stCondLst>
+                                    <p:cond delay="0"/>
+                                  </p:stCondLst>
+                                  <p:childTnLst>
+                                    <p:set>
+                                      <p:cBhvr>
+                                        <p:cTn id="37" dur="1" fill="hold">
+                                          <p:stCondLst>
+                                            <p:cond delay="0"/>
+                                          </p:stCondLst>
+                                        </p:cTn>
+                                        <p:tgtEl>
+                                          <p:spTgt spid="34"/>
+                                        </p:tgtEl>
+                                        <p:attrNameLst>
+                                          <p:attrName>style.visibility</p:attrName>
+                                        </p:attrNameLst>
+                                      </p:cBhvr>
+                                      <p:to>
+                                        <p:strVal val="visible"/>
+                                      </p:to>
+                                    </p:set>
+                                    <p:animEffect transition="in" filter="fade">
+                                      <p:cBhvr>
+                                        <p:cTn id="38" dur="500"/>
+                                        <p:tgtEl>
+                                          <p:spTgt spid="34"/>
+                                        </p:tgtEl>
+                                      </p:cBhvr>
+                                    </p:animEffect>
+                                  </p:childTnLst>
+                                </p:cTn>
+                              </p:par>
+                              <p:par>
+                                <p:cTn id="39" presetID="10" presetClass="entr" presetSubtype="0" fill="hold" nodeType="withEffect">
+                                  <p:stCondLst>
+                                    <p:cond delay="0"/>
+                                  </p:stCondLst>
+                                  <p:childTnLst>
+                                    <p:set>
+                                      <p:cBhvr>
+                                        <p:cTn id="40" dur="1" fill="hold">
+                                          <p:stCondLst>
+                                            <p:cond delay="0"/>
+                                          </p:stCondLst>
+                                        </p:cTn>
+                                        <p:tgtEl>
+                                          <p:spTgt spid="11"/>
+                                        </p:tgtEl>
+                                        <p:attrNameLst>
+                                          <p:attrName>style.visibility</p:attrName>
+                                        </p:attrNameLst>
+                                      </p:cBhvr>
+                                      <p:to>
+                                        <p:strVal val="visible"/>
+                                      </p:to>
+                                    </p:set>
+                                    <p:animEffect transition="in" filter="fade">
+                                      <p:cBhvr>
+                                        <p:cTn id="41" dur="500"/>
+                                        <p:tgtEl>
+                                          <p:spTgt spid="11"/>
+                                        </p:tgtEl>
+                                      </p:cBhvr>
+                                    </p:animEffect>
+                                  </p:childTnLst>
+                                </p:cTn>
+                              </p:par>
+                              <p:par>
+                                <p:cTn id="42" presetID="10" presetClass="entr" presetSubtype="0" fill="hold" grpId="0" nodeType="withEffect">
+                                  <p:stCondLst>
+                                    <p:cond delay="0"/>
+                                  </p:stCondLst>
+                                  <p:childTnLst>
+                                    <p:set>
+                                      <p:cBhvr>
+                                        <p:cTn id="43" dur="1" fill="hold">
+                                          <p:stCondLst>
+                                            <p:cond delay="0"/>
+                                          </p:stCondLst>
+                                        </p:cTn>
+                                        <p:tgtEl>
+                                          <p:spTgt spid="32"/>
+                                        </p:tgtEl>
+                                        <p:attrNameLst>
+                                          <p:attrName>style.visibility</p:attrName>
+                                        </p:attrNameLst>
+                                      </p:cBhvr>
+                                      <p:to>
+                                        <p:strVal val="visible"/>
+                                      </p:to>
+                                    </p:set>
+                                    <p:animEffect transition="in" filter="fade">
+                                      <p:cBhvr>
+                                        <p:cTn id="44" dur="500"/>
+                                        <p:tgtEl>
+                                          <p:spTgt spid="32"/>
+                                        </p:tgtEl>
+                                      </p:cBhvr>
+                                    </p:animEffect>
+                                  </p:childTnLst>
+                                </p:cTn>
+                              </p:par>
+                            </p:childTnLst>
+                          </p:cTn>
+                        </p:par>
+                      </p:childTnLst>
+                    </p:cTn>
+                  </p:par>
+                  <p:par>
+                    <p:cTn id="45" fill="hold">
+                      <p:stCondLst>
+                        <p:cond delay="indefinite"/>
+                      </p:stCondLst>
+                      <p:childTnLst>
+                        <p:par>
+                          <p:cTn id="46" fill="hold">
+                            <p:stCondLst>
+                              <p:cond delay="0"/>
+                            </p:stCondLst>
+                            <p:childTnLst>
+                              <p:par>
+                                <p:cTn id="47" presetID="10" presetClass="entr" presetSubtype="0" fill="hold" grpId="0" nodeType="clickEffect">
+                                  <p:stCondLst>
+                                    <p:cond delay="0"/>
+                                  </p:stCondLst>
+                                  <p:childTnLst>
+                                    <p:set>
+                                      <p:cBhvr>
+                                        <p:cTn id="48" dur="1" fill="hold">
+                                          <p:stCondLst>
+                                            <p:cond delay="0"/>
+                                          </p:stCondLst>
+                                        </p:cTn>
+                                        <p:tgtEl>
+                                          <p:spTgt spid="17"/>
+                                        </p:tgtEl>
+                                        <p:attrNameLst>
+                                          <p:attrName>style.visibility</p:attrName>
+                                        </p:attrNameLst>
+                                      </p:cBhvr>
+                                      <p:to>
+                                        <p:strVal val="visible"/>
+                                      </p:to>
+                                    </p:set>
+                                    <p:animEffect transition="in" filter="fade">
+                                      <p:cBhvr>
+                                        <p:cTn id="49" dur="500"/>
+                                        <p:tgtEl>
+                                          <p:spTgt spid="17"/>
+                                        </p:tgtEl>
+                                      </p:cBhvr>
+                                    </p:animEffect>
+                                  </p:childTnLst>
+                                </p:cTn>
+                              </p:par>
+                              <p:par>
+                                <p:cTn id="50" presetID="10" presetClass="entr" presetSubtype="0" fill="hold" nodeType="withEffect">
+                                  <p:stCondLst>
+                                    <p:cond delay="0"/>
+                                  </p:stCondLst>
+                                  <p:childTnLst>
+                                    <p:set>
+                                      <p:cBhvr>
+                                        <p:cTn id="51" dur="1" fill="hold">
+                                          <p:stCondLst>
+                                            <p:cond delay="0"/>
+                                          </p:stCondLst>
+                                        </p:cTn>
+                                        <p:tgtEl>
+                                          <p:spTgt spid="23"/>
+                                        </p:tgtEl>
+                                        <p:attrNameLst>
+                                          <p:attrName>style.visibility</p:attrName>
+                                        </p:attrNameLst>
+                                      </p:cBhvr>
+                                      <p:to>
+                                        <p:strVal val="visible"/>
+                                      </p:to>
+                                    </p:set>
+                                    <p:animEffect transition="in" filter="fade">
+                                      <p:cBhvr>
+                                        <p:cTn id="52" dur="500"/>
+                                        <p:tgtEl>
+                                          <p:spTgt spid="23"/>
+                                        </p:tgtEl>
+                                      </p:cBhvr>
+                                    </p:animEffect>
+                                  </p:childTnLst>
+                                </p:cTn>
+                              </p:par>
+                              <p:par>
+                                <p:cTn id="53" presetID="10" presetClass="entr" presetSubtype="0" fill="hold" grpId="0" nodeType="withEffect">
+                                  <p:stCondLst>
+                                    <p:cond delay="0"/>
+                                  </p:stCondLst>
+                                  <p:childTnLst>
+                                    <p:set>
+                                      <p:cBhvr>
+                                        <p:cTn id="54" dur="1" fill="hold">
+                                          <p:stCondLst>
+                                            <p:cond delay="0"/>
+                                          </p:stCondLst>
+                                        </p:cTn>
+                                        <p:tgtEl>
+                                          <p:spTgt spid="24"/>
+                                        </p:tgtEl>
+                                        <p:attrNameLst>
+                                          <p:attrName>style.visibility</p:attrName>
+                                        </p:attrNameLst>
+                                      </p:cBhvr>
+                                      <p:to>
+                                        <p:strVal val="visible"/>
+                                      </p:to>
+                                    </p:set>
+                                    <p:animEffect transition="in" filter="fade">
+                                      <p:cBhvr>
+                                        <p:cTn id="55" dur="500"/>
+                                        <p:tgtEl>
+                                          <p:spTgt spid="24"/>
+                                        </p:tgtEl>
+                                      </p:cBhvr>
+                                    </p:animEffect>
+                                  </p:childTnLst>
+                                </p:cTn>
+                              </p:par>
+                            </p:childTnLst>
+                          </p:cTn>
+                        </p:par>
+                      </p:childTnLst>
+                    </p:cTn>
+                  </p:par>
+                  <p:par>
+                    <p:cTn id="56" fill="hold">
+                      <p:stCondLst>
+                        <p:cond delay="indefinite"/>
+                      </p:stCondLst>
+                      <p:childTnLst>
+                        <p:par>
+                          <p:cTn id="57" fill="hold">
+                            <p:stCondLst>
+                              <p:cond delay="0"/>
+                            </p:stCondLst>
+                            <p:childTnLst>
+                              <p:par>
+                                <p:cTn id="58" presetID="10" presetClass="entr" presetSubtype="0" fill="hold" grpId="0" nodeType="clickEffect">
+                                  <p:stCondLst>
+                                    <p:cond delay="0"/>
+                                  </p:stCondLst>
+                                  <p:childTnLst>
+                                    <p:set>
+                                      <p:cBhvr>
+                                        <p:cTn id="59" dur="1" fill="hold">
+                                          <p:stCondLst>
+                                            <p:cond delay="0"/>
+                                          </p:stCondLst>
+                                        </p:cTn>
+                                        <p:tgtEl>
+                                          <p:spTgt spid="25"/>
+                                        </p:tgtEl>
+                                        <p:attrNameLst>
+                                          <p:attrName>style.visibility</p:attrName>
+                                        </p:attrNameLst>
+                                      </p:cBhvr>
+                                      <p:to>
+                                        <p:strVal val="visible"/>
+                                      </p:to>
+                                    </p:set>
+                                    <p:animEffect transition="in" filter="fade">
+                                      <p:cBhvr>
+                                        <p:cTn id="60" dur="500"/>
+                                        <p:tgtEl>
+                                          <p:spTgt spid="25"/>
+                                        </p:tgtEl>
+                                      </p:cBhvr>
+                                    </p:animEffect>
+                                  </p:childTnLst>
+                                </p:cTn>
+                              </p:par>
+                              <p:par>
+                                <p:cTn id="61" presetID="10" presetClass="entr" presetSubtype="0" fill="hold" nodeType="withEffect">
+                                  <p:stCondLst>
+                                    <p:cond delay="0"/>
+                                  </p:stCondLst>
+                                  <p:childTnLst>
+                                    <p:set>
+                                      <p:cBhvr>
+                                        <p:cTn id="62" dur="1" fill="hold">
+                                          <p:stCondLst>
+                                            <p:cond delay="0"/>
+                                          </p:stCondLst>
+                                        </p:cTn>
+                                        <p:tgtEl>
+                                          <p:spTgt spid="26"/>
+                                        </p:tgtEl>
+                                        <p:attrNameLst>
+                                          <p:attrName>style.visibility</p:attrName>
+                                        </p:attrNameLst>
+                                      </p:cBhvr>
+                                      <p:to>
+                                        <p:strVal val="visible"/>
+                                      </p:to>
+                                    </p:set>
+                                    <p:animEffect transition="in" filter="fade">
+                                      <p:cBhvr>
+                                        <p:cTn id="63" dur="500"/>
+                                        <p:tgtEl>
+                                          <p:spTgt spid="26"/>
+                                        </p:tgtEl>
+                                      </p:cBhvr>
+                                    </p:animEffect>
+                                  </p:childTnLst>
+                                </p:cTn>
+                              </p:par>
+                              <p:par>
+                                <p:cTn id="64" presetID="10" presetClass="entr" presetSubtype="0" fill="hold" grpId="0" nodeType="withEffect">
+                                  <p:stCondLst>
+                                    <p:cond delay="0"/>
+                                  </p:stCondLst>
+                                  <p:childTnLst>
+                                    <p:set>
+                                      <p:cBhvr>
+                                        <p:cTn id="65" dur="1" fill="hold">
+                                          <p:stCondLst>
+                                            <p:cond delay="0"/>
+                                          </p:stCondLst>
+                                        </p:cTn>
+                                        <p:tgtEl>
+                                          <p:spTgt spid="29"/>
+                                        </p:tgtEl>
+                                        <p:attrNameLst>
+                                          <p:attrName>style.visibility</p:attrName>
+                                        </p:attrNameLst>
+                                      </p:cBhvr>
+                                      <p:to>
+                                        <p:strVal val="visible"/>
+                                      </p:to>
+                                    </p:set>
+                                    <p:animEffect transition="in" filter="fade">
+                                      <p:cBhvr>
+                                        <p:cTn id="66" dur="500"/>
+                                        <p:tgtEl>
+                                          <p:spTgt spid="29"/>
+                                        </p:tgtEl>
+                                      </p:cBhvr>
+                                    </p:animEffect>
+                                  </p:childTnLst>
+                                </p:cTn>
+                              </p:par>
+                            </p:childTnLst>
+                          </p:cTn>
+                        </p:par>
+                      </p:childTnLst>
+                    </p:cTn>
+                  </p:par>
+                  <p:par>
+                    <p:cTn id="67" fill="hold">
+                      <p:stCondLst>
+                        <p:cond delay="indefinite"/>
+                      </p:stCondLst>
+                      <p:childTnLst>
+                        <p:par>
+                          <p:cTn id="68" fill="hold">
+                            <p:stCondLst>
+                              <p:cond delay="0"/>
+                            </p:stCondLst>
+                            <p:childTnLst>
+                              <p:par>
+                                <p:cTn id="69" presetID="2" presetClass="entr" presetSubtype="8" fill="hold" grpId="0" nodeType="clickEffect">
+                                  <p:stCondLst>
+                                    <p:cond delay="0"/>
+                                  </p:stCondLst>
+                                  <p:childTnLst>
+                                    <p:set>
+                                      <p:cBhvr>
+                                        <p:cTn id="70" dur="1" fill="hold">
+                                          <p:stCondLst>
+                                            <p:cond delay="0"/>
+                                          </p:stCondLst>
+                                        </p:cTn>
+                                        <p:tgtEl>
+                                          <p:spTgt spid="31"/>
+                                        </p:tgtEl>
+                                        <p:attrNameLst>
+                                          <p:attrName>style.visibility</p:attrName>
+                                        </p:attrNameLst>
+                                      </p:cBhvr>
+                                      <p:to>
+                                        <p:strVal val="visible"/>
+                                      </p:to>
+                                    </p:set>
+                                    <p:anim calcmode="lin" valueType="num">
+                                      <p:cBhvr additive="base">
+                                        <p:cTn id="71" dur="500" fill="hold"/>
+                                        <p:tgtEl>
+                                          <p:spTgt spid="31"/>
+                                        </p:tgtEl>
+                                        <p:attrNameLst>
+                                          <p:attrName>ppt_x</p:attrName>
+                                        </p:attrNameLst>
+                                      </p:cBhvr>
+                                      <p:tavLst>
+                                        <p:tav tm="0">
+                                          <p:val>
+                                            <p:strVal val="0-#ppt_w/2"/>
+                                          </p:val>
+                                        </p:tav>
+                                        <p:tav tm="100000">
+                                          <p:val>
+                                            <p:strVal val="#ppt_x"/>
+                                          </p:val>
+                                        </p:tav>
+                                      </p:tavLst>
+                                    </p:anim>
+                                    <p:anim calcmode="lin" valueType="num">
+                                      <p:cBhvr additive="base">
+                                        <p:cTn id="72" dur="500" fill="hold"/>
+                                        <p:tgtEl>
+                                          <p:spTgt spid="31"/>
+                                        </p:tgtEl>
+                                        <p:attrNameLst>
+                                          <p:attrName>ppt_y</p:attrName>
+                                        </p:attrNameLst>
+                                      </p:cBhvr>
+                                      <p:tavLst>
+                                        <p:tav tm="0">
+                                          <p:val>
+                                            <p:strVal val="#ppt_y"/>
+                                          </p:val>
+                                        </p:tav>
+                                        <p:tav tm="100000">
+                                          <p:val>
+                                            <p:strVal val="#ppt_y"/>
+                                          </p:val>
+                                        </p:tav>
+                                      </p:tavLst>
+                                    </p:anim>
+                                  </p:childTnLst>
+                                </p:cTn>
+                              </p:par>
+                            </p:childTnLst>
+                          </p:cTn>
+                        </p:par>
+                      </p:childTnLst>
+                    </p:cTn>
+                  </p:par>
+                  <p:par>
+                    <p:cTn id="73" fill="hold">
+                      <p:stCondLst>
+                        <p:cond delay="indefinite"/>
+                      </p:stCondLst>
+                      <p:childTnLst>
+                        <p:par>
+                          <p:cTn id="74" fill="hold">
+                            <p:stCondLst>
+                              <p:cond delay="0"/>
+                            </p:stCondLst>
+                            <p:childTnLst>
+                              <p:par>
+                                <p:cTn id="75" presetID="10" presetClass="entr" presetSubtype="0" fill="hold" grpId="0" nodeType="clickEffect">
+                                  <p:stCondLst>
+                                    <p:cond delay="0"/>
+                                  </p:stCondLst>
+                                  <p:childTnLst>
+                                    <p:set>
+                                      <p:cBhvr>
+                                        <p:cTn id="76" dur="1" fill="hold">
+                                          <p:stCondLst>
+                                            <p:cond delay="0"/>
+                                          </p:stCondLst>
+                                        </p:cTn>
+                                        <p:tgtEl>
+                                          <p:spTgt spid="39"/>
+                                        </p:tgtEl>
+                                        <p:attrNameLst>
+                                          <p:attrName>style.visibility</p:attrName>
+                                        </p:attrNameLst>
+                                      </p:cBhvr>
+                                      <p:to>
+                                        <p:strVal val="visible"/>
+                                      </p:to>
+                                    </p:set>
+                                    <p:animEffect transition="in" filter="fade">
+                                      <p:cBhvr>
+                                        <p:cTn id="77" dur="500"/>
+                                        <p:tgtEl>
+                                          <p:spTgt spid="39"/>
+                                        </p:tgtEl>
+                                      </p:cBhvr>
+                                    </p:animEffect>
+                                  </p:childTnLst>
+                                </p:cTn>
+                              </p:par>
+                            </p:childTnLst>
+                          </p:cTn>
+                        </p:par>
+                      </p:childTnLst>
+                    </p:cTn>
+                  </p:par>
+                  <p:par>
+                    <p:cTn id="78" fill="hold">
+                      <p:stCondLst>
+                        <p:cond delay="indefinite"/>
+                      </p:stCondLst>
+                      <p:childTnLst>
+                        <p:par>
+                          <p:cTn id="79" fill="hold">
+                            <p:stCondLst>
+                              <p:cond delay="0"/>
+                            </p:stCondLst>
+                            <p:childTnLst>
+                              <p:par>
+                                <p:cTn id="80" presetID="10" presetClass="entr" presetSubtype="0" fill="hold" grpId="0" nodeType="clickEffect">
+                                  <p:stCondLst>
+                                    <p:cond delay="0"/>
+                                  </p:stCondLst>
+                                  <p:childTnLst>
+                                    <p:set>
+                                      <p:cBhvr>
+                                        <p:cTn id="81" dur="1" fill="hold">
+                                          <p:stCondLst>
+                                            <p:cond delay="0"/>
+                                          </p:stCondLst>
+                                        </p:cTn>
+                                        <p:tgtEl>
+                                          <p:spTgt spid="38"/>
+                                        </p:tgtEl>
+                                        <p:attrNameLst>
+                                          <p:attrName>style.visibility</p:attrName>
+                                        </p:attrNameLst>
+                                      </p:cBhvr>
+                                      <p:to>
+                                        <p:strVal val="visible"/>
+                                      </p:to>
+                                    </p:set>
+                                    <p:animEffect transition="in" filter="fade">
+                                      <p:cBhvr>
+                                        <p:cTn id="82" dur="500"/>
+                                        <p:tgtEl>
+                                          <p:spTgt spid="38"/>
+                                        </p:tgtEl>
+                                      </p:cBhvr>
+                                    </p:animEffect>
+                                  </p:childTnLst>
+                                </p:cTn>
+                              </p:par>
+                              <p:par>
+                                <p:cTn id="83" presetID="10" presetClass="entr" presetSubtype="0" fill="hold" grpId="0" nodeType="withEffect">
+                                  <p:stCondLst>
+                                    <p:cond delay="0"/>
+                                  </p:stCondLst>
+                                  <p:childTnLst>
+                                    <p:set>
+                                      <p:cBhvr>
+                                        <p:cTn id="84" dur="1" fill="hold">
+                                          <p:stCondLst>
+                                            <p:cond delay="0"/>
+                                          </p:stCondLst>
+                                        </p:cTn>
+                                        <p:tgtEl>
+                                          <p:spTgt spid="37"/>
+                                        </p:tgtEl>
+                                        <p:attrNameLst>
+                                          <p:attrName>style.visibility</p:attrName>
+                                        </p:attrNameLst>
+                                      </p:cBhvr>
+                                      <p:to>
+                                        <p:strVal val="visible"/>
+                                      </p:to>
+                                    </p:set>
+                                    <p:animEffect transition="in" filter="fade">
+                                      <p:cBhvr>
+                                        <p:cTn id="85" dur="500"/>
+                                        <p:tgtEl>
+                                          <p:spTgt spid="37"/>
+                                        </p:tgtEl>
+                                      </p:cBhvr>
+                                    </p:animEffect>
+                                  </p:childTnLst>
+                                </p:cTn>
+                              </p:par>
+                            </p:childTnLst>
+                          </p:cTn>
+                        </p:par>
+                      </p:childTnLst>
+                    </p:cTn>
+                  </p:par>
+                </p:childTnLst>
+              </p:cTn>
+              <p:prevCondLst>
+                <p:cond evt="onPrev" delay="0">
+                  <p:tgtEl>
+                    <p:sldTgt/>
+                  </p:tgtEl>
+                </p:cond>
+              </p:prevCondLst>
+              <p:nextCondLst>
+                <p:cond evt="onNext" delay="0">
+                  <p:tgtEl>
+                    <p:sldTgt/>
+                  </p:tgtEl>
+                </p:cond>
+              </p:nextCondLst>
+            </p:seq>
+          </p:childTnLst>
+        </p:cTn>
+      </p:par>
+    </p:tnLst>
+    <p:bldLst>
+      <p:bldP spid="8" grpId="0" animBg="1"/>
+      <p:bldP spid="13" grpId="0" animBg="1"/>
+      <p:bldP spid="17" grpId="0" animBg="1"/>
+      <p:bldP spid="22" grpId="0"/>
+      <p:bldP spid="24" grpId="0"/>
+      <p:bldP spid="25" grpId="0" animBg="1"/>
+      <p:bldP spid="28" grpId="0"/>
+      <p:bldP spid="29" grpId="0"/>
+      <p:bldP spid="31" grpId="0" animBg="1"/>
+      <p:bldP spid="32" grpId="0"/>
+      <p:bldP spid="33" grpId="0"/>
+      <p:bldP spid="34" grpId="0"/>
+      <p:bldP spid="37" grpId="0" animBg="1"/>
+      <p:bldP spid="38" grpId="0" animBg="1"/>
+      <p:bldP spid="39" grpId="0" animBg="1"/>
+    </p:bldLst>
+  </p:timing>
+</p:sld>
+</file>
+
+<file path=ppt/slides/slide21.xml><?xml version="1.0" encoding="utf-8"?>
+<p:sld xmlns:a="http://schemas.openxmlformats.org/drawingml/2006/main" xmlns:r="http://schemas.openxmlformats.org/officeDocument/2006/relationships" xmlns:p="http://schemas.openxmlformats.org/presentationml/2006/main">
+  <p:cSld>
+    <p:spTree>
+      <p:nvGrpSpPr>
+        <p:cNvPr id="1" name=""/>
+        <p:cNvGrpSpPr/>
+        <p:nvPr/>
+      </p:nvGrpSpPr>
+      <p:grpSpPr>
+        <a:xfrm>
+          <a:off x="0" y="0"/>
+          <a:ext cx="0" cy="0"/>
+          <a:chOff x="0" y="0"/>
+          <a:chExt cx="0" cy="0"/>
+        </a:xfrm>
+      </p:grpSpPr>
+      <p:sp>
+        <p:nvSpPr>
+          <p:cNvPr id="2" name="Title 1"/>
+          <p:cNvSpPr>
+            <a:spLocks noGrp="1"/>
+          </p:cNvSpPr>
+          <p:nvPr>
+            <p:ph type="title"/>
+          </p:nvPr>
+        </p:nvSpPr>
+        <p:spPr/>
+        <p:txBody>
+          <a:bodyPr/>
+          <a:lstStyle/>
+          <a:p>
+            <a:r>
+              <a:rPr lang="en-SG" dirty="0"/>
+              <a:t>Setup is not fool proof!</a:t>
+            </a:r>
+          </a:p>
+        </p:txBody>
+      </p:sp>
+      <p:sp>
+        <p:nvSpPr>
+          <p:cNvPr id="3" name="Content Placeholder 2"/>
+          <p:cNvSpPr>
+            <a:spLocks noGrp="1"/>
+          </p:cNvSpPr>
+          <p:nvPr>
+            <p:ph idx="1"/>
+          </p:nvPr>
+        </p:nvSpPr>
+        <p:spPr/>
+        <p:txBody>
+          <a:bodyPr/>
+          <a:lstStyle/>
+          <a:p>
+            <a:pPr marL="514350" indent="-514350">
+              <a:buFont typeface="+mj-lt"/>
+              <a:buAutoNum type="arabicPeriod"/>
+            </a:pPr>
+            <a:r>
+              <a:rPr lang="en-SG" sz="2400" dirty="0"/>
+              <a:t>There is an Earth-leakage via means other than the Earth wire</a:t>
+            </a:r>
+          </a:p>
+          <a:p>
+            <a:pPr marL="514350" indent="-514350">
+              <a:buFont typeface="+mj-lt"/>
+              <a:buAutoNum type="arabicPeriod"/>
+            </a:pPr>
+            <a:r>
+              <a:rPr lang="en-SG" sz="2400" dirty="0"/>
+              <a:t>There is an overload in the circuit </a:t>
+            </a:r>
+            <a:r>
+              <a:rPr lang="en-SG" sz="2400" dirty="0" err="1"/>
+              <a:t>eg</a:t>
+            </a:r>
+            <a:r>
+              <a:rPr lang="en-SG" sz="2400" dirty="0"/>
+              <a:t> short circuit.</a:t>
+            </a:r>
+          </a:p>
+          <a:p>
+            <a:pPr lvl="1"/>
+            <a:r>
+              <a:rPr lang="en-SG" sz="2000" dirty="0"/>
+              <a:t>Overload Trip sensitivity of external breaker better than ours</a:t>
+            </a:r>
+          </a:p>
+          <a:p>
+            <a:endParaRPr lang="en-SG" dirty="0"/>
+          </a:p>
+        </p:txBody>
+      </p:sp>
+      <p:sp>
+        <p:nvSpPr>
+          <p:cNvPr id="4" name="Slide Number Placeholder 3"/>
+          <p:cNvSpPr>
+            <a:spLocks noGrp="1"/>
+          </p:cNvSpPr>
+          <p:nvPr>
+            <p:ph type="sldNum" sz="quarter" idx="12"/>
+          </p:nvPr>
+        </p:nvSpPr>
+        <p:spPr/>
+        <p:txBody>
+          <a:bodyPr/>
+          <a:lstStyle/>
+          <a:p>
+            <a:fld id="{68EF4619-F19A-E048-BC08-46ED4E2D9E67}" type="slidenum">
+              <a:rPr lang="en-US" smtClean="0"/>
+              <a:t>21</a:t>
+            </a:fld>
+            <a:endParaRPr lang="en-US"/>
+          </a:p>
+        </p:txBody>
+      </p:sp>
+    </p:spTree>
+    <p:extLst>
+      <p:ext uri="{BB962C8B-B14F-4D97-AF65-F5344CB8AC3E}">
+        <p14:creationId xmlns:p14="http://schemas.microsoft.com/office/powerpoint/2010/main" val="4184625489"/>
+      </p:ext>
+    </p:extLst>
+  </p:cSld>
+  <p:clrMapOvr>
+    <a:masterClrMapping/>
+  </p:clrMapOvr>
+</p:sld>
+</file>
+
+<file path=ppt/slides/slide22.xml><?xml version="1.0" encoding="utf-8"?>
+<p:sld xmlns:a="http://schemas.openxmlformats.org/drawingml/2006/main" xmlns:r="http://schemas.openxmlformats.org/officeDocument/2006/relationships" xmlns:p="http://schemas.openxmlformats.org/presentationml/2006/main">
+  <p:cSld>
+    <p:spTree>
+      <p:nvGrpSpPr>
+        <p:cNvPr id="1" name=""/>
+        <p:cNvGrpSpPr/>
+        <p:nvPr/>
+      </p:nvGrpSpPr>
+      <p:grpSpPr>
+        <a:xfrm>
+          <a:off x="0" y="0"/>
+          <a:ext cx="0" cy="0"/>
+          <a:chOff x="0" y="0"/>
+          <a:chExt cx="0" cy="0"/>
+        </a:xfrm>
+      </p:grpSpPr>
       <p:sp>
         <p:nvSpPr>
           <p:cNvPr id="2" name="Title 1"/>
@@ -7442,7 +9574,7 @@
           <a:p>
             <a:fld id="{07B38D2E-128E-4BB7-AEDC-917EE0E41F69}" type="slidenum">
               <a:rPr lang="en-SG" smtClean="0"/>
-              <a:t>20</a:t>
+              <a:t>22</a:t>
             </a:fld>
             <a:endParaRPr lang="en-SG" dirty="0"/>
           </a:p>

--- a/training/RK Circuit Breaker Training.pptx
+++ b/training/RK Circuit Breaker Training.pptx
@@ -14,9 +14,9 @@
     <p:sldId id="269" r:id="rId5"/>
     <p:sldId id="291" r:id="rId6"/>
     <p:sldId id="264" r:id="rId7"/>
-    <p:sldId id="296" r:id="rId8"/>
-    <p:sldId id="292" r:id="rId9"/>
-    <p:sldId id="293" r:id="rId10"/>
+    <p:sldId id="292" r:id="rId8"/>
+    <p:sldId id="293" r:id="rId9"/>
+    <p:sldId id="296" r:id="rId10"/>
     <p:sldId id="271" r:id="rId11"/>
     <p:sldId id="272" r:id="rId12"/>
     <p:sldId id="273" r:id="rId13"/>
@@ -218,7 +218,7 @@
           <a:p>
             <a:fld id="{9E0EB355-D322-4E82-8A7D-D6DDD7014CE3}" type="datetimeFigureOut">
               <a:rPr lang="en-SG" smtClean="0"/>
-              <a:t>20/8/2016</a:t>
+              <a:t>23/9/2016</a:t>
             </a:fld>
             <a:endParaRPr lang="en-SG"/>
           </a:p>
@@ -617,7 +617,7 @@
           <a:p>
             <a:fld id="{40295B9D-081F-4060-83BF-2A07A5295613}" type="datetime1">
               <a:rPr lang="en-US" smtClean="0"/>
-              <a:t>8/20/2016</a:t>
+              <a:t>9/23/2016</a:t>
             </a:fld>
             <a:endParaRPr lang="en-US"/>
           </a:p>
@@ -787,7 +787,7 @@
           <a:p>
             <a:fld id="{B540E401-35D4-4528-8948-675FDF340808}" type="datetime1">
               <a:rPr lang="en-US" smtClean="0"/>
-              <a:t>8/20/2016</a:t>
+              <a:t>9/23/2016</a:t>
             </a:fld>
             <a:endParaRPr lang="en-US"/>
           </a:p>
@@ -967,7 +967,7 @@
           <a:p>
             <a:fld id="{2AFFDFFA-B8ED-4F50-A7B9-34492BC8A4A8}" type="datetime1">
               <a:rPr lang="en-US" smtClean="0"/>
-              <a:t>8/20/2016</a:t>
+              <a:t>9/23/2016</a:t>
             </a:fld>
             <a:endParaRPr lang="en-US"/>
           </a:p>
@@ -1137,7 +1137,7 @@
           <a:p>
             <a:fld id="{7A9926DE-CA11-4E1D-BDA6-09BE0C6DF9AE}" type="datetime1">
               <a:rPr lang="en-US" smtClean="0"/>
-              <a:t>8/20/2016</a:t>
+              <a:t>9/23/2016</a:t>
             </a:fld>
             <a:endParaRPr lang="en-US"/>
           </a:p>
@@ -1381,7 +1381,7 @@
           <a:p>
             <a:fld id="{41F80746-F9A4-4D0D-8988-DECD4686D4DF}" type="datetime1">
               <a:rPr lang="en-US" smtClean="0"/>
-              <a:t>8/20/2016</a:t>
+              <a:t>9/23/2016</a:t>
             </a:fld>
             <a:endParaRPr lang="en-US"/>
           </a:p>
@@ -1613,7 +1613,7 @@
           <a:p>
             <a:fld id="{6961628C-4C96-4957-AB13-48279A4233EC}" type="datetime1">
               <a:rPr lang="en-US" smtClean="0"/>
-              <a:t>8/20/2016</a:t>
+              <a:t>9/23/2016</a:t>
             </a:fld>
             <a:endParaRPr lang="en-US"/>
           </a:p>
@@ -1980,7 +1980,7 @@
           <a:p>
             <a:fld id="{254B1566-A34E-4F65-9AA9-B6928D19D3A5}" type="datetime1">
               <a:rPr lang="en-US" smtClean="0"/>
-              <a:t>8/20/2016</a:t>
+              <a:t>9/23/2016</a:t>
             </a:fld>
             <a:endParaRPr lang="en-US"/>
           </a:p>
@@ -2098,7 +2098,7 @@
           <a:p>
             <a:fld id="{C775C75B-E451-4890-9B15-BDD2C2441EB9}" type="datetime1">
               <a:rPr lang="en-US" smtClean="0"/>
-              <a:t>8/20/2016</a:t>
+              <a:t>9/23/2016</a:t>
             </a:fld>
             <a:endParaRPr lang="en-US"/>
           </a:p>
@@ -2193,7 +2193,7 @@
           <a:p>
             <a:fld id="{1AFF0C26-8B6C-4560-B167-2A1130742DBD}" type="datetime1">
               <a:rPr lang="en-US" smtClean="0"/>
-              <a:t>8/20/2016</a:t>
+              <a:t>9/23/2016</a:t>
             </a:fld>
             <a:endParaRPr lang="en-US"/>
           </a:p>
@@ -2470,7 +2470,7 @@
           <a:p>
             <a:fld id="{2BC7445C-7038-4953-ADE1-D0B82FAC0302}" type="datetime1">
               <a:rPr lang="en-US" smtClean="0"/>
-              <a:t>8/20/2016</a:t>
+              <a:t>9/23/2016</a:t>
             </a:fld>
             <a:endParaRPr lang="en-US"/>
           </a:p>
@@ -2727,7 +2727,7 @@
           <a:p>
             <a:fld id="{8AAF5D4C-B416-4C64-A944-AD1B5D13347B}" type="datetime1">
               <a:rPr lang="en-US" smtClean="0"/>
-              <a:t>8/20/2016</a:t>
+              <a:t>9/23/2016</a:t>
             </a:fld>
             <a:endParaRPr lang="en-US"/>
           </a:p>
@@ -2940,7 +2940,7 @@
           <a:p>
             <a:fld id="{48279938-50F5-462B-9F42-9CD24BC63B99}" type="datetime1">
               <a:rPr lang="en-US" smtClean="0"/>
-              <a:t>8/20/2016</a:t>
+              <a:t>9/23/2016</a:t>
             </a:fld>
             <a:endParaRPr lang="en-US"/>
           </a:p>
@@ -3557,7 +3557,7 @@
         </p:blipFill>
         <p:spPr>
           <a:xfrm>
-            <a:off x="187394" y="1287037"/>
+            <a:off x="187394" y="1336765"/>
             <a:ext cx="3869772" cy="2646349"/>
           </a:xfrm>
           <a:prstGeom prst="rect">
@@ -3567,7 +3567,7 @@
       </p:pic>
       <p:pic>
         <p:nvPicPr>
-          <p:cNvPr id="10" name="Picture 9"/>
+          <p:cNvPr id="11" name="Picture 10"/>
           <p:cNvPicPr>
             <a:picLocks noChangeAspect="1"/>
           </p:cNvPicPr>
@@ -3581,8 +3581,8 @@
         </p:blipFill>
         <p:spPr>
           <a:xfrm>
-            <a:off x="4369632" y="1309098"/>
-            <a:ext cx="4470146" cy="2624288"/>
+            <a:off x="1836294" y="4055465"/>
+            <a:ext cx="4871803" cy="1791665"/>
           </a:xfrm>
           <a:prstGeom prst="rect">
             <a:avLst/>
@@ -3591,7 +3591,7 @@
       </p:pic>
       <p:pic>
         <p:nvPicPr>
-          <p:cNvPr id="11" name="Picture 10"/>
+          <p:cNvPr id="3" name="Picture 2"/>
           <p:cNvPicPr>
             <a:picLocks noChangeAspect="1"/>
           </p:cNvPicPr>
@@ -3605,8 +3605,8 @@
         </p:blipFill>
         <p:spPr>
           <a:xfrm>
-            <a:off x="1836294" y="4055465"/>
-            <a:ext cx="4871803" cy="1791665"/>
+            <a:off x="4332369" y="1322958"/>
+            <a:ext cx="4300984" cy="2658286"/>
           </a:xfrm>
           <a:prstGeom prst="rect">
             <a:avLst/>
@@ -5514,30 +5514,6 @@
       </p:sp>
       <p:pic>
         <p:nvPicPr>
-          <p:cNvPr id="5" name="Picture 4"/>
-          <p:cNvPicPr>
-            <a:picLocks noChangeAspect="1"/>
-          </p:cNvPicPr>
-          <p:nvPr/>
-        </p:nvPicPr>
-        <p:blipFill>
-          <a:blip r:embed="rId2"/>
-          <a:stretch>
-            <a:fillRect/>
-          </a:stretch>
-        </p:blipFill>
-        <p:spPr>
-          <a:xfrm>
-            <a:off x="1403635" y="793783"/>
-            <a:ext cx="6336729" cy="3720103"/>
-          </a:xfrm>
-          <a:prstGeom prst="rect">
-            <a:avLst/>
-          </a:prstGeom>
-        </p:spPr>
-      </p:pic>
-      <p:pic>
-        <p:nvPicPr>
           <p:cNvPr id="6" name="Content Placeholder 5"/>
           <p:cNvPicPr>
             <a:picLocks noGrp="1" noChangeAspect="1"/>
@@ -5547,6 +5523,30 @@
           </p:nvPr>
         </p:nvPicPr>
         <p:blipFill>
+          <a:blip r:embed="rId2"/>
+          <a:stretch>
+            <a:fillRect/>
+          </a:stretch>
+        </p:blipFill>
+        <p:spPr>
+          <a:xfrm>
+            <a:off x="1708409" y="4615237"/>
+            <a:ext cx="5727180" cy="2106239"/>
+          </a:xfrm>
+          <a:prstGeom prst="rect">
+            <a:avLst/>
+          </a:prstGeom>
+        </p:spPr>
+      </p:pic>
+      <p:pic>
+        <p:nvPicPr>
+          <p:cNvPr id="7" name="Picture 6"/>
+          <p:cNvPicPr>
+            <a:picLocks noChangeAspect="1"/>
+          </p:cNvPicPr>
+          <p:nvPr/>
+        </p:nvPicPr>
+        <p:blipFill>
           <a:blip r:embed="rId3"/>
           <a:stretch>
             <a:fillRect/>
@@ -5554,8 +5554,8 @@
         </p:blipFill>
         <p:spPr>
           <a:xfrm>
-            <a:off x="1708409" y="4615237"/>
-            <a:ext cx="5727180" cy="2106239"/>
+            <a:off x="1428233" y="742244"/>
+            <a:ext cx="6117083" cy="3780752"/>
           </a:xfrm>
           <a:prstGeom prst="rect">
             <a:avLst/>
@@ -5657,7 +5657,7 @@
           <a:p>
             <a:r>
               <a:rPr lang="en-SG" dirty="0"/>
-              <a:t>Extra MCBs to increase chances of “catching” overcurrent</a:t>
+              <a:t>Extra MCB to increase chances of “catching” overcurrent</a:t>
             </a:r>
           </a:p>
           <a:p>
@@ -5696,7 +5696,7 @@
       </p:sp>
       <p:pic>
         <p:nvPicPr>
-          <p:cNvPr id="6" name="Picture 5"/>
+          <p:cNvPr id="7" name="Picture 6"/>
           <p:cNvPicPr>
             <a:picLocks noChangeAspect="1"/>
           </p:cNvPicPr>
@@ -5710,8 +5710,8 @@
         </p:blipFill>
         <p:spPr>
           <a:xfrm>
-            <a:off x="1403635" y="793783"/>
-            <a:ext cx="6336729" cy="3720103"/>
+            <a:off x="1428233" y="742244"/>
+            <a:ext cx="6117083" cy="3780752"/>
           </a:xfrm>
           <a:prstGeom prst="rect">
             <a:avLst/>
@@ -6651,6 +6651,30 @@
           <a:chExt cx="0" cy="0"/>
         </a:xfrm>
       </p:grpSpPr>
+      <p:pic>
+        <p:nvPicPr>
+          <p:cNvPr id="3" name="Picture 2"/>
+          <p:cNvPicPr>
+            <a:picLocks noChangeAspect="1"/>
+          </p:cNvPicPr>
+          <p:nvPr/>
+        </p:nvPicPr>
+        <p:blipFill>
+          <a:blip r:embed="rId2"/>
+          <a:stretch>
+            <a:fillRect/>
+          </a:stretch>
+        </p:blipFill>
+        <p:spPr>
+          <a:xfrm>
+            <a:off x="60093" y="613127"/>
+            <a:ext cx="8953805" cy="2164979"/>
+          </a:xfrm>
+          <a:prstGeom prst="rect">
+            <a:avLst/>
+          </a:prstGeom>
+        </p:spPr>
+      </p:pic>
       <p:cxnSp>
         <p:nvCxnSpPr>
           <p:cNvPr id="15" name="Straight Connector 14"/>
@@ -6815,7 +6839,7 @@
           <a:p>
             <a:r>
               <a:rPr lang="en-SG" dirty="0"/>
-              <a:t>Bypass B3 MCB switch</a:t>
+              <a:t>Bypass B6 MCB switch</a:t>
             </a:r>
           </a:p>
         </p:txBody>
@@ -6843,29 +6867,6 @@
           </a:p>
         </p:txBody>
       </p:sp>
-      <p:pic>
-        <p:nvPicPr>
-          <p:cNvPr id="5" name="Picture 4"/>
-          <p:cNvPicPr>
-            <a:picLocks noChangeAspect="1"/>
-          </p:cNvPicPr>
-          <p:nvPr/>
-        </p:nvPicPr>
-        <p:blipFill rotWithShape="1">
-          <a:blip r:embed="rId2"/>
-          <a:srcRect l="6710" t="29621" r="14218" b="24616"/>
-          <a:stretch/>
-        </p:blipFill>
-        <p:spPr>
-          <a:xfrm>
-            <a:off x="1157405" y="704317"/>
-            <a:ext cx="7095579" cy="2410812"/>
-          </a:xfrm>
-          <a:prstGeom prst="rect">
-            <a:avLst/>
-          </a:prstGeom>
-        </p:spPr>
-      </p:pic>
       <p:sp>
         <p:nvSpPr>
           <p:cNvPr id="6" name="Rectangle 5"/>
@@ -6874,8 +6875,8 @@
         </p:nvSpPr>
         <p:spPr>
           <a:xfrm>
-            <a:off x="2262196" y="605307"/>
-            <a:ext cx="502276" cy="1725769"/>
+            <a:off x="1248407" y="710805"/>
+            <a:ext cx="502276" cy="1973515"/>
           </a:xfrm>
           <a:prstGeom prst="rect">
             <a:avLst/>
@@ -6922,8 +6923,8 @@
         </p:nvSpPr>
         <p:spPr>
           <a:xfrm>
-            <a:off x="3921877" y="605307"/>
-            <a:ext cx="502276" cy="1725769"/>
+            <a:off x="2814904" y="710805"/>
+            <a:ext cx="502276" cy="2065749"/>
           </a:xfrm>
           <a:prstGeom prst="rect">
             <a:avLst/>
@@ -7151,7 +7152,7 @@
             <a:pPr algn="ctr"/>
             <a:r>
               <a:rPr lang="en-SG" dirty="0"/>
-              <a:t>No blow margin</a:t>
+              <a:t>No trip margin</a:t>
             </a:r>
           </a:p>
         </p:txBody>
@@ -7252,7 +7253,7 @@
             <a:pPr algn="ctr"/>
             <a:r>
               <a:rPr lang="en-SG" dirty="0"/>
-              <a:t>May blow</a:t>
+              <a:t>May trip</a:t>
             </a:r>
           </a:p>
         </p:txBody>
@@ -7361,7 +7362,7 @@
             <a:pPr algn="ctr"/>
             <a:r>
               <a:rPr lang="en-SG" dirty="0"/>
-              <a:t>Sure blow margin</a:t>
+              <a:t>Sure trip margin</a:t>
             </a:r>
           </a:p>
         </p:txBody>
@@ -7375,7 +7376,7 @@
         <p:spPr>
           <a:xfrm>
             <a:off x="10761" y="5990541"/>
-            <a:ext cx="4868192" cy="646331"/>
+            <a:ext cx="9271834" cy="584775"/>
           </a:xfrm>
           <a:prstGeom prst="rect">
             <a:avLst/>
@@ -7389,14 +7390,14 @@
           <a:lstStyle/>
           <a:p>
             <a:r>
-              <a:rPr lang="en-SG" dirty="0"/>
-              <a:t>Blowing range of Type B: 3 – 5 times rated current</a:t>
-            </a:r>
-          </a:p>
-          <a:p>
-            <a:r>
-              <a:rPr lang="en-SG" dirty="0"/>
-              <a:t>3A x (3 to 5)= 9A to 13A</a:t>
+              <a:rPr lang="en-SG" sz="1600" dirty="0"/>
+              <a:t>Blowing range of Type B: 3 – 5 times rated current, but can trip at 50% of rated current under prolonged use</a:t>
+            </a:r>
+          </a:p>
+          <a:p>
+            <a:r>
+              <a:rPr lang="en-SG" sz="1600" dirty="0"/>
+              <a:t>6A x (3 to 5) x 50% = 9A to 15A</a:t>
             </a:r>
           </a:p>
         </p:txBody>
@@ -7464,7 +7465,7 @@
           <a:p>
             <a:r>
               <a:rPr lang="en-SG" dirty="0"/>
-              <a:t>3A MCB</a:t>
+              <a:t>6A MCB</a:t>
             </a:r>
           </a:p>
         </p:txBody>
@@ -7523,9 +7524,9 @@
           <p:nvPr/>
         </p:nvSpPr>
         <p:spPr>
-          <a:xfrm rot="4267772">
-            <a:off x="4986868" y="574168"/>
-            <a:ext cx="288569" cy="1334212"/>
+          <a:xfrm rot="4647249">
+            <a:off x="4381786" y="204909"/>
+            <a:ext cx="356390" cy="2134511"/>
           </a:xfrm>
           <a:prstGeom prst="downArrow">
             <a:avLst/>
@@ -9215,7 +9216,7 @@
         <p:spPr>
           <a:xfrm>
             <a:off x="3513712" y="1259648"/>
-            <a:ext cx="909608" cy="307777"/>
+            <a:ext cx="940386" cy="307777"/>
           </a:xfrm>
           <a:prstGeom prst="rect">
             <a:avLst/>
@@ -9230,7 +9231,7 @@
           <a:p>
             <a:r>
               <a:rPr lang="en-SG" sz="1400" dirty="0"/>
-              <a:t>ELCB trips</a:t>
+              <a:t>RCCB trips</a:t>
             </a:r>
           </a:p>
         </p:txBody>
@@ -10395,8 +10396,8 @@
         </p:nvCxnSpPr>
         <p:spPr>
           <a:xfrm flipV="1">
-            <a:off x="434581" y="3663328"/>
-            <a:ext cx="0" cy="2445878"/>
+            <a:off x="434581" y="4322400"/>
+            <a:ext cx="0" cy="1786806"/>
           </a:xfrm>
           <a:prstGeom prst="line">
             <a:avLst/>
@@ -12457,43 +12458,6 @@
           </a:fontRef>
         </p:style>
       </p:cxnSp>
-      <p:cxnSp>
-        <p:nvCxnSpPr>
-          <p:cNvPr id="65" name="Straight Connector 64"/>
-          <p:cNvCxnSpPr>
-            <a:stCxn id="66" idx="0"/>
-          </p:cNvCxnSpPr>
-          <p:nvPr/>
-        </p:nvCxnSpPr>
-        <p:spPr>
-          <a:xfrm flipV="1">
-            <a:off x="434581" y="3663328"/>
-            <a:ext cx="0" cy="2445878"/>
-          </a:xfrm>
-          <a:prstGeom prst="line">
-            <a:avLst/>
-          </a:prstGeom>
-          <a:ln w="38100">
-            <a:solidFill>
-              <a:srgbClr val="00B050"/>
-            </a:solidFill>
-          </a:ln>
-        </p:spPr>
-        <p:style>
-          <a:lnRef idx="1">
-            <a:schemeClr val="accent1"/>
-          </a:lnRef>
-          <a:fillRef idx="0">
-            <a:schemeClr val="accent1"/>
-          </a:fillRef>
-          <a:effectRef idx="0">
-            <a:schemeClr val="accent1"/>
-          </a:effectRef>
-          <a:fontRef idx="minor">
-            <a:schemeClr val="tx1"/>
-          </a:fontRef>
-        </p:style>
-      </p:cxnSp>
       <p:sp>
         <p:nvSpPr>
           <p:cNvPr id="66" name="Down Arrow 65"/>
@@ -12857,8 +12821,8 @@
           <p:nvPr/>
         </p:nvSpPr>
         <p:spPr>
-          <a:xfrm rot="16200000">
-            <a:off x="-39326" y="3867056"/>
+          <a:xfrm rot="5400000">
+            <a:off x="-23397" y="4810333"/>
             <a:ext cx="526312" cy="284630"/>
           </a:xfrm>
           <a:prstGeom prst="rightArrow">
@@ -12975,6 +12939,41 @@
           </a:p>
         </p:txBody>
       </p:sp>
+      <p:cxnSp>
+        <p:nvCxnSpPr>
+          <p:cNvPr id="40" name="Straight Connector 39"/>
+          <p:cNvCxnSpPr/>
+          <p:nvPr/>
+        </p:nvCxnSpPr>
+        <p:spPr>
+          <a:xfrm flipV="1">
+            <a:off x="434581" y="4322400"/>
+            <a:ext cx="0" cy="1786806"/>
+          </a:xfrm>
+          <a:prstGeom prst="line">
+            <a:avLst/>
+          </a:prstGeom>
+          <a:ln w="38100">
+            <a:solidFill>
+              <a:srgbClr val="00B050"/>
+            </a:solidFill>
+          </a:ln>
+        </p:spPr>
+        <p:style>
+          <a:lnRef idx="1">
+            <a:schemeClr val="accent1"/>
+          </a:lnRef>
+          <a:fillRef idx="0">
+            <a:schemeClr val="accent1"/>
+          </a:fillRef>
+          <a:effectRef idx="0">
+            <a:schemeClr val="accent1"/>
+          </a:effectRef>
+          <a:fontRef idx="minor">
+            <a:schemeClr val="tx1"/>
+          </a:fontRef>
+        </p:style>
+      </p:cxnSp>
     </p:spTree>
     <p:extLst>
       <p:ext uri="{BB962C8B-B14F-4D97-AF65-F5344CB8AC3E}">
@@ -13916,54 +13915,6 @@
       </p:sp>
       <p:sp>
         <p:nvSpPr>
-          <p:cNvPr id="27" name="Right Arrow 26"/>
-          <p:cNvSpPr/>
-          <p:nvPr/>
-        </p:nvSpPr>
-        <p:spPr>
-          <a:xfrm rot="10800000">
-            <a:off x="5816792" y="5530732"/>
-            <a:ext cx="526312" cy="284630"/>
-          </a:xfrm>
-          <a:prstGeom prst="rightArrow">
-            <a:avLst/>
-          </a:prstGeom>
-          <a:solidFill>
-            <a:srgbClr val="FF0000"/>
-          </a:solidFill>
-          <a:ln>
-            <a:solidFill>
-              <a:srgbClr val="C00000"/>
-            </a:solidFill>
-          </a:ln>
-        </p:spPr>
-        <p:style>
-          <a:lnRef idx="2">
-            <a:schemeClr val="accent1">
-              <a:shade val="50000"/>
-            </a:schemeClr>
-          </a:lnRef>
-          <a:fillRef idx="1">
-            <a:schemeClr val="accent1"/>
-          </a:fillRef>
-          <a:effectRef idx="0">
-            <a:schemeClr val="accent1"/>
-          </a:effectRef>
-          <a:fontRef idx="minor">
-            <a:schemeClr val="lt1"/>
-          </a:fontRef>
-        </p:style>
-        <p:txBody>
-          <a:bodyPr rtlCol="0" anchor="ctr"/>
-          <a:lstStyle/>
-          <a:p>
-            <a:pPr algn="ctr"/>
-            <a:endParaRPr lang="en-SG"/>
-          </a:p>
-        </p:txBody>
-      </p:sp>
-      <p:sp>
-        <p:nvSpPr>
           <p:cNvPr id="28" name="Right Arrow 27"/>
           <p:cNvSpPr/>
           <p:nvPr/>
@@ -14328,43 +14279,6 @@
           <a:xfrm>
             <a:off x="417891" y="5884500"/>
             <a:ext cx="8253669" cy="0"/>
-          </a:xfrm>
-          <a:prstGeom prst="line">
-            <a:avLst/>
-          </a:prstGeom>
-          <a:ln w="38100">
-            <a:solidFill>
-              <a:srgbClr val="00B050"/>
-            </a:solidFill>
-          </a:ln>
-        </p:spPr>
-        <p:style>
-          <a:lnRef idx="1">
-            <a:schemeClr val="accent1"/>
-          </a:lnRef>
-          <a:fillRef idx="0">
-            <a:schemeClr val="accent1"/>
-          </a:fillRef>
-          <a:effectRef idx="0">
-            <a:schemeClr val="accent1"/>
-          </a:effectRef>
-          <a:fontRef idx="minor">
-            <a:schemeClr val="tx1"/>
-          </a:fontRef>
-        </p:style>
-      </p:cxnSp>
-      <p:cxnSp>
-        <p:nvCxnSpPr>
-          <p:cNvPr id="65" name="Straight Connector 64"/>
-          <p:cNvCxnSpPr>
-            <a:stCxn id="66" idx="0"/>
-          </p:cNvCxnSpPr>
-          <p:nvPr/>
-        </p:nvCxnSpPr>
-        <p:spPr>
-          <a:xfrm flipV="1">
-            <a:off x="434581" y="3663328"/>
-            <a:ext cx="0" cy="2445878"/>
           </a:xfrm>
           <a:prstGeom prst="line">
             <a:avLst/>
@@ -14467,54 +14381,6 @@
       </p:cxnSp>
       <p:sp>
         <p:nvSpPr>
-          <p:cNvPr id="71" name="Right Arrow 70"/>
-          <p:cNvSpPr/>
-          <p:nvPr/>
-        </p:nvSpPr>
-        <p:spPr>
-          <a:xfrm rot="10800000">
-            <a:off x="2629981" y="5530732"/>
-            <a:ext cx="526312" cy="284630"/>
-          </a:xfrm>
-          <a:prstGeom prst="rightArrow">
-            <a:avLst/>
-          </a:prstGeom>
-          <a:solidFill>
-            <a:srgbClr val="FF0000"/>
-          </a:solidFill>
-          <a:ln>
-            <a:solidFill>
-              <a:srgbClr val="C00000"/>
-            </a:solidFill>
-          </a:ln>
-        </p:spPr>
-        <p:style>
-          <a:lnRef idx="2">
-            <a:schemeClr val="accent1">
-              <a:shade val="50000"/>
-            </a:schemeClr>
-          </a:lnRef>
-          <a:fillRef idx="1">
-            <a:schemeClr val="accent1"/>
-          </a:fillRef>
-          <a:effectRef idx="0">
-            <a:schemeClr val="accent1"/>
-          </a:effectRef>
-          <a:fontRef idx="minor">
-            <a:schemeClr val="lt1"/>
-          </a:fontRef>
-        </p:style>
-        <p:txBody>
-          <a:bodyPr rtlCol="0" anchor="ctr"/>
-          <a:lstStyle/>
-          <a:p>
-            <a:pPr algn="ctr"/>
-            <a:endParaRPr lang="en-SG"/>
-          </a:p>
-        </p:txBody>
-      </p:sp>
-      <p:sp>
-        <p:nvSpPr>
           <p:cNvPr id="34" name="TextBox 33"/>
           <p:cNvSpPr txBox="1"/>
           <p:nvPr/>
@@ -14665,13 +14531,75 @@
       </p:cxnSp>
       <p:sp>
         <p:nvSpPr>
-          <p:cNvPr id="36" name="Right Arrow 35"/>
+          <p:cNvPr id="4" name="TextBox 3"/>
+          <p:cNvSpPr txBox="1"/>
+          <p:nvPr/>
+        </p:nvSpPr>
+        <p:spPr>
+          <a:xfrm>
+            <a:off x="221981" y="1418513"/>
+            <a:ext cx="5499369" cy="369332"/>
+          </a:xfrm>
+          <a:prstGeom prst="rect">
+            <a:avLst/>
+          </a:prstGeom>
+          <a:noFill/>
+        </p:spPr>
+        <p:txBody>
+          <a:bodyPr wrap="square" rtlCol="0">
+            <a:spAutoFit/>
+          </a:bodyPr>
+          <a:lstStyle/>
+          <a:p>
+            <a:pPr marL="285750" indent="-285750">
+              <a:buFont typeface="Arial" panose="020B0604020202020204" pitchFamily="34" charset="0"/>
+              <a:buChar char="•"/>
+            </a:pPr>
+            <a:r>
+              <a:rPr lang="en-SG" dirty="0"/>
+              <a:t>Fuse does not blow due to human-body resistance</a:t>
+            </a:r>
+          </a:p>
+        </p:txBody>
+      </p:sp>
+      <p:sp>
+        <p:nvSpPr>
+          <p:cNvPr id="37" name="TextBox 36"/>
+          <p:cNvSpPr txBox="1"/>
+          <p:nvPr/>
+        </p:nvSpPr>
+        <p:spPr>
+          <a:xfrm>
+            <a:off x="451272" y="5512134"/>
+            <a:ext cx="682559" cy="369332"/>
+          </a:xfrm>
+          <a:prstGeom prst="rect">
+            <a:avLst/>
+          </a:prstGeom>
+          <a:noFill/>
+        </p:spPr>
+        <p:txBody>
+          <a:bodyPr wrap="none" rtlCol="0">
+            <a:spAutoFit/>
+          </a:bodyPr>
+          <a:lstStyle/>
+          <a:p>
+            <a:r>
+              <a:rPr lang="en-SG" dirty="0"/>
+              <a:t>Earth</a:t>
+            </a:r>
+          </a:p>
+        </p:txBody>
+      </p:sp>
+      <p:sp>
+        <p:nvSpPr>
+          <p:cNvPr id="40" name="Right Arrow 39"/>
           <p:cNvSpPr/>
           <p:nvPr/>
         </p:nvSpPr>
         <p:spPr>
-          <a:xfrm rot="16200000">
-            <a:off x="412804" y="4693572"/>
+          <a:xfrm>
+            <a:off x="1764986" y="2425220"/>
             <a:ext cx="526312" cy="284630"/>
           </a:xfrm>
           <a:prstGeom prst="rightArrow">
@@ -14713,75 +14641,13 @@
       </p:sp>
       <p:sp>
         <p:nvSpPr>
-          <p:cNvPr id="4" name="TextBox 3"/>
-          <p:cNvSpPr txBox="1"/>
-          <p:nvPr/>
-        </p:nvSpPr>
-        <p:spPr>
-          <a:xfrm>
-            <a:off x="221981" y="1418513"/>
-            <a:ext cx="5499369" cy="369332"/>
-          </a:xfrm>
-          <a:prstGeom prst="rect">
-            <a:avLst/>
-          </a:prstGeom>
-          <a:noFill/>
-        </p:spPr>
-        <p:txBody>
-          <a:bodyPr wrap="square" rtlCol="0">
-            <a:spAutoFit/>
-          </a:bodyPr>
-          <a:lstStyle/>
-          <a:p>
-            <a:pPr marL="285750" indent="-285750">
-              <a:buFont typeface="Arial" panose="020B0604020202020204" pitchFamily="34" charset="0"/>
-              <a:buChar char="•"/>
-            </a:pPr>
-            <a:r>
-              <a:rPr lang="en-SG" dirty="0"/>
-              <a:t>Fuse does not blow due to human-body resistance</a:t>
-            </a:r>
-          </a:p>
-        </p:txBody>
-      </p:sp>
-      <p:sp>
-        <p:nvSpPr>
-          <p:cNvPr id="37" name="TextBox 36"/>
-          <p:cNvSpPr txBox="1"/>
-          <p:nvPr/>
-        </p:nvSpPr>
-        <p:spPr>
-          <a:xfrm>
-            <a:off x="451272" y="5512134"/>
-            <a:ext cx="682559" cy="369332"/>
-          </a:xfrm>
-          <a:prstGeom prst="rect">
-            <a:avLst/>
-          </a:prstGeom>
-          <a:noFill/>
-        </p:spPr>
-        <p:txBody>
-          <a:bodyPr wrap="none" rtlCol="0">
-            <a:spAutoFit/>
-          </a:bodyPr>
-          <a:lstStyle/>
-          <a:p>
-            <a:r>
-              <a:rPr lang="en-SG" dirty="0"/>
-              <a:t>Earth</a:t>
-            </a:r>
-          </a:p>
-        </p:txBody>
-      </p:sp>
-      <p:sp>
-        <p:nvSpPr>
-          <p:cNvPr id="40" name="Right Arrow 39"/>
+          <p:cNvPr id="41" name="Right Arrow 40"/>
           <p:cNvSpPr/>
           <p:nvPr/>
         </p:nvSpPr>
         <p:spPr>
           <a:xfrm>
-            <a:off x="1764986" y="2425220"/>
+            <a:off x="4139539" y="2440177"/>
             <a:ext cx="526312" cy="284630"/>
           </a:xfrm>
           <a:prstGeom prst="rightArrow">
@@ -14823,13 +14689,13 @@
       </p:sp>
       <p:sp>
         <p:nvSpPr>
-          <p:cNvPr id="41" name="Right Arrow 40"/>
+          <p:cNvPr id="42" name="Right Arrow 41"/>
           <p:cNvSpPr/>
           <p:nvPr/>
         </p:nvSpPr>
         <p:spPr>
-          <a:xfrm>
-            <a:off x="4139539" y="2440177"/>
+          <a:xfrm rot="16200000">
+            <a:off x="5027268" y="2440177"/>
             <a:ext cx="526312" cy="284630"/>
           </a:xfrm>
           <a:prstGeom prst="rightArrow">
@@ -14869,54 +14735,41 @@
           </a:p>
         </p:txBody>
       </p:sp>
-      <p:sp>
-        <p:nvSpPr>
-          <p:cNvPr id="42" name="Right Arrow 41"/>
-          <p:cNvSpPr/>
-          <p:nvPr/>
-        </p:nvSpPr>
-        <p:spPr>
-          <a:xfrm rot="16200000">
-            <a:off x="5027268" y="2440177"/>
-            <a:ext cx="526312" cy="284630"/>
-          </a:xfrm>
-          <a:prstGeom prst="rightArrow">
-            <a:avLst/>
-          </a:prstGeom>
-          <a:solidFill>
-            <a:srgbClr val="FF0000"/>
-          </a:solidFill>
-          <a:ln>
+      <p:cxnSp>
+        <p:nvCxnSpPr>
+          <p:cNvPr id="44" name="Straight Connector 43"/>
+          <p:cNvCxnSpPr/>
+          <p:nvPr/>
+        </p:nvCxnSpPr>
+        <p:spPr>
+          <a:xfrm flipV="1">
+            <a:off x="434581" y="5881466"/>
+            <a:ext cx="0" cy="227740"/>
+          </a:xfrm>
+          <a:prstGeom prst="line">
+            <a:avLst/>
+          </a:prstGeom>
+          <a:ln w="38100">
             <a:solidFill>
-              <a:srgbClr val="C00000"/>
+              <a:srgbClr val="00B050"/>
             </a:solidFill>
           </a:ln>
         </p:spPr>
         <p:style>
-          <a:lnRef idx="2">
-            <a:schemeClr val="accent1">
-              <a:shade val="50000"/>
-            </a:schemeClr>
+          <a:lnRef idx="1">
+            <a:schemeClr val="accent1"/>
           </a:lnRef>
-          <a:fillRef idx="1">
+          <a:fillRef idx="0">
             <a:schemeClr val="accent1"/>
           </a:fillRef>
           <a:effectRef idx="0">
             <a:schemeClr val="accent1"/>
           </a:effectRef>
           <a:fontRef idx="minor">
-            <a:schemeClr val="lt1"/>
+            <a:schemeClr val="tx1"/>
           </a:fontRef>
         </p:style>
-        <p:txBody>
-          <a:bodyPr rtlCol="0" anchor="ctr"/>
-          <a:lstStyle/>
-          <a:p>
-            <a:pPr algn="ctr"/>
-            <a:endParaRPr lang="en-SG"/>
-          </a:p>
-        </p:txBody>
-      </p:sp>
+      </p:cxnSp>
     </p:spTree>
     <p:extLst>
       <p:ext uri="{BB962C8B-B14F-4D97-AF65-F5344CB8AC3E}">
@@ -15501,7 +15354,7 @@
                                           </p:stCondLst>
                                         </p:cTn>
                                         <p:tgtEl>
-                                          <p:spTgt spid="27"/>
+                                          <p:spTgt spid="4"/>
                                         </p:tgtEl>
                                         <p:attrNameLst>
                                           <p:attrName>style.visibility</p:attrName>
@@ -15514,165 +15367,6 @@
                                     <p:animEffect transition="in" filter="fade">
                                       <p:cBhvr>
                                         <p:cTn id="55" dur="500"/>
-                                        <p:tgtEl>
-                                          <p:spTgt spid="27"/>
-                                        </p:tgtEl>
-                                      </p:cBhvr>
-                                    </p:animEffect>
-                                  </p:childTnLst>
-                                </p:cTn>
-                              </p:par>
-                            </p:childTnLst>
-                          </p:cTn>
-                        </p:par>
-                      </p:childTnLst>
-                    </p:cTn>
-                  </p:par>
-                  <p:par>
-                    <p:cTn id="56" fill="hold">
-                      <p:stCondLst>
-                        <p:cond delay="indefinite"/>
-                      </p:stCondLst>
-                      <p:childTnLst>
-                        <p:par>
-                          <p:cTn id="57" fill="hold">
-                            <p:stCondLst>
-                              <p:cond delay="0"/>
-                            </p:stCondLst>
-                            <p:childTnLst>
-                              <p:par>
-                                <p:cTn id="58" presetID="10" presetClass="entr" presetSubtype="0" fill="hold" grpId="0" nodeType="clickEffect">
-                                  <p:stCondLst>
-                                    <p:cond delay="0"/>
-                                  </p:stCondLst>
-                                  <p:childTnLst>
-                                    <p:set>
-                                      <p:cBhvr>
-                                        <p:cTn id="59" dur="1" fill="hold">
-                                          <p:stCondLst>
-                                            <p:cond delay="0"/>
-                                          </p:stCondLst>
-                                        </p:cTn>
-                                        <p:tgtEl>
-                                          <p:spTgt spid="71"/>
-                                        </p:tgtEl>
-                                        <p:attrNameLst>
-                                          <p:attrName>style.visibility</p:attrName>
-                                        </p:attrNameLst>
-                                      </p:cBhvr>
-                                      <p:to>
-                                        <p:strVal val="visible"/>
-                                      </p:to>
-                                    </p:set>
-                                    <p:animEffect transition="in" filter="fade">
-                                      <p:cBhvr>
-                                        <p:cTn id="60" dur="500"/>
-                                        <p:tgtEl>
-                                          <p:spTgt spid="71"/>
-                                        </p:tgtEl>
-                                      </p:cBhvr>
-                                    </p:animEffect>
-                                  </p:childTnLst>
-                                </p:cTn>
-                              </p:par>
-                            </p:childTnLst>
-                          </p:cTn>
-                        </p:par>
-                      </p:childTnLst>
-                    </p:cTn>
-                  </p:par>
-                  <p:par>
-                    <p:cTn id="61" fill="hold">
-                      <p:stCondLst>
-                        <p:cond delay="indefinite"/>
-                      </p:stCondLst>
-                      <p:childTnLst>
-                        <p:par>
-                          <p:cTn id="62" fill="hold">
-                            <p:stCondLst>
-                              <p:cond delay="0"/>
-                            </p:stCondLst>
-                            <p:childTnLst>
-                              <p:par>
-                                <p:cTn id="63" presetID="10" presetClass="entr" presetSubtype="0" fill="hold" grpId="0" nodeType="clickEffect">
-                                  <p:stCondLst>
-                                    <p:cond delay="0"/>
-                                  </p:stCondLst>
-                                  <p:childTnLst>
-                                    <p:set>
-                                      <p:cBhvr>
-                                        <p:cTn id="64" dur="1" fill="hold">
-                                          <p:stCondLst>
-                                            <p:cond delay="0"/>
-                                          </p:stCondLst>
-                                        </p:cTn>
-                                        <p:tgtEl>
-                                          <p:spTgt spid="36"/>
-                                        </p:tgtEl>
-                                        <p:attrNameLst>
-                                          <p:attrName>style.visibility</p:attrName>
-                                        </p:attrNameLst>
-                                      </p:cBhvr>
-                                      <p:to>
-                                        <p:strVal val="visible"/>
-                                      </p:to>
-                                    </p:set>
-                                    <p:animEffect transition="in" filter="fade">
-                                      <p:cBhvr>
-                                        <p:cTn id="65" dur="500"/>
-                                        <p:tgtEl>
-                                          <p:spTgt spid="36"/>
-                                        </p:tgtEl>
-                                      </p:cBhvr>
-                                    </p:animEffect>
-                                  </p:childTnLst>
-                                </p:cTn>
-                              </p:par>
-                            </p:childTnLst>
-                          </p:cTn>
-                        </p:par>
-                      </p:childTnLst>
-                    </p:cTn>
-                  </p:par>
-                  <p:par>
-                    <p:cTn id="66" fill="hold">
-                      <p:stCondLst>
-                        <p:cond delay="indefinite"/>
-                      </p:stCondLst>
-                      <p:childTnLst>
-                        <p:par>
-                          <p:cTn id="67" fill="hold">
-                            <p:stCondLst>
-                              <p:cond delay="0"/>
-                            </p:stCondLst>
-                            <p:childTnLst>
-                              <p:par>
-                                <p:cTn id="68" presetID="10" presetClass="entr" presetSubtype="0" fill="hold" grpId="0" nodeType="clickEffect">
-                                  <p:stCondLst>
-                                    <p:cond delay="0"/>
-                                  </p:stCondLst>
-                                  <p:childTnLst>
-                                    <p:set>
-                                      <p:cBhvr>
-                                        <p:cTn id="69" dur="1" fill="hold">
-                                          <p:stCondLst>
-                                            <p:cond delay="0"/>
-                                          </p:stCondLst>
-                                        </p:cTn>
-                                        <p:tgtEl>
-                                          <p:spTgt spid="4"/>
-                                        </p:tgtEl>
-                                        <p:attrNameLst>
-                                          <p:attrName>style.visibility</p:attrName>
-                                        </p:attrNameLst>
-                                      </p:cBhvr>
-                                      <p:to>
-                                        <p:strVal val="visible"/>
-                                      </p:to>
-                                    </p:set>
-                                    <p:animEffect transition="in" filter="fade">
-                                      <p:cBhvr>
-                                        <p:cTn id="70" dur="500"/>
                                         <p:tgtEl>
                                           <p:spTgt spid="4"/>
                                         </p:tgtEl>
@@ -15716,10 +15410,7 @@
       <p:bldP spid="25" grpId="0" animBg="1"/>
       <p:bldP spid="26" grpId="0" animBg="1"/>
       <p:bldP spid="3" grpId="0" animBg="1"/>
-      <p:bldP spid="27" grpId="0" animBg="1"/>
       <p:bldP spid="28" grpId="0" animBg="1"/>
-      <p:bldP spid="71" grpId="0" animBg="1"/>
-      <p:bldP spid="36" grpId="0" animBg="1"/>
       <p:bldP spid="4" grpId="0"/>
       <p:bldP spid="40" grpId="0" animBg="1"/>
       <p:bldP spid="41" grpId="0" animBg="1"/>
@@ -16321,6 +16012,2965 @@
           <a:chExt cx="0" cy="0"/>
         </a:xfrm>
       </p:grpSpPr>
+      <p:cxnSp>
+        <p:nvCxnSpPr>
+          <p:cNvPr id="51" name="Straight Connector 50"/>
+          <p:cNvCxnSpPr/>
+          <p:nvPr/>
+        </p:nvCxnSpPr>
+        <p:spPr>
+          <a:xfrm>
+            <a:off x="434581" y="2703391"/>
+            <a:ext cx="4673200" cy="0"/>
+          </a:xfrm>
+          <a:prstGeom prst="line">
+            <a:avLst/>
+          </a:prstGeom>
+          <a:ln w="38100">
+            <a:solidFill>
+              <a:srgbClr val="00B0F0"/>
+            </a:solidFill>
+          </a:ln>
+        </p:spPr>
+        <p:style>
+          <a:lnRef idx="1">
+            <a:schemeClr val="accent1"/>
+          </a:lnRef>
+          <a:fillRef idx="0">
+            <a:schemeClr val="accent1"/>
+          </a:fillRef>
+          <a:effectRef idx="0">
+            <a:schemeClr val="accent1"/>
+          </a:effectRef>
+          <a:fontRef idx="minor">
+            <a:schemeClr val="tx1"/>
+          </a:fontRef>
+        </p:style>
+      </p:cxnSp>
+      <p:cxnSp>
+        <p:nvCxnSpPr>
+          <p:cNvPr id="50" name="Straight Connector 49"/>
+          <p:cNvCxnSpPr>
+            <a:stCxn id="48" idx="3"/>
+          </p:cNvCxnSpPr>
+          <p:nvPr/>
+        </p:nvCxnSpPr>
+        <p:spPr>
+          <a:xfrm flipV="1">
+            <a:off x="3624175" y="1856484"/>
+            <a:ext cx="1459581" cy="5358"/>
+          </a:xfrm>
+          <a:prstGeom prst="line">
+            <a:avLst/>
+          </a:prstGeom>
+          <a:ln w="38100">
+            <a:solidFill>
+              <a:srgbClr val="FF0000"/>
+            </a:solidFill>
+          </a:ln>
+        </p:spPr>
+        <p:style>
+          <a:lnRef idx="1">
+            <a:schemeClr val="accent1"/>
+          </a:lnRef>
+          <a:fillRef idx="0">
+            <a:schemeClr val="accent1"/>
+          </a:fillRef>
+          <a:effectRef idx="0">
+            <a:schemeClr val="accent1"/>
+          </a:effectRef>
+          <a:fontRef idx="minor">
+            <a:schemeClr val="tx1"/>
+          </a:fontRef>
+        </p:style>
+      </p:cxnSp>
+      <p:cxnSp>
+        <p:nvCxnSpPr>
+          <p:cNvPr id="62" name="Straight Connector 61"/>
+          <p:cNvCxnSpPr>
+            <a:endCxn id="48" idx="1"/>
+          </p:cNvCxnSpPr>
+          <p:nvPr/>
+        </p:nvCxnSpPr>
+        <p:spPr>
+          <a:xfrm flipV="1">
+            <a:off x="417891" y="1861842"/>
+            <a:ext cx="2577590" cy="11587"/>
+          </a:xfrm>
+          <a:prstGeom prst="line">
+            <a:avLst/>
+          </a:prstGeom>
+          <a:ln w="38100">
+            <a:solidFill>
+              <a:srgbClr val="FF0000"/>
+            </a:solidFill>
+          </a:ln>
+        </p:spPr>
+        <p:style>
+          <a:lnRef idx="1">
+            <a:schemeClr val="accent1"/>
+          </a:lnRef>
+          <a:fillRef idx="0">
+            <a:schemeClr val="accent1"/>
+          </a:fillRef>
+          <a:effectRef idx="0">
+            <a:schemeClr val="accent1"/>
+          </a:effectRef>
+          <a:fontRef idx="minor">
+            <a:schemeClr val="tx1"/>
+          </a:fontRef>
+        </p:style>
+      </p:cxnSp>
+      <p:sp>
+        <p:nvSpPr>
+          <p:cNvPr id="2" name="Title 1"/>
+          <p:cNvSpPr>
+            <a:spLocks noGrp="1"/>
+          </p:cNvSpPr>
+          <p:nvPr>
+            <p:ph type="title"/>
+          </p:nvPr>
+        </p:nvSpPr>
+        <p:spPr>
+          <a:xfrm>
+            <a:off x="0" y="9938"/>
+            <a:ext cx="8804582" cy="873567"/>
+          </a:xfrm>
+        </p:spPr>
+        <p:txBody>
+          <a:bodyPr/>
+          <a:lstStyle/>
+          <a:p>
+            <a:r>
+              <a:rPr lang="en-SG" dirty="0"/>
+              <a:t>Circuit breaker arrangement</a:t>
+            </a:r>
+          </a:p>
+        </p:txBody>
+      </p:sp>
+      <p:sp>
+        <p:nvSpPr>
+          <p:cNvPr id="16" name="Rectangle 15"/>
+          <p:cNvSpPr/>
+          <p:nvPr/>
+        </p:nvSpPr>
+        <p:spPr>
+          <a:xfrm>
+            <a:off x="6985625" y="990240"/>
+            <a:ext cx="414635" cy="738963"/>
+          </a:xfrm>
+          <a:prstGeom prst="rect">
+            <a:avLst/>
+          </a:prstGeom>
+        </p:spPr>
+        <p:style>
+          <a:lnRef idx="2">
+            <a:schemeClr val="dk1">
+              <a:shade val="50000"/>
+            </a:schemeClr>
+          </a:lnRef>
+          <a:fillRef idx="1">
+            <a:schemeClr val="dk1"/>
+          </a:fillRef>
+          <a:effectRef idx="0">
+            <a:schemeClr val="dk1"/>
+          </a:effectRef>
+          <a:fontRef idx="minor">
+            <a:schemeClr val="lt1"/>
+          </a:fontRef>
+        </p:style>
+        <p:txBody>
+          <a:bodyPr rtlCol="0" anchor="ctr"/>
+          <a:lstStyle/>
+          <a:p>
+            <a:pPr algn="ctr"/>
+            <a:endParaRPr lang="en-SG"/>
+          </a:p>
+        </p:txBody>
+      </p:sp>
+      <p:sp>
+        <p:nvSpPr>
+          <p:cNvPr id="19" name="Oval 18"/>
+          <p:cNvSpPr/>
+          <p:nvPr/>
+        </p:nvSpPr>
+        <p:spPr>
+          <a:xfrm>
+            <a:off x="6946817" y="439466"/>
+            <a:ext cx="492250" cy="482132"/>
+          </a:xfrm>
+          <a:prstGeom prst="ellipse">
+            <a:avLst/>
+          </a:prstGeom>
+        </p:spPr>
+        <p:style>
+          <a:lnRef idx="2">
+            <a:schemeClr val="dk1">
+              <a:shade val="50000"/>
+            </a:schemeClr>
+          </a:lnRef>
+          <a:fillRef idx="1">
+            <a:schemeClr val="dk1"/>
+          </a:fillRef>
+          <a:effectRef idx="0">
+            <a:schemeClr val="dk1"/>
+          </a:effectRef>
+          <a:fontRef idx="minor">
+            <a:schemeClr val="lt1"/>
+          </a:fontRef>
+        </p:style>
+        <p:txBody>
+          <a:bodyPr rtlCol="0" anchor="ctr"/>
+          <a:lstStyle/>
+          <a:p>
+            <a:pPr algn="ctr"/>
+            <a:endParaRPr lang="en-SG"/>
+          </a:p>
+        </p:txBody>
+      </p:sp>
+      <p:sp>
+        <p:nvSpPr>
+          <p:cNvPr id="22" name="Rectangle 21"/>
+          <p:cNvSpPr/>
+          <p:nvPr/>
+        </p:nvSpPr>
+        <p:spPr>
+          <a:xfrm rot="3065409">
+            <a:off x="6430448" y="863519"/>
+            <a:ext cx="205204" cy="601488"/>
+          </a:xfrm>
+          <a:prstGeom prst="rect">
+            <a:avLst/>
+          </a:prstGeom>
+        </p:spPr>
+        <p:style>
+          <a:lnRef idx="2">
+            <a:schemeClr val="dk1">
+              <a:shade val="50000"/>
+            </a:schemeClr>
+          </a:lnRef>
+          <a:fillRef idx="1">
+            <a:schemeClr val="dk1"/>
+          </a:fillRef>
+          <a:effectRef idx="0">
+            <a:schemeClr val="dk1"/>
+          </a:effectRef>
+          <a:fontRef idx="minor">
+            <a:schemeClr val="lt1"/>
+          </a:fontRef>
+        </p:style>
+        <p:txBody>
+          <a:bodyPr rtlCol="0" anchor="ctr"/>
+          <a:lstStyle/>
+          <a:p>
+            <a:pPr algn="ctr"/>
+            <a:endParaRPr lang="en-SG"/>
+          </a:p>
+        </p:txBody>
+      </p:sp>
+      <p:sp>
+        <p:nvSpPr>
+          <p:cNvPr id="23" name="Rectangle 22"/>
+          <p:cNvSpPr/>
+          <p:nvPr/>
+        </p:nvSpPr>
+        <p:spPr>
+          <a:xfrm rot="18639749">
+            <a:off x="7715966" y="850763"/>
+            <a:ext cx="254752" cy="645378"/>
+          </a:xfrm>
+          <a:prstGeom prst="rect">
+            <a:avLst/>
+          </a:prstGeom>
+        </p:spPr>
+        <p:style>
+          <a:lnRef idx="2">
+            <a:schemeClr val="dk1">
+              <a:shade val="50000"/>
+            </a:schemeClr>
+          </a:lnRef>
+          <a:fillRef idx="1">
+            <a:schemeClr val="dk1"/>
+          </a:fillRef>
+          <a:effectRef idx="0">
+            <a:schemeClr val="dk1"/>
+          </a:effectRef>
+          <a:fontRef idx="minor">
+            <a:schemeClr val="lt1"/>
+          </a:fontRef>
+        </p:style>
+        <p:txBody>
+          <a:bodyPr rtlCol="0" anchor="ctr"/>
+          <a:lstStyle/>
+          <a:p>
+            <a:pPr algn="ctr"/>
+            <a:endParaRPr lang="en-SG"/>
+          </a:p>
+        </p:txBody>
+      </p:sp>
+      <p:sp>
+        <p:nvSpPr>
+          <p:cNvPr id="25" name="Rectangle 24"/>
+          <p:cNvSpPr/>
+          <p:nvPr/>
+        </p:nvSpPr>
+        <p:spPr>
+          <a:xfrm rot="656420">
+            <a:off x="6811753" y="1827920"/>
+            <a:ext cx="270128" cy="837009"/>
+          </a:xfrm>
+          <a:prstGeom prst="rect">
+            <a:avLst/>
+          </a:prstGeom>
+        </p:spPr>
+        <p:style>
+          <a:lnRef idx="2">
+            <a:schemeClr val="dk1">
+              <a:shade val="50000"/>
+            </a:schemeClr>
+          </a:lnRef>
+          <a:fillRef idx="1">
+            <a:schemeClr val="dk1"/>
+          </a:fillRef>
+          <a:effectRef idx="0">
+            <a:schemeClr val="dk1"/>
+          </a:effectRef>
+          <a:fontRef idx="minor">
+            <a:schemeClr val="lt1"/>
+          </a:fontRef>
+        </p:style>
+        <p:txBody>
+          <a:bodyPr rtlCol="0" anchor="ctr"/>
+          <a:lstStyle/>
+          <a:p>
+            <a:pPr algn="ctr"/>
+            <a:endParaRPr lang="en-SG"/>
+          </a:p>
+        </p:txBody>
+      </p:sp>
+      <p:sp>
+        <p:nvSpPr>
+          <p:cNvPr id="26" name="Rectangle 25"/>
+          <p:cNvSpPr/>
+          <p:nvPr/>
+        </p:nvSpPr>
+        <p:spPr>
+          <a:xfrm rot="20897953">
+            <a:off x="7380500" y="1824207"/>
+            <a:ext cx="270128" cy="837009"/>
+          </a:xfrm>
+          <a:prstGeom prst="rect">
+            <a:avLst/>
+          </a:prstGeom>
+        </p:spPr>
+        <p:style>
+          <a:lnRef idx="2">
+            <a:schemeClr val="dk1">
+              <a:shade val="50000"/>
+            </a:schemeClr>
+          </a:lnRef>
+          <a:fillRef idx="1">
+            <a:schemeClr val="dk1"/>
+          </a:fillRef>
+          <a:effectRef idx="0">
+            <a:schemeClr val="dk1"/>
+          </a:effectRef>
+          <a:fontRef idx="minor">
+            <a:schemeClr val="lt1"/>
+          </a:fontRef>
+        </p:style>
+        <p:txBody>
+          <a:bodyPr rtlCol="0" anchor="ctr"/>
+          <a:lstStyle/>
+          <a:p>
+            <a:pPr algn="ctr"/>
+            <a:endParaRPr lang="en-SG"/>
+          </a:p>
+        </p:txBody>
+      </p:sp>
+      <p:sp>
+        <p:nvSpPr>
+          <p:cNvPr id="6" name="Slide Number Placeholder 5"/>
+          <p:cNvSpPr>
+            <a:spLocks noGrp="1"/>
+          </p:cNvSpPr>
+          <p:nvPr>
+            <p:ph type="sldNum" sz="quarter" idx="12"/>
+          </p:nvPr>
+        </p:nvSpPr>
+        <p:spPr/>
+        <p:txBody>
+          <a:bodyPr/>
+          <a:lstStyle/>
+          <a:p>
+            <a:fld id="{68EF4619-F19A-E048-BC08-46ED4E2D9E67}" type="slidenum">
+              <a:rPr lang="en-US" smtClean="0"/>
+              <a:t>7</a:t>
+            </a:fld>
+            <a:endParaRPr lang="en-US"/>
+          </a:p>
+        </p:txBody>
+      </p:sp>
+      <p:sp>
+        <p:nvSpPr>
+          <p:cNvPr id="49" name="Rounded Rectangle 48"/>
+          <p:cNvSpPr/>
+          <p:nvPr/>
+        </p:nvSpPr>
+        <p:spPr>
+          <a:xfrm>
+            <a:off x="3764321" y="1219844"/>
+            <a:ext cx="2638872" cy="2884349"/>
+          </a:xfrm>
+          <a:prstGeom prst="roundRect">
+            <a:avLst/>
+          </a:prstGeom>
+          <a:noFill/>
+          <a:ln w="57150" cap="flat" cmpd="sng" algn="ctr">
+            <a:solidFill>
+              <a:srgbClr val="00B050"/>
+            </a:solidFill>
+            <a:prstDash val="solid"/>
+            <a:round/>
+            <a:headEnd type="none" w="med" len="med"/>
+            <a:tailEnd type="none" w="med" len="med"/>
+          </a:ln>
+        </p:spPr>
+        <p:style>
+          <a:lnRef idx="0">
+            <a:scrgbClr r="0" g="0" b="0"/>
+          </a:lnRef>
+          <a:fillRef idx="0">
+            <a:scrgbClr r="0" g="0" b="0"/>
+          </a:fillRef>
+          <a:effectRef idx="0">
+            <a:scrgbClr r="0" g="0" b="0"/>
+          </a:effectRef>
+          <a:fontRef idx="minor">
+            <a:schemeClr val="accent3"/>
+          </a:fontRef>
+        </p:style>
+        <p:txBody>
+          <a:bodyPr rtlCol="0" anchor="b" anchorCtr="0"/>
+          <a:lstStyle/>
+          <a:p>
+            <a:pPr algn="ctr"/>
+            <a:r>
+              <a:rPr lang="en-SG" dirty="0">
+                <a:solidFill>
+                  <a:schemeClr val="tx1"/>
+                </a:solidFill>
+              </a:rPr>
+              <a:t>Kettle</a:t>
+            </a:r>
+          </a:p>
+        </p:txBody>
+      </p:sp>
+      <p:sp>
+        <p:nvSpPr>
+          <p:cNvPr id="52" name="TextBox 51"/>
+          <p:cNvSpPr txBox="1"/>
+          <p:nvPr/>
+        </p:nvSpPr>
+        <p:spPr>
+          <a:xfrm>
+            <a:off x="420461" y="2663639"/>
+            <a:ext cx="1512017" cy="369332"/>
+          </a:xfrm>
+          <a:prstGeom prst="rect">
+            <a:avLst/>
+          </a:prstGeom>
+          <a:noFill/>
+        </p:spPr>
+        <p:txBody>
+          <a:bodyPr wrap="none" rtlCol="0">
+            <a:spAutoFit/>
+          </a:bodyPr>
+          <a:lstStyle/>
+          <a:p>
+            <a:r>
+              <a:rPr lang="en-SG" dirty="0"/>
+              <a:t>Mains Neutral</a:t>
+            </a:r>
+          </a:p>
+        </p:txBody>
+      </p:sp>
+      <p:sp>
+        <p:nvSpPr>
+          <p:cNvPr id="55" name="Rectangle 54"/>
+          <p:cNvSpPr/>
+          <p:nvPr/>
+        </p:nvSpPr>
+        <p:spPr>
+          <a:xfrm>
+            <a:off x="5001212" y="2003630"/>
+            <a:ext cx="165089" cy="536944"/>
+          </a:xfrm>
+          <a:prstGeom prst="rect">
+            <a:avLst/>
+          </a:prstGeom>
+          <a:noFill/>
+          <a:ln w="9525" cap="flat" cmpd="sng" algn="ctr">
+            <a:solidFill>
+              <a:schemeClr val="dk1"/>
+            </a:solidFill>
+            <a:prstDash val="solid"/>
+            <a:round/>
+            <a:headEnd type="none" w="med" len="med"/>
+            <a:tailEnd type="none" w="med" len="med"/>
+          </a:ln>
+        </p:spPr>
+        <p:style>
+          <a:lnRef idx="0">
+            <a:scrgbClr r="0" g="0" b="0"/>
+          </a:lnRef>
+          <a:fillRef idx="0">
+            <a:scrgbClr r="0" g="0" b="0"/>
+          </a:fillRef>
+          <a:effectRef idx="0">
+            <a:scrgbClr r="0" g="0" b="0"/>
+          </a:effectRef>
+          <a:fontRef idx="minor">
+            <a:schemeClr val="dk1"/>
+          </a:fontRef>
+        </p:style>
+        <p:txBody>
+          <a:bodyPr rtlCol="0" anchor="ctr"/>
+          <a:lstStyle/>
+          <a:p>
+            <a:pPr algn="ctr"/>
+            <a:endParaRPr lang="en-SG"/>
+          </a:p>
+        </p:txBody>
+      </p:sp>
+      <p:cxnSp>
+        <p:nvCxnSpPr>
+          <p:cNvPr id="56" name="Straight Connector 55"/>
+          <p:cNvCxnSpPr/>
+          <p:nvPr/>
+        </p:nvCxnSpPr>
+        <p:spPr>
+          <a:xfrm>
+            <a:off x="5083756" y="1840814"/>
+            <a:ext cx="0" cy="157965"/>
+          </a:xfrm>
+          <a:prstGeom prst="line">
+            <a:avLst/>
+          </a:prstGeom>
+          <a:ln w="38100">
+            <a:solidFill>
+              <a:srgbClr val="FF0000"/>
+            </a:solidFill>
+          </a:ln>
+        </p:spPr>
+        <p:style>
+          <a:lnRef idx="1">
+            <a:schemeClr val="accent1"/>
+          </a:lnRef>
+          <a:fillRef idx="0">
+            <a:schemeClr val="accent1"/>
+          </a:fillRef>
+          <a:effectRef idx="0">
+            <a:schemeClr val="accent1"/>
+          </a:effectRef>
+          <a:fontRef idx="minor">
+            <a:schemeClr val="tx1"/>
+          </a:fontRef>
+        </p:style>
+      </p:cxnSp>
+      <p:cxnSp>
+        <p:nvCxnSpPr>
+          <p:cNvPr id="57" name="Straight Connector 56"/>
+          <p:cNvCxnSpPr/>
+          <p:nvPr/>
+        </p:nvCxnSpPr>
+        <p:spPr>
+          <a:xfrm>
+            <a:off x="5083756" y="2545426"/>
+            <a:ext cx="0" cy="157965"/>
+          </a:xfrm>
+          <a:prstGeom prst="line">
+            <a:avLst/>
+          </a:prstGeom>
+          <a:ln w="38100">
+            <a:solidFill>
+              <a:srgbClr val="00B0F0"/>
+            </a:solidFill>
+          </a:ln>
+        </p:spPr>
+        <p:style>
+          <a:lnRef idx="1">
+            <a:schemeClr val="accent1"/>
+          </a:lnRef>
+          <a:fillRef idx="0">
+            <a:schemeClr val="accent1"/>
+          </a:fillRef>
+          <a:effectRef idx="0">
+            <a:schemeClr val="accent1"/>
+          </a:effectRef>
+          <a:fontRef idx="minor">
+            <a:schemeClr val="tx1"/>
+          </a:fontRef>
+        </p:style>
+      </p:cxnSp>
+      <p:sp>
+        <p:nvSpPr>
+          <p:cNvPr id="58" name="Oval 57"/>
+          <p:cNvSpPr/>
+          <p:nvPr/>
+        </p:nvSpPr>
+        <p:spPr>
+          <a:xfrm>
+            <a:off x="97444" y="1964307"/>
+            <a:ext cx="680483" cy="661992"/>
+          </a:xfrm>
+          <a:prstGeom prst="ellipse">
+            <a:avLst/>
+          </a:prstGeom>
+        </p:spPr>
+        <p:style>
+          <a:lnRef idx="2">
+            <a:schemeClr val="dk1"/>
+          </a:lnRef>
+          <a:fillRef idx="1">
+            <a:schemeClr val="lt1"/>
+          </a:fillRef>
+          <a:effectRef idx="0">
+            <a:schemeClr val="dk1"/>
+          </a:effectRef>
+          <a:fontRef idx="minor">
+            <a:schemeClr val="dk1"/>
+          </a:fontRef>
+        </p:style>
+        <p:txBody>
+          <a:bodyPr rtlCol="0" anchor="ctr"/>
+          <a:lstStyle/>
+          <a:p>
+            <a:pPr algn="ctr"/>
+            <a:r>
+              <a:rPr lang="en-SG" sz="1200" dirty="0"/>
+              <a:t>240V </a:t>
+            </a:r>
+          </a:p>
+          <a:p>
+            <a:pPr algn="ctr"/>
+            <a:r>
+              <a:rPr lang="en-SG" sz="1200" dirty="0"/>
+              <a:t>AC ~</a:t>
+            </a:r>
+          </a:p>
+        </p:txBody>
+      </p:sp>
+      <p:cxnSp>
+        <p:nvCxnSpPr>
+          <p:cNvPr id="59" name="Straight Connector 58"/>
+          <p:cNvCxnSpPr/>
+          <p:nvPr/>
+        </p:nvCxnSpPr>
+        <p:spPr>
+          <a:xfrm>
+            <a:off x="437686" y="2626299"/>
+            <a:ext cx="0" cy="95076"/>
+          </a:xfrm>
+          <a:prstGeom prst="line">
+            <a:avLst/>
+          </a:prstGeom>
+          <a:ln w="38100">
+            <a:solidFill>
+              <a:srgbClr val="00B0F0"/>
+            </a:solidFill>
+          </a:ln>
+        </p:spPr>
+        <p:style>
+          <a:lnRef idx="1">
+            <a:schemeClr val="accent1"/>
+          </a:lnRef>
+          <a:fillRef idx="0">
+            <a:schemeClr val="accent1"/>
+          </a:fillRef>
+          <a:effectRef idx="0">
+            <a:schemeClr val="accent1"/>
+          </a:effectRef>
+          <a:fontRef idx="minor">
+            <a:schemeClr val="tx1"/>
+          </a:fontRef>
+        </p:style>
+      </p:cxnSp>
+      <p:cxnSp>
+        <p:nvCxnSpPr>
+          <p:cNvPr id="60" name="Straight Connector 59"/>
+          <p:cNvCxnSpPr/>
+          <p:nvPr/>
+        </p:nvCxnSpPr>
+        <p:spPr>
+          <a:xfrm>
+            <a:off x="437686" y="1872201"/>
+            <a:ext cx="0" cy="95192"/>
+          </a:xfrm>
+          <a:prstGeom prst="line">
+            <a:avLst/>
+          </a:prstGeom>
+          <a:ln w="38100">
+            <a:solidFill>
+              <a:srgbClr val="FF0000"/>
+            </a:solidFill>
+          </a:ln>
+        </p:spPr>
+        <p:style>
+          <a:lnRef idx="1">
+            <a:schemeClr val="accent1"/>
+          </a:lnRef>
+          <a:fillRef idx="0">
+            <a:schemeClr val="accent1"/>
+          </a:fillRef>
+          <a:effectRef idx="0">
+            <a:schemeClr val="accent1"/>
+          </a:effectRef>
+          <a:fontRef idx="minor">
+            <a:schemeClr val="tx1"/>
+          </a:fontRef>
+        </p:style>
+      </p:cxnSp>
+      <p:sp>
+        <p:nvSpPr>
+          <p:cNvPr id="61" name="TextBox 60"/>
+          <p:cNvSpPr txBox="1"/>
+          <p:nvPr/>
+        </p:nvSpPr>
+        <p:spPr>
+          <a:xfrm>
+            <a:off x="373251" y="1210559"/>
+            <a:ext cx="1177887" cy="369332"/>
+          </a:xfrm>
+          <a:prstGeom prst="rect">
+            <a:avLst/>
+          </a:prstGeom>
+          <a:noFill/>
+        </p:spPr>
+        <p:txBody>
+          <a:bodyPr wrap="none" rtlCol="0">
+            <a:spAutoFit/>
+          </a:bodyPr>
+          <a:lstStyle/>
+          <a:p>
+            <a:r>
+              <a:rPr lang="en-SG" dirty="0"/>
+              <a:t>Mains Live</a:t>
+            </a:r>
+          </a:p>
+        </p:txBody>
+      </p:sp>
+      <p:cxnSp>
+        <p:nvCxnSpPr>
+          <p:cNvPr id="64" name="Straight Connector 63"/>
+          <p:cNvCxnSpPr/>
+          <p:nvPr/>
+        </p:nvCxnSpPr>
+        <p:spPr>
+          <a:xfrm>
+            <a:off x="417891" y="4939620"/>
+            <a:ext cx="8253669" cy="0"/>
+          </a:xfrm>
+          <a:prstGeom prst="line">
+            <a:avLst/>
+          </a:prstGeom>
+          <a:ln w="38100">
+            <a:solidFill>
+              <a:srgbClr val="00B050"/>
+            </a:solidFill>
+          </a:ln>
+        </p:spPr>
+        <p:style>
+          <a:lnRef idx="1">
+            <a:schemeClr val="accent1"/>
+          </a:lnRef>
+          <a:fillRef idx="0">
+            <a:schemeClr val="accent1"/>
+          </a:fillRef>
+          <a:effectRef idx="0">
+            <a:schemeClr val="accent1"/>
+          </a:effectRef>
+          <a:fontRef idx="minor">
+            <a:schemeClr val="tx1"/>
+          </a:fontRef>
+        </p:style>
+      </p:cxnSp>
+      <p:sp>
+        <p:nvSpPr>
+          <p:cNvPr id="66" name="Down Arrow 65"/>
+          <p:cNvSpPr/>
+          <p:nvPr/>
+        </p:nvSpPr>
+        <p:spPr>
+          <a:xfrm>
+            <a:off x="320099" y="5164326"/>
+            <a:ext cx="228964" cy="429707"/>
+          </a:xfrm>
+          <a:prstGeom prst="downArrow">
+            <a:avLst/>
+          </a:prstGeom>
+        </p:spPr>
+        <p:style>
+          <a:lnRef idx="2">
+            <a:schemeClr val="accent6">
+              <a:shade val="50000"/>
+            </a:schemeClr>
+          </a:lnRef>
+          <a:fillRef idx="1">
+            <a:schemeClr val="accent6"/>
+          </a:fillRef>
+          <a:effectRef idx="0">
+            <a:schemeClr val="accent6"/>
+          </a:effectRef>
+          <a:fontRef idx="minor">
+            <a:schemeClr val="lt1"/>
+          </a:fontRef>
+        </p:style>
+        <p:txBody>
+          <a:bodyPr rtlCol="0" anchor="ctr"/>
+          <a:lstStyle/>
+          <a:p>
+            <a:pPr algn="ctr"/>
+            <a:endParaRPr lang="en-SG"/>
+          </a:p>
+        </p:txBody>
+      </p:sp>
+      <p:cxnSp>
+        <p:nvCxnSpPr>
+          <p:cNvPr id="67" name="Straight Connector 66"/>
+          <p:cNvCxnSpPr/>
+          <p:nvPr/>
+        </p:nvCxnSpPr>
+        <p:spPr>
+          <a:xfrm flipV="1">
+            <a:off x="7515564" y="2662018"/>
+            <a:ext cx="0" cy="2277602"/>
+          </a:xfrm>
+          <a:prstGeom prst="line">
+            <a:avLst/>
+          </a:prstGeom>
+          <a:ln w="38100">
+            <a:solidFill>
+              <a:srgbClr val="00B050"/>
+            </a:solidFill>
+          </a:ln>
+        </p:spPr>
+        <p:style>
+          <a:lnRef idx="1">
+            <a:schemeClr val="accent1"/>
+          </a:lnRef>
+          <a:fillRef idx="0">
+            <a:schemeClr val="accent1"/>
+          </a:fillRef>
+          <a:effectRef idx="0">
+            <a:schemeClr val="accent1"/>
+          </a:effectRef>
+          <a:fontRef idx="minor">
+            <a:schemeClr val="tx1"/>
+          </a:fontRef>
+        </p:style>
+      </p:cxnSp>
+      <p:sp>
+        <p:nvSpPr>
+          <p:cNvPr id="68" name="TextBox 67"/>
+          <p:cNvSpPr txBox="1"/>
+          <p:nvPr/>
+        </p:nvSpPr>
+        <p:spPr>
+          <a:xfrm>
+            <a:off x="549063" y="4567254"/>
+            <a:ext cx="682559" cy="369332"/>
+          </a:xfrm>
+          <a:prstGeom prst="rect">
+            <a:avLst/>
+          </a:prstGeom>
+          <a:noFill/>
+        </p:spPr>
+        <p:txBody>
+          <a:bodyPr wrap="none" rtlCol="0">
+            <a:spAutoFit/>
+          </a:bodyPr>
+          <a:lstStyle/>
+          <a:p>
+            <a:r>
+              <a:rPr lang="en-SG" dirty="0"/>
+              <a:t>Earth</a:t>
+            </a:r>
+          </a:p>
+        </p:txBody>
+      </p:sp>
+      <p:cxnSp>
+        <p:nvCxnSpPr>
+          <p:cNvPr id="69" name="Straight Connector 68"/>
+          <p:cNvCxnSpPr/>
+          <p:nvPr/>
+        </p:nvCxnSpPr>
+        <p:spPr>
+          <a:xfrm>
+            <a:off x="417891" y="3377520"/>
+            <a:ext cx="3346430" cy="0"/>
+          </a:xfrm>
+          <a:prstGeom prst="line">
+            <a:avLst/>
+          </a:prstGeom>
+          <a:ln w="38100">
+            <a:solidFill>
+              <a:srgbClr val="00B050"/>
+            </a:solidFill>
+          </a:ln>
+        </p:spPr>
+        <p:style>
+          <a:lnRef idx="1">
+            <a:schemeClr val="accent1"/>
+          </a:lnRef>
+          <a:fillRef idx="0">
+            <a:schemeClr val="accent1"/>
+          </a:fillRef>
+          <a:effectRef idx="0">
+            <a:schemeClr val="accent1"/>
+          </a:effectRef>
+          <a:fontRef idx="minor">
+            <a:schemeClr val="tx1"/>
+          </a:fontRef>
+        </p:style>
+      </p:cxnSp>
+      <p:sp>
+        <p:nvSpPr>
+          <p:cNvPr id="70" name="TextBox 69"/>
+          <p:cNvSpPr txBox="1"/>
+          <p:nvPr/>
+        </p:nvSpPr>
+        <p:spPr>
+          <a:xfrm>
+            <a:off x="728370" y="3043017"/>
+            <a:ext cx="1307730" cy="369332"/>
+          </a:xfrm>
+          <a:prstGeom prst="rect">
+            <a:avLst/>
+          </a:prstGeom>
+          <a:noFill/>
+        </p:spPr>
+        <p:txBody>
+          <a:bodyPr wrap="none" rtlCol="0">
+            <a:spAutoFit/>
+          </a:bodyPr>
+          <a:lstStyle/>
+          <a:p>
+            <a:r>
+              <a:rPr lang="en-SG" dirty="0"/>
+              <a:t>Mains Earth</a:t>
+            </a:r>
+          </a:p>
+        </p:txBody>
+      </p:sp>
+      <p:sp>
+        <p:nvSpPr>
+          <p:cNvPr id="33" name="Rectangle 32"/>
+          <p:cNvSpPr/>
+          <p:nvPr/>
+        </p:nvSpPr>
+        <p:spPr>
+          <a:xfrm>
+            <a:off x="1923923" y="1663602"/>
+            <a:ext cx="712332" cy="1135569"/>
+          </a:xfrm>
+          <a:prstGeom prst="rect">
+            <a:avLst/>
+          </a:prstGeom>
+          <a:ln w="38100">
+            <a:solidFill>
+              <a:srgbClr val="002060"/>
+            </a:solidFill>
+          </a:ln>
+        </p:spPr>
+        <p:style>
+          <a:lnRef idx="2">
+            <a:schemeClr val="accent1"/>
+          </a:lnRef>
+          <a:fillRef idx="1">
+            <a:schemeClr val="lt1"/>
+          </a:fillRef>
+          <a:effectRef idx="0">
+            <a:schemeClr val="accent1"/>
+          </a:effectRef>
+          <a:fontRef idx="minor">
+            <a:schemeClr val="dk1"/>
+          </a:fontRef>
+        </p:style>
+        <p:txBody>
+          <a:bodyPr rtlCol="0" anchor="ctr"/>
+          <a:lstStyle/>
+          <a:p>
+            <a:pPr algn="ctr"/>
+            <a:r>
+              <a:rPr lang="en-SG" dirty="0"/>
+              <a:t>RCCB</a:t>
+            </a:r>
+          </a:p>
+        </p:txBody>
+      </p:sp>
+      <p:sp>
+        <p:nvSpPr>
+          <p:cNvPr id="34" name="Rectangle 33"/>
+          <p:cNvSpPr/>
+          <p:nvPr/>
+        </p:nvSpPr>
+        <p:spPr>
+          <a:xfrm>
+            <a:off x="991680" y="1687448"/>
+            <a:ext cx="626999" cy="350432"/>
+          </a:xfrm>
+          <a:prstGeom prst="rect">
+            <a:avLst/>
+          </a:prstGeom>
+          <a:ln w="38100">
+            <a:solidFill>
+              <a:srgbClr val="FF0000"/>
+            </a:solidFill>
+          </a:ln>
+        </p:spPr>
+        <p:style>
+          <a:lnRef idx="2">
+            <a:schemeClr val="accent1"/>
+          </a:lnRef>
+          <a:fillRef idx="1">
+            <a:schemeClr val="lt1"/>
+          </a:fillRef>
+          <a:effectRef idx="0">
+            <a:schemeClr val="accent1"/>
+          </a:effectRef>
+          <a:fontRef idx="minor">
+            <a:schemeClr val="dk1"/>
+          </a:fontRef>
+        </p:style>
+        <p:txBody>
+          <a:bodyPr rtlCol="0" anchor="ctr"/>
+          <a:lstStyle/>
+          <a:p>
+            <a:pPr algn="ctr"/>
+            <a:r>
+              <a:rPr lang="en-SG" dirty="0"/>
+              <a:t>MCB</a:t>
+            </a:r>
+          </a:p>
+        </p:txBody>
+      </p:sp>
+      <p:sp>
+        <p:nvSpPr>
+          <p:cNvPr id="38" name="TextBox 37"/>
+          <p:cNvSpPr txBox="1"/>
+          <p:nvPr/>
+        </p:nvSpPr>
+        <p:spPr>
+          <a:xfrm>
+            <a:off x="4845772" y="4982716"/>
+            <a:ext cx="4298228" cy="1815882"/>
+          </a:xfrm>
+          <a:prstGeom prst="rect">
+            <a:avLst/>
+          </a:prstGeom>
+          <a:noFill/>
+        </p:spPr>
+        <p:txBody>
+          <a:bodyPr wrap="square" rtlCol="0">
+            <a:spAutoFit/>
+          </a:bodyPr>
+          <a:lstStyle/>
+          <a:p>
+            <a:r>
+              <a:rPr lang="en-US" sz="1600" u="sng" dirty="0">
+                <a:solidFill>
+                  <a:srgbClr val="00B0F0"/>
+                </a:solidFill>
+              </a:rPr>
+              <a:t>Residual Current Circuit Breaker (RCCB)</a:t>
+            </a:r>
+          </a:p>
+          <a:p>
+            <a:pPr marL="285750" indent="-285750">
+              <a:buFont typeface="Arial" panose="020B0604020202020204" pitchFamily="34" charset="0"/>
+              <a:buChar char="•"/>
+            </a:pPr>
+            <a:r>
+              <a:rPr lang="en-SG" sz="1600" b="1" dirty="0"/>
+              <a:t>What it does? </a:t>
+            </a:r>
+            <a:r>
+              <a:rPr lang="en-SG" sz="1600" dirty="0"/>
+              <a:t>Breaks the circuit on earth fault</a:t>
+            </a:r>
+          </a:p>
+          <a:p>
+            <a:pPr marL="285750" indent="-285750">
+              <a:buFont typeface="Arial" panose="020B0604020202020204" pitchFamily="34" charset="0"/>
+              <a:buChar char="•"/>
+            </a:pPr>
+            <a:r>
+              <a:rPr lang="en-US" sz="1600" b="1" dirty="0"/>
+              <a:t>Cause: </a:t>
+            </a:r>
+            <a:r>
+              <a:rPr lang="en-US" sz="1600" dirty="0"/>
+              <a:t>Current leakage via Earth wire or human electrocution</a:t>
+            </a:r>
+            <a:endParaRPr lang="en-SG" sz="1600" dirty="0"/>
+          </a:p>
+          <a:p>
+            <a:pPr marL="285750" indent="-285750">
+              <a:buFont typeface="Arial" panose="020B0604020202020204" pitchFamily="34" charset="0"/>
+              <a:buChar char="•"/>
+            </a:pPr>
+            <a:r>
+              <a:rPr lang="en-US" sz="1600" b="1" dirty="0"/>
+              <a:t>When?: </a:t>
+            </a:r>
+            <a:r>
+              <a:rPr lang="en-US" sz="1600" dirty="0"/>
+              <a:t>Breaks when current difference between live neutral &gt; threshold            (usually 30mA)</a:t>
+            </a:r>
+          </a:p>
+        </p:txBody>
+      </p:sp>
+      <p:sp>
+        <p:nvSpPr>
+          <p:cNvPr id="39" name="TextBox 38"/>
+          <p:cNvSpPr txBox="1"/>
+          <p:nvPr/>
+        </p:nvSpPr>
+        <p:spPr>
+          <a:xfrm>
+            <a:off x="-27695" y="5717422"/>
+            <a:ext cx="5002973" cy="830997"/>
+          </a:xfrm>
+          <a:prstGeom prst="rect">
+            <a:avLst/>
+          </a:prstGeom>
+          <a:noFill/>
+        </p:spPr>
+        <p:txBody>
+          <a:bodyPr wrap="none" rtlCol="0">
+            <a:spAutoFit/>
+          </a:bodyPr>
+          <a:lstStyle/>
+          <a:p>
+            <a:r>
+              <a:rPr lang="en-SG" sz="1600" u="sng" dirty="0">
+                <a:solidFill>
+                  <a:srgbClr val="FF0000"/>
+                </a:solidFill>
+              </a:rPr>
+              <a:t>Miniature Circuit Breakers (MCBs)</a:t>
+            </a:r>
+          </a:p>
+          <a:p>
+            <a:pPr marL="285750" indent="-285750">
+              <a:buFont typeface="Arial" panose="020B0604020202020204" pitchFamily="34" charset="0"/>
+              <a:buChar char="•"/>
+            </a:pPr>
+            <a:r>
+              <a:rPr lang="en-SG" sz="1600" u="sng" dirty="0"/>
+              <a:t>What it does? </a:t>
+            </a:r>
+          </a:p>
+          <a:p>
+            <a:pPr marL="742950" lvl="1" indent="-285750">
+              <a:buFont typeface="Arial" panose="020B0604020202020204" pitchFamily="34" charset="0"/>
+              <a:buChar char="•"/>
+            </a:pPr>
+            <a:r>
+              <a:rPr lang="en-SG" sz="1600" dirty="0"/>
+              <a:t>Breaks the circuit on overcurrent </a:t>
+            </a:r>
+            <a:r>
+              <a:rPr lang="en-SG" sz="1600" dirty="0" err="1"/>
+              <a:t>eg</a:t>
+            </a:r>
+            <a:r>
+              <a:rPr lang="en-SG" sz="1600" dirty="0"/>
+              <a:t>. short circuit</a:t>
+            </a:r>
+          </a:p>
+        </p:txBody>
+      </p:sp>
+      <p:cxnSp>
+        <p:nvCxnSpPr>
+          <p:cNvPr id="40" name="Straight Connector 39"/>
+          <p:cNvCxnSpPr/>
+          <p:nvPr/>
+        </p:nvCxnSpPr>
+        <p:spPr>
+          <a:xfrm>
+            <a:off x="4454148" y="1873429"/>
+            <a:ext cx="0" cy="829962"/>
+          </a:xfrm>
+          <a:prstGeom prst="line">
+            <a:avLst/>
+          </a:prstGeom>
+          <a:ln w="38100">
+            <a:solidFill>
+              <a:srgbClr val="FF0000"/>
+            </a:solidFill>
+            <a:prstDash val="sysDot"/>
+          </a:ln>
+        </p:spPr>
+        <p:style>
+          <a:lnRef idx="1">
+            <a:schemeClr val="accent1"/>
+          </a:lnRef>
+          <a:fillRef idx="0">
+            <a:schemeClr val="accent1"/>
+          </a:fillRef>
+          <a:effectRef idx="0">
+            <a:schemeClr val="accent1"/>
+          </a:effectRef>
+          <a:fontRef idx="minor">
+            <a:schemeClr val="tx1"/>
+          </a:fontRef>
+        </p:style>
+      </p:cxnSp>
+      <p:cxnSp>
+        <p:nvCxnSpPr>
+          <p:cNvPr id="41" name="Straight Connector 40"/>
+          <p:cNvCxnSpPr>
+            <a:stCxn id="49" idx="0"/>
+          </p:cNvCxnSpPr>
+          <p:nvPr/>
+        </p:nvCxnSpPr>
+        <p:spPr>
+          <a:xfrm flipH="1">
+            <a:off x="5083756" y="1219844"/>
+            <a:ext cx="1" cy="652357"/>
+          </a:xfrm>
+          <a:prstGeom prst="line">
+            <a:avLst/>
+          </a:prstGeom>
+          <a:ln w="38100">
+            <a:solidFill>
+              <a:srgbClr val="FF0000"/>
+            </a:solidFill>
+            <a:prstDash val="sysDot"/>
+          </a:ln>
+        </p:spPr>
+        <p:style>
+          <a:lnRef idx="1">
+            <a:schemeClr val="accent1"/>
+          </a:lnRef>
+          <a:fillRef idx="0">
+            <a:schemeClr val="accent1"/>
+          </a:fillRef>
+          <a:effectRef idx="0">
+            <a:schemeClr val="accent1"/>
+          </a:effectRef>
+          <a:fontRef idx="minor">
+            <a:schemeClr val="tx1"/>
+          </a:fontRef>
+        </p:style>
+      </p:cxnSp>
+      <p:sp>
+        <p:nvSpPr>
+          <p:cNvPr id="44" name="Right Arrow 43"/>
+          <p:cNvSpPr/>
+          <p:nvPr/>
+        </p:nvSpPr>
+        <p:spPr>
+          <a:xfrm rot="10800000">
+            <a:off x="4220231" y="1295261"/>
+            <a:ext cx="526312" cy="284630"/>
+          </a:xfrm>
+          <a:prstGeom prst="rightArrow">
+            <a:avLst/>
+          </a:prstGeom>
+          <a:solidFill>
+            <a:srgbClr val="FF0000"/>
+          </a:solidFill>
+          <a:ln>
+            <a:solidFill>
+              <a:srgbClr val="C00000"/>
+            </a:solidFill>
+          </a:ln>
+        </p:spPr>
+        <p:style>
+          <a:lnRef idx="2">
+            <a:schemeClr val="accent1">
+              <a:shade val="50000"/>
+            </a:schemeClr>
+          </a:lnRef>
+          <a:fillRef idx="1">
+            <a:schemeClr val="accent1"/>
+          </a:fillRef>
+          <a:effectRef idx="0">
+            <a:schemeClr val="accent1"/>
+          </a:effectRef>
+          <a:fontRef idx="minor">
+            <a:schemeClr val="lt1"/>
+          </a:fontRef>
+        </p:style>
+        <p:txBody>
+          <a:bodyPr rtlCol="0" anchor="ctr"/>
+          <a:lstStyle/>
+          <a:p>
+            <a:pPr algn="ctr"/>
+            <a:endParaRPr lang="en-SG"/>
+          </a:p>
+        </p:txBody>
+      </p:sp>
+      <p:sp>
+        <p:nvSpPr>
+          <p:cNvPr id="45" name="Right Arrow 44"/>
+          <p:cNvSpPr/>
+          <p:nvPr/>
+        </p:nvSpPr>
+        <p:spPr>
+          <a:xfrm rot="10800000">
+            <a:off x="2780370" y="3022287"/>
+            <a:ext cx="526312" cy="284630"/>
+          </a:xfrm>
+          <a:prstGeom prst="rightArrow">
+            <a:avLst/>
+          </a:prstGeom>
+          <a:solidFill>
+            <a:srgbClr val="FF0000"/>
+          </a:solidFill>
+          <a:ln>
+            <a:solidFill>
+              <a:srgbClr val="C00000"/>
+            </a:solidFill>
+          </a:ln>
+        </p:spPr>
+        <p:style>
+          <a:lnRef idx="2">
+            <a:schemeClr val="accent1">
+              <a:shade val="50000"/>
+            </a:schemeClr>
+          </a:lnRef>
+          <a:fillRef idx="1">
+            <a:schemeClr val="accent1"/>
+          </a:fillRef>
+          <a:effectRef idx="0">
+            <a:schemeClr val="accent1"/>
+          </a:effectRef>
+          <a:fontRef idx="minor">
+            <a:schemeClr val="lt1"/>
+          </a:fontRef>
+        </p:style>
+        <p:txBody>
+          <a:bodyPr rtlCol="0" anchor="ctr"/>
+          <a:lstStyle/>
+          <a:p>
+            <a:pPr algn="ctr"/>
+            <a:endParaRPr lang="en-SG"/>
+          </a:p>
+        </p:txBody>
+      </p:sp>
+      <p:sp>
+        <p:nvSpPr>
+          <p:cNvPr id="46" name="Right Arrow 45"/>
+          <p:cNvSpPr/>
+          <p:nvPr/>
+        </p:nvSpPr>
+        <p:spPr>
+          <a:xfrm rot="5400000">
+            <a:off x="3746018" y="2555403"/>
+            <a:ext cx="526312" cy="284630"/>
+          </a:xfrm>
+          <a:prstGeom prst="rightArrow">
+            <a:avLst/>
+          </a:prstGeom>
+          <a:solidFill>
+            <a:srgbClr val="FF0000"/>
+          </a:solidFill>
+          <a:ln>
+            <a:solidFill>
+              <a:srgbClr val="C00000"/>
+            </a:solidFill>
+          </a:ln>
+        </p:spPr>
+        <p:style>
+          <a:lnRef idx="2">
+            <a:schemeClr val="accent1">
+              <a:shade val="50000"/>
+            </a:schemeClr>
+          </a:lnRef>
+          <a:fillRef idx="1">
+            <a:schemeClr val="accent1"/>
+          </a:fillRef>
+          <a:effectRef idx="0">
+            <a:schemeClr val="accent1"/>
+          </a:effectRef>
+          <a:fontRef idx="minor">
+            <a:schemeClr val="lt1"/>
+          </a:fontRef>
+        </p:style>
+        <p:txBody>
+          <a:bodyPr rtlCol="0" anchor="ctr"/>
+          <a:lstStyle/>
+          <a:p>
+            <a:pPr algn="ctr"/>
+            <a:endParaRPr lang="en-SG"/>
+          </a:p>
+        </p:txBody>
+      </p:sp>
+      <p:sp>
+        <p:nvSpPr>
+          <p:cNvPr id="48" name="Rectangle 47"/>
+          <p:cNvSpPr/>
+          <p:nvPr/>
+        </p:nvSpPr>
+        <p:spPr>
+          <a:xfrm>
+            <a:off x="2995481" y="1720872"/>
+            <a:ext cx="628694" cy="281940"/>
+          </a:xfrm>
+          <a:prstGeom prst="rect">
+            <a:avLst/>
+          </a:prstGeom>
+          <a:noFill/>
+          <a:ln w="9525" cap="flat" cmpd="sng" algn="ctr">
+            <a:solidFill>
+              <a:schemeClr val="dk1"/>
+            </a:solidFill>
+            <a:prstDash val="solid"/>
+            <a:round/>
+            <a:headEnd type="none" w="med" len="med"/>
+            <a:tailEnd type="none" w="med" len="med"/>
+          </a:ln>
+        </p:spPr>
+        <p:style>
+          <a:lnRef idx="0">
+            <a:scrgbClr r="0" g="0" b="0"/>
+          </a:lnRef>
+          <a:fillRef idx="0">
+            <a:scrgbClr r="0" g="0" b="0"/>
+          </a:fillRef>
+          <a:effectRef idx="0">
+            <a:scrgbClr r="0" g="0" b="0"/>
+          </a:effectRef>
+          <a:fontRef idx="minor">
+            <a:schemeClr val="dk1"/>
+          </a:fontRef>
+        </p:style>
+        <p:txBody>
+          <a:bodyPr rtlCol="0" anchor="ctr"/>
+          <a:lstStyle/>
+          <a:p>
+            <a:pPr algn="ctr"/>
+            <a:r>
+              <a:rPr lang="en-SG" dirty="0"/>
+              <a:t>Fuse</a:t>
+            </a:r>
+          </a:p>
+        </p:txBody>
+      </p:sp>
+      <p:cxnSp>
+        <p:nvCxnSpPr>
+          <p:cNvPr id="42" name="Straight Connector 41"/>
+          <p:cNvCxnSpPr/>
+          <p:nvPr/>
+        </p:nvCxnSpPr>
+        <p:spPr>
+          <a:xfrm flipV="1">
+            <a:off x="434581" y="3377520"/>
+            <a:ext cx="0" cy="1786806"/>
+          </a:xfrm>
+          <a:prstGeom prst="line">
+            <a:avLst/>
+          </a:prstGeom>
+          <a:ln w="38100">
+            <a:solidFill>
+              <a:srgbClr val="00B050"/>
+            </a:solidFill>
+          </a:ln>
+        </p:spPr>
+        <p:style>
+          <a:lnRef idx="1">
+            <a:schemeClr val="accent1"/>
+          </a:lnRef>
+          <a:fillRef idx="0">
+            <a:schemeClr val="accent1"/>
+          </a:fillRef>
+          <a:effectRef idx="0">
+            <a:schemeClr val="accent1"/>
+          </a:effectRef>
+          <a:fontRef idx="minor">
+            <a:schemeClr val="tx1"/>
+          </a:fontRef>
+        </p:style>
+      </p:cxnSp>
+    </p:spTree>
+    <p:extLst>
+      <p:ext uri="{BB962C8B-B14F-4D97-AF65-F5344CB8AC3E}">
+        <p14:creationId xmlns:p14="http://schemas.microsoft.com/office/powerpoint/2010/main" val="1457289800"/>
+      </p:ext>
+    </p:extLst>
+  </p:cSld>
+  <p:clrMapOvr>
+    <a:masterClrMapping/>
+  </p:clrMapOvr>
+  <mc:AlternateContent xmlns:mc="http://schemas.openxmlformats.org/markup-compatibility/2006" xmlns:p14="http://schemas.microsoft.com/office/powerpoint/2010/main">
+    <mc:Choice Requires="p14">
+      <p:transition spd="med" p14:dur="700">
+        <p:fade/>
+      </p:transition>
+    </mc:Choice>
+    <mc:Fallback xmlns="">
+      <p:transition spd="med">
+        <p:fade/>
+      </p:transition>
+    </mc:Fallback>
+  </mc:AlternateContent>
+  <p:timing>
+    <p:tnLst>
+      <p:par>
+        <p:cTn id="1" dur="indefinite" restart="never" nodeType="tmRoot">
+          <p:childTnLst>
+            <p:seq concurrent="1" nextAc="seek">
+              <p:cTn id="2" dur="indefinite" nodeType="mainSeq">
+                <p:childTnLst>
+                  <p:par>
+                    <p:cTn id="3" fill="hold">
+                      <p:stCondLst>
+                        <p:cond delay="indefinite"/>
+                      </p:stCondLst>
+                      <p:childTnLst>
+                        <p:par>
+                          <p:cTn id="4" fill="hold">
+                            <p:stCondLst>
+                              <p:cond delay="0"/>
+                            </p:stCondLst>
+                            <p:childTnLst>
+                              <p:par>
+                                <p:cTn id="5" presetID="10" presetClass="entr" presetSubtype="0" fill="hold" grpId="0" nodeType="clickEffect">
+                                  <p:stCondLst>
+                                    <p:cond delay="0"/>
+                                  </p:stCondLst>
+                                  <p:childTnLst>
+                                    <p:set>
+                                      <p:cBhvr>
+                                        <p:cTn id="6" dur="1" fill="hold">
+                                          <p:stCondLst>
+                                            <p:cond delay="0"/>
+                                          </p:stCondLst>
+                                        </p:cTn>
+                                        <p:tgtEl>
+                                          <p:spTgt spid="34"/>
+                                        </p:tgtEl>
+                                        <p:attrNameLst>
+                                          <p:attrName>style.visibility</p:attrName>
+                                        </p:attrNameLst>
+                                      </p:cBhvr>
+                                      <p:to>
+                                        <p:strVal val="visible"/>
+                                      </p:to>
+                                    </p:set>
+                                    <p:animEffect transition="in" filter="fade">
+                                      <p:cBhvr>
+                                        <p:cTn id="7" dur="500"/>
+                                        <p:tgtEl>
+                                          <p:spTgt spid="34"/>
+                                        </p:tgtEl>
+                                      </p:cBhvr>
+                                    </p:animEffect>
+                                  </p:childTnLst>
+                                </p:cTn>
+                              </p:par>
+                              <p:par>
+                                <p:cTn id="8" presetID="10" presetClass="entr" presetSubtype="0" fill="hold" grpId="0" nodeType="withEffect">
+                                  <p:stCondLst>
+                                    <p:cond delay="0"/>
+                                  </p:stCondLst>
+                                  <p:childTnLst>
+                                    <p:set>
+                                      <p:cBhvr>
+                                        <p:cTn id="9" dur="1" fill="hold">
+                                          <p:stCondLst>
+                                            <p:cond delay="0"/>
+                                          </p:stCondLst>
+                                        </p:cTn>
+                                        <p:tgtEl>
+                                          <p:spTgt spid="39"/>
+                                        </p:tgtEl>
+                                        <p:attrNameLst>
+                                          <p:attrName>style.visibility</p:attrName>
+                                        </p:attrNameLst>
+                                      </p:cBhvr>
+                                      <p:to>
+                                        <p:strVal val="visible"/>
+                                      </p:to>
+                                    </p:set>
+                                    <p:animEffect transition="in" filter="fade">
+                                      <p:cBhvr>
+                                        <p:cTn id="10" dur="500"/>
+                                        <p:tgtEl>
+                                          <p:spTgt spid="39"/>
+                                        </p:tgtEl>
+                                      </p:cBhvr>
+                                    </p:animEffect>
+                                  </p:childTnLst>
+                                </p:cTn>
+                              </p:par>
+                              <p:par>
+                                <p:cTn id="11" presetID="10" presetClass="entr" presetSubtype="0" fill="hold" nodeType="withEffect">
+                                  <p:stCondLst>
+                                    <p:cond delay="0"/>
+                                  </p:stCondLst>
+                                  <p:childTnLst>
+                                    <p:set>
+                                      <p:cBhvr>
+                                        <p:cTn id="12" dur="1" fill="hold">
+                                          <p:stCondLst>
+                                            <p:cond delay="0"/>
+                                          </p:stCondLst>
+                                        </p:cTn>
+                                        <p:tgtEl>
+                                          <p:spTgt spid="40"/>
+                                        </p:tgtEl>
+                                        <p:attrNameLst>
+                                          <p:attrName>style.visibility</p:attrName>
+                                        </p:attrNameLst>
+                                      </p:cBhvr>
+                                      <p:to>
+                                        <p:strVal val="visible"/>
+                                      </p:to>
+                                    </p:set>
+                                    <p:animEffect transition="in" filter="fade">
+                                      <p:cBhvr>
+                                        <p:cTn id="13" dur="500"/>
+                                        <p:tgtEl>
+                                          <p:spTgt spid="40"/>
+                                        </p:tgtEl>
+                                      </p:cBhvr>
+                                    </p:animEffect>
+                                  </p:childTnLst>
+                                </p:cTn>
+                              </p:par>
+                            </p:childTnLst>
+                          </p:cTn>
+                        </p:par>
+                      </p:childTnLst>
+                    </p:cTn>
+                  </p:par>
+                  <p:par>
+                    <p:cTn id="14" fill="hold">
+                      <p:stCondLst>
+                        <p:cond delay="indefinite"/>
+                      </p:stCondLst>
+                      <p:childTnLst>
+                        <p:par>
+                          <p:cTn id="15" fill="hold">
+                            <p:stCondLst>
+                              <p:cond delay="0"/>
+                            </p:stCondLst>
+                            <p:childTnLst>
+                              <p:par>
+                                <p:cTn id="16" presetID="10" presetClass="entr" presetSubtype="0" fill="hold" grpId="0" nodeType="clickEffect">
+                                  <p:stCondLst>
+                                    <p:cond delay="0"/>
+                                  </p:stCondLst>
+                                  <p:childTnLst>
+                                    <p:set>
+                                      <p:cBhvr>
+                                        <p:cTn id="17" dur="1" fill="hold">
+                                          <p:stCondLst>
+                                            <p:cond delay="0"/>
+                                          </p:stCondLst>
+                                        </p:cTn>
+                                        <p:tgtEl>
+                                          <p:spTgt spid="33"/>
+                                        </p:tgtEl>
+                                        <p:attrNameLst>
+                                          <p:attrName>style.visibility</p:attrName>
+                                        </p:attrNameLst>
+                                      </p:cBhvr>
+                                      <p:to>
+                                        <p:strVal val="visible"/>
+                                      </p:to>
+                                    </p:set>
+                                    <p:animEffect transition="in" filter="fade">
+                                      <p:cBhvr>
+                                        <p:cTn id="18" dur="500"/>
+                                        <p:tgtEl>
+                                          <p:spTgt spid="33"/>
+                                        </p:tgtEl>
+                                      </p:cBhvr>
+                                    </p:animEffect>
+                                  </p:childTnLst>
+                                </p:cTn>
+                              </p:par>
+                              <p:par>
+                                <p:cTn id="19" presetID="10" presetClass="entr" presetSubtype="0" fill="hold" grpId="0" nodeType="withEffect">
+                                  <p:stCondLst>
+                                    <p:cond delay="0"/>
+                                  </p:stCondLst>
+                                  <p:childTnLst>
+                                    <p:set>
+                                      <p:cBhvr>
+                                        <p:cTn id="20" dur="1" fill="hold">
+                                          <p:stCondLst>
+                                            <p:cond delay="0"/>
+                                          </p:stCondLst>
+                                        </p:cTn>
+                                        <p:tgtEl>
+                                          <p:spTgt spid="38"/>
+                                        </p:tgtEl>
+                                        <p:attrNameLst>
+                                          <p:attrName>style.visibility</p:attrName>
+                                        </p:attrNameLst>
+                                      </p:cBhvr>
+                                      <p:to>
+                                        <p:strVal val="visible"/>
+                                      </p:to>
+                                    </p:set>
+                                    <p:animEffect transition="in" filter="fade">
+                                      <p:cBhvr>
+                                        <p:cTn id="21" dur="500"/>
+                                        <p:tgtEl>
+                                          <p:spTgt spid="38"/>
+                                        </p:tgtEl>
+                                      </p:cBhvr>
+                                    </p:animEffect>
+                                  </p:childTnLst>
+                                </p:cTn>
+                              </p:par>
+                              <p:par>
+                                <p:cTn id="22" presetID="10" presetClass="entr" presetSubtype="0" fill="hold" nodeType="withEffect">
+                                  <p:stCondLst>
+                                    <p:cond delay="0"/>
+                                  </p:stCondLst>
+                                  <p:childTnLst>
+                                    <p:set>
+                                      <p:cBhvr>
+                                        <p:cTn id="23" dur="1" fill="hold">
+                                          <p:stCondLst>
+                                            <p:cond delay="0"/>
+                                          </p:stCondLst>
+                                        </p:cTn>
+                                        <p:tgtEl>
+                                          <p:spTgt spid="41"/>
+                                        </p:tgtEl>
+                                        <p:attrNameLst>
+                                          <p:attrName>style.visibility</p:attrName>
+                                        </p:attrNameLst>
+                                      </p:cBhvr>
+                                      <p:to>
+                                        <p:strVal val="visible"/>
+                                      </p:to>
+                                    </p:set>
+                                    <p:animEffect transition="in" filter="fade">
+                                      <p:cBhvr>
+                                        <p:cTn id="24" dur="500"/>
+                                        <p:tgtEl>
+                                          <p:spTgt spid="41"/>
+                                        </p:tgtEl>
+                                      </p:cBhvr>
+                                    </p:animEffect>
+                                  </p:childTnLst>
+                                </p:cTn>
+                              </p:par>
+                              <p:par>
+                                <p:cTn id="25" presetID="10" presetClass="exit" presetSubtype="0" fill="hold" nodeType="withEffect">
+                                  <p:stCondLst>
+                                    <p:cond delay="0"/>
+                                  </p:stCondLst>
+                                  <p:childTnLst>
+                                    <p:animEffect transition="out" filter="fade">
+                                      <p:cBhvr>
+                                        <p:cTn id="26" dur="500"/>
+                                        <p:tgtEl>
+                                          <p:spTgt spid="40"/>
+                                        </p:tgtEl>
+                                      </p:cBhvr>
+                                    </p:animEffect>
+                                    <p:set>
+                                      <p:cBhvr>
+                                        <p:cTn id="27" dur="1" fill="hold">
+                                          <p:stCondLst>
+                                            <p:cond delay="499"/>
+                                          </p:stCondLst>
+                                        </p:cTn>
+                                        <p:tgtEl>
+                                          <p:spTgt spid="40"/>
+                                        </p:tgtEl>
+                                        <p:attrNameLst>
+                                          <p:attrName>style.visibility</p:attrName>
+                                        </p:attrNameLst>
+                                      </p:cBhvr>
+                                      <p:to>
+                                        <p:strVal val="hidden"/>
+                                      </p:to>
+                                    </p:set>
+                                  </p:childTnLst>
+                                </p:cTn>
+                              </p:par>
+                            </p:childTnLst>
+                          </p:cTn>
+                        </p:par>
+                      </p:childTnLst>
+                    </p:cTn>
+                  </p:par>
+                  <p:par>
+                    <p:cTn id="28" fill="hold">
+                      <p:stCondLst>
+                        <p:cond delay="indefinite"/>
+                      </p:stCondLst>
+                      <p:childTnLst>
+                        <p:par>
+                          <p:cTn id="29" fill="hold">
+                            <p:stCondLst>
+                              <p:cond delay="0"/>
+                            </p:stCondLst>
+                            <p:childTnLst>
+                              <p:par>
+                                <p:cTn id="30" presetID="10" presetClass="entr" presetSubtype="0" fill="hold" grpId="0" nodeType="clickEffect">
+                                  <p:stCondLst>
+                                    <p:cond delay="0"/>
+                                  </p:stCondLst>
+                                  <p:childTnLst>
+                                    <p:set>
+                                      <p:cBhvr>
+                                        <p:cTn id="31" dur="1" fill="hold">
+                                          <p:stCondLst>
+                                            <p:cond delay="0"/>
+                                          </p:stCondLst>
+                                        </p:cTn>
+                                        <p:tgtEl>
+                                          <p:spTgt spid="44"/>
+                                        </p:tgtEl>
+                                        <p:attrNameLst>
+                                          <p:attrName>style.visibility</p:attrName>
+                                        </p:attrNameLst>
+                                      </p:cBhvr>
+                                      <p:to>
+                                        <p:strVal val="visible"/>
+                                      </p:to>
+                                    </p:set>
+                                    <p:animEffect transition="in" filter="fade">
+                                      <p:cBhvr>
+                                        <p:cTn id="32" dur="500"/>
+                                        <p:tgtEl>
+                                          <p:spTgt spid="44"/>
+                                        </p:tgtEl>
+                                      </p:cBhvr>
+                                    </p:animEffect>
+                                  </p:childTnLst>
+                                </p:cTn>
+                              </p:par>
+                            </p:childTnLst>
+                          </p:cTn>
+                        </p:par>
+                      </p:childTnLst>
+                    </p:cTn>
+                  </p:par>
+                  <p:par>
+                    <p:cTn id="33" fill="hold">
+                      <p:stCondLst>
+                        <p:cond delay="indefinite"/>
+                      </p:stCondLst>
+                      <p:childTnLst>
+                        <p:par>
+                          <p:cTn id="34" fill="hold">
+                            <p:stCondLst>
+                              <p:cond delay="0"/>
+                            </p:stCondLst>
+                            <p:childTnLst>
+                              <p:par>
+                                <p:cTn id="35" presetID="10" presetClass="entr" presetSubtype="0" fill="hold" grpId="0" nodeType="clickEffect">
+                                  <p:stCondLst>
+                                    <p:cond delay="0"/>
+                                  </p:stCondLst>
+                                  <p:childTnLst>
+                                    <p:set>
+                                      <p:cBhvr>
+                                        <p:cTn id="36" dur="1" fill="hold">
+                                          <p:stCondLst>
+                                            <p:cond delay="0"/>
+                                          </p:stCondLst>
+                                        </p:cTn>
+                                        <p:tgtEl>
+                                          <p:spTgt spid="46"/>
+                                        </p:tgtEl>
+                                        <p:attrNameLst>
+                                          <p:attrName>style.visibility</p:attrName>
+                                        </p:attrNameLst>
+                                      </p:cBhvr>
+                                      <p:to>
+                                        <p:strVal val="visible"/>
+                                      </p:to>
+                                    </p:set>
+                                    <p:animEffect transition="in" filter="fade">
+                                      <p:cBhvr>
+                                        <p:cTn id="37" dur="500"/>
+                                        <p:tgtEl>
+                                          <p:spTgt spid="46"/>
+                                        </p:tgtEl>
+                                      </p:cBhvr>
+                                    </p:animEffect>
+                                  </p:childTnLst>
+                                </p:cTn>
+                              </p:par>
+                            </p:childTnLst>
+                          </p:cTn>
+                        </p:par>
+                      </p:childTnLst>
+                    </p:cTn>
+                  </p:par>
+                  <p:par>
+                    <p:cTn id="38" fill="hold">
+                      <p:stCondLst>
+                        <p:cond delay="indefinite"/>
+                      </p:stCondLst>
+                      <p:childTnLst>
+                        <p:par>
+                          <p:cTn id="39" fill="hold">
+                            <p:stCondLst>
+                              <p:cond delay="0"/>
+                            </p:stCondLst>
+                            <p:childTnLst>
+                              <p:par>
+                                <p:cTn id="40" presetID="10" presetClass="entr" presetSubtype="0" fill="hold" grpId="0" nodeType="clickEffect">
+                                  <p:stCondLst>
+                                    <p:cond delay="0"/>
+                                  </p:stCondLst>
+                                  <p:childTnLst>
+                                    <p:set>
+                                      <p:cBhvr>
+                                        <p:cTn id="41" dur="1" fill="hold">
+                                          <p:stCondLst>
+                                            <p:cond delay="0"/>
+                                          </p:stCondLst>
+                                        </p:cTn>
+                                        <p:tgtEl>
+                                          <p:spTgt spid="45"/>
+                                        </p:tgtEl>
+                                        <p:attrNameLst>
+                                          <p:attrName>style.visibility</p:attrName>
+                                        </p:attrNameLst>
+                                      </p:cBhvr>
+                                      <p:to>
+                                        <p:strVal val="visible"/>
+                                      </p:to>
+                                    </p:set>
+                                    <p:animEffect transition="in" filter="fade">
+                                      <p:cBhvr>
+                                        <p:cTn id="42" dur="500"/>
+                                        <p:tgtEl>
+                                          <p:spTgt spid="45"/>
+                                        </p:tgtEl>
+                                      </p:cBhvr>
+                                    </p:animEffect>
+                                  </p:childTnLst>
+                                </p:cTn>
+                              </p:par>
+                            </p:childTnLst>
+                          </p:cTn>
+                        </p:par>
+                      </p:childTnLst>
+                    </p:cTn>
+                  </p:par>
+                </p:childTnLst>
+              </p:cTn>
+              <p:prevCondLst>
+                <p:cond evt="onPrev" delay="0">
+                  <p:tgtEl>
+                    <p:sldTgt/>
+                  </p:tgtEl>
+                </p:cond>
+              </p:prevCondLst>
+              <p:nextCondLst>
+                <p:cond evt="onNext" delay="0">
+                  <p:tgtEl>
+                    <p:sldTgt/>
+                  </p:tgtEl>
+                </p:cond>
+              </p:nextCondLst>
+            </p:seq>
+          </p:childTnLst>
+        </p:cTn>
+      </p:par>
+    </p:tnLst>
+    <p:bldLst>
+      <p:bldP spid="33" grpId="0" animBg="1"/>
+      <p:bldP spid="34" grpId="0" animBg="1"/>
+      <p:bldP spid="38" grpId="0"/>
+      <p:bldP spid="39" grpId="0"/>
+      <p:bldP spid="44" grpId="0" animBg="1"/>
+      <p:bldP spid="45" grpId="0" animBg="1"/>
+      <p:bldP spid="46" grpId="0" animBg="1"/>
+    </p:bldLst>
+  </p:timing>
+</p:sld>
+</file>
+
+<file path=ppt/slides/slide8.xml><?xml version="1.0" encoding="utf-8"?>
+<p:sld xmlns:a="http://schemas.openxmlformats.org/drawingml/2006/main" xmlns:r="http://schemas.openxmlformats.org/officeDocument/2006/relationships" xmlns:p="http://schemas.openxmlformats.org/presentationml/2006/main">
+  <p:cSld>
+    <p:spTree>
+      <p:nvGrpSpPr>
+        <p:cNvPr id="1" name=""/>
+        <p:cNvGrpSpPr/>
+        <p:nvPr/>
+      </p:nvGrpSpPr>
+      <p:grpSpPr>
+        <a:xfrm>
+          <a:off x="0" y="0"/>
+          <a:ext cx="0" cy="0"/>
+          <a:chOff x="0" y="0"/>
+          <a:chExt cx="0" cy="0"/>
+        </a:xfrm>
+      </p:grpSpPr>
+      <p:cxnSp>
+        <p:nvCxnSpPr>
+          <p:cNvPr id="51" name="Straight Connector 50"/>
+          <p:cNvCxnSpPr/>
+          <p:nvPr/>
+        </p:nvCxnSpPr>
+        <p:spPr>
+          <a:xfrm>
+            <a:off x="434581" y="2703391"/>
+            <a:ext cx="4673200" cy="0"/>
+          </a:xfrm>
+          <a:prstGeom prst="line">
+            <a:avLst/>
+          </a:prstGeom>
+          <a:ln w="38100">
+            <a:solidFill>
+              <a:srgbClr val="00B0F0"/>
+            </a:solidFill>
+          </a:ln>
+        </p:spPr>
+        <p:style>
+          <a:lnRef idx="1">
+            <a:schemeClr val="accent1"/>
+          </a:lnRef>
+          <a:fillRef idx="0">
+            <a:schemeClr val="accent1"/>
+          </a:fillRef>
+          <a:effectRef idx="0">
+            <a:schemeClr val="accent1"/>
+          </a:effectRef>
+          <a:fontRef idx="minor">
+            <a:schemeClr val="tx1"/>
+          </a:fontRef>
+        </p:style>
+      </p:cxnSp>
+      <p:cxnSp>
+        <p:nvCxnSpPr>
+          <p:cNvPr id="50" name="Straight Connector 49"/>
+          <p:cNvCxnSpPr>
+            <a:stCxn id="48" idx="3"/>
+          </p:cNvCxnSpPr>
+          <p:nvPr/>
+        </p:nvCxnSpPr>
+        <p:spPr>
+          <a:xfrm flipV="1">
+            <a:off x="3624175" y="1856484"/>
+            <a:ext cx="1459581" cy="5358"/>
+          </a:xfrm>
+          <a:prstGeom prst="line">
+            <a:avLst/>
+          </a:prstGeom>
+          <a:ln w="38100">
+            <a:solidFill>
+              <a:srgbClr val="FF0000"/>
+            </a:solidFill>
+          </a:ln>
+        </p:spPr>
+        <p:style>
+          <a:lnRef idx="1">
+            <a:schemeClr val="accent1"/>
+          </a:lnRef>
+          <a:fillRef idx="0">
+            <a:schemeClr val="accent1"/>
+          </a:fillRef>
+          <a:effectRef idx="0">
+            <a:schemeClr val="accent1"/>
+          </a:effectRef>
+          <a:fontRef idx="minor">
+            <a:schemeClr val="tx1"/>
+          </a:fontRef>
+        </p:style>
+      </p:cxnSp>
+      <p:cxnSp>
+        <p:nvCxnSpPr>
+          <p:cNvPr id="62" name="Straight Connector 61"/>
+          <p:cNvCxnSpPr>
+            <a:endCxn id="48" idx="1"/>
+          </p:cNvCxnSpPr>
+          <p:nvPr/>
+        </p:nvCxnSpPr>
+        <p:spPr>
+          <a:xfrm flipV="1">
+            <a:off x="417891" y="1861842"/>
+            <a:ext cx="2577590" cy="10359"/>
+          </a:xfrm>
+          <a:prstGeom prst="line">
+            <a:avLst/>
+          </a:prstGeom>
+          <a:ln w="38100">
+            <a:solidFill>
+              <a:srgbClr val="FF0000"/>
+            </a:solidFill>
+          </a:ln>
+        </p:spPr>
+        <p:style>
+          <a:lnRef idx="1">
+            <a:schemeClr val="accent1"/>
+          </a:lnRef>
+          <a:fillRef idx="0">
+            <a:schemeClr val="accent1"/>
+          </a:fillRef>
+          <a:effectRef idx="0">
+            <a:schemeClr val="accent1"/>
+          </a:effectRef>
+          <a:fontRef idx="minor">
+            <a:schemeClr val="tx1"/>
+          </a:fontRef>
+        </p:style>
+      </p:cxnSp>
+      <p:sp>
+        <p:nvSpPr>
+          <p:cNvPr id="2" name="Title 1"/>
+          <p:cNvSpPr>
+            <a:spLocks noGrp="1"/>
+          </p:cNvSpPr>
+          <p:nvPr>
+            <p:ph type="title"/>
+          </p:nvPr>
+        </p:nvSpPr>
+        <p:spPr>
+          <a:xfrm>
+            <a:off x="0" y="101503"/>
+            <a:ext cx="8804582" cy="873567"/>
+          </a:xfrm>
+        </p:spPr>
+        <p:txBody>
+          <a:bodyPr>
+            <a:normAutofit fontScale="90000"/>
+          </a:bodyPr>
+          <a:lstStyle/>
+          <a:p>
+            <a:r>
+              <a:rPr lang="en-US" dirty="0"/>
+              <a:t>Residual Current Circuit Breaker with Overload Protection (RCBO)</a:t>
+            </a:r>
+            <a:endParaRPr lang="en-SG" dirty="0"/>
+          </a:p>
+        </p:txBody>
+      </p:sp>
+      <p:sp>
+        <p:nvSpPr>
+          <p:cNvPr id="6" name="Slide Number Placeholder 5"/>
+          <p:cNvSpPr>
+            <a:spLocks noGrp="1"/>
+          </p:cNvSpPr>
+          <p:nvPr>
+            <p:ph type="sldNum" sz="quarter" idx="12"/>
+          </p:nvPr>
+        </p:nvSpPr>
+        <p:spPr/>
+        <p:txBody>
+          <a:bodyPr/>
+          <a:lstStyle/>
+          <a:p>
+            <a:fld id="{68EF4619-F19A-E048-BC08-46ED4E2D9E67}" type="slidenum">
+              <a:rPr lang="en-US" smtClean="0"/>
+              <a:t>8</a:t>
+            </a:fld>
+            <a:endParaRPr lang="en-US"/>
+          </a:p>
+        </p:txBody>
+      </p:sp>
+      <p:sp>
+        <p:nvSpPr>
+          <p:cNvPr id="49" name="Rounded Rectangle 48"/>
+          <p:cNvSpPr/>
+          <p:nvPr/>
+        </p:nvSpPr>
+        <p:spPr>
+          <a:xfrm>
+            <a:off x="3764321" y="1219844"/>
+            <a:ext cx="2638872" cy="2884349"/>
+          </a:xfrm>
+          <a:prstGeom prst="roundRect">
+            <a:avLst/>
+          </a:prstGeom>
+          <a:noFill/>
+          <a:ln w="57150" cap="flat" cmpd="sng" algn="ctr">
+            <a:solidFill>
+              <a:srgbClr val="00B050"/>
+            </a:solidFill>
+            <a:prstDash val="solid"/>
+            <a:round/>
+            <a:headEnd type="none" w="med" len="med"/>
+            <a:tailEnd type="none" w="med" len="med"/>
+          </a:ln>
+        </p:spPr>
+        <p:style>
+          <a:lnRef idx="0">
+            <a:scrgbClr r="0" g="0" b="0"/>
+          </a:lnRef>
+          <a:fillRef idx="0">
+            <a:scrgbClr r="0" g="0" b="0"/>
+          </a:fillRef>
+          <a:effectRef idx="0">
+            <a:scrgbClr r="0" g="0" b="0"/>
+          </a:effectRef>
+          <a:fontRef idx="minor">
+            <a:schemeClr val="accent3"/>
+          </a:fontRef>
+        </p:style>
+        <p:txBody>
+          <a:bodyPr rtlCol="0" anchor="b" anchorCtr="0"/>
+          <a:lstStyle/>
+          <a:p>
+            <a:pPr algn="ctr"/>
+            <a:r>
+              <a:rPr lang="en-SG" dirty="0">
+                <a:solidFill>
+                  <a:schemeClr val="tx1"/>
+                </a:solidFill>
+              </a:rPr>
+              <a:t>Kettle</a:t>
+            </a:r>
+          </a:p>
+        </p:txBody>
+      </p:sp>
+      <p:sp>
+        <p:nvSpPr>
+          <p:cNvPr id="52" name="TextBox 51"/>
+          <p:cNvSpPr txBox="1"/>
+          <p:nvPr/>
+        </p:nvSpPr>
+        <p:spPr>
+          <a:xfrm>
+            <a:off x="420461" y="2663639"/>
+            <a:ext cx="1512017" cy="369332"/>
+          </a:xfrm>
+          <a:prstGeom prst="rect">
+            <a:avLst/>
+          </a:prstGeom>
+          <a:noFill/>
+        </p:spPr>
+        <p:txBody>
+          <a:bodyPr wrap="none" rtlCol="0">
+            <a:spAutoFit/>
+          </a:bodyPr>
+          <a:lstStyle/>
+          <a:p>
+            <a:r>
+              <a:rPr lang="en-SG" dirty="0"/>
+              <a:t>Mains Neutral</a:t>
+            </a:r>
+          </a:p>
+        </p:txBody>
+      </p:sp>
+      <p:sp>
+        <p:nvSpPr>
+          <p:cNvPr id="55" name="Rectangle 54"/>
+          <p:cNvSpPr/>
+          <p:nvPr/>
+        </p:nvSpPr>
+        <p:spPr>
+          <a:xfrm>
+            <a:off x="5001212" y="2003630"/>
+            <a:ext cx="165089" cy="536944"/>
+          </a:xfrm>
+          <a:prstGeom prst="rect">
+            <a:avLst/>
+          </a:prstGeom>
+          <a:noFill/>
+          <a:ln w="9525" cap="flat" cmpd="sng" algn="ctr">
+            <a:solidFill>
+              <a:schemeClr val="dk1"/>
+            </a:solidFill>
+            <a:prstDash val="solid"/>
+            <a:round/>
+            <a:headEnd type="none" w="med" len="med"/>
+            <a:tailEnd type="none" w="med" len="med"/>
+          </a:ln>
+        </p:spPr>
+        <p:style>
+          <a:lnRef idx="0">
+            <a:scrgbClr r="0" g="0" b="0"/>
+          </a:lnRef>
+          <a:fillRef idx="0">
+            <a:scrgbClr r="0" g="0" b="0"/>
+          </a:fillRef>
+          <a:effectRef idx="0">
+            <a:scrgbClr r="0" g="0" b="0"/>
+          </a:effectRef>
+          <a:fontRef idx="minor">
+            <a:schemeClr val="dk1"/>
+          </a:fontRef>
+        </p:style>
+        <p:txBody>
+          <a:bodyPr rtlCol="0" anchor="ctr"/>
+          <a:lstStyle/>
+          <a:p>
+            <a:pPr algn="ctr"/>
+            <a:endParaRPr lang="en-SG"/>
+          </a:p>
+        </p:txBody>
+      </p:sp>
+      <p:cxnSp>
+        <p:nvCxnSpPr>
+          <p:cNvPr id="56" name="Straight Connector 55"/>
+          <p:cNvCxnSpPr/>
+          <p:nvPr/>
+        </p:nvCxnSpPr>
+        <p:spPr>
+          <a:xfrm>
+            <a:off x="5083756" y="1840814"/>
+            <a:ext cx="0" cy="157965"/>
+          </a:xfrm>
+          <a:prstGeom prst="line">
+            <a:avLst/>
+          </a:prstGeom>
+          <a:ln w="38100">
+            <a:solidFill>
+              <a:srgbClr val="FF0000"/>
+            </a:solidFill>
+          </a:ln>
+        </p:spPr>
+        <p:style>
+          <a:lnRef idx="1">
+            <a:schemeClr val="accent1"/>
+          </a:lnRef>
+          <a:fillRef idx="0">
+            <a:schemeClr val="accent1"/>
+          </a:fillRef>
+          <a:effectRef idx="0">
+            <a:schemeClr val="accent1"/>
+          </a:effectRef>
+          <a:fontRef idx="minor">
+            <a:schemeClr val="tx1"/>
+          </a:fontRef>
+        </p:style>
+      </p:cxnSp>
+      <p:cxnSp>
+        <p:nvCxnSpPr>
+          <p:cNvPr id="57" name="Straight Connector 56"/>
+          <p:cNvCxnSpPr/>
+          <p:nvPr/>
+        </p:nvCxnSpPr>
+        <p:spPr>
+          <a:xfrm>
+            <a:off x="5083756" y="2545426"/>
+            <a:ext cx="0" cy="157965"/>
+          </a:xfrm>
+          <a:prstGeom prst="line">
+            <a:avLst/>
+          </a:prstGeom>
+          <a:ln w="38100">
+            <a:solidFill>
+              <a:srgbClr val="00B0F0"/>
+            </a:solidFill>
+          </a:ln>
+        </p:spPr>
+        <p:style>
+          <a:lnRef idx="1">
+            <a:schemeClr val="accent1"/>
+          </a:lnRef>
+          <a:fillRef idx="0">
+            <a:schemeClr val="accent1"/>
+          </a:fillRef>
+          <a:effectRef idx="0">
+            <a:schemeClr val="accent1"/>
+          </a:effectRef>
+          <a:fontRef idx="minor">
+            <a:schemeClr val="tx1"/>
+          </a:fontRef>
+        </p:style>
+      </p:cxnSp>
+      <p:sp>
+        <p:nvSpPr>
+          <p:cNvPr id="58" name="Oval 57"/>
+          <p:cNvSpPr/>
+          <p:nvPr/>
+        </p:nvSpPr>
+        <p:spPr>
+          <a:xfrm>
+            <a:off x="97444" y="1964307"/>
+            <a:ext cx="680483" cy="661992"/>
+          </a:xfrm>
+          <a:prstGeom prst="ellipse">
+            <a:avLst/>
+          </a:prstGeom>
+        </p:spPr>
+        <p:style>
+          <a:lnRef idx="2">
+            <a:schemeClr val="dk1"/>
+          </a:lnRef>
+          <a:fillRef idx="1">
+            <a:schemeClr val="lt1"/>
+          </a:fillRef>
+          <a:effectRef idx="0">
+            <a:schemeClr val="dk1"/>
+          </a:effectRef>
+          <a:fontRef idx="minor">
+            <a:schemeClr val="dk1"/>
+          </a:fontRef>
+        </p:style>
+        <p:txBody>
+          <a:bodyPr rtlCol="0" anchor="ctr"/>
+          <a:lstStyle/>
+          <a:p>
+            <a:pPr algn="ctr"/>
+            <a:r>
+              <a:rPr lang="en-SG" sz="1200" dirty="0"/>
+              <a:t>240V </a:t>
+            </a:r>
+          </a:p>
+          <a:p>
+            <a:pPr algn="ctr"/>
+            <a:r>
+              <a:rPr lang="en-SG" sz="1200" dirty="0"/>
+              <a:t>AC ~</a:t>
+            </a:r>
+          </a:p>
+        </p:txBody>
+      </p:sp>
+      <p:cxnSp>
+        <p:nvCxnSpPr>
+          <p:cNvPr id="59" name="Straight Connector 58"/>
+          <p:cNvCxnSpPr/>
+          <p:nvPr/>
+        </p:nvCxnSpPr>
+        <p:spPr>
+          <a:xfrm>
+            <a:off x="437686" y="2626299"/>
+            <a:ext cx="0" cy="95076"/>
+          </a:xfrm>
+          <a:prstGeom prst="line">
+            <a:avLst/>
+          </a:prstGeom>
+          <a:ln w="38100">
+            <a:solidFill>
+              <a:srgbClr val="00B0F0"/>
+            </a:solidFill>
+          </a:ln>
+        </p:spPr>
+        <p:style>
+          <a:lnRef idx="1">
+            <a:schemeClr val="accent1"/>
+          </a:lnRef>
+          <a:fillRef idx="0">
+            <a:schemeClr val="accent1"/>
+          </a:fillRef>
+          <a:effectRef idx="0">
+            <a:schemeClr val="accent1"/>
+          </a:effectRef>
+          <a:fontRef idx="minor">
+            <a:schemeClr val="tx1"/>
+          </a:fontRef>
+        </p:style>
+      </p:cxnSp>
+      <p:cxnSp>
+        <p:nvCxnSpPr>
+          <p:cNvPr id="60" name="Straight Connector 59"/>
+          <p:cNvCxnSpPr/>
+          <p:nvPr/>
+        </p:nvCxnSpPr>
+        <p:spPr>
+          <a:xfrm>
+            <a:off x="437686" y="1872201"/>
+            <a:ext cx="0" cy="95192"/>
+          </a:xfrm>
+          <a:prstGeom prst="line">
+            <a:avLst/>
+          </a:prstGeom>
+          <a:ln w="38100">
+            <a:solidFill>
+              <a:srgbClr val="FF0000"/>
+            </a:solidFill>
+          </a:ln>
+        </p:spPr>
+        <p:style>
+          <a:lnRef idx="1">
+            <a:schemeClr val="accent1"/>
+          </a:lnRef>
+          <a:fillRef idx="0">
+            <a:schemeClr val="accent1"/>
+          </a:fillRef>
+          <a:effectRef idx="0">
+            <a:schemeClr val="accent1"/>
+          </a:effectRef>
+          <a:fontRef idx="minor">
+            <a:schemeClr val="tx1"/>
+          </a:fontRef>
+        </p:style>
+      </p:cxnSp>
+      <p:sp>
+        <p:nvSpPr>
+          <p:cNvPr id="61" name="TextBox 60"/>
+          <p:cNvSpPr txBox="1"/>
+          <p:nvPr/>
+        </p:nvSpPr>
+        <p:spPr>
+          <a:xfrm>
+            <a:off x="373251" y="1210559"/>
+            <a:ext cx="1177887" cy="369332"/>
+          </a:xfrm>
+          <a:prstGeom prst="rect">
+            <a:avLst/>
+          </a:prstGeom>
+          <a:noFill/>
+        </p:spPr>
+        <p:txBody>
+          <a:bodyPr wrap="none" rtlCol="0">
+            <a:spAutoFit/>
+          </a:bodyPr>
+          <a:lstStyle/>
+          <a:p>
+            <a:r>
+              <a:rPr lang="en-SG" dirty="0"/>
+              <a:t>Mains Live</a:t>
+            </a:r>
+          </a:p>
+        </p:txBody>
+      </p:sp>
+      <p:cxnSp>
+        <p:nvCxnSpPr>
+          <p:cNvPr id="64" name="Straight Connector 63"/>
+          <p:cNvCxnSpPr/>
+          <p:nvPr/>
+        </p:nvCxnSpPr>
+        <p:spPr>
+          <a:xfrm>
+            <a:off x="417891" y="4939620"/>
+            <a:ext cx="8253669" cy="0"/>
+          </a:xfrm>
+          <a:prstGeom prst="line">
+            <a:avLst/>
+          </a:prstGeom>
+          <a:ln w="38100">
+            <a:solidFill>
+              <a:srgbClr val="00B050"/>
+            </a:solidFill>
+          </a:ln>
+        </p:spPr>
+        <p:style>
+          <a:lnRef idx="1">
+            <a:schemeClr val="accent1"/>
+          </a:lnRef>
+          <a:fillRef idx="0">
+            <a:schemeClr val="accent1"/>
+          </a:fillRef>
+          <a:effectRef idx="0">
+            <a:schemeClr val="accent1"/>
+          </a:effectRef>
+          <a:fontRef idx="minor">
+            <a:schemeClr val="tx1"/>
+          </a:fontRef>
+        </p:style>
+      </p:cxnSp>
+      <p:sp>
+        <p:nvSpPr>
+          <p:cNvPr id="66" name="Down Arrow 65"/>
+          <p:cNvSpPr/>
+          <p:nvPr/>
+        </p:nvSpPr>
+        <p:spPr>
+          <a:xfrm>
+            <a:off x="320099" y="5164326"/>
+            <a:ext cx="228964" cy="429707"/>
+          </a:xfrm>
+          <a:prstGeom prst="downArrow">
+            <a:avLst/>
+          </a:prstGeom>
+        </p:spPr>
+        <p:style>
+          <a:lnRef idx="2">
+            <a:schemeClr val="accent6">
+              <a:shade val="50000"/>
+            </a:schemeClr>
+          </a:lnRef>
+          <a:fillRef idx="1">
+            <a:schemeClr val="accent6"/>
+          </a:fillRef>
+          <a:effectRef idx="0">
+            <a:schemeClr val="accent6"/>
+          </a:effectRef>
+          <a:fontRef idx="minor">
+            <a:schemeClr val="lt1"/>
+          </a:fontRef>
+        </p:style>
+        <p:txBody>
+          <a:bodyPr rtlCol="0" anchor="ctr"/>
+          <a:lstStyle/>
+          <a:p>
+            <a:pPr algn="ctr"/>
+            <a:endParaRPr lang="en-SG"/>
+          </a:p>
+        </p:txBody>
+      </p:sp>
+      <p:sp>
+        <p:nvSpPr>
+          <p:cNvPr id="68" name="TextBox 67"/>
+          <p:cNvSpPr txBox="1"/>
+          <p:nvPr/>
+        </p:nvSpPr>
+        <p:spPr>
+          <a:xfrm>
+            <a:off x="549063" y="4567254"/>
+            <a:ext cx="682559" cy="369332"/>
+          </a:xfrm>
+          <a:prstGeom prst="rect">
+            <a:avLst/>
+          </a:prstGeom>
+          <a:noFill/>
+        </p:spPr>
+        <p:txBody>
+          <a:bodyPr wrap="none" rtlCol="0">
+            <a:spAutoFit/>
+          </a:bodyPr>
+          <a:lstStyle/>
+          <a:p>
+            <a:r>
+              <a:rPr lang="en-SG" dirty="0"/>
+              <a:t>Earth</a:t>
+            </a:r>
+          </a:p>
+        </p:txBody>
+      </p:sp>
+      <p:cxnSp>
+        <p:nvCxnSpPr>
+          <p:cNvPr id="69" name="Straight Connector 68"/>
+          <p:cNvCxnSpPr/>
+          <p:nvPr/>
+        </p:nvCxnSpPr>
+        <p:spPr>
+          <a:xfrm>
+            <a:off x="417891" y="3377520"/>
+            <a:ext cx="3346430" cy="0"/>
+          </a:xfrm>
+          <a:prstGeom prst="line">
+            <a:avLst/>
+          </a:prstGeom>
+          <a:ln w="38100">
+            <a:solidFill>
+              <a:srgbClr val="00B050"/>
+            </a:solidFill>
+          </a:ln>
+        </p:spPr>
+        <p:style>
+          <a:lnRef idx="1">
+            <a:schemeClr val="accent1"/>
+          </a:lnRef>
+          <a:fillRef idx="0">
+            <a:schemeClr val="accent1"/>
+          </a:fillRef>
+          <a:effectRef idx="0">
+            <a:schemeClr val="accent1"/>
+          </a:effectRef>
+          <a:fontRef idx="minor">
+            <a:schemeClr val="tx1"/>
+          </a:fontRef>
+        </p:style>
+      </p:cxnSp>
+      <p:sp>
+        <p:nvSpPr>
+          <p:cNvPr id="70" name="TextBox 69"/>
+          <p:cNvSpPr txBox="1"/>
+          <p:nvPr/>
+        </p:nvSpPr>
+        <p:spPr>
+          <a:xfrm>
+            <a:off x="728370" y="3043017"/>
+            <a:ext cx="1307730" cy="369332"/>
+          </a:xfrm>
+          <a:prstGeom prst="rect">
+            <a:avLst/>
+          </a:prstGeom>
+          <a:noFill/>
+        </p:spPr>
+        <p:txBody>
+          <a:bodyPr wrap="none" rtlCol="0">
+            <a:spAutoFit/>
+          </a:bodyPr>
+          <a:lstStyle/>
+          <a:p>
+            <a:r>
+              <a:rPr lang="en-SG" dirty="0"/>
+              <a:t>Mains Earth</a:t>
+            </a:r>
+          </a:p>
+        </p:txBody>
+      </p:sp>
+      <p:sp>
+        <p:nvSpPr>
+          <p:cNvPr id="33" name="Rectangle 32"/>
+          <p:cNvSpPr/>
+          <p:nvPr/>
+        </p:nvSpPr>
+        <p:spPr>
+          <a:xfrm>
+            <a:off x="1923923" y="1663602"/>
+            <a:ext cx="712332" cy="1135569"/>
+          </a:xfrm>
+          <a:prstGeom prst="rect">
+            <a:avLst/>
+          </a:prstGeom>
+          <a:ln w="38100">
+            <a:solidFill>
+              <a:srgbClr val="002060"/>
+            </a:solidFill>
+          </a:ln>
+        </p:spPr>
+        <p:style>
+          <a:lnRef idx="2">
+            <a:schemeClr val="accent1"/>
+          </a:lnRef>
+          <a:fillRef idx="1">
+            <a:schemeClr val="lt1"/>
+          </a:fillRef>
+          <a:effectRef idx="0">
+            <a:schemeClr val="accent1"/>
+          </a:effectRef>
+          <a:fontRef idx="minor">
+            <a:schemeClr val="dk1"/>
+          </a:fontRef>
+        </p:style>
+        <p:txBody>
+          <a:bodyPr rtlCol="0" anchor="ctr"/>
+          <a:lstStyle/>
+          <a:p>
+            <a:pPr algn="ctr"/>
+            <a:r>
+              <a:rPr lang="en-SG" dirty="0"/>
+              <a:t>RCBO</a:t>
+            </a:r>
+          </a:p>
+        </p:txBody>
+      </p:sp>
+      <p:cxnSp>
+        <p:nvCxnSpPr>
+          <p:cNvPr id="40" name="Straight Connector 39"/>
+          <p:cNvCxnSpPr/>
+          <p:nvPr/>
+        </p:nvCxnSpPr>
+        <p:spPr>
+          <a:xfrm>
+            <a:off x="4454148" y="1873429"/>
+            <a:ext cx="0" cy="829962"/>
+          </a:xfrm>
+          <a:prstGeom prst="line">
+            <a:avLst/>
+          </a:prstGeom>
+          <a:ln w="38100">
+            <a:solidFill>
+              <a:srgbClr val="FF0000"/>
+            </a:solidFill>
+            <a:prstDash val="sysDot"/>
+          </a:ln>
+        </p:spPr>
+        <p:style>
+          <a:lnRef idx="1">
+            <a:schemeClr val="accent1"/>
+          </a:lnRef>
+          <a:fillRef idx="0">
+            <a:schemeClr val="accent1"/>
+          </a:fillRef>
+          <a:effectRef idx="0">
+            <a:schemeClr val="accent1"/>
+          </a:effectRef>
+          <a:fontRef idx="minor">
+            <a:schemeClr val="tx1"/>
+          </a:fontRef>
+        </p:style>
+      </p:cxnSp>
+      <p:cxnSp>
+        <p:nvCxnSpPr>
+          <p:cNvPr id="41" name="Straight Connector 40"/>
+          <p:cNvCxnSpPr>
+            <a:stCxn id="49" idx="0"/>
+          </p:cNvCxnSpPr>
+          <p:nvPr/>
+        </p:nvCxnSpPr>
+        <p:spPr>
+          <a:xfrm flipH="1">
+            <a:off x="5083756" y="1219844"/>
+            <a:ext cx="1" cy="652357"/>
+          </a:xfrm>
+          <a:prstGeom prst="line">
+            <a:avLst/>
+          </a:prstGeom>
+          <a:ln w="38100">
+            <a:solidFill>
+              <a:srgbClr val="FF0000"/>
+            </a:solidFill>
+            <a:prstDash val="sysDot"/>
+          </a:ln>
+        </p:spPr>
+        <p:style>
+          <a:lnRef idx="1">
+            <a:schemeClr val="accent1"/>
+          </a:lnRef>
+          <a:fillRef idx="0">
+            <a:schemeClr val="accent1"/>
+          </a:fillRef>
+          <a:effectRef idx="0">
+            <a:schemeClr val="accent1"/>
+          </a:effectRef>
+          <a:fontRef idx="minor">
+            <a:schemeClr val="tx1"/>
+          </a:fontRef>
+        </p:style>
+      </p:cxnSp>
+      <p:sp>
+        <p:nvSpPr>
+          <p:cNvPr id="48" name="Rectangle 47"/>
+          <p:cNvSpPr/>
+          <p:nvPr/>
+        </p:nvSpPr>
+        <p:spPr>
+          <a:xfrm>
+            <a:off x="2995481" y="1720872"/>
+            <a:ext cx="628694" cy="281940"/>
+          </a:xfrm>
+          <a:prstGeom prst="rect">
+            <a:avLst/>
+          </a:prstGeom>
+          <a:noFill/>
+          <a:ln w="9525" cap="flat" cmpd="sng" algn="ctr">
+            <a:solidFill>
+              <a:schemeClr val="dk1"/>
+            </a:solidFill>
+            <a:prstDash val="solid"/>
+            <a:round/>
+            <a:headEnd type="none" w="med" len="med"/>
+            <a:tailEnd type="none" w="med" len="med"/>
+          </a:ln>
+        </p:spPr>
+        <p:style>
+          <a:lnRef idx="0">
+            <a:scrgbClr r="0" g="0" b="0"/>
+          </a:lnRef>
+          <a:fillRef idx="0">
+            <a:scrgbClr r="0" g="0" b="0"/>
+          </a:fillRef>
+          <a:effectRef idx="0">
+            <a:scrgbClr r="0" g="0" b="0"/>
+          </a:effectRef>
+          <a:fontRef idx="minor">
+            <a:schemeClr val="dk1"/>
+          </a:fontRef>
+        </p:style>
+        <p:txBody>
+          <a:bodyPr rtlCol="0" anchor="ctr"/>
+          <a:lstStyle/>
+          <a:p>
+            <a:pPr algn="ctr"/>
+            <a:r>
+              <a:rPr lang="en-SG" dirty="0"/>
+              <a:t>Fuse</a:t>
+            </a:r>
+          </a:p>
+        </p:txBody>
+      </p:sp>
+      <p:sp>
+        <p:nvSpPr>
+          <p:cNvPr id="43" name="Content Placeholder 2"/>
+          <p:cNvSpPr>
+            <a:spLocks noGrp="1"/>
+          </p:cNvSpPr>
+          <p:nvPr>
+            <p:ph idx="1"/>
+          </p:nvPr>
+        </p:nvSpPr>
+        <p:spPr>
+          <a:xfrm>
+            <a:off x="166820" y="5876080"/>
+            <a:ext cx="8755810" cy="734871"/>
+          </a:xfrm>
+        </p:spPr>
+        <p:txBody>
+          <a:bodyPr/>
+          <a:lstStyle/>
+          <a:p>
+            <a:r>
+              <a:rPr lang="en-US" dirty="0"/>
+              <a:t>RCBO = RCCB + MCB</a:t>
+            </a:r>
+          </a:p>
+        </p:txBody>
+      </p:sp>
+      <p:cxnSp>
+        <p:nvCxnSpPr>
+          <p:cNvPr id="27" name="Straight Connector 26"/>
+          <p:cNvCxnSpPr/>
+          <p:nvPr/>
+        </p:nvCxnSpPr>
+        <p:spPr>
+          <a:xfrm flipV="1">
+            <a:off x="434581" y="3377520"/>
+            <a:ext cx="0" cy="1786806"/>
+          </a:xfrm>
+          <a:prstGeom prst="line">
+            <a:avLst/>
+          </a:prstGeom>
+          <a:ln w="38100">
+            <a:solidFill>
+              <a:srgbClr val="00B050"/>
+            </a:solidFill>
+          </a:ln>
+        </p:spPr>
+        <p:style>
+          <a:lnRef idx="1">
+            <a:schemeClr val="accent1"/>
+          </a:lnRef>
+          <a:fillRef idx="0">
+            <a:schemeClr val="accent1"/>
+          </a:fillRef>
+          <a:effectRef idx="0">
+            <a:schemeClr val="accent1"/>
+          </a:effectRef>
+          <a:fontRef idx="minor">
+            <a:schemeClr val="tx1"/>
+          </a:fontRef>
+        </p:style>
+      </p:cxnSp>
+    </p:spTree>
+    <p:extLst>
+      <p:ext uri="{BB962C8B-B14F-4D97-AF65-F5344CB8AC3E}">
+        <p14:creationId xmlns:p14="http://schemas.microsoft.com/office/powerpoint/2010/main" val="260045449"/>
+      </p:ext>
+    </p:extLst>
+  </p:cSld>
+  <p:clrMapOvr>
+    <a:masterClrMapping/>
+  </p:clrMapOvr>
+  <mc:AlternateContent xmlns:mc="http://schemas.openxmlformats.org/markup-compatibility/2006" xmlns:p14="http://schemas.microsoft.com/office/powerpoint/2010/main">
+    <mc:Choice Requires="p14">
+      <p:transition spd="med" p14:dur="700">
+        <p:fade/>
+      </p:transition>
+    </mc:Choice>
+    <mc:Fallback xmlns="">
+      <p:transition spd="med">
+        <p:fade/>
+      </p:transition>
+    </mc:Fallback>
+  </mc:AlternateContent>
+</p:sld>
+</file>
+
+<file path=ppt/slides/slide9.xml><?xml version="1.0" encoding="utf-8"?>
+<p:sld xmlns:a="http://schemas.openxmlformats.org/drawingml/2006/main" xmlns:r="http://schemas.openxmlformats.org/officeDocument/2006/relationships" xmlns:p="http://schemas.openxmlformats.org/presentationml/2006/main">
+  <p:cSld>
+    <p:spTree>
+      <p:nvGrpSpPr>
+        <p:cNvPr id="1" name=""/>
+        <p:cNvGrpSpPr/>
+        <p:nvPr/>
+      </p:nvGrpSpPr>
+      <p:grpSpPr>
+        <a:xfrm>
+          <a:off x="0" y="0"/>
+          <a:ext cx="0" cy="0"/>
+          <a:chOff x="0" y="0"/>
+          <a:chExt cx="0" cy="0"/>
+        </a:xfrm>
+      </p:grpSpPr>
       <p:sp>
         <p:nvSpPr>
           <p:cNvPr id="2" name="Title 1"/>
@@ -16494,7 +19144,7 @@
           <a:p>
             <a:fld id="{07B38D2E-128E-4BB7-AEDC-917EE0E41F69}" type="slidenum">
               <a:rPr lang="en-SG" smtClean="0"/>
-              <a:t>7</a:t>
+              <a:t>9</a:t>
             </a:fld>
             <a:endParaRPr lang="en-SG"/>
           </a:p>
@@ -17028,2965 +19678,6 @@
       </p:par>
     </p:tnLst>
   </p:timing>
-</p:sld>
-</file>
-
-<file path=ppt/slides/slide8.xml><?xml version="1.0" encoding="utf-8"?>
-<p:sld xmlns:a="http://schemas.openxmlformats.org/drawingml/2006/main" xmlns:r="http://schemas.openxmlformats.org/officeDocument/2006/relationships" xmlns:p="http://schemas.openxmlformats.org/presentationml/2006/main">
-  <p:cSld>
-    <p:spTree>
-      <p:nvGrpSpPr>
-        <p:cNvPr id="1" name=""/>
-        <p:cNvGrpSpPr/>
-        <p:nvPr/>
-      </p:nvGrpSpPr>
-      <p:grpSpPr>
-        <a:xfrm>
-          <a:off x="0" y="0"/>
-          <a:ext cx="0" cy="0"/>
-          <a:chOff x="0" y="0"/>
-          <a:chExt cx="0" cy="0"/>
-        </a:xfrm>
-      </p:grpSpPr>
-      <p:cxnSp>
-        <p:nvCxnSpPr>
-          <p:cNvPr id="51" name="Straight Connector 50"/>
-          <p:cNvCxnSpPr/>
-          <p:nvPr/>
-        </p:nvCxnSpPr>
-        <p:spPr>
-          <a:xfrm>
-            <a:off x="434581" y="2703391"/>
-            <a:ext cx="4673200" cy="0"/>
-          </a:xfrm>
-          <a:prstGeom prst="line">
-            <a:avLst/>
-          </a:prstGeom>
-          <a:ln w="38100">
-            <a:solidFill>
-              <a:srgbClr val="00B0F0"/>
-            </a:solidFill>
-          </a:ln>
-        </p:spPr>
-        <p:style>
-          <a:lnRef idx="1">
-            <a:schemeClr val="accent1"/>
-          </a:lnRef>
-          <a:fillRef idx="0">
-            <a:schemeClr val="accent1"/>
-          </a:fillRef>
-          <a:effectRef idx="0">
-            <a:schemeClr val="accent1"/>
-          </a:effectRef>
-          <a:fontRef idx="minor">
-            <a:schemeClr val="tx1"/>
-          </a:fontRef>
-        </p:style>
-      </p:cxnSp>
-      <p:cxnSp>
-        <p:nvCxnSpPr>
-          <p:cNvPr id="50" name="Straight Connector 49"/>
-          <p:cNvCxnSpPr>
-            <a:stCxn id="48" idx="3"/>
-          </p:cNvCxnSpPr>
-          <p:nvPr/>
-        </p:nvCxnSpPr>
-        <p:spPr>
-          <a:xfrm flipV="1">
-            <a:off x="3624175" y="1856484"/>
-            <a:ext cx="1459581" cy="5358"/>
-          </a:xfrm>
-          <a:prstGeom prst="line">
-            <a:avLst/>
-          </a:prstGeom>
-          <a:ln w="38100">
-            <a:solidFill>
-              <a:srgbClr val="FF0000"/>
-            </a:solidFill>
-          </a:ln>
-        </p:spPr>
-        <p:style>
-          <a:lnRef idx="1">
-            <a:schemeClr val="accent1"/>
-          </a:lnRef>
-          <a:fillRef idx="0">
-            <a:schemeClr val="accent1"/>
-          </a:fillRef>
-          <a:effectRef idx="0">
-            <a:schemeClr val="accent1"/>
-          </a:effectRef>
-          <a:fontRef idx="minor">
-            <a:schemeClr val="tx1"/>
-          </a:fontRef>
-        </p:style>
-      </p:cxnSp>
-      <p:cxnSp>
-        <p:nvCxnSpPr>
-          <p:cNvPr id="62" name="Straight Connector 61"/>
-          <p:cNvCxnSpPr>
-            <a:endCxn id="48" idx="1"/>
-          </p:cNvCxnSpPr>
-          <p:nvPr/>
-        </p:nvCxnSpPr>
-        <p:spPr>
-          <a:xfrm flipV="1">
-            <a:off x="417891" y="1861842"/>
-            <a:ext cx="2577590" cy="11587"/>
-          </a:xfrm>
-          <a:prstGeom prst="line">
-            <a:avLst/>
-          </a:prstGeom>
-          <a:ln w="38100">
-            <a:solidFill>
-              <a:srgbClr val="FF0000"/>
-            </a:solidFill>
-          </a:ln>
-        </p:spPr>
-        <p:style>
-          <a:lnRef idx="1">
-            <a:schemeClr val="accent1"/>
-          </a:lnRef>
-          <a:fillRef idx="0">
-            <a:schemeClr val="accent1"/>
-          </a:fillRef>
-          <a:effectRef idx="0">
-            <a:schemeClr val="accent1"/>
-          </a:effectRef>
-          <a:fontRef idx="minor">
-            <a:schemeClr val="tx1"/>
-          </a:fontRef>
-        </p:style>
-      </p:cxnSp>
-      <p:sp>
-        <p:nvSpPr>
-          <p:cNvPr id="2" name="Title 1"/>
-          <p:cNvSpPr>
-            <a:spLocks noGrp="1"/>
-          </p:cNvSpPr>
-          <p:nvPr>
-            <p:ph type="title"/>
-          </p:nvPr>
-        </p:nvSpPr>
-        <p:spPr>
-          <a:xfrm>
-            <a:off x="0" y="9938"/>
-            <a:ext cx="8804582" cy="873567"/>
-          </a:xfrm>
-        </p:spPr>
-        <p:txBody>
-          <a:bodyPr/>
-          <a:lstStyle/>
-          <a:p>
-            <a:r>
-              <a:rPr lang="en-SG" dirty="0"/>
-              <a:t>Circuit breaker arrangement</a:t>
-            </a:r>
-          </a:p>
-        </p:txBody>
-      </p:sp>
-      <p:sp>
-        <p:nvSpPr>
-          <p:cNvPr id="16" name="Rectangle 15"/>
-          <p:cNvSpPr/>
-          <p:nvPr/>
-        </p:nvSpPr>
-        <p:spPr>
-          <a:xfrm>
-            <a:off x="6985625" y="990240"/>
-            <a:ext cx="414635" cy="738963"/>
-          </a:xfrm>
-          <a:prstGeom prst="rect">
-            <a:avLst/>
-          </a:prstGeom>
-        </p:spPr>
-        <p:style>
-          <a:lnRef idx="2">
-            <a:schemeClr val="dk1">
-              <a:shade val="50000"/>
-            </a:schemeClr>
-          </a:lnRef>
-          <a:fillRef idx="1">
-            <a:schemeClr val="dk1"/>
-          </a:fillRef>
-          <a:effectRef idx="0">
-            <a:schemeClr val="dk1"/>
-          </a:effectRef>
-          <a:fontRef idx="minor">
-            <a:schemeClr val="lt1"/>
-          </a:fontRef>
-        </p:style>
-        <p:txBody>
-          <a:bodyPr rtlCol="0" anchor="ctr"/>
-          <a:lstStyle/>
-          <a:p>
-            <a:pPr algn="ctr"/>
-            <a:endParaRPr lang="en-SG"/>
-          </a:p>
-        </p:txBody>
-      </p:sp>
-      <p:sp>
-        <p:nvSpPr>
-          <p:cNvPr id="19" name="Oval 18"/>
-          <p:cNvSpPr/>
-          <p:nvPr/>
-        </p:nvSpPr>
-        <p:spPr>
-          <a:xfrm>
-            <a:off x="6946817" y="439466"/>
-            <a:ext cx="492250" cy="482132"/>
-          </a:xfrm>
-          <a:prstGeom prst="ellipse">
-            <a:avLst/>
-          </a:prstGeom>
-        </p:spPr>
-        <p:style>
-          <a:lnRef idx="2">
-            <a:schemeClr val="dk1">
-              <a:shade val="50000"/>
-            </a:schemeClr>
-          </a:lnRef>
-          <a:fillRef idx="1">
-            <a:schemeClr val="dk1"/>
-          </a:fillRef>
-          <a:effectRef idx="0">
-            <a:schemeClr val="dk1"/>
-          </a:effectRef>
-          <a:fontRef idx="minor">
-            <a:schemeClr val="lt1"/>
-          </a:fontRef>
-        </p:style>
-        <p:txBody>
-          <a:bodyPr rtlCol="0" anchor="ctr"/>
-          <a:lstStyle/>
-          <a:p>
-            <a:pPr algn="ctr"/>
-            <a:endParaRPr lang="en-SG"/>
-          </a:p>
-        </p:txBody>
-      </p:sp>
-      <p:sp>
-        <p:nvSpPr>
-          <p:cNvPr id="22" name="Rectangle 21"/>
-          <p:cNvSpPr/>
-          <p:nvPr/>
-        </p:nvSpPr>
-        <p:spPr>
-          <a:xfrm rot="3065409">
-            <a:off x="6430448" y="863519"/>
-            <a:ext cx="205204" cy="601488"/>
-          </a:xfrm>
-          <a:prstGeom prst="rect">
-            <a:avLst/>
-          </a:prstGeom>
-        </p:spPr>
-        <p:style>
-          <a:lnRef idx="2">
-            <a:schemeClr val="dk1">
-              <a:shade val="50000"/>
-            </a:schemeClr>
-          </a:lnRef>
-          <a:fillRef idx="1">
-            <a:schemeClr val="dk1"/>
-          </a:fillRef>
-          <a:effectRef idx="0">
-            <a:schemeClr val="dk1"/>
-          </a:effectRef>
-          <a:fontRef idx="minor">
-            <a:schemeClr val="lt1"/>
-          </a:fontRef>
-        </p:style>
-        <p:txBody>
-          <a:bodyPr rtlCol="0" anchor="ctr"/>
-          <a:lstStyle/>
-          <a:p>
-            <a:pPr algn="ctr"/>
-            <a:endParaRPr lang="en-SG"/>
-          </a:p>
-        </p:txBody>
-      </p:sp>
-      <p:sp>
-        <p:nvSpPr>
-          <p:cNvPr id="23" name="Rectangle 22"/>
-          <p:cNvSpPr/>
-          <p:nvPr/>
-        </p:nvSpPr>
-        <p:spPr>
-          <a:xfrm rot="18639749">
-            <a:off x="7715966" y="850763"/>
-            <a:ext cx="254752" cy="645378"/>
-          </a:xfrm>
-          <a:prstGeom prst="rect">
-            <a:avLst/>
-          </a:prstGeom>
-        </p:spPr>
-        <p:style>
-          <a:lnRef idx="2">
-            <a:schemeClr val="dk1">
-              <a:shade val="50000"/>
-            </a:schemeClr>
-          </a:lnRef>
-          <a:fillRef idx="1">
-            <a:schemeClr val="dk1"/>
-          </a:fillRef>
-          <a:effectRef idx="0">
-            <a:schemeClr val="dk1"/>
-          </a:effectRef>
-          <a:fontRef idx="minor">
-            <a:schemeClr val="lt1"/>
-          </a:fontRef>
-        </p:style>
-        <p:txBody>
-          <a:bodyPr rtlCol="0" anchor="ctr"/>
-          <a:lstStyle/>
-          <a:p>
-            <a:pPr algn="ctr"/>
-            <a:endParaRPr lang="en-SG"/>
-          </a:p>
-        </p:txBody>
-      </p:sp>
-      <p:sp>
-        <p:nvSpPr>
-          <p:cNvPr id="25" name="Rectangle 24"/>
-          <p:cNvSpPr/>
-          <p:nvPr/>
-        </p:nvSpPr>
-        <p:spPr>
-          <a:xfrm rot="656420">
-            <a:off x="6811753" y="1827920"/>
-            <a:ext cx="270128" cy="837009"/>
-          </a:xfrm>
-          <a:prstGeom prst="rect">
-            <a:avLst/>
-          </a:prstGeom>
-        </p:spPr>
-        <p:style>
-          <a:lnRef idx="2">
-            <a:schemeClr val="dk1">
-              <a:shade val="50000"/>
-            </a:schemeClr>
-          </a:lnRef>
-          <a:fillRef idx="1">
-            <a:schemeClr val="dk1"/>
-          </a:fillRef>
-          <a:effectRef idx="0">
-            <a:schemeClr val="dk1"/>
-          </a:effectRef>
-          <a:fontRef idx="minor">
-            <a:schemeClr val="lt1"/>
-          </a:fontRef>
-        </p:style>
-        <p:txBody>
-          <a:bodyPr rtlCol="0" anchor="ctr"/>
-          <a:lstStyle/>
-          <a:p>
-            <a:pPr algn="ctr"/>
-            <a:endParaRPr lang="en-SG"/>
-          </a:p>
-        </p:txBody>
-      </p:sp>
-      <p:sp>
-        <p:nvSpPr>
-          <p:cNvPr id="26" name="Rectangle 25"/>
-          <p:cNvSpPr/>
-          <p:nvPr/>
-        </p:nvSpPr>
-        <p:spPr>
-          <a:xfrm rot="20897953">
-            <a:off x="7380500" y="1824207"/>
-            <a:ext cx="270128" cy="837009"/>
-          </a:xfrm>
-          <a:prstGeom prst="rect">
-            <a:avLst/>
-          </a:prstGeom>
-        </p:spPr>
-        <p:style>
-          <a:lnRef idx="2">
-            <a:schemeClr val="dk1">
-              <a:shade val="50000"/>
-            </a:schemeClr>
-          </a:lnRef>
-          <a:fillRef idx="1">
-            <a:schemeClr val="dk1"/>
-          </a:fillRef>
-          <a:effectRef idx="0">
-            <a:schemeClr val="dk1"/>
-          </a:effectRef>
-          <a:fontRef idx="minor">
-            <a:schemeClr val="lt1"/>
-          </a:fontRef>
-        </p:style>
-        <p:txBody>
-          <a:bodyPr rtlCol="0" anchor="ctr"/>
-          <a:lstStyle/>
-          <a:p>
-            <a:pPr algn="ctr"/>
-            <a:endParaRPr lang="en-SG"/>
-          </a:p>
-        </p:txBody>
-      </p:sp>
-      <p:sp>
-        <p:nvSpPr>
-          <p:cNvPr id="6" name="Slide Number Placeholder 5"/>
-          <p:cNvSpPr>
-            <a:spLocks noGrp="1"/>
-          </p:cNvSpPr>
-          <p:nvPr>
-            <p:ph type="sldNum" sz="quarter" idx="12"/>
-          </p:nvPr>
-        </p:nvSpPr>
-        <p:spPr/>
-        <p:txBody>
-          <a:bodyPr/>
-          <a:lstStyle/>
-          <a:p>
-            <a:fld id="{68EF4619-F19A-E048-BC08-46ED4E2D9E67}" type="slidenum">
-              <a:rPr lang="en-US" smtClean="0"/>
-              <a:t>8</a:t>
-            </a:fld>
-            <a:endParaRPr lang="en-US"/>
-          </a:p>
-        </p:txBody>
-      </p:sp>
-      <p:sp>
-        <p:nvSpPr>
-          <p:cNvPr id="49" name="Rounded Rectangle 48"/>
-          <p:cNvSpPr/>
-          <p:nvPr/>
-        </p:nvSpPr>
-        <p:spPr>
-          <a:xfrm>
-            <a:off x="3764321" y="1219844"/>
-            <a:ext cx="2638872" cy="2884349"/>
-          </a:xfrm>
-          <a:prstGeom prst="roundRect">
-            <a:avLst/>
-          </a:prstGeom>
-          <a:noFill/>
-          <a:ln w="57150" cap="flat" cmpd="sng" algn="ctr">
-            <a:solidFill>
-              <a:srgbClr val="00B050"/>
-            </a:solidFill>
-            <a:prstDash val="solid"/>
-            <a:round/>
-            <a:headEnd type="none" w="med" len="med"/>
-            <a:tailEnd type="none" w="med" len="med"/>
-          </a:ln>
-        </p:spPr>
-        <p:style>
-          <a:lnRef idx="0">
-            <a:scrgbClr r="0" g="0" b="0"/>
-          </a:lnRef>
-          <a:fillRef idx="0">
-            <a:scrgbClr r="0" g="0" b="0"/>
-          </a:fillRef>
-          <a:effectRef idx="0">
-            <a:scrgbClr r="0" g="0" b="0"/>
-          </a:effectRef>
-          <a:fontRef idx="minor">
-            <a:schemeClr val="accent3"/>
-          </a:fontRef>
-        </p:style>
-        <p:txBody>
-          <a:bodyPr rtlCol="0" anchor="b" anchorCtr="0"/>
-          <a:lstStyle/>
-          <a:p>
-            <a:pPr algn="ctr"/>
-            <a:r>
-              <a:rPr lang="en-SG" dirty="0">
-                <a:solidFill>
-                  <a:schemeClr val="tx1"/>
-                </a:solidFill>
-              </a:rPr>
-              <a:t>Kettle</a:t>
-            </a:r>
-          </a:p>
-        </p:txBody>
-      </p:sp>
-      <p:sp>
-        <p:nvSpPr>
-          <p:cNvPr id="52" name="TextBox 51"/>
-          <p:cNvSpPr txBox="1"/>
-          <p:nvPr/>
-        </p:nvSpPr>
-        <p:spPr>
-          <a:xfrm>
-            <a:off x="420461" y="2663639"/>
-            <a:ext cx="1512017" cy="369332"/>
-          </a:xfrm>
-          <a:prstGeom prst="rect">
-            <a:avLst/>
-          </a:prstGeom>
-          <a:noFill/>
-        </p:spPr>
-        <p:txBody>
-          <a:bodyPr wrap="none" rtlCol="0">
-            <a:spAutoFit/>
-          </a:bodyPr>
-          <a:lstStyle/>
-          <a:p>
-            <a:r>
-              <a:rPr lang="en-SG" dirty="0"/>
-              <a:t>Mains Neutral</a:t>
-            </a:r>
-          </a:p>
-        </p:txBody>
-      </p:sp>
-      <p:sp>
-        <p:nvSpPr>
-          <p:cNvPr id="55" name="Rectangle 54"/>
-          <p:cNvSpPr/>
-          <p:nvPr/>
-        </p:nvSpPr>
-        <p:spPr>
-          <a:xfrm>
-            <a:off x="5001212" y="2003630"/>
-            <a:ext cx="165089" cy="536944"/>
-          </a:xfrm>
-          <a:prstGeom prst="rect">
-            <a:avLst/>
-          </a:prstGeom>
-          <a:noFill/>
-          <a:ln w="9525" cap="flat" cmpd="sng" algn="ctr">
-            <a:solidFill>
-              <a:schemeClr val="dk1"/>
-            </a:solidFill>
-            <a:prstDash val="solid"/>
-            <a:round/>
-            <a:headEnd type="none" w="med" len="med"/>
-            <a:tailEnd type="none" w="med" len="med"/>
-          </a:ln>
-        </p:spPr>
-        <p:style>
-          <a:lnRef idx="0">
-            <a:scrgbClr r="0" g="0" b="0"/>
-          </a:lnRef>
-          <a:fillRef idx="0">
-            <a:scrgbClr r="0" g="0" b="0"/>
-          </a:fillRef>
-          <a:effectRef idx="0">
-            <a:scrgbClr r="0" g="0" b="0"/>
-          </a:effectRef>
-          <a:fontRef idx="minor">
-            <a:schemeClr val="dk1"/>
-          </a:fontRef>
-        </p:style>
-        <p:txBody>
-          <a:bodyPr rtlCol="0" anchor="ctr"/>
-          <a:lstStyle/>
-          <a:p>
-            <a:pPr algn="ctr"/>
-            <a:endParaRPr lang="en-SG"/>
-          </a:p>
-        </p:txBody>
-      </p:sp>
-      <p:cxnSp>
-        <p:nvCxnSpPr>
-          <p:cNvPr id="56" name="Straight Connector 55"/>
-          <p:cNvCxnSpPr/>
-          <p:nvPr/>
-        </p:nvCxnSpPr>
-        <p:spPr>
-          <a:xfrm>
-            <a:off x="5083756" y="1840814"/>
-            <a:ext cx="0" cy="157965"/>
-          </a:xfrm>
-          <a:prstGeom prst="line">
-            <a:avLst/>
-          </a:prstGeom>
-          <a:ln w="38100">
-            <a:solidFill>
-              <a:srgbClr val="FF0000"/>
-            </a:solidFill>
-          </a:ln>
-        </p:spPr>
-        <p:style>
-          <a:lnRef idx="1">
-            <a:schemeClr val="accent1"/>
-          </a:lnRef>
-          <a:fillRef idx="0">
-            <a:schemeClr val="accent1"/>
-          </a:fillRef>
-          <a:effectRef idx="0">
-            <a:schemeClr val="accent1"/>
-          </a:effectRef>
-          <a:fontRef idx="minor">
-            <a:schemeClr val="tx1"/>
-          </a:fontRef>
-        </p:style>
-      </p:cxnSp>
-      <p:cxnSp>
-        <p:nvCxnSpPr>
-          <p:cNvPr id="57" name="Straight Connector 56"/>
-          <p:cNvCxnSpPr/>
-          <p:nvPr/>
-        </p:nvCxnSpPr>
-        <p:spPr>
-          <a:xfrm>
-            <a:off x="5083756" y="2545426"/>
-            <a:ext cx="0" cy="157965"/>
-          </a:xfrm>
-          <a:prstGeom prst="line">
-            <a:avLst/>
-          </a:prstGeom>
-          <a:ln w="38100">
-            <a:solidFill>
-              <a:srgbClr val="00B0F0"/>
-            </a:solidFill>
-          </a:ln>
-        </p:spPr>
-        <p:style>
-          <a:lnRef idx="1">
-            <a:schemeClr val="accent1"/>
-          </a:lnRef>
-          <a:fillRef idx="0">
-            <a:schemeClr val="accent1"/>
-          </a:fillRef>
-          <a:effectRef idx="0">
-            <a:schemeClr val="accent1"/>
-          </a:effectRef>
-          <a:fontRef idx="minor">
-            <a:schemeClr val="tx1"/>
-          </a:fontRef>
-        </p:style>
-      </p:cxnSp>
-      <p:sp>
-        <p:nvSpPr>
-          <p:cNvPr id="58" name="Oval 57"/>
-          <p:cNvSpPr/>
-          <p:nvPr/>
-        </p:nvSpPr>
-        <p:spPr>
-          <a:xfrm>
-            <a:off x="97444" y="1964307"/>
-            <a:ext cx="680483" cy="661992"/>
-          </a:xfrm>
-          <a:prstGeom prst="ellipse">
-            <a:avLst/>
-          </a:prstGeom>
-        </p:spPr>
-        <p:style>
-          <a:lnRef idx="2">
-            <a:schemeClr val="dk1"/>
-          </a:lnRef>
-          <a:fillRef idx="1">
-            <a:schemeClr val="lt1"/>
-          </a:fillRef>
-          <a:effectRef idx="0">
-            <a:schemeClr val="dk1"/>
-          </a:effectRef>
-          <a:fontRef idx="minor">
-            <a:schemeClr val="dk1"/>
-          </a:fontRef>
-        </p:style>
-        <p:txBody>
-          <a:bodyPr rtlCol="0" anchor="ctr"/>
-          <a:lstStyle/>
-          <a:p>
-            <a:pPr algn="ctr"/>
-            <a:r>
-              <a:rPr lang="en-SG" sz="1200" dirty="0"/>
-              <a:t>240V </a:t>
-            </a:r>
-          </a:p>
-          <a:p>
-            <a:pPr algn="ctr"/>
-            <a:r>
-              <a:rPr lang="en-SG" sz="1200" dirty="0"/>
-              <a:t>AC ~</a:t>
-            </a:r>
-          </a:p>
-        </p:txBody>
-      </p:sp>
-      <p:cxnSp>
-        <p:nvCxnSpPr>
-          <p:cNvPr id="59" name="Straight Connector 58"/>
-          <p:cNvCxnSpPr/>
-          <p:nvPr/>
-        </p:nvCxnSpPr>
-        <p:spPr>
-          <a:xfrm>
-            <a:off x="437686" y="2626299"/>
-            <a:ext cx="0" cy="95076"/>
-          </a:xfrm>
-          <a:prstGeom prst="line">
-            <a:avLst/>
-          </a:prstGeom>
-          <a:ln w="38100">
-            <a:solidFill>
-              <a:srgbClr val="00B0F0"/>
-            </a:solidFill>
-          </a:ln>
-        </p:spPr>
-        <p:style>
-          <a:lnRef idx="1">
-            <a:schemeClr val="accent1"/>
-          </a:lnRef>
-          <a:fillRef idx="0">
-            <a:schemeClr val="accent1"/>
-          </a:fillRef>
-          <a:effectRef idx="0">
-            <a:schemeClr val="accent1"/>
-          </a:effectRef>
-          <a:fontRef idx="minor">
-            <a:schemeClr val="tx1"/>
-          </a:fontRef>
-        </p:style>
-      </p:cxnSp>
-      <p:cxnSp>
-        <p:nvCxnSpPr>
-          <p:cNvPr id="60" name="Straight Connector 59"/>
-          <p:cNvCxnSpPr/>
-          <p:nvPr/>
-        </p:nvCxnSpPr>
-        <p:spPr>
-          <a:xfrm>
-            <a:off x="437686" y="1872201"/>
-            <a:ext cx="0" cy="95192"/>
-          </a:xfrm>
-          <a:prstGeom prst="line">
-            <a:avLst/>
-          </a:prstGeom>
-          <a:ln w="38100">
-            <a:solidFill>
-              <a:srgbClr val="FF0000"/>
-            </a:solidFill>
-          </a:ln>
-        </p:spPr>
-        <p:style>
-          <a:lnRef idx="1">
-            <a:schemeClr val="accent1"/>
-          </a:lnRef>
-          <a:fillRef idx="0">
-            <a:schemeClr val="accent1"/>
-          </a:fillRef>
-          <a:effectRef idx="0">
-            <a:schemeClr val="accent1"/>
-          </a:effectRef>
-          <a:fontRef idx="minor">
-            <a:schemeClr val="tx1"/>
-          </a:fontRef>
-        </p:style>
-      </p:cxnSp>
-      <p:sp>
-        <p:nvSpPr>
-          <p:cNvPr id="61" name="TextBox 60"/>
-          <p:cNvSpPr txBox="1"/>
-          <p:nvPr/>
-        </p:nvSpPr>
-        <p:spPr>
-          <a:xfrm>
-            <a:off x="373251" y="1210559"/>
-            <a:ext cx="1177887" cy="369332"/>
-          </a:xfrm>
-          <a:prstGeom prst="rect">
-            <a:avLst/>
-          </a:prstGeom>
-          <a:noFill/>
-        </p:spPr>
-        <p:txBody>
-          <a:bodyPr wrap="none" rtlCol="0">
-            <a:spAutoFit/>
-          </a:bodyPr>
-          <a:lstStyle/>
-          <a:p>
-            <a:r>
-              <a:rPr lang="en-SG" dirty="0"/>
-              <a:t>Mains Live</a:t>
-            </a:r>
-          </a:p>
-        </p:txBody>
-      </p:sp>
-      <p:cxnSp>
-        <p:nvCxnSpPr>
-          <p:cNvPr id="64" name="Straight Connector 63"/>
-          <p:cNvCxnSpPr/>
-          <p:nvPr/>
-        </p:nvCxnSpPr>
-        <p:spPr>
-          <a:xfrm>
-            <a:off x="417891" y="4939620"/>
-            <a:ext cx="8253669" cy="0"/>
-          </a:xfrm>
-          <a:prstGeom prst="line">
-            <a:avLst/>
-          </a:prstGeom>
-          <a:ln w="38100">
-            <a:solidFill>
-              <a:srgbClr val="00B050"/>
-            </a:solidFill>
-          </a:ln>
-        </p:spPr>
-        <p:style>
-          <a:lnRef idx="1">
-            <a:schemeClr val="accent1"/>
-          </a:lnRef>
-          <a:fillRef idx="0">
-            <a:schemeClr val="accent1"/>
-          </a:fillRef>
-          <a:effectRef idx="0">
-            <a:schemeClr val="accent1"/>
-          </a:effectRef>
-          <a:fontRef idx="minor">
-            <a:schemeClr val="tx1"/>
-          </a:fontRef>
-        </p:style>
-      </p:cxnSp>
-      <p:cxnSp>
-        <p:nvCxnSpPr>
-          <p:cNvPr id="65" name="Straight Connector 64"/>
-          <p:cNvCxnSpPr/>
-          <p:nvPr/>
-        </p:nvCxnSpPr>
-        <p:spPr>
-          <a:xfrm flipV="1">
-            <a:off x="434581" y="2718448"/>
-            <a:ext cx="0" cy="2445878"/>
-          </a:xfrm>
-          <a:prstGeom prst="line">
-            <a:avLst/>
-          </a:prstGeom>
-          <a:ln w="38100">
-            <a:solidFill>
-              <a:srgbClr val="00B050"/>
-            </a:solidFill>
-          </a:ln>
-        </p:spPr>
-        <p:style>
-          <a:lnRef idx="1">
-            <a:schemeClr val="accent1"/>
-          </a:lnRef>
-          <a:fillRef idx="0">
-            <a:schemeClr val="accent1"/>
-          </a:fillRef>
-          <a:effectRef idx="0">
-            <a:schemeClr val="accent1"/>
-          </a:effectRef>
-          <a:fontRef idx="minor">
-            <a:schemeClr val="tx1"/>
-          </a:fontRef>
-        </p:style>
-      </p:cxnSp>
-      <p:sp>
-        <p:nvSpPr>
-          <p:cNvPr id="66" name="Down Arrow 65"/>
-          <p:cNvSpPr/>
-          <p:nvPr/>
-        </p:nvSpPr>
-        <p:spPr>
-          <a:xfrm>
-            <a:off x="320099" y="5164326"/>
-            <a:ext cx="228964" cy="429707"/>
-          </a:xfrm>
-          <a:prstGeom prst="downArrow">
-            <a:avLst/>
-          </a:prstGeom>
-        </p:spPr>
-        <p:style>
-          <a:lnRef idx="2">
-            <a:schemeClr val="accent6">
-              <a:shade val="50000"/>
-            </a:schemeClr>
-          </a:lnRef>
-          <a:fillRef idx="1">
-            <a:schemeClr val="accent6"/>
-          </a:fillRef>
-          <a:effectRef idx="0">
-            <a:schemeClr val="accent6"/>
-          </a:effectRef>
-          <a:fontRef idx="minor">
-            <a:schemeClr val="lt1"/>
-          </a:fontRef>
-        </p:style>
-        <p:txBody>
-          <a:bodyPr rtlCol="0" anchor="ctr"/>
-          <a:lstStyle/>
-          <a:p>
-            <a:pPr algn="ctr"/>
-            <a:endParaRPr lang="en-SG"/>
-          </a:p>
-        </p:txBody>
-      </p:sp>
-      <p:cxnSp>
-        <p:nvCxnSpPr>
-          <p:cNvPr id="67" name="Straight Connector 66"/>
-          <p:cNvCxnSpPr/>
-          <p:nvPr/>
-        </p:nvCxnSpPr>
-        <p:spPr>
-          <a:xfrm flipV="1">
-            <a:off x="7515564" y="2662018"/>
-            <a:ext cx="0" cy="2277602"/>
-          </a:xfrm>
-          <a:prstGeom prst="line">
-            <a:avLst/>
-          </a:prstGeom>
-          <a:ln w="38100">
-            <a:solidFill>
-              <a:srgbClr val="00B050"/>
-            </a:solidFill>
-          </a:ln>
-        </p:spPr>
-        <p:style>
-          <a:lnRef idx="1">
-            <a:schemeClr val="accent1"/>
-          </a:lnRef>
-          <a:fillRef idx="0">
-            <a:schemeClr val="accent1"/>
-          </a:fillRef>
-          <a:effectRef idx="0">
-            <a:schemeClr val="accent1"/>
-          </a:effectRef>
-          <a:fontRef idx="minor">
-            <a:schemeClr val="tx1"/>
-          </a:fontRef>
-        </p:style>
-      </p:cxnSp>
-      <p:sp>
-        <p:nvSpPr>
-          <p:cNvPr id="68" name="TextBox 67"/>
-          <p:cNvSpPr txBox="1"/>
-          <p:nvPr/>
-        </p:nvSpPr>
-        <p:spPr>
-          <a:xfrm>
-            <a:off x="549063" y="4567254"/>
-            <a:ext cx="682559" cy="369332"/>
-          </a:xfrm>
-          <a:prstGeom prst="rect">
-            <a:avLst/>
-          </a:prstGeom>
-          <a:noFill/>
-        </p:spPr>
-        <p:txBody>
-          <a:bodyPr wrap="none" rtlCol="0">
-            <a:spAutoFit/>
-          </a:bodyPr>
-          <a:lstStyle/>
-          <a:p>
-            <a:r>
-              <a:rPr lang="en-SG" dirty="0"/>
-              <a:t>Earth</a:t>
-            </a:r>
-          </a:p>
-        </p:txBody>
-      </p:sp>
-      <p:cxnSp>
-        <p:nvCxnSpPr>
-          <p:cNvPr id="69" name="Straight Connector 68"/>
-          <p:cNvCxnSpPr/>
-          <p:nvPr/>
-        </p:nvCxnSpPr>
-        <p:spPr>
-          <a:xfrm>
-            <a:off x="417891" y="3377520"/>
-            <a:ext cx="3346430" cy="0"/>
-          </a:xfrm>
-          <a:prstGeom prst="line">
-            <a:avLst/>
-          </a:prstGeom>
-          <a:ln w="38100">
-            <a:solidFill>
-              <a:srgbClr val="00B050"/>
-            </a:solidFill>
-          </a:ln>
-        </p:spPr>
-        <p:style>
-          <a:lnRef idx="1">
-            <a:schemeClr val="accent1"/>
-          </a:lnRef>
-          <a:fillRef idx="0">
-            <a:schemeClr val="accent1"/>
-          </a:fillRef>
-          <a:effectRef idx="0">
-            <a:schemeClr val="accent1"/>
-          </a:effectRef>
-          <a:fontRef idx="minor">
-            <a:schemeClr val="tx1"/>
-          </a:fontRef>
-        </p:style>
-      </p:cxnSp>
-      <p:sp>
-        <p:nvSpPr>
-          <p:cNvPr id="70" name="TextBox 69"/>
-          <p:cNvSpPr txBox="1"/>
-          <p:nvPr/>
-        </p:nvSpPr>
-        <p:spPr>
-          <a:xfrm>
-            <a:off x="728370" y="3043017"/>
-            <a:ext cx="1307730" cy="369332"/>
-          </a:xfrm>
-          <a:prstGeom prst="rect">
-            <a:avLst/>
-          </a:prstGeom>
-          <a:noFill/>
-        </p:spPr>
-        <p:txBody>
-          <a:bodyPr wrap="none" rtlCol="0">
-            <a:spAutoFit/>
-          </a:bodyPr>
-          <a:lstStyle/>
-          <a:p>
-            <a:r>
-              <a:rPr lang="en-SG" dirty="0"/>
-              <a:t>Mains Earth</a:t>
-            </a:r>
-          </a:p>
-        </p:txBody>
-      </p:sp>
-      <p:sp>
-        <p:nvSpPr>
-          <p:cNvPr id="33" name="Rectangle 32"/>
-          <p:cNvSpPr/>
-          <p:nvPr/>
-        </p:nvSpPr>
-        <p:spPr>
-          <a:xfrm>
-            <a:off x="1923923" y="1663602"/>
-            <a:ext cx="712332" cy="1135569"/>
-          </a:xfrm>
-          <a:prstGeom prst="rect">
-            <a:avLst/>
-          </a:prstGeom>
-          <a:ln w="38100">
-            <a:solidFill>
-              <a:srgbClr val="002060"/>
-            </a:solidFill>
-          </a:ln>
-        </p:spPr>
-        <p:style>
-          <a:lnRef idx="2">
-            <a:schemeClr val="accent1"/>
-          </a:lnRef>
-          <a:fillRef idx="1">
-            <a:schemeClr val="lt1"/>
-          </a:fillRef>
-          <a:effectRef idx="0">
-            <a:schemeClr val="accent1"/>
-          </a:effectRef>
-          <a:fontRef idx="minor">
-            <a:schemeClr val="dk1"/>
-          </a:fontRef>
-        </p:style>
-        <p:txBody>
-          <a:bodyPr rtlCol="0" anchor="ctr"/>
-          <a:lstStyle/>
-          <a:p>
-            <a:pPr algn="ctr"/>
-            <a:r>
-              <a:rPr lang="en-SG" dirty="0"/>
-              <a:t>RCCB</a:t>
-            </a:r>
-          </a:p>
-        </p:txBody>
-      </p:sp>
-      <p:sp>
-        <p:nvSpPr>
-          <p:cNvPr id="34" name="Rectangle 33"/>
-          <p:cNvSpPr/>
-          <p:nvPr/>
-        </p:nvSpPr>
-        <p:spPr>
-          <a:xfrm>
-            <a:off x="991680" y="1687448"/>
-            <a:ext cx="626999" cy="350432"/>
-          </a:xfrm>
-          <a:prstGeom prst="rect">
-            <a:avLst/>
-          </a:prstGeom>
-          <a:ln w="38100">
-            <a:solidFill>
-              <a:srgbClr val="FF0000"/>
-            </a:solidFill>
-          </a:ln>
-        </p:spPr>
-        <p:style>
-          <a:lnRef idx="2">
-            <a:schemeClr val="accent1"/>
-          </a:lnRef>
-          <a:fillRef idx="1">
-            <a:schemeClr val="lt1"/>
-          </a:fillRef>
-          <a:effectRef idx="0">
-            <a:schemeClr val="accent1"/>
-          </a:effectRef>
-          <a:fontRef idx="minor">
-            <a:schemeClr val="dk1"/>
-          </a:fontRef>
-        </p:style>
-        <p:txBody>
-          <a:bodyPr rtlCol="0" anchor="ctr"/>
-          <a:lstStyle/>
-          <a:p>
-            <a:pPr algn="ctr"/>
-            <a:r>
-              <a:rPr lang="en-SG" dirty="0"/>
-              <a:t>MCB</a:t>
-            </a:r>
-          </a:p>
-        </p:txBody>
-      </p:sp>
-      <p:sp>
-        <p:nvSpPr>
-          <p:cNvPr id="38" name="TextBox 37"/>
-          <p:cNvSpPr txBox="1"/>
-          <p:nvPr/>
-        </p:nvSpPr>
-        <p:spPr>
-          <a:xfrm>
-            <a:off x="4845772" y="4982716"/>
-            <a:ext cx="4298228" cy="1815882"/>
-          </a:xfrm>
-          <a:prstGeom prst="rect">
-            <a:avLst/>
-          </a:prstGeom>
-          <a:noFill/>
-        </p:spPr>
-        <p:txBody>
-          <a:bodyPr wrap="square" rtlCol="0">
-            <a:spAutoFit/>
-          </a:bodyPr>
-          <a:lstStyle/>
-          <a:p>
-            <a:r>
-              <a:rPr lang="en-US" sz="1600" u="sng" dirty="0">
-                <a:solidFill>
-                  <a:srgbClr val="00B0F0"/>
-                </a:solidFill>
-              </a:rPr>
-              <a:t>Residual Current Circuit Breaker (RCCB)</a:t>
-            </a:r>
-          </a:p>
-          <a:p>
-            <a:pPr marL="285750" indent="-285750">
-              <a:buFont typeface="Arial" panose="020B0604020202020204" pitchFamily="34" charset="0"/>
-              <a:buChar char="•"/>
-            </a:pPr>
-            <a:r>
-              <a:rPr lang="en-SG" sz="1600" b="1" dirty="0"/>
-              <a:t>What it does? </a:t>
-            </a:r>
-            <a:r>
-              <a:rPr lang="en-SG" sz="1600" dirty="0"/>
-              <a:t>Breaks the circuit on earth fault</a:t>
-            </a:r>
-          </a:p>
-          <a:p>
-            <a:pPr marL="285750" indent="-285750">
-              <a:buFont typeface="Arial" panose="020B0604020202020204" pitchFamily="34" charset="0"/>
-              <a:buChar char="•"/>
-            </a:pPr>
-            <a:r>
-              <a:rPr lang="en-US" sz="1600" b="1" dirty="0"/>
-              <a:t>Cause: </a:t>
-            </a:r>
-            <a:r>
-              <a:rPr lang="en-US" sz="1600" dirty="0"/>
-              <a:t>Current leakage via Earth wire or human electrocution</a:t>
-            </a:r>
-            <a:endParaRPr lang="en-SG" sz="1600" dirty="0"/>
-          </a:p>
-          <a:p>
-            <a:pPr marL="285750" indent="-285750">
-              <a:buFont typeface="Arial" panose="020B0604020202020204" pitchFamily="34" charset="0"/>
-              <a:buChar char="•"/>
-            </a:pPr>
-            <a:r>
-              <a:rPr lang="en-US" sz="1600" b="1" dirty="0"/>
-              <a:t>When?: </a:t>
-            </a:r>
-            <a:r>
-              <a:rPr lang="en-US" sz="1600" dirty="0"/>
-              <a:t>Breaks when current difference between live neutral &gt; threshold            (usually 30mA)</a:t>
-            </a:r>
-          </a:p>
-        </p:txBody>
-      </p:sp>
-      <p:sp>
-        <p:nvSpPr>
-          <p:cNvPr id="39" name="TextBox 38"/>
-          <p:cNvSpPr txBox="1"/>
-          <p:nvPr/>
-        </p:nvSpPr>
-        <p:spPr>
-          <a:xfrm>
-            <a:off x="-27695" y="5717422"/>
-            <a:ext cx="5002973" cy="830997"/>
-          </a:xfrm>
-          <a:prstGeom prst="rect">
-            <a:avLst/>
-          </a:prstGeom>
-          <a:noFill/>
-        </p:spPr>
-        <p:txBody>
-          <a:bodyPr wrap="none" rtlCol="0">
-            <a:spAutoFit/>
-          </a:bodyPr>
-          <a:lstStyle/>
-          <a:p>
-            <a:r>
-              <a:rPr lang="en-SG" sz="1600" u="sng" dirty="0">
-                <a:solidFill>
-                  <a:srgbClr val="FF0000"/>
-                </a:solidFill>
-              </a:rPr>
-              <a:t>Miniature Circuit Breakers (MCBs)</a:t>
-            </a:r>
-          </a:p>
-          <a:p>
-            <a:pPr marL="285750" indent="-285750">
-              <a:buFont typeface="Arial" panose="020B0604020202020204" pitchFamily="34" charset="0"/>
-              <a:buChar char="•"/>
-            </a:pPr>
-            <a:r>
-              <a:rPr lang="en-SG" sz="1600" u="sng" dirty="0"/>
-              <a:t>What it does? </a:t>
-            </a:r>
-          </a:p>
-          <a:p>
-            <a:pPr marL="742950" lvl="1" indent="-285750">
-              <a:buFont typeface="Arial" panose="020B0604020202020204" pitchFamily="34" charset="0"/>
-              <a:buChar char="•"/>
-            </a:pPr>
-            <a:r>
-              <a:rPr lang="en-SG" sz="1600" dirty="0"/>
-              <a:t>Breaks the circuit on overcurrent </a:t>
-            </a:r>
-            <a:r>
-              <a:rPr lang="en-SG" sz="1600" dirty="0" err="1"/>
-              <a:t>eg</a:t>
-            </a:r>
-            <a:r>
-              <a:rPr lang="en-SG" sz="1600" dirty="0"/>
-              <a:t>. short circuit</a:t>
-            </a:r>
-          </a:p>
-        </p:txBody>
-      </p:sp>
-      <p:cxnSp>
-        <p:nvCxnSpPr>
-          <p:cNvPr id="40" name="Straight Connector 39"/>
-          <p:cNvCxnSpPr/>
-          <p:nvPr/>
-        </p:nvCxnSpPr>
-        <p:spPr>
-          <a:xfrm>
-            <a:off x="4454148" y="1873429"/>
-            <a:ext cx="0" cy="829962"/>
-          </a:xfrm>
-          <a:prstGeom prst="line">
-            <a:avLst/>
-          </a:prstGeom>
-          <a:ln w="38100">
-            <a:solidFill>
-              <a:srgbClr val="FF0000"/>
-            </a:solidFill>
-            <a:prstDash val="sysDot"/>
-          </a:ln>
-        </p:spPr>
-        <p:style>
-          <a:lnRef idx="1">
-            <a:schemeClr val="accent1"/>
-          </a:lnRef>
-          <a:fillRef idx="0">
-            <a:schemeClr val="accent1"/>
-          </a:fillRef>
-          <a:effectRef idx="0">
-            <a:schemeClr val="accent1"/>
-          </a:effectRef>
-          <a:fontRef idx="minor">
-            <a:schemeClr val="tx1"/>
-          </a:fontRef>
-        </p:style>
-      </p:cxnSp>
-      <p:cxnSp>
-        <p:nvCxnSpPr>
-          <p:cNvPr id="41" name="Straight Connector 40"/>
-          <p:cNvCxnSpPr>
-            <a:stCxn id="49" idx="0"/>
-          </p:cNvCxnSpPr>
-          <p:nvPr/>
-        </p:nvCxnSpPr>
-        <p:spPr>
-          <a:xfrm flipH="1">
-            <a:off x="5083756" y="1219844"/>
-            <a:ext cx="1" cy="652357"/>
-          </a:xfrm>
-          <a:prstGeom prst="line">
-            <a:avLst/>
-          </a:prstGeom>
-          <a:ln w="38100">
-            <a:solidFill>
-              <a:srgbClr val="FF0000"/>
-            </a:solidFill>
-            <a:prstDash val="sysDot"/>
-          </a:ln>
-        </p:spPr>
-        <p:style>
-          <a:lnRef idx="1">
-            <a:schemeClr val="accent1"/>
-          </a:lnRef>
-          <a:fillRef idx="0">
-            <a:schemeClr val="accent1"/>
-          </a:fillRef>
-          <a:effectRef idx="0">
-            <a:schemeClr val="accent1"/>
-          </a:effectRef>
-          <a:fontRef idx="minor">
-            <a:schemeClr val="tx1"/>
-          </a:fontRef>
-        </p:style>
-      </p:cxnSp>
-      <p:sp>
-        <p:nvSpPr>
-          <p:cNvPr id="44" name="Right Arrow 43"/>
-          <p:cNvSpPr/>
-          <p:nvPr/>
-        </p:nvSpPr>
-        <p:spPr>
-          <a:xfrm rot="10800000">
-            <a:off x="4220231" y="1295261"/>
-            <a:ext cx="526312" cy="284630"/>
-          </a:xfrm>
-          <a:prstGeom prst="rightArrow">
-            <a:avLst/>
-          </a:prstGeom>
-          <a:solidFill>
-            <a:srgbClr val="FF0000"/>
-          </a:solidFill>
-          <a:ln>
-            <a:solidFill>
-              <a:srgbClr val="C00000"/>
-            </a:solidFill>
-          </a:ln>
-        </p:spPr>
-        <p:style>
-          <a:lnRef idx="2">
-            <a:schemeClr val="accent1">
-              <a:shade val="50000"/>
-            </a:schemeClr>
-          </a:lnRef>
-          <a:fillRef idx="1">
-            <a:schemeClr val="accent1"/>
-          </a:fillRef>
-          <a:effectRef idx="0">
-            <a:schemeClr val="accent1"/>
-          </a:effectRef>
-          <a:fontRef idx="minor">
-            <a:schemeClr val="lt1"/>
-          </a:fontRef>
-        </p:style>
-        <p:txBody>
-          <a:bodyPr rtlCol="0" anchor="ctr"/>
-          <a:lstStyle/>
-          <a:p>
-            <a:pPr algn="ctr"/>
-            <a:endParaRPr lang="en-SG"/>
-          </a:p>
-        </p:txBody>
-      </p:sp>
-      <p:sp>
-        <p:nvSpPr>
-          <p:cNvPr id="45" name="Right Arrow 44"/>
-          <p:cNvSpPr/>
-          <p:nvPr/>
-        </p:nvSpPr>
-        <p:spPr>
-          <a:xfrm rot="10800000">
-            <a:off x="2780370" y="3022287"/>
-            <a:ext cx="526312" cy="284630"/>
-          </a:xfrm>
-          <a:prstGeom prst="rightArrow">
-            <a:avLst/>
-          </a:prstGeom>
-          <a:solidFill>
-            <a:srgbClr val="FF0000"/>
-          </a:solidFill>
-          <a:ln>
-            <a:solidFill>
-              <a:srgbClr val="C00000"/>
-            </a:solidFill>
-          </a:ln>
-        </p:spPr>
-        <p:style>
-          <a:lnRef idx="2">
-            <a:schemeClr val="accent1">
-              <a:shade val="50000"/>
-            </a:schemeClr>
-          </a:lnRef>
-          <a:fillRef idx="1">
-            <a:schemeClr val="accent1"/>
-          </a:fillRef>
-          <a:effectRef idx="0">
-            <a:schemeClr val="accent1"/>
-          </a:effectRef>
-          <a:fontRef idx="minor">
-            <a:schemeClr val="lt1"/>
-          </a:fontRef>
-        </p:style>
-        <p:txBody>
-          <a:bodyPr rtlCol="0" anchor="ctr"/>
-          <a:lstStyle/>
-          <a:p>
-            <a:pPr algn="ctr"/>
-            <a:endParaRPr lang="en-SG"/>
-          </a:p>
-        </p:txBody>
-      </p:sp>
-      <p:sp>
-        <p:nvSpPr>
-          <p:cNvPr id="46" name="Right Arrow 45"/>
-          <p:cNvSpPr/>
-          <p:nvPr/>
-        </p:nvSpPr>
-        <p:spPr>
-          <a:xfrm rot="5400000">
-            <a:off x="3746018" y="2555403"/>
-            <a:ext cx="526312" cy="284630"/>
-          </a:xfrm>
-          <a:prstGeom prst="rightArrow">
-            <a:avLst/>
-          </a:prstGeom>
-          <a:solidFill>
-            <a:srgbClr val="FF0000"/>
-          </a:solidFill>
-          <a:ln>
-            <a:solidFill>
-              <a:srgbClr val="C00000"/>
-            </a:solidFill>
-          </a:ln>
-        </p:spPr>
-        <p:style>
-          <a:lnRef idx="2">
-            <a:schemeClr val="accent1">
-              <a:shade val="50000"/>
-            </a:schemeClr>
-          </a:lnRef>
-          <a:fillRef idx="1">
-            <a:schemeClr val="accent1"/>
-          </a:fillRef>
-          <a:effectRef idx="0">
-            <a:schemeClr val="accent1"/>
-          </a:effectRef>
-          <a:fontRef idx="minor">
-            <a:schemeClr val="lt1"/>
-          </a:fontRef>
-        </p:style>
-        <p:txBody>
-          <a:bodyPr rtlCol="0" anchor="ctr"/>
-          <a:lstStyle/>
-          <a:p>
-            <a:pPr algn="ctr"/>
-            <a:endParaRPr lang="en-SG"/>
-          </a:p>
-        </p:txBody>
-      </p:sp>
-      <p:sp>
-        <p:nvSpPr>
-          <p:cNvPr id="48" name="Rectangle 47"/>
-          <p:cNvSpPr/>
-          <p:nvPr/>
-        </p:nvSpPr>
-        <p:spPr>
-          <a:xfrm>
-            <a:off x="2995481" y="1720872"/>
-            <a:ext cx="628694" cy="281940"/>
-          </a:xfrm>
-          <a:prstGeom prst="rect">
-            <a:avLst/>
-          </a:prstGeom>
-          <a:noFill/>
-          <a:ln w="9525" cap="flat" cmpd="sng" algn="ctr">
-            <a:solidFill>
-              <a:schemeClr val="dk1"/>
-            </a:solidFill>
-            <a:prstDash val="solid"/>
-            <a:round/>
-            <a:headEnd type="none" w="med" len="med"/>
-            <a:tailEnd type="none" w="med" len="med"/>
-          </a:ln>
-        </p:spPr>
-        <p:style>
-          <a:lnRef idx="0">
-            <a:scrgbClr r="0" g="0" b="0"/>
-          </a:lnRef>
-          <a:fillRef idx="0">
-            <a:scrgbClr r="0" g="0" b="0"/>
-          </a:fillRef>
-          <a:effectRef idx="0">
-            <a:scrgbClr r="0" g="0" b="0"/>
-          </a:effectRef>
-          <a:fontRef idx="minor">
-            <a:schemeClr val="dk1"/>
-          </a:fontRef>
-        </p:style>
-        <p:txBody>
-          <a:bodyPr rtlCol="0" anchor="ctr"/>
-          <a:lstStyle/>
-          <a:p>
-            <a:pPr algn="ctr"/>
-            <a:r>
-              <a:rPr lang="en-SG" dirty="0"/>
-              <a:t>Fuse</a:t>
-            </a:r>
-          </a:p>
-        </p:txBody>
-      </p:sp>
-    </p:spTree>
-    <p:extLst>
-      <p:ext uri="{BB962C8B-B14F-4D97-AF65-F5344CB8AC3E}">
-        <p14:creationId xmlns:p14="http://schemas.microsoft.com/office/powerpoint/2010/main" val="1457289800"/>
-      </p:ext>
-    </p:extLst>
-  </p:cSld>
-  <p:clrMapOvr>
-    <a:masterClrMapping/>
-  </p:clrMapOvr>
-  <mc:AlternateContent xmlns:mc="http://schemas.openxmlformats.org/markup-compatibility/2006" xmlns:p14="http://schemas.microsoft.com/office/powerpoint/2010/main">
-    <mc:Choice Requires="p14">
-      <p:transition spd="med" p14:dur="700">
-        <p:fade/>
-      </p:transition>
-    </mc:Choice>
-    <mc:Fallback xmlns="">
-      <p:transition spd="med">
-        <p:fade/>
-      </p:transition>
-    </mc:Fallback>
-  </mc:AlternateContent>
-  <p:timing>
-    <p:tnLst>
-      <p:par>
-        <p:cTn id="1" dur="indefinite" restart="never" nodeType="tmRoot">
-          <p:childTnLst>
-            <p:seq concurrent="1" nextAc="seek">
-              <p:cTn id="2" dur="indefinite" nodeType="mainSeq">
-                <p:childTnLst>
-                  <p:par>
-                    <p:cTn id="3" fill="hold">
-                      <p:stCondLst>
-                        <p:cond delay="indefinite"/>
-                      </p:stCondLst>
-                      <p:childTnLst>
-                        <p:par>
-                          <p:cTn id="4" fill="hold">
-                            <p:stCondLst>
-                              <p:cond delay="0"/>
-                            </p:stCondLst>
-                            <p:childTnLst>
-                              <p:par>
-                                <p:cTn id="5" presetID="10" presetClass="entr" presetSubtype="0" fill="hold" grpId="0" nodeType="clickEffect">
-                                  <p:stCondLst>
-                                    <p:cond delay="0"/>
-                                  </p:stCondLst>
-                                  <p:childTnLst>
-                                    <p:set>
-                                      <p:cBhvr>
-                                        <p:cTn id="6" dur="1" fill="hold">
-                                          <p:stCondLst>
-                                            <p:cond delay="0"/>
-                                          </p:stCondLst>
-                                        </p:cTn>
-                                        <p:tgtEl>
-                                          <p:spTgt spid="34"/>
-                                        </p:tgtEl>
-                                        <p:attrNameLst>
-                                          <p:attrName>style.visibility</p:attrName>
-                                        </p:attrNameLst>
-                                      </p:cBhvr>
-                                      <p:to>
-                                        <p:strVal val="visible"/>
-                                      </p:to>
-                                    </p:set>
-                                    <p:animEffect transition="in" filter="fade">
-                                      <p:cBhvr>
-                                        <p:cTn id="7" dur="500"/>
-                                        <p:tgtEl>
-                                          <p:spTgt spid="34"/>
-                                        </p:tgtEl>
-                                      </p:cBhvr>
-                                    </p:animEffect>
-                                  </p:childTnLst>
-                                </p:cTn>
-                              </p:par>
-                              <p:par>
-                                <p:cTn id="8" presetID="10" presetClass="entr" presetSubtype="0" fill="hold" grpId="0" nodeType="withEffect">
-                                  <p:stCondLst>
-                                    <p:cond delay="0"/>
-                                  </p:stCondLst>
-                                  <p:childTnLst>
-                                    <p:set>
-                                      <p:cBhvr>
-                                        <p:cTn id="9" dur="1" fill="hold">
-                                          <p:stCondLst>
-                                            <p:cond delay="0"/>
-                                          </p:stCondLst>
-                                        </p:cTn>
-                                        <p:tgtEl>
-                                          <p:spTgt spid="39"/>
-                                        </p:tgtEl>
-                                        <p:attrNameLst>
-                                          <p:attrName>style.visibility</p:attrName>
-                                        </p:attrNameLst>
-                                      </p:cBhvr>
-                                      <p:to>
-                                        <p:strVal val="visible"/>
-                                      </p:to>
-                                    </p:set>
-                                    <p:animEffect transition="in" filter="fade">
-                                      <p:cBhvr>
-                                        <p:cTn id="10" dur="500"/>
-                                        <p:tgtEl>
-                                          <p:spTgt spid="39"/>
-                                        </p:tgtEl>
-                                      </p:cBhvr>
-                                    </p:animEffect>
-                                  </p:childTnLst>
-                                </p:cTn>
-                              </p:par>
-                              <p:par>
-                                <p:cTn id="11" presetID="10" presetClass="entr" presetSubtype="0" fill="hold" nodeType="withEffect">
-                                  <p:stCondLst>
-                                    <p:cond delay="0"/>
-                                  </p:stCondLst>
-                                  <p:childTnLst>
-                                    <p:set>
-                                      <p:cBhvr>
-                                        <p:cTn id="12" dur="1" fill="hold">
-                                          <p:stCondLst>
-                                            <p:cond delay="0"/>
-                                          </p:stCondLst>
-                                        </p:cTn>
-                                        <p:tgtEl>
-                                          <p:spTgt spid="40"/>
-                                        </p:tgtEl>
-                                        <p:attrNameLst>
-                                          <p:attrName>style.visibility</p:attrName>
-                                        </p:attrNameLst>
-                                      </p:cBhvr>
-                                      <p:to>
-                                        <p:strVal val="visible"/>
-                                      </p:to>
-                                    </p:set>
-                                    <p:animEffect transition="in" filter="fade">
-                                      <p:cBhvr>
-                                        <p:cTn id="13" dur="500"/>
-                                        <p:tgtEl>
-                                          <p:spTgt spid="40"/>
-                                        </p:tgtEl>
-                                      </p:cBhvr>
-                                    </p:animEffect>
-                                  </p:childTnLst>
-                                </p:cTn>
-                              </p:par>
-                            </p:childTnLst>
-                          </p:cTn>
-                        </p:par>
-                      </p:childTnLst>
-                    </p:cTn>
-                  </p:par>
-                  <p:par>
-                    <p:cTn id="14" fill="hold">
-                      <p:stCondLst>
-                        <p:cond delay="indefinite"/>
-                      </p:stCondLst>
-                      <p:childTnLst>
-                        <p:par>
-                          <p:cTn id="15" fill="hold">
-                            <p:stCondLst>
-                              <p:cond delay="0"/>
-                            </p:stCondLst>
-                            <p:childTnLst>
-                              <p:par>
-                                <p:cTn id="16" presetID="10" presetClass="entr" presetSubtype="0" fill="hold" grpId="0" nodeType="clickEffect">
-                                  <p:stCondLst>
-                                    <p:cond delay="0"/>
-                                  </p:stCondLst>
-                                  <p:childTnLst>
-                                    <p:set>
-                                      <p:cBhvr>
-                                        <p:cTn id="17" dur="1" fill="hold">
-                                          <p:stCondLst>
-                                            <p:cond delay="0"/>
-                                          </p:stCondLst>
-                                        </p:cTn>
-                                        <p:tgtEl>
-                                          <p:spTgt spid="33"/>
-                                        </p:tgtEl>
-                                        <p:attrNameLst>
-                                          <p:attrName>style.visibility</p:attrName>
-                                        </p:attrNameLst>
-                                      </p:cBhvr>
-                                      <p:to>
-                                        <p:strVal val="visible"/>
-                                      </p:to>
-                                    </p:set>
-                                    <p:animEffect transition="in" filter="fade">
-                                      <p:cBhvr>
-                                        <p:cTn id="18" dur="500"/>
-                                        <p:tgtEl>
-                                          <p:spTgt spid="33"/>
-                                        </p:tgtEl>
-                                      </p:cBhvr>
-                                    </p:animEffect>
-                                  </p:childTnLst>
-                                </p:cTn>
-                              </p:par>
-                              <p:par>
-                                <p:cTn id="19" presetID="10" presetClass="entr" presetSubtype="0" fill="hold" grpId="0" nodeType="withEffect">
-                                  <p:stCondLst>
-                                    <p:cond delay="0"/>
-                                  </p:stCondLst>
-                                  <p:childTnLst>
-                                    <p:set>
-                                      <p:cBhvr>
-                                        <p:cTn id="20" dur="1" fill="hold">
-                                          <p:stCondLst>
-                                            <p:cond delay="0"/>
-                                          </p:stCondLst>
-                                        </p:cTn>
-                                        <p:tgtEl>
-                                          <p:spTgt spid="38"/>
-                                        </p:tgtEl>
-                                        <p:attrNameLst>
-                                          <p:attrName>style.visibility</p:attrName>
-                                        </p:attrNameLst>
-                                      </p:cBhvr>
-                                      <p:to>
-                                        <p:strVal val="visible"/>
-                                      </p:to>
-                                    </p:set>
-                                    <p:animEffect transition="in" filter="fade">
-                                      <p:cBhvr>
-                                        <p:cTn id="21" dur="500"/>
-                                        <p:tgtEl>
-                                          <p:spTgt spid="38"/>
-                                        </p:tgtEl>
-                                      </p:cBhvr>
-                                    </p:animEffect>
-                                  </p:childTnLst>
-                                </p:cTn>
-                              </p:par>
-                              <p:par>
-                                <p:cTn id="22" presetID="10" presetClass="entr" presetSubtype="0" fill="hold" nodeType="withEffect">
-                                  <p:stCondLst>
-                                    <p:cond delay="0"/>
-                                  </p:stCondLst>
-                                  <p:childTnLst>
-                                    <p:set>
-                                      <p:cBhvr>
-                                        <p:cTn id="23" dur="1" fill="hold">
-                                          <p:stCondLst>
-                                            <p:cond delay="0"/>
-                                          </p:stCondLst>
-                                        </p:cTn>
-                                        <p:tgtEl>
-                                          <p:spTgt spid="41"/>
-                                        </p:tgtEl>
-                                        <p:attrNameLst>
-                                          <p:attrName>style.visibility</p:attrName>
-                                        </p:attrNameLst>
-                                      </p:cBhvr>
-                                      <p:to>
-                                        <p:strVal val="visible"/>
-                                      </p:to>
-                                    </p:set>
-                                    <p:animEffect transition="in" filter="fade">
-                                      <p:cBhvr>
-                                        <p:cTn id="24" dur="500"/>
-                                        <p:tgtEl>
-                                          <p:spTgt spid="41"/>
-                                        </p:tgtEl>
-                                      </p:cBhvr>
-                                    </p:animEffect>
-                                  </p:childTnLst>
-                                </p:cTn>
-                              </p:par>
-                              <p:par>
-                                <p:cTn id="25" presetID="10" presetClass="exit" presetSubtype="0" fill="hold" nodeType="withEffect">
-                                  <p:stCondLst>
-                                    <p:cond delay="0"/>
-                                  </p:stCondLst>
-                                  <p:childTnLst>
-                                    <p:animEffect transition="out" filter="fade">
-                                      <p:cBhvr>
-                                        <p:cTn id="26" dur="500"/>
-                                        <p:tgtEl>
-                                          <p:spTgt spid="40"/>
-                                        </p:tgtEl>
-                                      </p:cBhvr>
-                                    </p:animEffect>
-                                    <p:set>
-                                      <p:cBhvr>
-                                        <p:cTn id="27" dur="1" fill="hold">
-                                          <p:stCondLst>
-                                            <p:cond delay="499"/>
-                                          </p:stCondLst>
-                                        </p:cTn>
-                                        <p:tgtEl>
-                                          <p:spTgt spid="40"/>
-                                        </p:tgtEl>
-                                        <p:attrNameLst>
-                                          <p:attrName>style.visibility</p:attrName>
-                                        </p:attrNameLst>
-                                      </p:cBhvr>
-                                      <p:to>
-                                        <p:strVal val="hidden"/>
-                                      </p:to>
-                                    </p:set>
-                                  </p:childTnLst>
-                                </p:cTn>
-                              </p:par>
-                            </p:childTnLst>
-                          </p:cTn>
-                        </p:par>
-                      </p:childTnLst>
-                    </p:cTn>
-                  </p:par>
-                  <p:par>
-                    <p:cTn id="28" fill="hold">
-                      <p:stCondLst>
-                        <p:cond delay="indefinite"/>
-                      </p:stCondLst>
-                      <p:childTnLst>
-                        <p:par>
-                          <p:cTn id="29" fill="hold">
-                            <p:stCondLst>
-                              <p:cond delay="0"/>
-                            </p:stCondLst>
-                            <p:childTnLst>
-                              <p:par>
-                                <p:cTn id="30" presetID="10" presetClass="entr" presetSubtype="0" fill="hold" grpId="0" nodeType="clickEffect">
-                                  <p:stCondLst>
-                                    <p:cond delay="0"/>
-                                  </p:stCondLst>
-                                  <p:childTnLst>
-                                    <p:set>
-                                      <p:cBhvr>
-                                        <p:cTn id="31" dur="1" fill="hold">
-                                          <p:stCondLst>
-                                            <p:cond delay="0"/>
-                                          </p:stCondLst>
-                                        </p:cTn>
-                                        <p:tgtEl>
-                                          <p:spTgt spid="44"/>
-                                        </p:tgtEl>
-                                        <p:attrNameLst>
-                                          <p:attrName>style.visibility</p:attrName>
-                                        </p:attrNameLst>
-                                      </p:cBhvr>
-                                      <p:to>
-                                        <p:strVal val="visible"/>
-                                      </p:to>
-                                    </p:set>
-                                    <p:animEffect transition="in" filter="fade">
-                                      <p:cBhvr>
-                                        <p:cTn id="32" dur="500"/>
-                                        <p:tgtEl>
-                                          <p:spTgt spid="44"/>
-                                        </p:tgtEl>
-                                      </p:cBhvr>
-                                    </p:animEffect>
-                                  </p:childTnLst>
-                                </p:cTn>
-                              </p:par>
-                            </p:childTnLst>
-                          </p:cTn>
-                        </p:par>
-                      </p:childTnLst>
-                    </p:cTn>
-                  </p:par>
-                  <p:par>
-                    <p:cTn id="33" fill="hold">
-                      <p:stCondLst>
-                        <p:cond delay="indefinite"/>
-                      </p:stCondLst>
-                      <p:childTnLst>
-                        <p:par>
-                          <p:cTn id="34" fill="hold">
-                            <p:stCondLst>
-                              <p:cond delay="0"/>
-                            </p:stCondLst>
-                            <p:childTnLst>
-                              <p:par>
-                                <p:cTn id="35" presetID="10" presetClass="entr" presetSubtype="0" fill="hold" grpId="0" nodeType="clickEffect">
-                                  <p:stCondLst>
-                                    <p:cond delay="0"/>
-                                  </p:stCondLst>
-                                  <p:childTnLst>
-                                    <p:set>
-                                      <p:cBhvr>
-                                        <p:cTn id="36" dur="1" fill="hold">
-                                          <p:stCondLst>
-                                            <p:cond delay="0"/>
-                                          </p:stCondLst>
-                                        </p:cTn>
-                                        <p:tgtEl>
-                                          <p:spTgt spid="46"/>
-                                        </p:tgtEl>
-                                        <p:attrNameLst>
-                                          <p:attrName>style.visibility</p:attrName>
-                                        </p:attrNameLst>
-                                      </p:cBhvr>
-                                      <p:to>
-                                        <p:strVal val="visible"/>
-                                      </p:to>
-                                    </p:set>
-                                    <p:animEffect transition="in" filter="fade">
-                                      <p:cBhvr>
-                                        <p:cTn id="37" dur="500"/>
-                                        <p:tgtEl>
-                                          <p:spTgt spid="46"/>
-                                        </p:tgtEl>
-                                      </p:cBhvr>
-                                    </p:animEffect>
-                                  </p:childTnLst>
-                                </p:cTn>
-                              </p:par>
-                            </p:childTnLst>
-                          </p:cTn>
-                        </p:par>
-                      </p:childTnLst>
-                    </p:cTn>
-                  </p:par>
-                  <p:par>
-                    <p:cTn id="38" fill="hold">
-                      <p:stCondLst>
-                        <p:cond delay="indefinite"/>
-                      </p:stCondLst>
-                      <p:childTnLst>
-                        <p:par>
-                          <p:cTn id="39" fill="hold">
-                            <p:stCondLst>
-                              <p:cond delay="0"/>
-                            </p:stCondLst>
-                            <p:childTnLst>
-                              <p:par>
-                                <p:cTn id="40" presetID="10" presetClass="entr" presetSubtype="0" fill="hold" grpId="0" nodeType="clickEffect">
-                                  <p:stCondLst>
-                                    <p:cond delay="0"/>
-                                  </p:stCondLst>
-                                  <p:childTnLst>
-                                    <p:set>
-                                      <p:cBhvr>
-                                        <p:cTn id="41" dur="1" fill="hold">
-                                          <p:stCondLst>
-                                            <p:cond delay="0"/>
-                                          </p:stCondLst>
-                                        </p:cTn>
-                                        <p:tgtEl>
-                                          <p:spTgt spid="45"/>
-                                        </p:tgtEl>
-                                        <p:attrNameLst>
-                                          <p:attrName>style.visibility</p:attrName>
-                                        </p:attrNameLst>
-                                      </p:cBhvr>
-                                      <p:to>
-                                        <p:strVal val="visible"/>
-                                      </p:to>
-                                    </p:set>
-                                    <p:animEffect transition="in" filter="fade">
-                                      <p:cBhvr>
-                                        <p:cTn id="42" dur="500"/>
-                                        <p:tgtEl>
-                                          <p:spTgt spid="45"/>
-                                        </p:tgtEl>
-                                      </p:cBhvr>
-                                    </p:animEffect>
-                                  </p:childTnLst>
-                                </p:cTn>
-                              </p:par>
-                            </p:childTnLst>
-                          </p:cTn>
-                        </p:par>
-                      </p:childTnLst>
-                    </p:cTn>
-                  </p:par>
-                </p:childTnLst>
-              </p:cTn>
-              <p:prevCondLst>
-                <p:cond evt="onPrev" delay="0">
-                  <p:tgtEl>
-                    <p:sldTgt/>
-                  </p:tgtEl>
-                </p:cond>
-              </p:prevCondLst>
-              <p:nextCondLst>
-                <p:cond evt="onNext" delay="0">
-                  <p:tgtEl>
-                    <p:sldTgt/>
-                  </p:tgtEl>
-                </p:cond>
-              </p:nextCondLst>
-            </p:seq>
-          </p:childTnLst>
-        </p:cTn>
-      </p:par>
-    </p:tnLst>
-    <p:bldLst>
-      <p:bldP spid="33" grpId="0" animBg="1"/>
-      <p:bldP spid="34" grpId="0" animBg="1"/>
-      <p:bldP spid="38" grpId="0"/>
-      <p:bldP spid="39" grpId="0"/>
-      <p:bldP spid="44" grpId="0" animBg="1"/>
-      <p:bldP spid="45" grpId="0" animBg="1"/>
-      <p:bldP spid="46" grpId="0" animBg="1"/>
-    </p:bldLst>
-  </p:timing>
-</p:sld>
-</file>
-
-<file path=ppt/slides/slide9.xml><?xml version="1.0" encoding="utf-8"?>
-<p:sld xmlns:a="http://schemas.openxmlformats.org/drawingml/2006/main" xmlns:r="http://schemas.openxmlformats.org/officeDocument/2006/relationships" xmlns:p="http://schemas.openxmlformats.org/presentationml/2006/main">
-  <p:cSld>
-    <p:spTree>
-      <p:nvGrpSpPr>
-        <p:cNvPr id="1" name=""/>
-        <p:cNvGrpSpPr/>
-        <p:nvPr/>
-      </p:nvGrpSpPr>
-      <p:grpSpPr>
-        <a:xfrm>
-          <a:off x="0" y="0"/>
-          <a:ext cx="0" cy="0"/>
-          <a:chOff x="0" y="0"/>
-          <a:chExt cx="0" cy="0"/>
-        </a:xfrm>
-      </p:grpSpPr>
-      <p:cxnSp>
-        <p:nvCxnSpPr>
-          <p:cNvPr id="51" name="Straight Connector 50"/>
-          <p:cNvCxnSpPr/>
-          <p:nvPr/>
-        </p:nvCxnSpPr>
-        <p:spPr>
-          <a:xfrm>
-            <a:off x="434581" y="2703391"/>
-            <a:ext cx="4673200" cy="0"/>
-          </a:xfrm>
-          <a:prstGeom prst="line">
-            <a:avLst/>
-          </a:prstGeom>
-          <a:ln w="38100">
-            <a:solidFill>
-              <a:srgbClr val="00B0F0"/>
-            </a:solidFill>
-          </a:ln>
-        </p:spPr>
-        <p:style>
-          <a:lnRef idx="1">
-            <a:schemeClr val="accent1"/>
-          </a:lnRef>
-          <a:fillRef idx="0">
-            <a:schemeClr val="accent1"/>
-          </a:fillRef>
-          <a:effectRef idx="0">
-            <a:schemeClr val="accent1"/>
-          </a:effectRef>
-          <a:fontRef idx="minor">
-            <a:schemeClr val="tx1"/>
-          </a:fontRef>
-        </p:style>
-      </p:cxnSp>
-      <p:cxnSp>
-        <p:nvCxnSpPr>
-          <p:cNvPr id="50" name="Straight Connector 49"/>
-          <p:cNvCxnSpPr>
-            <a:stCxn id="48" idx="3"/>
-          </p:cNvCxnSpPr>
-          <p:nvPr/>
-        </p:nvCxnSpPr>
-        <p:spPr>
-          <a:xfrm flipV="1">
-            <a:off x="3624175" y="1856484"/>
-            <a:ext cx="1459581" cy="5358"/>
-          </a:xfrm>
-          <a:prstGeom prst="line">
-            <a:avLst/>
-          </a:prstGeom>
-          <a:ln w="38100">
-            <a:solidFill>
-              <a:srgbClr val="FF0000"/>
-            </a:solidFill>
-          </a:ln>
-        </p:spPr>
-        <p:style>
-          <a:lnRef idx="1">
-            <a:schemeClr val="accent1"/>
-          </a:lnRef>
-          <a:fillRef idx="0">
-            <a:schemeClr val="accent1"/>
-          </a:fillRef>
-          <a:effectRef idx="0">
-            <a:schemeClr val="accent1"/>
-          </a:effectRef>
-          <a:fontRef idx="minor">
-            <a:schemeClr val="tx1"/>
-          </a:fontRef>
-        </p:style>
-      </p:cxnSp>
-      <p:cxnSp>
-        <p:nvCxnSpPr>
-          <p:cNvPr id="62" name="Straight Connector 61"/>
-          <p:cNvCxnSpPr>
-            <a:endCxn id="48" idx="1"/>
-          </p:cNvCxnSpPr>
-          <p:nvPr/>
-        </p:nvCxnSpPr>
-        <p:spPr>
-          <a:xfrm flipV="1">
-            <a:off x="417891" y="1861842"/>
-            <a:ext cx="2577590" cy="10359"/>
-          </a:xfrm>
-          <a:prstGeom prst="line">
-            <a:avLst/>
-          </a:prstGeom>
-          <a:ln w="38100">
-            <a:solidFill>
-              <a:srgbClr val="FF0000"/>
-            </a:solidFill>
-          </a:ln>
-        </p:spPr>
-        <p:style>
-          <a:lnRef idx="1">
-            <a:schemeClr val="accent1"/>
-          </a:lnRef>
-          <a:fillRef idx="0">
-            <a:schemeClr val="accent1"/>
-          </a:fillRef>
-          <a:effectRef idx="0">
-            <a:schemeClr val="accent1"/>
-          </a:effectRef>
-          <a:fontRef idx="minor">
-            <a:schemeClr val="tx1"/>
-          </a:fontRef>
-        </p:style>
-      </p:cxnSp>
-      <p:sp>
-        <p:nvSpPr>
-          <p:cNvPr id="2" name="Title 1"/>
-          <p:cNvSpPr>
-            <a:spLocks noGrp="1"/>
-          </p:cNvSpPr>
-          <p:nvPr>
-            <p:ph type="title"/>
-          </p:nvPr>
-        </p:nvSpPr>
-        <p:spPr>
-          <a:xfrm>
-            <a:off x="0" y="101503"/>
-            <a:ext cx="8804582" cy="873567"/>
-          </a:xfrm>
-        </p:spPr>
-        <p:txBody>
-          <a:bodyPr>
-            <a:normAutofit fontScale="90000"/>
-          </a:bodyPr>
-          <a:lstStyle/>
-          <a:p>
-            <a:r>
-              <a:rPr lang="en-US" dirty="0"/>
-              <a:t>Residual Current Circuit Breaker with Overload Protection (RCBO)</a:t>
-            </a:r>
-            <a:endParaRPr lang="en-SG" dirty="0"/>
-          </a:p>
-        </p:txBody>
-      </p:sp>
-      <p:sp>
-        <p:nvSpPr>
-          <p:cNvPr id="6" name="Slide Number Placeholder 5"/>
-          <p:cNvSpPr>
-            <a:spLocks noGrp="1"/>
-          </p:cNvSpPr>
-          <p:nvPr>
-            <p:ph type="sldNum" sz="quarter" idx="12"/>
-          </p:nvPr>
-        </p:nvSpPr>
-        <p:spPr/>
-        <p:txBody>
-          <a:bodyPr/>
-          <a:lstStyle/>
-          <a:p>
-            <a:fld id="{68EF4619-F19A-E048-BC08-46ED4E2D9E67}" type="slidenum">
-              <a:rPr lang="en-US" smtClean="0"/>
-              <a:t>9</a:t>
-            </a:fld>
-            <a:endParaRPr lang="en-US"/>
-          </a:p>
-        </p:txBody>
-      </p:sp>
-      <p:sp>
-        <p:nvSpPr>
-          <p:cNvPr id="49" name="Rounded Rectangle 48"/>
-          <p:cNvSpPr/>
-          <p:nvPr/>
-        </p:nvSpPr>
-        <p:spPr>
-          <a:xfrm>
-            <a:off x="3764321" y="1219844"/>
-            <a:ext cx="2638872" cy="2884349"/>
-          </a:xfrm>
-          <a:prstGeom prst="roundRect">
-            <a:avLst/>
-          </a:prstGeom>
-          <a:noFill/>
-          <a:ln w="57150" cap="flat" cmpd="sng" algn="ctr">
-            <a:solidFill>
-              <a:srgbClr val="00B050"/>
-            </a:solidFill>
-            <a:prstDash val="solid"/>
-            <a:round/>
-            <a:headEnd type="none" w="med" len="med"/>
-            <a:tailEnd type="none" w="med" len="med"/>
-          </a:ln>
-        </p:spPr>
-        <p:style>
-          <a:lnRef idx="0">
-            <a:scrgbClr r="0" g="0" b="0"/>
-          </a:lnRef>
-          <a:fillRef idx="0">
-            <a:scrgbClr r="0" g="0" b="0"/>
-          </a:fillRef>
-          <a:effectRef idx="0">
-            <a:scrgbClr r="0" g="0" b="0"/>
-          </a:effectRef>
-          <a:fontRef idx="minor">
-            <a:schemeClr val="accent3"/>
-          </a:fontRef>
-        </p:style>
-        <p:txBody>
-          <a:bodyPr rtlCol="0" anchor="b" anchorCtr="0"/>
-          <a:lstStyle/>
-          <a:p>
-            <a:pPr algn="ctr"/>
-            <a:r>
-              <a:rPr lang="en-SG" dirty="0">
-                <a:solidFill>
-                  <a:schemeClr val="tx1"/>
-                </a:solidFill>
-              </a:rPr>
-              <a:t>Kettle</a:t>
-            </a:r>
-          </a:p>
-        </p:txBody>
-      </p:sp>
-      <p:sp>
-        <p:nvSpPr>
-          <p:cNvPr id="52" name="TextBox 51"/>
-          <p:cNvSpPr txBox="1"/>
-          <p:nvPr/>
-        </p:nvSpPr>
-        <p:spPr>
-          <a:xfrm>
-            <a:off x="420461" y="2663639"/>
-            <a:ext cx="1512017" cy="369332"/>
-          </a:xfrm>
-          <a:prstGeom prst="rect">
-            <a:avLst/>
-          </a:prstGeom>
-          <a:noFill/>
-        </p:spPr>
-        <p:txBody>
-          <a:bodyPr wrap="none" rtlCol="0">
-            <a:spAutoFit/>
-          </a:bodyPr>
-          <a:lstStyle/>
-          <a:p>
-            <a:r>
-              <a:rPr lang="en-SG" dirty="0"/>
-              <a:t>Mains Neutral</a:t>
-            </a:r>
-          </a:p>
-        </p:txBody>
-      </p:sp>
-      <p:sp>
-        <p:nvSpPr>
-          <p:cNvPr id="55" name="Rectangle 54"/>
-          <p:cNvSpPr/>
-          <p:nvPr/>
-        </p:nvSpPr>
-        <p:spPr>
-          <a:xfrm>
-            <a:off x="5001212" y="2003630"/>
-            <a:ext cx="165089" cy="536944"/>
-          </a:xfrm>
-          <a:prstGeom prst="rect">
-            <a:avLst/>
-          </a:prstGeom>
-          <a:noFill/>
-          <a:ln w="9525" cap="flat" cmpd="sng" algn="ctr">
-            <a:solidFill>
-              <a:schemeClr val="dk1"/>
-            </a:solidFill>
-            <a:prstDash val="solid"/>
-            <a:round/>
-            <a:headEnd type="none" w="med" len="med"/>
-            <a:tailEnd type="none" w="med" len="med"/>
-          </a:ln>
-        </p:spPr>
-        <p:style>
-          <a:lnRef idx="0">
-            <a:scrgbClr r="0" g="0" b="0"/>
-          </a:lnRef>
-          <a:fillRef idx="0">
-            <a:scrgbClr r="0" g="0" b="0"/>
-          </a:fillRef>
-          <a:effectRef idx="0">
-            <a:scrgbClr r="0" g="0" b="0"/>
-          </a:effectRef>
-          <a:fontRef idx="minor">
-            <a:schemeClr val="dk1"/>
-          </a:fontRef>
-        </p:style>
-        <p:txBody>
-          <a:bodyPr rtlCol="0" anchor="ctr"/>
-          <a:lstStyle/>
-          <a:p>
-            <a:pPr algn="ctr"/>
-            <a:endParaRPr lang="en-SG"/>
-          </a:p>
-        </p:txBody>
-      </p:sp>
-      <p:cxnSp>
-        <p:nvCxnSpPr>
-          <p:cNvPr id="56" name="Straight Connector 55"/>
-          <p:cNvCxnSpPr/>
-          <p:nvPr/>
-        </p:nvCxnSpPr>
-        <p:spPr>
-          <a:xfrm>
-            <a:off x="5083756" y="1840814"/>
-            <a:ext cx="0" cy="157965"/>
-          </a:xfrm>
-          <a:prstGeom prst="line">
-            <a:avLst/>
-          </a:prstGeom>
-          <a:ln w="38100">
-            <a:solidFill>
-              <a:srgbClr val="FF0000"/>
-            </a:solidFill>
-          </a:ln>
-        </p:spPr>
-        <p:style>
-          <a:lnRef idx="1">
-            <a:schemeClr val="accent1"/>
-          </a:lnRef>
-          <a:fillRef idx="0">
-            <a:schemeClr val="accent1"/>
-          </a:fillRef>
-          <a:effectRef idx="0">
-            <a:schemeClr val="accent1"/>
-          </a:effectRef>
-          <a:fontRef idx="minor">
-            <a:schemeClr val="tx1"/>
-          </a:fontRef>
-        </p:style>
-      </p:cxnSp>
-      <p:cxnSp>
-        <p:nvCxnSpPr>
-          <p:cNvPr id="57" name="Straight Connector 56"/>
-          <p:cNvCxnSpPr/>
-          <p:nvPr/>
-        </p:nvCxnSpPr>
-        <p:spPr>
-          <a:xfrm>
-            <a:off x="5083756" y="2545426"/>
-            <a:ext cx="0" cy="157965"/>
-          </a:xfrm>
-          <a:prstGeom prst="line">
-            <a:avLst/>
-          </a:prstGeom>
-          <a:ln w="38100">
-            <a:solidFill>
-              <a:srgbClr val="00B0F0"/>
-            </a:solidFill>
-          </a:ln>
-        </p:spPr>
-        <p:style>
-          <a:lnRef idx="1">
-            <a:schemeClr val="accent1"/>
-          </a:lnRef>
-          <a:fillRef idx="0">
-            <a:schemeClr val="accent1"/>
-          </a:fillRef>
-          <a:effectRef idx="0">
-            <a:schemeClr val="accent1"/>
-          </a:effectRef>
-          <a:fontRef idx="minor">
-            <a:schemeClr val="tx1"/>
-          </a:fontRef>
-        </p:style>
-      </p:cxnSp>
-      <p:sp>
-        <p:nvSpPr>
-          <p:cNvPr id="58" name="Oval 57"/>
-          <p:cNvSpPr/>
-          <p:nvPr/>
-        </p:nvSpPr>
-        <p:spPr>
-          <a:xfrm>
-            <a:off x="97444" y="1964307"/>
-            <a:ext cx="680483" cy="661992"/>
-          </a:xfrm>
-          <a:prstGeom prst="ellipse">
-            <a:avLst/>
-          </a:prstGeom>
-        </p:spPr>
-        <p:style>
-          <a:lnRef idx="2">
-            <a:schemeClr val="dk1"/>
-          </a:lnRef>
-          <a:fillRef idx="1">
-            <a:schemeClr val="lt1"/>
-          </a:fillRef>
-          <a:effectRef idx="0">
-            <a:schemeClr val="dk1"/>
-          </a:effectRef>
-          <a:fontRef idx="minor">
-            <a:schemeClr val="dk1"/>
-          </a:fontRef>
-        </p:style>
-        <p:txBody>
-          <a:bodyPr rtlCol="0" anchor="ctr"/>
-          <a:lstStyle/>
-          <a:p>
-            <a:pPr algn="ctr"/>
-            <a:r>
-              <a:rPr lang="en-SG" sz="1200" dirty="0"/>
-              <a:t>240V </a:t>
-            </a:r>
-          </a:p>
-          <a:p>
-            <a:pPr algn="ctr"/>
-            <a:r>
-              <a:rPr lang="en-SG" sz="1200" dirty="0"/>
-              <a:t>AC ~</a:t>
-            </a:r>
-          </a:p>
-        </p:txBody>
-      </p:sp>
-      <p:cxnSp>
-        <p:nvCxnSpPr>
-          <p:cNvPr id="59" name="Straight Connector 58"/>
-          <p:cNvCxnSpPr/>
-          <p:nvPr/>
-        </p:nvCxnSpPr>
-        <p:spPr>
-          <a:xfrm>
-            <a:off x="437686" y="2626299"/>
-            <a:ext cx="0" cy="95076"/>
-          </a:xfrm>
-          <a:prstGeom prst="line">
-            <a:avLst/>
-          </a:prstGeom>
-          <a:ln w="38100">
-            <a:solidFill>
-              <a:srgbClr val="00B0F0"/>
-            </a:solidFill>
-          </a:ln>
-        </p:spPr>
-        <p:style>
-          <a:lnRef idx="1">
-            <a:schemeClr val="accent1"/>
-          </a:lnRef>
-          <a:fillRef idx="0">
-            <a:schemeClr val="accent1"/>
-          </a:fillRef>
-          <a:effectRef idx="0">
-            <a:schemeClr val="accent1"/>
-          </a:effectRef>
-          <a:fontRef idx="minor">
-            <a:schemeClr val="tx1"/>
-          </a:fontRef>
-        </p:style>
-      </p:cxnSp>
-      <p:cxnSp>
-        <p:nvCxnSpPr>
-          <p:cNvPr id="60" name="Straight Connector 59"/>
-          <p:cNvCxnSpPr/>
-          <p:nvPr/>
-        </p:nvCxnSpPr>
-        <p:spPr>
-          <a:xfrm>
-            <a:off x="437686" y="1872201"/>
-            <a:ext cx="0" cy="95192"/>
-          </a:xfrm>
-          <a:prstGeom prst="line">
-            <a:avLst/>
-          </a:prstGeom>
-          <a:ln w="38100">
-            <a:solidFill>
-              <a:srgbClr val="FF0000"/>
-            </a:solidFill>
-          </a:ln>
-        </p:spPr>
-        <p:style>
-          <a:lnRef idx="1">
-            <a:schemeClr val="accent1"/>
-          </a:lnRef>
-          <a:fillRef idx="0">
-            <a:schemeClr val="accent1"/>
-          </a:fillRef>
-          <a:effectRef idx="0">
-            <a:schemeClr val="accent1"/>
-          </a:effectRef>
-          <a:fontRef idx="minor">
-            <a:schemeClr val="tx1"/>
-          </a:fontRef>
-        </p:style>
-      </p:cxnSp>
-      <p:sp>
-        <p:nvSpPr>
-          <p:cNvPr id="61" name="TextBox 60"/>
-          <p:cNvSpPr txBox="1"/>
-          <p:nvPr/>
-        </p:nvSpPr>
-        <p:spPr>
-          <a:xfrm>
-            <a:off x="373251" y="1210559"/>
-            <a:ext cx="1177887" cy="369332"/>
-          </a:xfrm>
-          <a:prstGeom prst="rect">
-            <a:avLst/>
-          </a:prstGeom>
-          <a:noFill/>
-        </p:spPr>
-        <p:txBody>
-          <a:bodyPr wrap="none" rtlCol="0">
-            <a:spAutoFit/>
-          </a:bodyPr>
-          <a:lstStyle/>
-          <a:p>
-            <a:r>
-              <a:rPr lang="en-SG" dirty="0"/>
-              <a:t>Mains Live</a:t>
-            </a:r>
-          </a:p>
-        </p:txBody>
-      </p:sp>
-      <p:cxnSp>
-        <p:nvCxnSpPr>
-          <p:cNvPr id="64" name="Straight Connector 63"/>
-          <p:cNvCxnSpPr/>
-          <p:nvPr/>
-        </p:nvCxnSpPr>
-        <p:spPr>
-          <a:xfrm>
-            <a:off x="417891" y="4939620"/>
-            <a:ext cx="8253669" cy="0"/>
-          </a:xfrm>
-          <a:prstGeom prst="line">
-            <a:avLst/>
-          </a:prstGeom>
-          <a:ln w="38100">
-            <a:solidFill>
-              <a:srgbClr val="00B050"/>
-            </a:solidFill>
-          </a:ln>
-        </p:spPr>
-        <p:style>
-          <a:lnRef idx="1">
-            <a:schemeClr val="accent1"/>
-          </a:lnRef>
-          <a:fillRef idx="0">
-            <a:schemeClr val="accent1"/>
-          </a:fillRef>
-          <a:effectRef idx="0">
-            <a:schemeClr val="accent1"/>
-          </a:effectRef>
-          <a:fontRef idx="minor">
-            <a:schemeClr val="tx1"/>
-          </a:fontRef>
-        </p:style>
-      </p:cxnSp>
-      <p:cxnSp>
-        <p:nvCxnSpPr>
-          <p:cNvPr id="65" name="Straight Connector 64"/>
-          <p:cNvCxnSpPr/>
-          <p:nvPr/>
-        </p:nvCxnSpPr>
-        <p:spPr>
-          <a:xfrm flipV="1">
-            <a:off x="434581" y="2718448"/>
-            <a:ext cx="0" cy="2445878"/>
-          </a:xfrm>
-          <a:prstGeom prst="line">
-            <a:avLst/>
-          </a:prstGeom>
-          <a:ln w="38100">
-            <a:solidFill>
-              <a:srgbClr val="00B050"/>
-            </a:solidFill>
-          </a:ln>
-        </p:spPr>
-        <p:style>
-          <a:lnRef idx="1">
-            <a:schemeClr val="accent1"/>
-          </a:lnRef>
-          <a:fillRef idx="0">
-            <a:schemeClr val="accent1"/>
-          </a:fillRef>
-          <a:effectRef idx="0">
-            <a:schemeClr val="accent1"/>
-          </a:effectRef>
-          <a:fontRef idx="minor">
-            <a:schemeClr val="tx1"/>
-          </a:fontRef>
-        </p:style>
-      </p:cxnSp>
-      <p:sp>
-        <p:nvSpPr>
-          <p:cNvPr id="66" name="Down Arrow 65"/>
-          <p:cNvSpPr/>
-          <p:nvPr/>
-        </p:nvSpPr>
-        <p:spPr>
-          <a:xfrm>
-            <a:off x="320099" y="5164326"/>
-            <a:ext cx="228964" cy="429707"/>
-          </a:xfrm>
-          <a:prstGeom prst="downArrow">
-            <a:avLst/>
-          </a:prstGeom>
-        </p:spPr>
-        <p:style>
-          <a:lnRef idx="2">
-            <a:schemeClr val="accent6">
-              <a:shade val="50000"/>
-            </a:schemeClr>
-          </a:lnRef>
-          <a:fillRef idx="1">
-            <a:schemeClr val="accent6"/>
-          </a:fillRef>
-          <a:effectRef idx="0">
-            <a:schemeClr val="accent6"/>
-          </a:effectRef>
-          <a:fontRef idx="minor">
-            <a:schemeClr val="lt1"/>
-          </a:fontRef>
-        </p:style>
-        <p:txBody>
-          <a:bodyPr rtlCol="0" anchor="ctr"/>
-          <a:lstStyle/>
-          <a:p>
-            <a:pPr algn="ctr"/>
-            <a:endParaRPr lang="en-SG"/>
-          </a:p>
-        </p:txBody>
-      </p:sp>
-      <p:sp>
-        <p:nvSpPr>
-          <p:cNvPr id="68" name="TextBox 67"/>
-          <p:cNvSpPr txBox="1"/>
-          <p:nvPr/>
-        </p:nvSpPr>
-        <p:spPr>
-          <a:xfrm>
-            <a:off x="549063" y="4567254"/>
-            <a:ext cx="682559" cy="369332"/>
-          </a:xfrm>
-          <a:prstGeom prst="rect">
-            <a:avLst/>
-          </a:prstGeom>
-          <a:noFill/>
-        </p:spPr>
-        <p:txBody>
-          <a:bodyPr wrap="none" rtlCol="0">
-            <a:spAutoFit/>
-          </a:bodyPr>
-          <a:lstStyle/>
-          <a:p>
-            <a:r>
-              <a:rPr lang="en-SG" dirty="0"/>
-              <a:t>Earth</a:t>
-            </a:r>
-          </a:p>
-        </p:txBody>
-      </p:sp>
-      <p:cxnSp>
-        <p:nvCxnSpPr>
-          <p:cNvPr id="69" name="Straight Connector 68"/>
-          <p:cNvCxnSpPr/>
-          <p:nvPr/>
-        </p:nvCxnSpPr>
-        <p:spPr>
-          <a:xfrm>
-            <a:off x="417891" y="3377520"/>
-            <a:ext cx="3346430" cy="0"/>
-          </a:xfrm>
-          <a:prstGeom prst="line">
-            <a:avLst/>
-          </a:prstGeom>
-          <a:ln w="38100">
-            <a:solidFill>
-              <a:srgbClr val="00B050"/>
-            </a:solidFill>
-          </a:ln>
-        </p:spPr>
-        <p:style>
-          <a:lnRef idx="1">
-            <a:schemeClr val="accent1"/>
-          </a:lnRef>
-          <a:fillRef idx="0">
-            <a:schemeClr val="accent1"/>
-          </a:fillRef>
-          <a:effectRef idx="0">
-            <a:schemeClr val="accent1"/>
-          </a:effectRef>
-          <a:fontRef idx="minor">
-            <a:schemeClr val="tx1"/>
-          </a:fontRef>
-        </p:style>
-      </p:cxnSp>
-      <p:sp>
-        <p:nvSpPr>
-          <p:cNvPr id="70" name="TextBox 69"/>
-          <p:cNvSpPr txBox="1"/>
-          <p:nvPr/>
-        </p:nvSpPr>
-        <p:spPr>
-          <a:xfrm>
-            <a:off x="728370" y="3043017"/>
-            <a:ext cx="1307730" cy="369332"/>
-          </a:xfrm>
-          <a:prstGeom prst="rect">
-            <a:avLst/>
-          </a:prstGeom>
-          <a:noFill/>
-        </p:spPr>
-        <p:txBody>
-          <a:bodyPr wrap="none" rtlCol="0">
-            <a:spAutoFit/>
-          </a:bodyPr>
-          <a:lstStyle/>
-          <a:p>
-            <a:r>
-              <a:rPr lang="en-SG" dirty="0"/>
-              <a:t>Mains Earth</a:t>
-            </a:r>
-          </a:p>
-        </p:txBody>
-      </p:sp>
-      <p:sp>
-        <p:nvSpPr>
-          <p:cNvPr id="33" name="Rectangle 32"/>
-          <p:cNvSpPr/>
-          <p:nvPr/>
-        </p:nvSpPr>
-        <p:spPr>
-          <a:xfrm>
-            <a:off x="1923923" y="1663602"/>
-            <a:ext cx="712332" cy="1135569"/>
-          </a:xfrm>
-          <a:prstGeom prst="rect">
-            <a:avLst/>
-          </a:prstGeom>
-          <a:ln w="38100">
-            <a:solidFill>
-              <a:srgbClr val="002060"/>
-            </a:solidFill>
-          </a:ln>
-        </p:spPr>
-        <p:style>
-          <a:lnRef idx="2">
-            <a:schemeClr val="accent1"/>
-          </a:lnRef>
-          <a:fillRef idx="1">
-            <a:schemeClr val="lt1"/>
-          </a:fillRef>
-          <a:effectRef idx="0">
-            <a:schemeClr val="accent1"/>
-          </a:effectRef>
-          <a:fontRef idx="minor">
-            <a:schemeClr val="dk1"/>
-          </a:fontRef>
-        </p:style>
-        <p:txBody>
-          <a:bodyPr rtlCol="0" anchor="ctr"/>
-          <a:lstStyle/>
-          <a:p>
-            <a:pPr algn="ctr"/>
-            <a:r>
-              <a:rPr lang="en-SG" dirty="0"/>
-              <a:t>RCBO</a:t>
-            </a:r>
-          </a:p>
-        </p:txBody>
-      </p:sp>
-      <p:cxnSp>
-        <p:nvCxnSpPr>
-          <p:cNvPr id="40" name="Straight Connector 39"/>
-          <p:cNvCxnSpPr/>
-          <p:nvPr/>
-        </p:nvCxnSpPr>
-        <p:spPr>
-          <a:xfrm>
-            <a:off x="4454148" y="1873429"/>
-            <a:ext cx="0" cy="829962"/>
-          </a:xfrm>
-          <a:prstGeom prst="line">
-            <a:avLst/>
-          </a:prstGeom>
-          <a:ln w="38100">
-            <a:solidFill>
-              <a:srgbClr val="FF0000"/>
-            </a:solidFill>
-            <a:prstDash val="sysDot"/>
-          </a:ln>
-        </p:spPr>
-        <p:style>
-          <a:lnRef idx="1">
-            <a:schemeClr val="accent1"/>
-          </a:lnRef>
-          <a:fillRef idx="0">
-            <a:schemeClr val="accent1"/>
-          </a:fillRef>
-          <a:effectRef idx="0">
-            <a:schemeClr val="accent1"/>
-          </a:effectRef>
-          <a:fontRef idx="minor">
-            <a:schemeClr val="tx1"/>
-          </a:fontRef>
-        </p:style>
-      </p:cxnSp>
-      <p:cxnSp>
-        <p:nvCxnSpPr>
-          <p:cNvPr id="41" name="Straight Connector 40"/>
-          <p:cNvCxnSpPr>
-            <a:stCxn id="49" idx="0"/>
-          </p:cNvCxnSpPr>
-          <p:nvPr/>
-        </p:nvCxnSpPr>
-        <p:spPr>
-          <a:xfrm flipH="1">
-            <a:off x="5083756" y="1219844"/>
-            <a:ext cx="1" cy="652357"/>
-          </a:xfrm>
-          <a:prstGeom prst="line">
-            <a:avLst/>
-          </a:prstGeom>
-          <a:ln w="38100">
-            <a:solidFill>
-              <a:srgbClr val="FF0000"/>
-            </a:solidFill>
-            <a:prstDash val="sysDot"/>
-          </a:ln>
-        </p:spPr>
-        <p:style>
-          <a:lnRef idx="1">
-            <a:schemeClr val="accent1"/>
-          </a:lnRef>
-          <a:fillRef idx="0">
-            <a:schemeClr val="accent1"/>
-          </a:fillRef>
-          <a:effectRef idx="0">
-            <a:schemeClr val="accent1"/>
-          </a:effectRef>
-          <a:fontRef idx="minor">
-            <a:schemeClr val="tx1"/>
-          </a:fontRef>
-        </p:style>
-      </p:cxnSp>
-      <p:sp>
-        <p:nvSpPr>
-          <p:cNvPr id="48" name="Rectangle 47"/>
-          <p:cNvSpPr/>
-          <p:nvPr/>
-        </p:nvSpPr>
-        <p:spPr>
-          <a:xfrm>
-            <a:off x="2995481" y="1720872"/>
-            <a:ext cx="628694" cy="281940"/>
-          </a:xfrm>
-          <a:prstGeom prst="rect">
-            <a:avLst/>
-          </a:prstGeom>
-          <a:noFill/>
-          <a:ln w="9525" cap="flat" cmpd="sng" algn="ctr">
-            <a:solidFill>
-              <a:schemeClr val="dk1"/>
-            </a:solidFill>
-            <a:prstDash val="solid"/>
-            <a:round/>
-            <a:headEnd type="none" w="med" len="med"/>
-            <a:tailEnd type="none" w="med" len="med"/>
-          </a:ln>
-        </p:spPr>
-        <p:style>
-          <a:lnRef idx="0">
-            <a:scrgbClr r="0" g="0" b="0"/>
-          </a:lnRef>
-          <a:fillRef idx="0">
-            <a:scrgbClr r="0" g="0" b="0"/>
-          </a:fillRef>
-          <a:effectRef idx="0">
-            <a:scrgbClr r="0" g="0" b="0"/>
-          </a:effectRef>
-          <a:fontRef idx="minor">
-            <a:schemeClr val="dk1"/>
-          </a:fontRef>
-        </p:style>
-        <p:txBody>
-          <a:bodyPr rtlCol="0" anchor="ctr"/>
-          <a:lstStyle/>
-          <a:p>
-            <a:pPr algn="ctr"/>
-            <a:r>
-              <a:rPr lang="en-SG" dirty="0"/>
-              <a:t>Fuse</a:t>
-            </a:r>
-          </a:p>
-        </p:txBody>
-      </p:sp>
-      <p:sp>
-        <p:nvSpPr>
-          <p:cNvPr id="43" name="Content Placeholder 2"/>
-          <p:cNvSpPr>
-            <a:spLocks noGrp="1"/>
-          </p:cNvSpPr>
-          <p:nvPr>
-            <p:ph idx="1"/>
-          </p:nvPr>
-        </p:nvSpPr>
-        <p:spPr>
-          <a:xfrm>
-            <a:off x="166820" y="5876080"/>
-            <a:ext cx="8755810" cy="734871"/>
-          </a:xfrm>
-        </p:spPr>
-        <p:txBody>
-          <a:bodyPr/>
-          <a:lstStyle/>
-          <a:p>
-            <a:r>
-              <a:rPr lang="en-US" dirty="0"/>
-              <a:t>RCBO = RCCB + MCB</a:t>
-            </a:r>
-          </a:p>
-        </p:txBody>
-      </p:sp>
-    </p:spTree>
-    <p:extLst>
-      <p:ext uri="{BB962C8B-B14F-4D97-AF65-F5344CB8AC3E}">
-        <p14:creationId xmlns:p14="http://schemas.microsoft.com/office/powerpoint/2010/main" val="260045449"/>
-      </p:ext>
-    </p:extLst>
-  </p:cSld>
-  <p:clrMapOvr>
-    <a:masterClrMapping/>
-  </p:clrMapOvr>
-  <mc:AlternateContent xmlns:mc="http://schemas.openxmlformats.org/markup-compatibility/2006" xmlns:p14="http://schemas.microsoft.com/office/powerpoint/2010/main">
-    <mc:Choice Requires="p14">
-      <p:transition spd="med" p14:dur="700">
-        <p:fade/>
-      </p:transition>
-    </mc:Choice>
-    <mc:Fallback xmlns="">
-      <p:transition spd="med">
-        <p:fade/>
-      </p:transition>
-    </mc:Fallback>
-  </mc:AlternateContent>
 </p:sld>
 </file>
 

--- a/training/RK Circuit Breaker Training.pptx
+++ b/training/RK Circuit Breaker Training.pptx
@@ -5,7 +5,7 @@
     <p:sldMasterId id="2147483660" r:id="rId1"/>
   </p:sldMasterIdLst>
   <p:notesMasterIdLst>
-    <p:notesMasterId r:id="rId24"/>
+    <p:notesMasterId r:id="rId25"/>
   </p:notesMasterIdLst>
   <p:sldIdLst>
     <p:sldId id="257" r:id="rId2"/>
@@ -28,8 +28,9 @@
     <p:sldId id="301" r:id="rId19"/>
     <p:sldId id="303" r:id="rId20"/>
     <p:sldId id="305" r:id="rId21"/>
-    <p:sldId id="306" r:id="rId22"/>
-    <p:sldId id="297" r:id="rId23"/>
+    <p:sldId id="307" r:id="rId22"/>
+    <p:sldId id="306" r:id="rId23"/>
+    <p:sldId id="297" r:id="rId24"/>
   </p:sldIdLst>
   <p:sldSz cx="9144000" cy="6858000" type="screen4x3"/>
   <p:notesSz cx="6858000" cy="9144000"/>
@@ -218,7 +219,7 @@
           <a:p>
             <a:fld id="{9E0EB355-D322-4E82-8A7D-D6DDD7014CE3}" type="datetimeFigureOut">
               <a:rPr lang="en-SG" smtClean="0"/>
-              <a:t>23/9/2016</a:t>
+              <a:t>14/4/2017</a:t>
             </a:fld>
             <a:endParaRPr lang="en-SG"/>
           </a:p>
@@ -617,7 +618,7 @@
           <a:p>
             <a:fld id="{40295B9D-081F-4060-83BF-2A07A5295613}" type="datetime1">
               <a:rPr lang="en-US" smtClean="0"/>
-              <a:t>9/23/2016</a:t>
+              <a:t>4/14/2017</a:t>
             </a:fld>
             <a:endParaRPr lang="en-US"/>
           </a:p>
@@ -787,7 +788,7 @@
           <a:p>
             <a:fld id="{B540E401-35D4-4528-8948-675FDF340808}" type="datetime1">
               <a:rPr lang="en-US" smtClean="0"/>
-              <a:t>9/23/2016</a:t>
+              <a:t>4/14/2017</a:t>
             </a:fld>
             <a:endParaRPr lang="en-US"/>
           </a:p>
@@ -967,7 +968,7 @@
           <a:p>
             <a:fld id="{2AFFDFFA-B8ED-4F50-A7B9-34492BC8A4A8}" type="datetime1">
               <a:rPr lang="en-US" smtClean="0"/>
-              <a:t>9/23/2016</a:t>
+              <a:t>4/14/2017</a:t>
             </a:fld>
             <a:endParaRPr lang="en-US"/>
           </a:p>
@@ -1137,7 +1138,7 @@
           <a:p>
             <a:fld id="{7A9926DE-CA11-4E1D-BDA6-09BE0C6DF9AE}" type="datetime1">
               <a:rPr lang="en-US" smtClean="0"/>
-              <a:t>9/23/2016</a:t>
+              <a:t>4/14/2017</a:t>
             </a:fld>
             <a:endParaRPr lang="en-US"/>
           </a:p>
@@ -1381,7 +1382,7 @@
           <a:p>
             <a:fld id="{41F80746-F9A4-4D0D-8988-DECD4686D4DF}" type="datetime1">
               <a:rPr lang="en-US" smtClean="0"/>
-              <a:t>9/23/2016</a:t>
+              <a:t>4/14/2017</a:t>
             </a:fld>
             <a:endParaRPr lang="en-US"/>
           </a:p>
@@ -1613,7 +1614,7 @@
           <a:p>
             <a:fld id="{6961628C-4C96-4957-AB13-48279A4233EC}" type="datetime1">
               <a:rPr lang="en-US" smtClean="0"/>
-              <a:t>9/23/2016</a:t>
+              <a:t>4/14/2017</a:t>
             </a:fld>
             <a:endParaRPr lang="en-US"/>
           </a:p>
@@ -1980,7 +1981,7 @@
           <a:p>
             <a:fld id="{254B1566-A34E-4F65-9AA9-B6928D19D3A5}" type="datetime1">
               <a:rPr lang="en-US" smtClean="0"/>
-              <a:t>9/23/2016</a:t>
+              <a:t>4/14/2017</a:t>
             </a:fld>
             <a:endParaRPr lang="en-US"/>
           </a:p>
@@ -2098,7 +2099,7 @@
           <a:p>
             <a:fld id="{C775C75B-E451-4890-9B15-BDD2C2441EB9}" type="datetime1">
               <a:rPr lang="en-US" smtClean="0"/>
-              <a:t>9/23/2016</a:t>
+              <a:t>4/14/2017</a:t>
             </a:fld>
             <a:endParaRPr lang="en-US"/>
           </a:p>
@@ -2193,7 +2194,7 @@
           <a:p>
             <a:fld id="{1AFF0C26-8B6C-4560-B167-2A1130742DBD}" type="datetime1">
               <a:rPr lang="en-US" smtClean="0"/>
-              <a:t>9/23/2016</a:t>
+              <a:t>4/14/2017</a:t>
             </a:fld>
             <a:endParaRPr lang="en-US"/>
           </a:p>
@@ -2470,7 +2471,7 @@
           <a:p>
             <a:fld id="{2BC7445C-7038-4953-ADE1-D0B82FAC0302}" type="datetime1">
               <a:rPr lang="en-US" smtClean="0"/>
-              <a:t>9/23/2016</a:t>
+              <a:t>4/14/2017</a:t>
             </a:fld>
             <a:endParaRPr lang="en-US"/>
           </a:p>
@@ -2727,7 +2728,7 @@
           <a:p>
             <a:fld id="{8AAF5D4C-B416-4C64-A944-AD1B5D13347B}" type="datetime1">
               <a:rPr lang="en-US" smtClean="0"/>
-              <a:t>9/23/2016</a:t>
+              <a:t>4/14/2017</a:t>
             </a:fld>
             <a:endParaRPr lang="en-US"/>
           </a:p>
@@ -2940,7 +2941,7 @@
           <a:p>
             <a:fld id="{48279938-50F5-462B-9F42-9CD24BC63B99}" type="datetime1">
               <a:rPr lang="en-US" smtClean="0"/>
-              <a:t>9/23/2016</a:t>
+              <a:t>4/14/2017</a:t>
             </a:fld>
             <a:endParaRPr lang="en-US"/>
           </a:p>
@@ -4171,29 +4172,6 @@
           </a:p>
         </p:txBody>
       </p:sp>
-      <p:pic>
-        <p:nvPicPr>
-          <p:cNvPr id="4" name="Content Placeholder 3"/>
-          <p:cNvPicPr>
-            <a:picLocks noGrp="1" noChangeAspect="1"/>
-          </p:cNvPicPr>
-          <p:nvPr>
-            <p:ph idx="1"/>
-          </p:nvPr>
-        </p:nvPicPr>
-        <p:blipFill>
-          <a:blip r:embed="rId2"/>
-          <a:stretch>
-            <a:fillRect/>
-          </a:stretch>
-        </p:blipFill>
-        <p:spPr>
-          <a:xfrm>
-            <a:off x="5629275" y="37964"/>
-            <a:ext cx="3471862" cy="4629150"/>
-          </a:xfrm>
-        </p:spPr>
-      </p:pic>
       <p:sp>
         <p:nvSpPr>
           <p:cNvPr id="6" name="Content Placeholder 2"/>
@@ -4399,7 +4377,7 @@
           <a:p>
             <a:r>
               <a:rPr lang="en-SG" sz="2000" dirty="0"/>
-              <a:t>75 mins response time</a:t>
+              <a:t>40 mins response time</a:t>
             </a:r>
           </a:p>
           <a:p>
@@ -4420,6 +4398,55 @@
             <a:picLocks noChangeAspect="1"/>
           </p:cNvPicPr>
           <p:nvPr/>
+        </p:nvPicPr>
+        <p:blipFill>
+          <a:blip r:embed="rId2"/>
+          <a:stretch>
+            <a:fillRect/>
+          </a:stretch>
+        </p:blipFill>
+        <p:spPr>
+          <a:xfrm>
+            <a:off x="999320" y="4717915"/>
+            <a:ext cx="7513465" cy="2067061"/>
+          </a:xfrm>
+          <a:prstGeom prst="rect">
+            <a:avLst/>
+          </a:prstGeom>
+        </p:spPr>
+      </p:pic>
+      <p:sp>
+        <p:nvSpPr>
+          <p:cNvPr id="3" name="Slide Number Placeholder 2"/>
+          <p:cNvSpPr>
+            <a:spLocks noGrp="1"/>
+          </p:cNvSpPr>
+          <p:nvPr>
+            <p:ph type="sldNum" sz="quarter" idx="12"/>
+          </p:nvPr>
+        </p:nvSpPr>
+        <p:spPr/>
+        <p:txBody>
+          <a:bodyPr/>
+          <a:lstStyle/>
+          <a:p>
+            <a:fld id="{68EF4619-F19A-E048-BC08-46ED4E2D9E67}" type="slidenum">
+              <a:rPr lang="en-US" smtClean="0"/>
+              <a:t>12</a:t>
+            </a:fld>
+            <a:endParaRPr lang="en-US"/>
+          </a:p>
+        </p:txBody>
+      </p:sp>
+      <p:pic>
+        <p:nvPicPr>
+          <p:cNvPr id="10" name="Content Placeholder 9"/>
+          <p:cNvPicPr>
+            <a:picLocks noGrp="1" noChangeAspect="1"/>
+          </p:cNvPicPr>
+          <p:nvPr>
+            <p:ph idx="1"/>
+          </p:nvPr>
         </p:nvPicPr>
         <p:blipFill>
           <a:blip r:embed="rId3"/>
@@ -4429,37 +4456,11 @@
         </p:blipFill>
         <p:spPr>
           <a:xfrm>
-            <a:off x="999320" y="4717915"/>
-            <a:ext cx="7513465" cy="2067061"/>
-          </a:xfrm>
-          <a:prstGeom prst="rect">
-            <a:avLst/>
-          </a:prstGeom>
+            <a:off x="5893375" y="289719"/>
+            <a:ext cx="2976170" cy="4351338"/>
+          </a:xfrm>
         </p:spPr>
       </p:pic>
-      <p:sp>
-        <p:nvSpPr>
-          <p:cNvPr id="3" name="Slide Number Placeholder 2"/>
-          <p:cNvSpPr>
-            <a:spLocks noGrp="1"/>
-          </p:cNvSpPr>
-          <p:nvPr>
-            <p:ph type="sldNum" sz="quarter" idx="12"/>
-          </p:nvPr>
-        </p:nvSpPr>
-        <p:spPr/>
-        <p:txBody>
-          <a:bodyPr/>
-          <a:lstStyle/>
-          <a:p>
-            <a:fld id="{68EF4619-F19A-E048-BC08-46ED4E2D9E67}" type="slidenum">
-              <a:rPr lang="en-US" smtClean="0"/>
-              <a:t>12</a:t>
-            </a:fld>
-            <a:endParaRPr lang="en-US"/>
-          </a:p>
-        </p:txBody>
-      </p:sp>
     </p:spTree>
     <p:extLst>
       <p:ext uri="{BB962C8B-B14F-4D97-AF65-F5344CB8AC3E}">
@@ -5718,6 +5719,54 @@
           </a:prstGeom>
         </p:spPr>
       </p:pic>
+      <p:sp>
+        <p:nvSpPr>
+          <p:cNvPr id="6" name="Rectangle 5"/>
+          <p:cNvSpPr/>
+          <p:nvPr/>
+        </p:nvSpPr>
+        <p:spPr>
+          <a:xfrm>
+            <a:off x="2975114" y="2001078"/>
+            <a:ext cx="298174" cy="1133061"/>
+          </a:xfrm>
+          <a:prstGeom prst="rect">
+            <a:avLst/>
+          </a:prstGeom>
+          <a:noFill/>
+          <a:ln w="28575" cap="flat" cmpd="sng" algn="ctr">
+            <a:solidFill>
+              <a:srgbClr val="FF0000"/>
+            </a:solidFill>
+            <a:prstDash val="solid"/>
+            <a:round/>
+            <a:headEnd type="none" w="med" len="med"/>
+            <a:tailEnd type="none" w="med" len="med"/>
+          </a:ln>
+        </p:spPr>
+        <p:style>
+          <a:lnRef idx="0">
+            <a:scrgbClr r="0" g="0" b="0"/>
+          </a:lnRef>
+          <a:fillRef idx="0">
+            <a:scrgbClr r="0" g="0" b="0"/>
+          </a:fillRef>
+          <a:effectRef idx="0">
+            <a:scrgbClr r="0" g="0" b="0"/>
+          </a:effectRef>
+          <a:fontRef idx="minor">
+            <a:schemeClr val="dk1"/>
+          </a:fontRef>
+        </p:style>
+        <p:txBody>
+          <a:bodyPr rtlCol="0" anchor="ctr"/>
+          <a:lstStyle/>
+          <a:p>
+            <a:pPr algn="ctr"/>
+            <a:endParaRPr lang="en-SG"/>
+          </a:p>
+        </p:txBody>
+      </p:sp>
     </p:spTree>
     <p:extLst>
       <p:ext uri="{BB962C8B-B14F-4D97-AF65-F5344CB8AC3E}">
@@ -7376,7 +7425,7 @@
         <p:spPr>
           <a:xfrm>
             <a:off x="10761" y="5990541"/>
-            <a:ext cx="9271834" cy="584775"/>
+            <a:ext cx="8988743" cy="584775"/>
           </a:xfrm>
           <a:prstGeom prst="rect">
             <a:avLst/>
@@ -7391,7 +7440,7 @@
           <a:p>
             <a:r>
               <a:rPr lang="en-SG" sz="1600" dirty="0"/>
-              <a:t>Blowing range of Type B: 3 – 5 times rated current, but can trip at 50% of rated current under prolonged use</a:t>
+              <a:t>Blowing range of Type B: 3 – 5 times rated current, but can trip at 50% of rated current after prolonged use</a:t>
             </a:r>
           </a:p>
           <a:p>
@@ -7505,7 +7554,6 @@
           <a:bodyPr rtlCol="0" anchor="ctr"/>
           <a:lstStyle/>
           <a:p>
-            <a:pPr algn="ctr"/>
             <a:r>
               <a:rPr lang="en-SG" sz="1400" dirty="0">
                 <a:solidFill>
@@ -8660,69 +8708,20 @@
             <p:ph type="title"/>
           </p:nvPr>
         </p:nvSpPr>
-        <p:spPr/>
+        <p:spPr>
+          <a:xfrm>
+            <a:off x="3153189" y="2611369"/>
+            <a:ext cx="2936185" cy="1325563"/>
+          </a:xfrm>
+        </p:spPr>
         <p:txBody>
           <a:bodyPr/>
           <a:lstStyle/>
           <a:p>
             <a:r>
               <a:rPr lang="en-SG" dirty="0"/>
-              <a:t>Setup is not fool proof!</a:t>
-            </a:r>
-          </a:p>
-        </p:txBody>
-      </p:sp>
-      <p:sp>
-        <p:nvSpPr>
-          <p:cNvPr id="3" name="Content Placeholder 2"/>
-          <p:cNvSpPr>
-            <a:spLocks noGrp="1"/>
-          </p:cNvSpPr>
-          <p:nvPr>
-            <p:ph idx="1"/>
-          </p:nvPr>
-        </p:nvSpPr>
-        <p:spPr/>
-        <p:txBody>
-          <a:bodyPr/>
-          <a:lstStyle/>
-          <a:p>
-            <a:pPr marL="514350" indent="-514350">
-              <a:buFont typeface="+mj-lt"/>
-              <a:buAutoNum type="arabicPeriod"/>
-            </a:pPr>
-            <a:r>
-              <a:rPr lang="en-SG" sz="2400" dirty="0"/>
-              <a:t>There is an Earth-leakage via means other than the Earth wire</a:t>
-            </a:r>
-          </a:p>
-          <a:p>
-            <a:pPr marL="514350" indent="-514350">
-              <a:buFont typeface="+mj-lt"/>
-              <a:buAutoNum type="arabicPeriod"/>
-            </a:pPr>
-            <a:r>
-              <a:rPr lang="en-SG" sz="2400" dirty="0"/>
-              <a:t>There is an overload in the circuit </a:t>
-            </a:r>
-            <a:r>
-              <a:rPr lang="en-SG" sz="2400" dirty="0" err="1"/>
-              <a:t>eg</a:t>
-            </a:r>
-            <a:r>
-              <a:rPr lang="en-SG" sz="2400" dirty="0"/>
-              <a:t> short circuit.</a:t>
-            </a:r>
-          </a:p>
-          <a:p>
-            <a:pPr lvl="1"/>
-            <a:r>
-              <a:rPr lang="en-SG" sz="2000" dirty="0"/>
-              <a:t>Overload Trip sensitivity of external breaker better than ours</a:t>
-            </a:r>
-          </a:p>
-          <a:p>
-            <a:endParaRPr lang="en-SG" dirty="0"/>
+              <a:t>Questions?</a:t>
+            </a:r>
           </a:p>
         </p:txBody>
       </p:sp>
@@ -8749,10 +8748,70 @@
           </a:p>
         </p:txBody>
       </p:sp>
+      <p:sp>
+        <p:nvSpPr>
+          <p:cNvPr id="5" name="TextBox 4"/>
+          <p:cNvSpPr txBox="1"/>
+          <p:nvPr/>
+        </p:nvSpPr>
+        <p:spPr>
+          <a:xfrm>
+            <a:off x="4001951" y="5821821"/>
+            <a:ext cx="5142049" cy="707886"/>
+          </a:xfrm>
+          <a:prstGeom prst="rect">
+            <a:avLst/>
+          </a:prstGeom>
+          <a:noFill/>
+        </p:spPr>
+        <p:txBody>
+          <a:bodyPr wrap="none" rtlCol="0">
+            <a:spAutoFit/>
+          </a:bodyPr>
+          <a:lstStyle/>
+          <a:p>
+            <a:pPr algn="r"/>
+            <a:r>
+              <a:rPr lang="en-SG" sz="1600" dirty="0"/>
+              <a:t>By: Yeo Kheng Meng (</a:t>
+            </a:r>
+            <a:r>
+              <a:rPr lang="en-SG" sz="1600" dirty="0">
+                <a:hlinkClick r:id="rId2"/>
+              </a:rPr>
+              <a:t>yeokm1@gmail.com</a:t>
+            </a:r>
+            <a:r>
+              <a:rPr lang="en-SG" sz="1600" dirty="0"/>
+              <a:t>)</a:t>
+            </a:r>
+          </a:p>
+          <a:p>
+            <a:pPr algn="r"/>
+            <a:r>
+              <a:rPr lang="en-SG" sz="1200" dirty="0">
+                <a:hlinkClick r:id="rId3"/>
+              </a:rPr>
+              <a:t>https://github.com/yeokm1/repair-kopitiam-training-and-equipment</a:t>
+            </a:r>
+            <a:endParaRPr lang="en-SG" sz="1200" dirty="0"/>
+          </a:p>
+          <a:p>
+            <a:pPr algn="r"/>
+            <a:r>
+              <a:rPr lang="en-SG" sz="1200" dirty="0">
+                <a:hlinkClick r:id="rId4"/>
+              </a:rPr>
+              <a:t>http://yeokhengmeng.com/2016/05/repair-kopitiam-speciality-electrical-tools/</a:t>
+            </a:r>
+            <a:endParaRPr lang="en-SG" sz="1200" dirty="0"/>
+          </a:p>
+        </p:txBody>
+      </p:sp>
     </p:spTree>
     <p:extLst>
       <p:ext uri="{BB962C8B-B14F-4D97-AF65-F5344CB8AC3E}">
-        <p14:creationId xmlns:p14="http://schemas.microsoft.com/office/powerpoint/2010/main" val="4184625489"/>
+        <p14:creationId xmlns:p14="http://schemas.microsoft.com/office/powerpoint/2010/main" val="3677553419"/>
       </p:ext>
     </p:extLst>
   </p:cSld>
@@ -8789,6 +8848,140 @@
             <p:ph type="title"/>
           </p:nvPr>
         </p:nvSpPr>
+        <p:spPr/>
+        <p:txBody>
+          <a:bodyPr/>
+          <a:lstStyle/>
+          <a:p>
+            <a:r>
+              <a:rPr lang="en-SG" dirty="0"/>
+              <a:t>Setup is not fool proof!</a:t>
+            </a:r>
+          </a:p>
+        </p:txBody>
+      </p:sp>
+      <p:sp>
+        <p:nvSpPr>
+          <p:cNvPr id="3" name="Content Placeholder 2"/>
+          <p:cNvSpPr>
+            <a:spLocks noGrp="1"/>
+          </p:cNvSpPr>
+          <p:nvPr>
+            <p:ph idx="1"/>
+          </p:nvPr>
+        </p:nvSpPr>
+        <p:spPr>
+          <a:xfrm>
+            <a:off x="318052" y="1825625"/>
+            <a:ext cx="8633791" cy="4351338"/>
+          </a:xfrm>
+        </p:spPr>
+        <p:txBody>
+          <a:bodyPr/>
+          <a:lstStyle/>
+          <a:p>
+            <a:pPr marL="514350" indent="-514350">
+              <a:buFont typeface="+mj-lt"/>
+              <a:buAutoNum type="arabicPeriod"/>
+            </a:pPr>
+            <a:r>
+              <a:rPr lang="en-SG" sz="2400" dirty="0"/>
+              <a:t>There is an Earth-leakage via means other than the Earth wire</a:t>
+            </a:r>
+          </a:p>
+          <a:p>
+            <a:pPr marL="514350" indent="-514350">
+              <a:buFont typeface="+mj-lt"/>
+              <a:buAutoNum type="arabicPeriod"/>
+            </a:pPr>
+            <a:r>
+              <a:rPr lang="en-SG" sz="2400" dirty="0"/>
+              <a:t>There is an overload in the circuit </a:t>
+            </a:r>
+            <a:r>
+              <a:rPr lang="en-SG" sz="2400" dirty="0" err="1"/>
+              <a:t>eg</a:t>
+            </a:r>
+            <a:r>
+              <a:rPr lang="en-SG" sz="2400" dirty="0"/>
+              <a:t> short circuit.</a:t>
+            </a:r>
+          </a:p>
+          <a:p>
+            <a:pPr lvl="1"/>
+            <a:r>
+              <a:rPr lang="en-SG" sz="2000" dirty="0"/>
+              <a:t>Overload Trip sensitivity of external breaker better than ours</a:t>
+            </a:r>
+          </a:p>
+          <a:p>
+            <a:endParaRPr lang="en-SG" dirty="0"/>
+          </a:p>
+        </p:txBody>
+      </p:sp>
+      <p:sp>
+        <p:nvSpPr>
+          <p:cNvPr id="4" name="Slide Number Placeholder 3"/>
+          <p:cNvSpPr>
+            <a:spLocks noGrp="1"/>
+          </p:cNvSpPr>
+          <p:nvPr>
+            <p:ph type="sldNum" sz="quarter" idx="12"/>
+          </p:nvPr>
+        </p:nvSpPr>
+        <p:spPr/>
+        <p:txBody>
+          <a:bodyPr/>
+          <a:lstStyle/>
+          <a:p>
+            <a:fld id="{68EF4619-F19A-E048-BC08-46ED4E2D9E67}" type="slidenum">
+              <a:rPr lang="en-US" smtClean="0"/>
+              <a:t>22</a:t>
+            </a:fld>
+            <a:endParaRPr lang="en-US"/>
+          </a:p>
+        </p:txBody>
+      </p:sp>
+    </p:spTree>
+    <p:extLst>
+      <p:ext uri="{BB962C8B-B14F-4D97-AF65-F5344CB8AC3E}">
+        <p14:creationId xmlns:p14="http://schemas.microsoft.com/office/powerpoint/2010/main" val="4184625489"/>
+      </p:ext>
+    </p:extLst>
+  </p:cSld>
+  <p:clrMapOvr>
+    <a:masterClrMapping/>
+  </p:clrMapOvr>
+</p:sld>
+</file>
+
+<file path=ppt/slides/slide23.xml><?xml version="1.0" encoding="utf-8"?>
+<p:sld xmlns:a="http://schemas.openxmlformats.org/drawingml/2006/main" xmlns:r="http://schemas.openxmlformats.org/officeDocument/2006/relationships" xmlns:p="http://schemas.openxmlformats.org/presentationml/2006/main">
+  <p:cSld>
+    <p:spTree>
+      <p:nvGrpSpPr>
+        <p:cNvPr id="1" name=""/>
+        <p:cNvGrpSpPr/>
+        <p:nvPr/>
+      </p:nvGrpSpPr>
+      <p:grpSpPr>
+        <a:xfrm>
+          <a:off x="0" y="0"/>
+          <a:ext cx="0" cy="0"/>
+          <a:chOff x="0" y="0"/>
+          <a:chExt cx="0" cy="0"/>
+        </a:xfrm>
+      </p:grpSpPr>
+      <p:sp>
+        <p:nvSpPr>
+          <p:cNvPr id="2" name="Title 1"/>
+          <p:cNvSpPr>
+            <a:spLocks noGrp="1"/>
+          </p:cNvSpPr>
+          <p:nvPr>
+            <p:ph type="title"/>
+          </p:nvPr>
+        </p:nvSpPr>
         <p:spPr>
           <a:xfrm>
             <a:off x="1363980" y="40933"/>
@@ -9575,7 +9768,7 @@
           <a:p>
             <a:fld id="{07B38D2E-128E-4BB7-AEDC-917EE0E41F69}" type="slidenum">
               <a:rPr lang="en-SG" smtClean="0"/>
-              <a:t>22</a:t>
+              <a:t>23</a:t>
             </a:fld>
             <a:endParaRPr lang="en-SG" dirty="0"/>
           </a:p>
@@ -10275,7 +10468,7 @@
             <a:pPr algn="ctr"/>
             <a:r>
               <a:rPr lang="en-SG" sz="1200" dirty="0"/>
-              <a:t>240V </a:t>
+              <a:t>230V </a:t>
             </a:r>
           </a:p>
           <a:p>
@@ -12376,7 +12569,7 @@
             <a:pPr algn="ctr"/>
             <a:r>
               <a:rPr lang="en-SG" sz="1200" dirty="0"/>
-              <a:t>240V </a:t>
+              <a:t>230V </a:t>
             </a:r>
           </a:p>
           <a:p>
@@ -14222,7 +14415,7 @@
             <a:pPr algn="ctr"/>
             <a:r>
               <a:rPr lang="en-SG" sz="1200" dirty="0"/>
-              <a:t>240V </a:t>
+              <a:t>230V </a:t>
             </a:r>
           </a:p>
           <a:p>
@@ -16649,7 +16842,7 @@
             <a:pPr algn="ctr"/>
             <a:r>
               <a:rPr lang="en-SG" sz="1200" dirty="0"/>
-              <a:t>240V </a:t>
+              <a:t>230V </a:t>
             </a:r>
           </a:p>
           <a:p>
@@ -18417,7 +18610,7 @@
             <a:pPr algn="ctr"/>
             <a:r>
               <a:rPr lang="en-SG" sz="1200" dirty="0"/>
-              <a:t>240V </a:t>
+              <a:t>230V </a:t>
             </a:r>
           </a:p>
           <a:p>

--- a/training/RK Circuit Breaker Training.pptx
+++ b/training/RK Circuit Breaker Training.pptx
@@ -32,7 +32,7 @@
     <p:sldId id="310" r:id="rId23"/>
     <p:sldId id="315" r:id="rId24"/>
     <p:sldId id="323" r:id="rId25"/>
-    <p:sldId id="324" r:id="rId26"/>
+    <p:sldId id="325" r:id="rId26"/>
   </p:sldIdLst>
   <p:sldSz cx="12192000" cy="6858000"/>
   <p:notesSz cx="6858000" cy="9144000"/>
@@ -225,7 +225,7 @@
           <a:p>
             <a:fld id="{9E0EB355-D322-4E82-8A7D-D6DDD7014CE3}" type="datetimeFigureOut">
               <a:rPr lang="en-SG" smtClean="0"/>
-              <a:t>8/8/2017</a:t>
+              <a:t>12/8/2017</a:t>
             </a:fld>
             <a:endParaRPr lang="en-SG"/>
           </a:p>
@@ -624,7 +624,7 @@
           <a:p>
             <a:fld id="{40295B9D-081F-4060-83BF-2A07A5295613}" type="datetime1">
               <a:rPr lang="en-US" smtClean="0"/>
-              <a:t>8/8/2017</a:t>
+              <a:t>8/12/2017</a:t>
             </a:fld>
             <a:endParaRPr lang="en-US"/>
           </a:p>
@@ -794,7 +794,7 @@
           <a:p>
             <a:fld id="{B540E401-35D4-4528-8948-675FDF340808}" type="datetime1">
               <a:rPr lang="en-US" smtClean="0"/>
-              <a:t>8/8/2017</a:t>
+              <a:t>8/12/2017</a:t>
             </a:fld>
             <a:endParaRPr lang="en-US"/>
           </a:p>
@@ -974,7 +974,7 @@
           <a:p>
             <a:fld id="{2AFFDFFA-B8ED-4F50-A7B9-34492BC8A4A8}" type="datetime1">
               <a:rPr lang="en-US" smtClean="0"/>
-              <a:t>8/8/2017</a:t>
+              <a:t>8/12/2017</a:t>
             </a:fld>
             <a:endParaRPr lang="en-US"/>
           </a:p>
@@ -1144,7 +1144,7 @@
           <a:p>
             <a:fld id="{7A9926DE-CA11-4E1D-BDA6-09BE0C6DF9AE}" type="datetime1">
               <a:rPr lang="en-US" smtClean="0"/>
-              <a:t>8/8/2017</a:t>
+              <a:t>8/12/2017</a:t>
             </a:fld>
             <a:endParaRPr lang="en-US"/>
           </a:p>
@@ -1390,7 +1390,7 @@
           <a:p>
             <a:fld id="{41F80746-F9A4-4D0D-8988-DECD4686D4DF}" type="datetime1">
               <a:rPr lang="en-US" smtClean="0"/>
-              <a:t>8/8/2017</a:t>
+              <a:t>8/12/2017</a:t>
             </a:fld>
             <a:endParaRPr lang="en-US"/>
           </a:p>
@@ -1622,7 +1622,7 @@
           <a:p>
             <a:fld id="{6961628C-4C96-4957-AB13-48279A4233EC}" type="datetime1">
               <a:rPr lang="en-US" smtClean="0"/>
-              <a:t>8/8/2017</a:t>
+              <a:t>8/12/2017</a:t>
             </a:fld>
             <a:endParaRPr lang="en-US"/>
           </a:p>
@@ -1989,7 +1989,7 @@
           <a:p>
             <a:fld id="{254B1566-A34E-4F65-9AA9-B6928D19D3A5}" type="datetime1">
               <a:rPr lang="en-US" smtClean="0"/>
-              <a:t>8/8/2017</a:t>
+              <a:t>8/12/2017</a:t>
             </a:fld>
             <a:endParaRPr lang="en-US"/>
           </a:p>
@@ -2107,7 +2107,7 @@
           <a:p>
             <a:fld id="{C775C75B-E451-4890-9B15-BDD2C2441EB9}" type="datetime1">
               <a:rPr lang="en-US" smtClean="0"/>
-              <a:t>8/8/2017</a:t>
+              <a:t>8/12/2017</a:t>
             </a:fld>
             <a:endParaRPr lang="en-US"/>
           </a:p>
@@ -2202,7 +2202,7 @@
           <a:p>
             <a:fld id="{1AFF0C26-8B6C-4560-B167-2A1130742DBD}" type="datetime1">
               <a:rPr lang="en-US" smtClean="0"/>
-              <a:t>8/8/2017</a:t>
+              <a:t>8/12/2017</a:t>
             </a:fld>
             <a:endParaRPr lang="en-US"/>
           </a:p>
@@ -2479,7 +2479,7 @@
           <a:p>
             <a:fld id="{2BC7445C-7038-4953-ADE1-D0B82FAC0302}" type="datetime1">
               <a:rPr lang="en-US" smtClean="0"/>
-              <a:t>8/8/2017</a:t>
+              <a:t>8/12/2017</a:t>
             </a:fld>
             <a:endParaRPr lang="en-US"/>
           </a:p>
@@ -2736,7 +2736,7 @@
           <a:p>
             <a:fld id="{8AAF5D4C-B416-4C64-A944-AD1B5D13347B}" type="datetime1">
               <a:rPr lang="en-US" smtClean="0"/>
-              <a:t>8/8/2017</a:t>
+              <a:t>8/12/2017</a:t>
             </a:fld>
             <a:endParaRPr lang="en-US"/>
           </a:p>
@@ -2949,7 +2949,7 @@
           <a:p>
             <a:fld id="{48279938-50F5-462B-9F42-9CD24BC63B99}" type="datetime1">
               <a:rPr lang="en-US" smtClean="0"/>
-              <a:t>8/8/2017</a:t>
+              <a:t>8/12/2017</a:t>
             </a:fld>
             <a:endParaRPr lang="en-US"/>
           </a:p>
@@ -8275,113 +8275,37 @@
       </p:grpSpPr>
       <p:sp>
         <p:nvSpPr>
-          <p:cNvPr id="2" name="Title 1">
-            <a:extLst>
-              <a:ext uri="{FF2B5EF4-FFF2-40B4-BE49-F238E27FC236}">
-                <a16:creationId xmlns:a16="http://schemas.microsoft.com/office/drawing/2014/main" id="{4391E9A4-EC4A-441F-A475-F3CC48F3C9AD}"/>
-              </a:ext>
-            </a:extLst>
-          </p:cNvPr>
+          <p:cNvPr id="2" name="Title 1"/>
           <p:cNvSpPr>
             <a:spLocks noGrp="1"/>
           </p:cNvSpPr>
           <p:nvPr>
-            <p:ph type="title"/>
+            <p:ph type="ctrTitle"/>
           </p:nvPr>
         </p:nvSpPr>
-        <p:spPr/>
-        <p:txBody>
-          <a:bodyPr/>
-          <a:lstStyle/>
-          <a:p>
-            <a:r>
-              <a:rPr lang="en-SG" dirty="0"/>
-              <a:t>If you want to know more?</a:t>
-            </a:r>
-          </a:p>
-        </p:txBody>
-      </p:sp>
-      <p:sp>
-        <p:nvSpPr>
-          <p:cNvPr id="3" name="Content Placeholder 2">
-            <a:extLst>
-              <a:ext uri="{FF2B5EF4-FFF2-40B4-BE49-F238E27FC236}">
-                <a16:creationId xmlns:a16="http://schemas.microsoft.com/office/drawing/2014/main" id="{493D6C5F-DE1C-4779-B24E-1BF050D465FB}"/>
-              </a:ext>
-            </a:extLst>
-          </p:cNvPr>
-          <p:cNvSpPr>
-            <a:spLocks noGrp="1"/>
-          </p:cNvSpPr>
-          <p:nvPr>
-            <p:ph idx="1"/>
-          </p:nvPr>
-        </p:nvSpPr>
-        <p:spPr/>
-        <p:txBody>
-          <a:bodyPr/>
-          <a:lstStyle/>
-          <a:p>
-            <a:r>
-              <a:rPr lang="en-SG" dirty="0"/>
-              <a:t>About the short circuit limiter</a:t>
-            </a:r>
-          </a:p>
-          <a:p>
-            <a:r>
-              <a:rPr lang="en-SG" dirty="0" err="1"/>
-              <a:t>Hackware</a:t>
-            </a:r>
-            <a:r>
-              <a:rPr lang="en-SG" dirty="0"/>
-              <a:t> v3.4</a:t>
-            </a:r>
-          </a:p>
-          <a:p>
-            <a:pPr lvl="1"/>
-            <a:r>
-              <a:rPr lang="en-SG" dirty="0"/>
-              <a:t>7.30pm, Wed, 6 Sept 2017</a:t>
-            </a:r>
-          </a:p>
-          <a:p>
-            <a:pPr lvl="1"/>
-            <a:r>
-              <a:rPr lang="en-SG" dirty="0"/>
-              <a:t>Design and Engineering Laboratory, NUS High School</a:t>
-            </a:r>
-          </a:p>
-          <a:p>
-            <a:pPr lvl="1"/>
-            <a:r>
-              <a:rPr lang="en-SG" dirty="0">
-                <a:hlinkClick r:id="rId2"/>
-              </a:rPr>
-              <a:t>https://www.facebook.com/events/261629434317053/</a:t>
-            </a:r>
-            <a:endParaRPr lang="en-SG" dirty="0"/>
-          </a:p>
-          <a:p>
-            <a:pPr lvl="1"/>
-            <a:endParaRPr lang="en-SG" dirty="0"/>
-          </a:p>
-          <a:p>
-            <a:r>
-              <a:rPr lang="en-SG" dirty="0"/>
-              <a:t>NOT COMPULSORY!!!</a:t>
-            </a:r>
-          </a:p>
-        </p:txBody>
-      </p:sp>
-      <p:sp>
-        <p:nvSpPr>
-          <p:cNvPr id="4" name="Slide Number Placeholder 3">
-            <a:extLst>
-              <a:ext uri="{FF2B5EF4-FFF2-40B4-BE49-F238E27FC236}">
-                <a16:creationId xmlns:a16="http://schemas.microsoft.com/office/drawing/2014/main" id="{4B01F781-7B5B-4FB0-9631-269D89DE9626}"/>
-              </a:ext>
-            </a:extLst>
-          </p:cNvPr>
+        <p:spPr>
+          <a:xfrm>
+            <a:off x="4821383" y="2934734"/>
+            <a:ext cx="2595416" cy="708624"/>
+          </a:xfrm>
+        </p:spPr>
+        <p:txBody>
+          <a:bodyPr>
+            <a:noAutofit/>
+          </a:bodyPr>
+          <a:lstStyle/>
+          <a:p>
+            <a:pPr algn="l"/>
+            <a:r>
+              <a:rPr lang="en-SG" sz="4400" dirty="0"/>
+              <a:t>Questions</a:t>
+            </a:r>
+          </a:p>
+        </p:txBody>
+      </p:sp>
+      <p:sp>
+        <p:nvSpPr>
+          <p:cNvPr id="7" name="Slide Number Placeholder 6"/>
           <p:cNvSpPr>
             <a:spLocks noGrp="1"/>
           </p:cNvSpPr>
@@ -8394,24 +8318,112 @@
           <a:bodyPr/>
           <a:lstStyle/>
           <a:p>
-            <a:fld id="{68EF4619-F19A-E048-BC08-46ED4E2D9E67}" type="slidenum">
-              <a:rPr lang="en-US" smtClean="0"/>
+            <a:fld id="{D58B649F-BA72-4D5B-9DE7-B85048FCABD7}" type="slidenum">
+              <a:rPr lang="en-SG" smtClean="0"/>
               <a:t>25</a:t>
             </a:fld>
-            <a:endParaRPr lang="en-US"/>
+            <a:endParaRPr lang="en-SG"/>
+          </a:p>
+        </p:txBody>
+      </p:sp>
+      <p:sp>
+        <p:nvSpPr>
+          <p:cNvPr id="8" name="TextBox 7">
+            <a:extLst>
+              <a:ext uri="{FF2B5EF4-FFF2-40B4-BE49-F238E27FC236}">
+                <a16:creationId xmlns:a16="http://schemas.microsoft.com/office/drawing/2014/main" id="{8A6FC92A-01FB-4228-A904-67BA8A1AC779}"/>
+              </a:ext>
+            </a:extLst>
+          </p:cNvPr>
+          <p:cNvSpPr txBox="1"/>
+          <p:nvPr/>
+        </p:nvSpPr>
+        <p:spPr>
+          <a:xfrm>
+            <a:off x="5396357" y="5609118"/>
+            <a:ext cx="6795643" cy="892552"/>
+          </a:xfrm>
+          <a:prstGeom prst="rect">
+            <a:avLst/>
+          </a:prstGeom>
+          <a:noFill/>
+        </p:spPr>
+        <p:txBody>
+          <a:bodyPr wrap="none" rtlCol="0">
+            <a:spAutoFit/>
+          </a:bodyPr>
+          <a:lstStyle/>
+          <a:p>
+            <a:pPr algn="r"/>
+            <a:r>
+              <a:rPr lang="en-SG" sz="1600" dirty="0"/>
+              <a:t>By: Yeo Kheng Meng (</a:t>
+            </a:r>
+            <a:r>
+              <a:rPr lang="en-SG" sz="1600" dirty="0">
+                <a:hlinkClick r:id="rId2"/>
+              </a:rPr>
+              <a:t>yeokm1@gmail.com</a:t>
+            </a:r>
+            <a:r>
+              <a:rPr lang="en-SG" sz="1600" dirty="0"/>
+              <a:t>)</a:t>
+            </a:r>
+          </a:p>
+          <a:p>
+            <a:pPr algn="r"/>
+            <a:r>
+              <a:rPr lang="en-SG" sz="1200" dirty="0">
+                <a:hlinkClick r:id="rId3"/>
+              </a:rPr>
+              <a:t>https://github.com/yeokm1/repair-kopitiam-training-and-equipment</a:t>
+            </a:r>
+            <a:endParaRPr lang="en-SG" sz="1200" dirty="0"/>
+          </a:p>
+          <a:p>
+            <a:pPr algn="r"/>
+            <a:r>
+              <a:rPr lang="en-SG" sz="1200" dirty="0">
+                <a:hlinkClick r:id="rId4"/>
+              </a:rPr>
+              <a:t>http://yeokhengmeng.com/2016/05/repair-kopitiam-speciality-electrical-tools/</a:t>
+            </a:r>
+            <a:endParaRPr lang="en-SG" sz="1200" dirty="0"/>
+          </a:p>
+          <a:p>
+            <a:pPr algn="r"/>
+            <a:r>
+              <a:rPr lang="en-SG" sz="1200" dirty="0">
+                <a:hlinkClick r:id="rId5"/>
+              </a:rPr>
+              <a:t>http://yeokhengmeng.com/2017/07/repair-kopitiam-specialty-electrical-tools-part-2-short-circuit-limiter/</a:t>
+            </a:r>
+            <a:endParaRPr lang="en-SG" sz="1200" dirty="0"/>
           </a:p>
         </p:txBody>
       </p:sp>
     </p:spTree>
     <p:extLst>
       <p:ext uri="{BB962C8B-B14F-4D97-AF65-F5344CB8AC3E}">
-        <p14:creationId xmlns:p14="http://schemas.microsoft.com/office/powerpoint/2010/main" val="4259321993"/>
+        <p14:creationId xmlns:p14="http://schemas.microsoft.com/office/powerpoint/2010/main" val="1629874716"/>
       </p:ext>
     </p:extLst>
   </p:cSld>
   <p:clrMapOvr>
     <a:masterClrMapping/>
   </p:clrMapOvr>
+  <mc:AlternateContent xmlns:mc="http://schemas.openxmlformats.org/markup-compatibility/2006" xmlns:p14="http://schemas.microsoft.com/office/powerpoint/2010/main">
+    <mc:Choice Requires="p14">
+      <p:transition spd="med" p14:dur="700">
+        <p:fade/>
+      </p:transition>
+    </mc:Choice>
+    <mc:Fallback xmlns="">
+      <p:transition spd="med">
+        <p:fade/>
+      </p:transition>
+    </mc:Fallback>
+  </mc:AlternateContent>
 </p:sld>
 </file>
 

--- a/training/RK Circuit Breaker Training.pptx
+++ b/training/RK Circuit Breaker Training.pptx
@@ -5,7 +5,7 @@
     <p:sldMasterId id="2147483672" r:id="rId1"/>
   </p:sldMasterIdLst>
   <p:notesMasterIdLst>
-    <p:notesMasterId r:id="rId27"/>
+    <p:notesMasterId r:id="rId28"/>
   </p:notesMasterIdLst>
   <p:sldIdLst>
     <p:sldId id="257" r:id="rId2"/>
@@ -31,8 +31,9 @@
     <p:sldId id="303" r:id="rId22"/>
     <p:sldId id="310" r:id="rId23"/>
     <p:sldId id="315" r:id="rId24"/>
-    <p:sldId id="323" r:id="rId25"/>
-    <p:sldId id="325" r:id="rId26"/>
+    <p:sldId id="326" r:id="rId25"/>
+    <p:sldId id="323" r:id="rId26"/>
+    <p:sldId id="325" r:id="rId27"/>
   </p:sldIdLst>
   <p:sldSz cx="12192000" cy="6858000"/>
   <p:notesSz cx="6858000" cy="9144000"/>
@@ -225,7 +226,7 @@
           <a:p>
             <a:fld id="{9E0EB355-D322-4E82-8A7D-D6DDD7014CE3}" type="datetimeFigureOut">
               <a:rPr lang="en-SG" smtClean="0"/>
-              <a:t>12/8/2017</a:t>
+              <a:t>13/8/2017</a:t>
             </a:fld>
             <a:endParaRPr lang="en-SG"/>
           </a:p>
@@ -624,7 +625,7 @@
           <a:p>
             <a:fld id="{40295B9D-081F-4060-83BF-2A07A5295613}" type="datetime1">
               <a:rPr lang="en-US" smtClean="0"/>
-              <a:t>8/12/2017</a:t>
+              <a:t>8/13/2017</a:t>
             </a:fld>
             <a:endParaRPr lang="en-US"/>
           </a:p>
@@ -794,7 +795,7 @@
           <a:p>
             <a:fld id="{B540E401-35D4-4528-8948-675FDF340808}" type="datetime1">
               <a:rPr lang="en-US" smtClean="0"/>
-              <a:t>8/12/2017</a:t>
+              <a:t>8/13/2017</a:t>
             </a:fld>
             <a:endParaRPr lang="en-US"/>
           </a:p>
@@ -974,7 +975,7 @@
           <a:p>
             <a:fld id="{2AFFDFFA-B8ED-4F50-A7B9-34492BC8A4A8}" type="datetime1">
               <a:rPr lang="en-US" smtClean="0"/>
-              <a:t>8/12/2017</a:t>
+              <a:t>8/13/2017</a:t>
             </a:fld>
             <a:endParaRPr lang="en-US"/>
           </a:p>
@@ -1144,7 +1145,7 @@
           <a:p>
             <a:fld id="{7A9926DE-CA11-4E1D-BDA6-09BE0C6DF9AE}" type="datetime1">
               <a:rPr lang="en-US" smtClean="0"/>
-              <a:t>8/12/2017</a:t>
+              <a:t>8/13/2017</a:t>
             </a:fld>
             <a:endParaRPr lang="en-US"/>
           </a:p>
@@ -1390,7 +1391,7 @@
           <a:p>
             <a:fld id="{41F80746-F9A4-4D0D-8988-DECD4686D4DF}" type="datetime1">
               <a:rPr lang="en-US" smtClean="0"/>
-              <a:t>8/12/2017</a:t>
+              <a:t>8/13/2017</a:t>
             </a:fld>
             <a:endParaRPr lang="en-US"/>
           </a:p>
@@ -1622,7 +1623,7 @@
           <a:p>
             <a:fld id="{6961628C-4C96-4957-AB13-48279A4233EC}" type="datetime1">
               <a:rPr lang="en-US" smtClean="0"/>
-              <a:t>8/12/2017</a:t>
+              <a:t>8/13/2017</a:t>
             </a:fld>
             <a:endParaRPr lang="en-US"/>
           </a:p>
@@ -1989,7 +1990,7 @@
           <a:p>
             <a:fld id="{254B1566-A34E-4F65-9AA9-B6928D19D3A5}" type="datetime1">
               <a:rPr lang="en-US" smtClean="0"/>
-              <a:t>8/12/2017</a:t>
+              <a:t>8/13/2017</a:t>
             </a:fld>
             <a:endParaRPr lang="en-US"/>
           </a:p>
@@ -2107,7 +2108,7 @@
           <a:p>
             <a:fld id="{C775C75B-E451-4890-9B15-BDD2C2441EB9}" type="datetime1">
               <a:rPr lang="en-US" smtClean="0"/>
-              <a:t>8/12/2017</a:t>
+              <a:t>8/13/2017</a:t>
             </a:fld>
             <a:endParaRPr lang="en-US"/>
           </a:p>
@@ -2202,7 +2203,7 @@
           <a:p>
             <a:fld id="{1AFF0C26-8B6C-4560-B167-2A1130742DBD}" type="datetime1">
               <a:rPr lang="en-US" smtClean="0"/>
-              <a:t>8/12/2017</a:t>
+              <a:t>8/13/2017</a:t>
             </a:fld>
             <a:endParaRPr lang="en-US"/>
           </a:p>
@@ -2479,7 +2480,7 @@
           <a:p>
             <a:fld id="{2BC7445C-7038-4953-ADE1-D0B82FAC0302}" type="datetime1">
               <a:rPr lang="en-US" smtClean="0"/>
-              <a:t>8/12/2017</a:t>
+              <a:t>8/13/2017</a:t>
             </a:fld>
             <a:endParaRPr lang="en-US"/>
           </a:p>
@@ -2736,7 +2737,7 @@
           <a:p>
             <a:fld id="{8AAF5D4C-B416-4C64-A944-AD1B5D13347B}" type="datetime1">
               <a:rPr lang="en-US" smtClean="0"/>
-              <a:t>8/12/2017</a:t>
+              <a:t>8/13/2017</a:t>
             </a:fld>
             <a:endParaRPr lang="en-US"/>
           </a:p>
@@ -2949,7 +2950,7 @@
           <a:p>
             <a:fld id="{48279938-50F5-462B-9F42-9CD24BC63B99}" type="datetime1">
               <a:rPr lang="en-US" smtClean="0"/>
-              <a:t>8/12/2017</a:t>
+              <a:t>8/13/2017</a:t>
             </a:fld>
             <a:endParaRPr lang="en-US"/>
           </a:p>
@@ -7937,6 +7938,669 @@
       </p:grpSpPr>
       <p:sp>
         <p:nvSpPr>
+          <p:cNvPr id="2" name="Title 1">
+            <a:extLst>
+              <a:ext uri="{FF2B5EF4-FFF2-40B4-BE49-F238E27FC236}">
+                <a16:creationId xmlns:a16="http://schemas.microsoft.com/office/drawing/2014/main" id="{5CC04820-0D68-4A19-B8C6-79E53BE44ED1}"/>
+              </a:ext>
+            </a:extLst>
+          </p:cNvPr>
+          <p:cNvSpPr>
+            <a:spLocks noGrp="1"/>
+          </p:cNvSpPr>
+          <p:nvPr>
+            <p:ph type="title"/>
+          </p:nvPr>
+        </p:nvSpPr>
+        <p:spPr/>
+        <p:txBody>
+          <a:bodyPr/>
+          <a:lstStyle/>
+          <a:p>
+            <a:r>
+              <a:rPr lang="en-SG" dirty="0"/>
+              <a:t>Before plugging in new appliance</a:t>
+            </a:r>
+          </a:p>
+        </p:txBody>
+      </p:sp>
+      <p:sp>
+        <p:nvSpPr>
+          <p:cNvPr id="3" name="Content Placeholder 2">
+            <a:extLst>
+              <a:ext uri="{FF2B5EF4-FFF2-40B4-BE49-F238E27FC236}">
+                <a16:creationId xmlns:a16="http://schemas.microsoft.com/office/drawing/2014/main" id="{CAC018F2-603B-4B14-8E1A-F9520A57C271}"/>
+              </a:ext>
+            </a:extLst>
+          </p:cNvPr>
+          <p:cNvSpPr>
+            <a:spLocks noGrp="1"/>
+          </p:cNvSpPr>
+          <p:nvPr>
+            <p:ph idx="1"/>
+          </p:nvPr>
+        </p:nvSpPr>
+        <p:spPr>
+          <a:xfrm>
+            <a:off x="838200" y="1825625"/>
+            <a:ext cx="10515600" cy="4895850"/>
+          </a:xfrm>
+        </p:spPr>
+        <p:txBody>
+          <a:bodyPr/>
+          <a:lstStyle/>
+          <a:p>
+            <a:r>
+              <a:rPr lang="en-SG" dirty="0"/>
+              <a:t>Check if short-circuit-limiter is in bypass mode</a:t>
+            </a:r>
+          </a:p>
+          <a:p>
+            <a:r>
+              <a:rPr lang="en-SG" dirty="0"/>
+              <a:t>Bypassed </a:t>
+            </a:r>
+          </a:p>
+          <a:p>
+            <a:pPr lvl="1"/>
+            <a:r>
+              <a:rPr lang="en-SG" dirty="0"/>
+              <a:t>1-beep recently</a:t>
+            </a:r>
+          </a:p>
+          <a:p>
+            <a:pPr lvl="1"/>
+            <a:r>
+              <a:rPr lang="en-SG" dirty="0"/>
+              <a:t>LCD Backlight is on</a:t>
+            </a:r>
+          </a:p>
+          <a:p>
+            <a:pPr lvl="1"/>
+            <a:r>
+              <a:rPr lang="en-SG" dirty="0"/>
+              <a:t>“Bypassed” message on screen</a:t>
+            </a:r>
+          </a:p>
+          <a:p>
+            <a:r>
+              <a:rPr lang="en-SG" dirty="0"/>
+              <a:t>Not-Bypassed</a:t>
+            </a:r>
+          </a:p>
+          <a:p>
+            <a:pPr lvl="1"/>
+            <a:r>
+              <a:rPr lang="en-SG" dirty="0"/>
+              <a:t>2-beeps recently</a:t>
+            </a:r>
+          </a:p>
+          <a:p>
+            <a:pPr lvl="1"/>
+            <a:r>
+              <a:rPr lang="en-SG" dirty="0"/>
+              <a:t>LCD Backlight is off</a:t>
+            </a:r>
+          </a:p>
+          <a:p>
+            <a:pPr lvl="1"/>
+            <a:r>
+              <a:rPr lang="en-SG" dirty="0"/>
+              <a:t>“In Effect” message on screen</a:t>
+            </a:r>
+          </a:p>
+          <a:p>
+            <a:pPr lvl="1"/>
+            <a:endParaRPr lang="en-SG" dirty="0"/>
+          </a:p>
+          <a:p>
+            <a:r>
+              <a:rPr lang="en-SG" dirty="0"/>
+              <a:t>Turn off other appliances to let limiter go back to “Not-Bypassed”</a:t>
+            </a:r>
+          </a:p>
+          <a:p>
+            <a:pPr lvl="1"/>
+            <a:endParaRPr lang="en-SG" dirty="0"/>
+          </a:p>
+          <a:p>
+            <a:pPr lvl="1"/>
+            <a:endParaRPr lang="en-SG" dirty="0"/>
+          </a:p>
+        </p:txBody>
+      </p:sp>
+      <p:sp>
+        <p:nvSpPr>
+          <p:cNvPr id="4" name="Slide Number Placeholder 3">
+            <a:extLst>
+              <a:ext uri="{FF2B5EF4-FFF2-40B4-BE49-F238E27FC236}">
+                <a16:creationId xmlns:a16="http://schemas.microsoft.com/office/drawing/2014/main" id="{541B038A-5C69-4F9A-ABEA-119DE805DBD8}"/>
+              </a:ext>
+            </a:extLst>
+          </p:cNvPr>
+          <p:cNvSpPr>
+            <a:spLocks noGrp="1"/>
+          </p:cNvSpPr>
+          <p:nvPr>
+            <p:ph type="sldNum" sz="quarter" idx="12"/>
+          </p:nvPr>
+        </p:nvSpPr>
+        <p:spPr/>
+        <p:txBody>
+          <a:bodyPr/>
+          <a:lstStyle/>
+          <a:p>
+            <a:fld id="{68EF4619-F19A-E048-BC08-46ED4E2D9E67}" type="slidenum">
+              <a:rPr lang="en-US" smtClean="0"/>
+              <a:t>24</a:t>
+            </a:fld>
+            <a:endParaRPr lang="en-US"/>
+          </a:p>
+        </p:txBody>
+      </p:sp>
+    </p:spTree>
+    <p:extLst>
+      <p:ext uri="{BB962C8B-B14F-4D97-AF65-F5344CB8AC3E}">
+        <p14:creationId xmlns:p14="http://schemas.microsoft.com/office/powerpoint/2010/main" val="1114075732"/>
+      </p:ext>
+    </p:extLst>
+  </p:cSld>
+  <p:clrMapOvr>
+    <a:masterClrMapping/>
+  </p:clrMapOvr>
+  <p:timing>
+    <p:tnLst>
+      <p:par>
+        <p:cTn id="1" dur="indefinite" restart="never" nodeType="tmRoot">
+          <p:childTnLst>
+            <p:seq concurrent="1" nextAc="seek">
+              <p:cTn id="2" dur="indefinite" nodeType="mainSeq">
+                <p:childTnLst>
+                  <p:par>
+                    <p:cTn id="3" fill="hold">
+                      <p:stCondLst>
+                        <p:cond delay="indefinite"/>
+                      </p:stCondLst>
+                      <p:childTnLst>
+                        <p:par>
+                          <p:cTn id="4" fill="hold">
+                            <p:stCondLst>
+                              <p:cond delay="0"/>
+                            </p:stCondLst>
+                            <p:childTnLst>
+                              <p:par>
+                                <p:cTn id="5" presetID="10" presetClass="entr" presetSubtype="0" fill="hold" nodeType="clickEffect">
+                                  <p:stCondLst>
+                                    <p:cond delay="0"/>
+                                  </p:stCondLst>
+                                  <p:childTnLst>
+                                    <p:set>
+                                      <p:cBhvr>
+                                        <p:cTn id="6" dur="1" fill="hold">
+                                          <p:stCondLst>
+                                            <p:cond delay="0"/>
+                                          </p:stCondLst>
+                                        </p:cTn>
+                                        <p:tgtEl>
+                                          <p:spTgt spid="3">
+                                            <p:txEl>
+                                              <p:pRg st="1" end="1"/>
+                                            </p:txEl>
+                                          </p:spTgt>
+                                        </p:tgtEl>
+                                        <p:attrNameLst>
+                                          <p:attrName>style.visibility</p:attrName>
+                                        </p:attrNameLst>
+                                      </p:cBhvr>
+                                      <p:to>
+                                        <p:strVal val="visible"/>
+                                      </p:to>
+                                    </p:set>
+                                    <p:animEffect transition="in" filter="fade">
+                                      <p:cBhvr>
+                                        <p:cTn id="7" dur="500"/>
+                                        <p:tgtEl>
+                                          <p:spTgt spid="3">
+                                            <p:txEl>
+                                              <p:pRg st="1" end="1"/>
+                                            </p:txEl>
+                                          </p:spTgt>
+                                        </p:tgtEl>
+                                      </p:cBhvr>
+                                    </p:animEffect>
+                                  </p:childTnLst>
+                                </p:cTn>
+                              </p:par>
+                              <p:par>
+                                <p:cTn id="8" presetID="10" presetClass="entr" presetSubtype="0" fill="hold" nodeType="withEffect">
+                                  <p:stCondLst>
+                                    <p:cond delay="0"/>
+                                  </p:stCondLst>
+                                  <p:childTnLst>
+                                    <p:set>
+                                      <p:cBhvr>
+                                        <p:cTn id="9" dur="1" fill="hold">
+                                          <p:stCondLst>
+                                            <p:cond delay="0"/>
+                                          </p:stCondLst>
+                                        </p:cTn>
+                                        <p:tgtEl>
+                                          <p:spTgt spid="3">
+                                            <p:txEl>
+                                              <p:pRg st="2" end="2"/>
+                                            </p:txEl>
+                                          </p:spTgt>
+                                        </p:tgtEl>
+                                        <p:attrNameLst>
+                                          <p:attrName>style.visibility</p:attrName>
+                                        </p:attrNameLst>
+                                      </p:cBhvr>
+                                      <p:to>
+                                        <p:strVal val="visible"/>
+                                      </p:to>
+                                    </p:set>
+                                    <p:animEffect transition="in" filter="fade">
+                                      <p:cBhvr>
+                                        <p:cTn id="10" dur="500"/>
+                                        <p:tgtEl>
+                                          <p:spTgt spid="3">
+                                            <p:txEl>
+                                              <p:pRg st="2" end="2"/>
+                                            </p:txEl>
+                                          </p:spTgt>
+                                        </p:tgtEl>
+                                      </p:cBhvr>
+                                    </p:animEffect>
+                                  </p:childTnLst>
+                                </p:cTn>
+                              </p:par>
+                              <p:par>
+                                <p:cTn id="11" presetID="10" presetClass="entr" presetSubtype="0" fill="hold" nodeType="withEffect">
+                                  <p:stCondLst>
+                                    <p:cond delay="0"/>
+                                  </p:stCondLst>
+                                  <p:childTnLst>
+                                    <p:set>
+                                      <p:cBhvr>
+                                        <p:cTn id="12" dur="1" fill="hold">
+                                          <p:stCondLst>
+                                            <p:cond delay="0"/>
+                                          </p:stCondLst>
+                                        </p:cTn>
+                                        <p:tgtEl>
+                                          <p:spTgt spid="3">
+                                            <p:txEl>
+                                              <p:pRg st="3" end="3"/>
+                                            </p:txEl>
+                                          </p:spTgt>
+                                        </p:tgtEl>
+                                        <p:attrNameLst>
+                                          <p:attrName>style.visibility</p:attrName>
+                                        </p:attrNameLst>
+                                      </p:cBhvr>
+                                      <p:to>
+                                        <p:strVal val="visible"/>
+                                      </p:to>
+                                    </p:set>
+                                    <p:animEffect transition="in" filter="fade">
+                                      <p:cBhvr>
+                                        <p:cTn id="13" dur="500"/>
+                                        <p:tgtEl>
+                                          <p:spTgt spid="3">
+                                            <p:txEl>
+                                              <p:pRg st="3" end="3"/>
+                                            </p:txEl>
+                                          </p:spTgt>
+                                        </p:tgtEl>
+                                      </p:cBhvr>
+                                    </p:animEffect>
+                                  </p:childTnLst>
+                                </p:cTn>
+                              </p:par>
+                              <p:par>
+                                <p:cTn id="14" presetID="10" presetClass="entr" presetSubtype="0" fill="hold" nodeType="withEffect">
+                                  <p:stCondLst>
+                                    <p:cond delay="0"/>
+                                  </p:stCondLst>
+                                  <p:childTnLst>
+                                    <p:set>
+                                      <p:cBhvr>
+                                        <p:cTn id="15" dur="1" fill="hold">
+                                          <p:stCondLst>
+                                            <p:cond delay="0"/>
+                                          </p:stCondLst>
+                                        </p:cTn>
+                                        <p:tgtEl>
+                                          <p:spTgt spid="3">
+                                            <p:txEl>
+                                              <p:pRg st="4" end="4"/>
+                                            </p:txEl>
+                                          </p:spTgt>
+                                        </p:tgtEl>
+                                        <p:attrNameLst>
+                                          <p:attrName>style.visibility</p:attrName>
+                                        </p:attrNameLst>
+                                      </p:cBhvr>
+                                      <p:to>
+                                        <p:strVal val="visible"/>
+                                      </p:to>
+                                    </p:set>
+                                    <p:animEffect transition="in" filter="fade">
+                                      <p:cBhvr>
+                                        <p:cTn id="16" dur="500"/>
+                                        <p:tgtEl>
+                                          <p:spTgt spid="3">
+                                            <p:txEl>
+                                              <p:pRg st="4" end="4"/>
+                                            </p:txEl>
+                                          </p:spTgt>
+                                        </p:tgtEl>
+                                      </p:cBhvr>
+                                    </p:animEffect>
+                                  </p:childTnLst>
+                                </p:cTn>
+                              </p:par>
+                            </p:childTnLst>
+                          </p:cTn>
+                        </p:par>
+                      </p:childTnLst>
+                    </p:cTn>
+                  </p:par>
+                  <p:par>
+                    <p:cTn id="17" fill="hold">
+                      <p:stCondLst>
+                        <p:cond delay="indefinite"/>
+                      </p:stCondLst>
+                      <p:childTnLst>
+                        <p:par>
+                          <p:cTn id="18" fill="hold">
+                            <p:stCondLst>
+                              <p:cond delay="0"/>
+                            </p:stCondLst>
+                            <p:childTnLst>
+                              <p:par>
+                                <p:cTn id="19" presetID="10" presetClass="entr" presetSubtype="0" fill="hold" nodeType="clickEffect">
+                                  <p:stCondLst>
+                                    <p:cond delay="0"/>
+                                  </p:stCondLst>
+                                  <p:childTnLst>
+                                    <p:set>
+                                      <p:cBhvr>
+                                        <p:cTn id="20" dur="1" fill="hold">
+                                          <p:stCondLst>
+                                            <p:cond delay="0"/>
+                                          </p:stCondLst>
+                                        </p:cTn>
+                                        <p:tgtEl>
+                                          <p:spTgt spid="3">
+                                            <p:txEl>
+                                              <p:pRg st="5" end="5"/>
+                                            </p:txEl>
+                                          </p:spTgt>
+                                        </p:tgtEl>
+                                        <p:attrNameLst>
+                                          <p:attrName>style.visibility</p:attrName>
+                                        </p:attrNameLst>
+                                      </p:cBhvr>
+                                      <p:to>
+                                        <p:strVal val="visible"/>
+                                      </p:to>
+                                    </p:set>
+                                    <p:animEffect transition="in" filter="fade">
+                                      <p:cBhvr>
+                                        <p:cTn id="21" dur="500"/>
+                                        <p:tgtEl>
+                                          <p:spTgt spid="3">
+                                            <p:txEl>
+                                              <p:pRg st="5" end="5"/>
+                                            </p:txEl>
+                                          </p:spTgt>
+                                        </p:tgtEl>
+                                      </p:cBhvr>
+                                    </p:animEffect>
+                                  </p:childTnLst>
+                                </p:cTn>
+                              </p:par>
+                              <p:par>
+                                <p:cTn id="22" presetID="10" presetClass="entr" presetSubtype="0" fill="hold" nodeType="withEffect">
+                                  <p:stCondLst>
+                                    <p:cond delay="0"/>
+                                  </p:stCondLst>
+                                  <p:childTnLst>
+                                    <p:set>
+                                      <p:cBhvr>
+                                        <p:cTn id="23" dur="1" fill="hold">
+                                          <p:stCondLst>
+                                            <p:cond delay="0"/>
+                                          </p:stCondLst>
+                                        </p:cTn>
+                                        <p:tgtEl>
+                                          <p:spTgt spid="3">
+                                            <p:txEl>
+                                              <p:pRg st="6" end="6"/>
+                                            </p:txEl>
+                                          </p:spTgt>
+                                        </p:tgtEl>
+                                        <p:attrNameLst>
+                                          <p:attrName>style.visibility</p:attrName>
+                                        </p:attrNameLst>
+                                      </p:cBhvr>
+                                      <p:to>
+                                        <p:strVal val="visible"/>
+                                      </p:to>
+                                    </p:set>
+                                    <p:animEffect transition="in" filter="fade">
+                                      <p:cBhvr>
+                                        <p:cTn id="24" dur="500"/>
+                                        <p:tgtEl>
+                                          <p:spTgt spid="3">
+                                            <p:txEl>
+                                              <p:pRg st="6" end="6"/>
+                                            </p:txEl>
+                                          </p:spTgt>
+                                        </p:tgtEl>
+                                      </p:cBhvr>
+                                    </p:animEffect>
+                                  </p:childTnLst>
+                                </p:cTn>
+                              </p:par>
+                              <p:par>
+                                <p:cTn id="25" presetID="10" presetClass="entr" presetSubtype="0" fill="hold" nodeType="withEffect">
+                                  <p:stCondLst>
+                                    <p:cond delay="0"/>
+                                  </p:stCondLst>
+                                  <p:childTnLst>
+                                    <p:set>
+                                      <p:cBhvr>
+                                        <p:cTn id="26" dur="1" fill="hold">
+                                          <p:stCondLst>
+                                            <p:cond delay="0"/>
+                                          </p:stCondLst>
+                                        </p:cTn>
+                                        <p:tgtEl>
+                                          <p:spTgt spid="3">
+                                            <p:txEl>
+                                              <p:pRg st="7" end="7"/>
+                                            </p:txEl>
+                                          </p:spTgt>
+                                        </p:tgtEl>
+                                        <p:attrNameLst>
+                                          <p:attrName>style.visibility</p:attrName>
+                                        </p:attrNameLst>
+                                      </p:cBhvr>
+                                      <p:to>
+                                        <p:strVal val="visible"/>
+                                      </p:to>
+                                    </p:set>
+                                    <p:animEffect transition="in" filter="fade">
+                                      <p:cBhvr>
+                                        <p:cTn id="27" dur="500"/>
+                                        <p:tgtEl>
+                                          <p:spTgt spid="3">
+                                            <p:txEl>
+                                              <p:pRg st="7" end="7"/>
+                                            </p:txEl>
+                                          </p:spTgt>
+                                        </p:tgtEl>
+                                      </p:cBhvr>
+                                    </p:animEffect>
+                                  </p:childTnLst>
+                                </p:cTn>
+                              </p:par>
+                              <p:par>
+                                <p:cTn id="28" presetID="10" presetClass="entr" presetSubtype="0" fill="hold" nodeType="withEffect">
+                                  <p:stCondLst>
+                                    <p:cond delay="0"/>
+                                  </p:stCondLst>
+                                  <p:childTnLst>
+                                    <p:set>
+                                      <p:cBhvr>
+                                        <p:cTn id="29" dur="1" fill="hold">
+                                          <p:stCondLst>
+                                            <p:cond delay="0"/>
+                                          </p:stCondLst>
+                                        </p:cTn>
+                                        <p:tgtEl>
+                                          <p:spTgt spid="3">
+                                            <p:txEl>
+                                              <p:pRg st="8" end="8"/>
+                                            </p:txEl>
+                                          </p:spTgt>
+                                        </p:tgtEl>
+                                        <p:attrNameLst>
+                                          <p:attrName>style.visibility</p:attrName>
+                                        </p:attrNameLst>
+                                      </p:cBhvr>
+                                      <p:to>
+                                        <p:strVal val="visible"/>
+                                      </p:to>
+                                    </p:set>
+                                    <p:animEffect transition="in" filter="fade">
+                                      <p:cBhvr>
+                                        <p:cTn id="30" dur="500"/>
+                                        <p:tgtEl>
+                                          <p:spTgt spid="3">
+                                            <p:txEl>
+                                              <p:pRg st="8" end="8"/>
+                                            </p:txEl>
+                                          </p:spTgt>
+                                        </p:tgtEl>
+                                      </p:cBhvr>
+                                    </p:animEffect>
+                                  </p:childTnLst>
+                                </p:cTn>
+                              </p:par>
+                            </p:childTnLst>
+                          </p:cTn>
+                        </p:par>
+                      </p:childTnLst>
+                    </p:cTn>
+                  </p:par>
+                  <p:par>
+                    <p:cTn id="31" fill="hold">
+                      <p:stCondLst>
+                        <p:cond delay="indefinite"/>
+                      </p:stCondLst>
+                      <p:childTnLst>
+                        <p:par>
+                          <p:cTn id="32" fill="hold">
+                            <p:stCondLst>
+                              <p:cond delay="0"/>
+                            </p:stCondLst>
+                            <p:childTnLst>
+                              <p:par>
+                                <p:cTn id="33" presetID="10" presetClass="entr" presetSubtype="0" fill="hold" nodeType="clickEffect">
+                                  <p:stCondLst>
+                                    <p:cond delay="0"/>
+                                  </p:stCondLst>
+                                  <p:childTnLst>
+                                    <p:set>
+                                      <p:cBhvr>
+                                        <p:cTn id="34" dur="1" fill="hold">
+                                          <p:stCondLst>
+                                            <p:cond delay="0"/>
+                                          </p:stCondLst>
+                                        </p:cTn>
+                                        <p:tgtEl>
+                                          <p:spTgt spid="3">
+                                            <p:txEl>
+                                              <p:pRg st="10" end="10"/>
+                                            </p:txEl>
+                                          </p:spTgt>
+                                        </p:tgtEl>
+                                        <p:attrNameLst>
+                                          <p:attrName>style.visibility</p:attrName>
+                                        </p:attrNameLst>
+                                      </p:cBhvr>
+                                      <p:to>
+                                        <p:strVal val="visible"/>
+                                      </p:to>
+                                    </p:set>
+                                    <p:animEffect transition="in" filter="fade">
+                                      <p:cBhvr>
+                                        <p:cTn id="35" dur="500"/>
+                                        <p:tgtEl>
+                                          <p:spTgt spid="3">
+                                            <p:txEl>
+                                              <p:pRg st="10" end="10"/>
+                                            </p:txEl>
+                                          </p:spTgt>
+                                        </p:tgtEl>
+                                      </p:cBhvr>
+                                    </p:animEffect>
+                                  </p:childTnLst>
+                                </p:cTn>
+                              </p:par>
+                            </p:childTnLst>
+                          </p:cTn>
+                        </p:par>
+                      </p:childTnLst>
+                    </p:cTn>
+                  </p:par>
+                </p:childTnLst>
+              </p:cTn>
+              <p:prevCondLst>
+                <p:cond evt="onPrev" delay="0">
+                  <p:tgtEl>
+                    <p:sldTgt/>
+                  </p:tgtEl>
+                </p:cond>
+              </p:prevCondLst>
+              <p:nextCondLst>
+                <p:cond evt="onNext" delay="0">
+                  <p:tgtEl>
+                    <p:sldTgt/>
+                  </p:tgtEl>
+                </p:cond>
+              </p:nextCondLst>
+            </p:seq>
+          </p:childTnLst>
+        </p:cTn>
+      </p:par>
+    </p:tnLst>
+  </p:timing>
+</p:sld>
+</file>
+
+<file path=ppt/slides/slide25.xml><?xml version="1.0" encoding="utf-8"?>
+<p:sld xmlns:a="http://schemas.openxmlformats.org/drawingml/2006/main" xmlns:r="http://schemas.openxmlformats.org/officeDocument/2006/relationships" xmlns:p="http://schemas.openxmlformats.org/presentationml/2006/main">
+  <p:cSld>
+    <p:spTree>
+      <p:nvGrpSpPr>
+        <p:cNvPr id="1" name=""/>
+        <p:cNvGrpSpPr/>
+        <p:nvPr/>
+      </p:nvGrpSpPr>
+      <p:grpSpPr>
+        <a:xfrm>
+          <a:off x="0" y="0"/>
+          <a:ext cx="0" cy="0"/>
+          <a:chOff x="0" y="0"/>
+          <a:chExt cx="0" cy="0"/>
+        </a:xfrm>
+      </p:grpSpPr>
+      <p:sp>
+        <p:nvSpPr>
           <p:cNvPr id="2" name="Title 1"/>
           <p:cNvSpPr>
             <a:spLocks noGrp="1"/>
@@ -7981,7 +8645,7 @@
           <a:p>
             <a:fld id="{68EF4619-F19A-E048-BC08-46ED4E2D9E67}" type="slidenum">
               <a:rPr lang="en-US" smtClean="0"/>
-              <a:t>24</a:t>
+              <a:t>25</a:t>
             </a:fld>
             <a:endParaRPr lang="en-US"/>
           </a:p>
@@ -8256,7 +8920,7 @@
 </p:sld>
 </file>
 
-<file path=ppt/slides/slide25.xml><?xml version="1.0" encoding="utf-8"?>
+<file path=ppt/slides/slide26.xml><?xml version="1.0" encoding="utf-8"?>
 <p:sld xmlns:a="http://schemas.openxmlformats.org/drawingml/2006/main" xmlns:r="http://schemas.openxmlformats.org/officeDocument/2006/relationships" xmlns:p="http://schemas.openxmlformats.org/presentationml/2006/main">
   <p:cSld>
     <p:spTree>
@@ -8320,7 +8984,7 @@
           <a:p>
             <a:fld id="{D58B649F-BA72-4D5B-9DE7-B85048FCABD7}" type="slidenum">
               <a:rPr lang="en-SG" smtClean="0"/>
-              <a:t>25</a:t>
+              <a:t>26</a:t>
             </a:fld>
             <a:endParaRPr lang="en-SG"/>
           </a:p>
